--- a/이정진-육아품앗이 ver1.0.pptx
+++ b/이정진-육아품앗이 ver1.0.pptx
@@ -1179,6 +1179,65 @@
         <p:txBody>
           <a:bodyPr/>
           <a:lstStyle/>
+          <a:p>
+            <a:r>
+              <a:rPr lang="en-US" altLang="ko-KR" dirty="0"/>
+              <a:t>No,</a:t>
+            </a:r>
+            <a:r>
+              <a:rPr lang="en-US" altLang="ko-KR" baseline="0" dirty="0"/>
+              <a:t> </a:t>
+            </a:r>
+            <a:r>
+              <a:rPr lang="ko-KR" altLang="en-US" baseline="0" dirty="0"/>
+              <a:t>아이디</a:t>
+            </a:r>
+            <a:r>
+              <a:rPr lang="en-US" altLang="ko-KR" baseline="0" dirty="0"/>
+              <a:t>, </a:t>
+            </a:r>
+            <a:r>
+              <a:rPr lang="ko-KR" altLang="en-US" baseline="0" dirty="0"/>
+              <a:t>이름</a:t>
+            </a:r>
+            <a:r>
+              <a:rPr lang="en-US" altLang="ko-KR" baseline="0" dirty="0"/>
+              <a:t>, </a:t>
+            </a:r>
+            <a:r>
+              <a:rPr lang="ko-KR" altLang="en-US" baseline="0" dirty="0"/>
+              <a:t>아이 나이</a:t>
+            </a:r>
+            <a:r>
+              <a:rPr lang="en-US" altLang="ko-KR" baseline="0" dirty="0"/>
+              <a:t>, </a:t>
+            </a:r>
+            <a:r>
+              <a:rPr lang="ko-KR" altLang="en-US" baseline="0" dirty="0" err="1"/>
+              <a:t>돌보미</a:t>
+            </a:r>
+            <a:r>
+              <a:rPr lang="ko-KR" altLang="en-US" baseline="0" dirty="0"/>
+              <a:t> 등급</a:t>
+            </a:r>
+            <a:r>
+              <a:rPr lang="en-US" altLang="ko-KR" baseline="0" dirty="0"/>
+              <a:t>, </a:t>
+            </a:r>
+            <a:r>
+              <a:rPr lang="ko-KR" altLang="en-US" baseline="0" dirty="0"/>
+              <a:t>신청일</a:t>
+            </a:r>
+            <a:r>
+              <a:rPr lang="en-US" altLang="ko-KR" baseline="0" dirty="0"/>
+              <a:t>, </a:t>
+            </a:r>
+            <a:r>
+              <a:rPr lang="ko-KR" altLang="en-US" baseline="0" dirty="0"/>
+              <a:t>매칭 상태로 변경</a:t>
+            </a:r>
+            <a:endParaRPr lang="en-US" altLang="ko-KR" baseline="0" dirty="0"/>
+          </a:p>
           <a:p>
             <a:endParaRPr lang="ko-KR" altLang="en-US" dirty="0"/>
           </a:p>
@@ -5272,7 +5331,7 @@
           <p:cNvPr id="8" name="그룹 7">
             <a:extLst>
               <a:ext uri="{FF2B5EF4-FFF2-40B4-BE49-F238E27FC236}">
-                <a16:creationId xmlns:a16="http://schemas.microsoft.com/office/drawing/2014/main" xmlns="" id="{BDD2D87F-A67D-456E-889F-017946FB2528}"/>
+                <a16:creationId xmlns:a16="http://schemas.microsoft.com/office/drawing/2014/main" id="{BDD2D87F-A67D-456E-889F-017946FB2528}"/>
               </a:ext>
             </a:extLst>
           </p:cNvPr>
@@ -5522,7 +5581,7 @@
           <p:cNvPr id="2" name="직사각형 1">
             <a:extLst>
               <a:ext uri="{FF2B5EF4-FFF2-40B4-BE49-F238E27FC236}">
-                <a16:creationId xmlns:a16="http://schemas.microsoft.com/office/drawing/2014/main" xmlns="" id="{FEBDF47B-1B54-4068-AEB0-7F3500EC165A}"/>
+                <a16:creationId xmlns:a16="http://schemas.microsoft.com/office/drawing/2014/main" id="{FEBDF47B-1B54-4068-AEB0-7F3500EC165A}"/>
               </a:ext>
             </a:extLst>
           </p:cNvPr>
@@ -5531,7 +5590,7 @@
         </p:nvSpPr>
         <p:spPr>
           <a:xfrm>
-            <a:off x="0" y="2000250"/>
+            <a:off x="0" y="2006280"/>
             <a:ext cx="12023091" cy="3262181"/>
           </a:xfrm>
           <a:prstGeom prst="rect">
@@ -5578,7 +5637,7 @@
           <p:cNvPr id="13" name="TextBox 12">
             <a:extLst>
               <a:ext uri="{FF2B5EF4-FFF2-40B4-BE49-F238E27FC236}">
-                <a16:creationId xmlns:a16="http://schemas.microsoft.com/office/drawing/2014/main" xmlns="" id="{00112C74-8221-4E09-853D-55B7F5C72358}"/>
+                <a16:creationId xmlns:a16="http://schemas.microsoft.com/office/drawing/2014/main" id="{00112C74-8221-4E09-853D-55B7F5C72358}"/>
               </a:ext>
             </a:extLst>
           </p:cNvPr>
@@ -5633,7 +5692,7 @@
           <p:cNvPr id="14" name="사각형: 둥근 모서리 13">
             <a:extLst>
               <a:ext uri="{FF2B5EF4-FFF2-40B4-BE49-F238E27FC236}">
-                <a16:creationId xmlns:a16="http://schemas.microsoft.com/office/drawing/2014/main" xmlns="" id="{5229AE3E-98F3-451D-9DDD-5FEDBA237BBE}"/>
+                <a16:creationId xmlns:a16="http://schemas.microsoft.com/office/drawing/2014/main" id="{5229AE3E-98F3-451D-9DDD-5FEDBA237BBE}"/>
               </a:ext>
             </a:extLst>
           </p:cNvPr>
@@ -5696,7 +5755,7 @@
           <p:cNvPr id="6" name="그룹 5">
             <a:extLst>
               <a:ext uri="{FF2B5EF4-FFF2-40B4-BE49-F238E27FC236}">
-                <a16:creationId xmlns:a16="http://schemas.microsoft.com/office/drawing/2014/main" xmlns="" id="{52772EDD-B5B6-4DD1-8CBE-0C8B161920EC}"/>
+                <a16:creationId xmlns:a16="http://schemas.microsoft.com/office/drawing/2014/main" id="{52772EDD-B5B6-4DD1-8CBE-0C8B161920EC}"/>
               </a:ext>
             </a:extLst>
           </p:cNvPr>
@@ -5751,7 +5810,7 @@
             <p:cNvPr id="27" name="TextBox 26">
               <a:extLst>
                 <a:ext uri="{FF2B5EF4-FFF2-40B4-BE49-F238E27FC236}">
-                  <a16:creationId xmlns:a16="http://schemas.microsoft.com/office/drawing/2014/main" xmlns="" id="{0617BAC7-49E9-4D52-8F7A-CB6C421FF1A3}"/>
+                  <a16:creationId xmlns:a16="http://schemas.microsoft.com/office/drawing/2014/main" id="{0617BAC7-49E9-4D52-8F7A-CB6C421FF1A3}"/>
                 </a:ext>
               </a:extLst>
             </p:cNvPr>
@@ -5799,7 +5858,7 @@
             <p:cNvPr id="29" name="TextBox 28">
               <a:extLst>
                 <a:ext uri="{FF2B5EF4-FFF2-40B4-BE49-F238E27FC236}">
-                  <a16:creationId xmlns:a16="http://schemas.microsoft.com/office/drawing/2014/main" xmlns="" id="{746E7B91-9E3F-4696-A18A-6E376EC7A481}"/>
+                  <a16:creationId xmlns:a16="http://schemas.microsoft.com/office/drawing/2014/main" id="{746E7B91-9E3F-4696-A18A-6E376EC7A481}"/>
                 </a:ext>
               </a:extLst>
             </p:cNvPr>
@@ -5841,7 +5900,7 @@
           <p:cNvPr id="30" name="TextBox 29">
             <a:extLst>
               <a:ext uri="{FF2B5EF4-FFF2-40B4-BE49-F238E27FC236}">
-                <a16:creationId xmlns:a16="http://schemas.microsoft.com/office/drawing/2014/main" xmlns="" id="{130236D2-E71B-49A7-B8E7-CDC9814086D7}"/>
+                <a16:creationId xmlns:a16="http://schemas.microsoft.com/office/drawing/2014/main" id="{130236D2-E71B-49A7-B8E7-CDC9814086D7}"/>
               </a:ext>
             </a:extLst>
           </p:cNvPr>
@@ -5917,7 +5976,7 @@
           <p:cNvPr id="26" name="직사각형 25">
             <a:extLst>
               <a:ext uri="{FF2B5EF4-FFF2-40B4-BE49-F238E27FC236}">
-                <a16:creationId xmlns:a16="http://schemas.microsoft.com/office/drawing/2014/main" xmlns="" id="{76E1DF12-73BE-4150-AEDA-BA7ADC79849A}"/>
+                <a16:creationId xmlns:a16="http://schemas.microsoft.com/office/drawing/2014/main" id="{76E1DF12-73BE-4150-AEDA-BA7ADC79849A}"/>
               </a:ext>
             </a:extLst>
           </p:cNvPr>
@@ -5972,7 +6031,7 @@
           <p:cNvPr id="28" name="직사각형 27">
             <a:extLst>
               <a:ext uri="{FF2B5EF4-FFF2-40B4-BE49-F238E27FC236}">
-                <a16:creationId xmlns:a16="http://schemas.microsoft.com/office/drawing/2014/main" xmlns="" id="{87210AED-3611-46D3-9159-9C17F684D12C}"/>
+                <a16:creationId xmlns:a16="http://schemas.microsoft.com/office/drawing/2014/main" id="{87210AED-3611-46D3-9159-9C17F684D12C}"/>
               </a:ext>
             </a:extLst>
           </p:cNvPr>
@@ -6052,7 +6111,7 @@
           <p:cNvPr id="31" name="직사각형 30">
             <a:extLst>
               <a:ext uri="{FF2B5EF4-FFF2-40B4-BE49-F238E27FC236}">
-                <a16:creationId xmlns:a16="http://schemas.microsoft.com/office/drawing/2014/main" xmlns="" id="{733D7F5F-FDFF-4CFE-B465-571BC690D9C9}"/>
+                <a16:creationId xmlns:a16="http://schemas.microsoft.com/office/drawing/2014/main" id="{733D7F5F-FDFF-4CFE-B465-571BC690D9C9}"/>
               </a:ext>
             </a:extLst>
           </p:cNvPr>
@@ -6132,7 +6191,7 @@
           <p:cNvPr id="32" name="직사각형 31">
             <a:extLst>
               <a:ext uri="{FF2B5EF4-FFF2-40B4-BE49-F238E27FC236}">
-                <a16:creationId xmlns:a16="http://schemas.microsoft.com/office/drawing/2014/main" xmlns="" id="{E9D8646B-1C0D-4488-8A79-86C383B1209D}"/>
+                <a16:creationId xmlns:a16="http://schemas.microsoft.com/office/drawing/2014/main" id="{E9D8646B-1C0D-4488-8A79-86C383B1209D}"/>
               </a:ext>
             </a:extLst>
           </p:cNvPr>
@@ -6212,7 +6271,7 @@
           <p:cNvPr id="33" name="사각형: 둥근 모서리 32">
             <a:extLst>
               <a:ext uri="{FF2B5EF4-FFF2-40B4-BE49-F238E27FC236}">
-                <a16:creationId xmlns:a16="http://schemas.microsoft.com/office/drawing/2014/main" xmlns="" id="{8010CB78-A2AF-49FA-ACBF-4E72493350D4}"/>
+                <a16:creationId xmlns:a16="http://schemas.microsoft.com/office/drawing/2014/main" id="{8010CB78-A2AF-49FA-ACBF-4E72493350D4}"/>
               </a:ext>
             </a:extLst>
           </p:cNvPr>
@@ -10833,7 +10892,7 @@
           <p:cNvPr id="18" name="도형 13">
             <a:extLst>
               <a:ext uri="{FF2B5EF4-FFF2-40B4-BE49-F238E27FC236}">
-                <a16:creationId xmlns:a16="http://schemas.microsoft.com/office/drawing/2014/main" xmlns="" id="{E8451D97-1513-46EC-91B5-ABF8B3330AC4}"/>
+                <a16:creationId xmlns:a16="http://schemas.microsoft.com/office/drawing/2014/main" id="{E8451D97-1513-46EC-91B5-ABF8B3330AC4}"/>
               </a:ext>
             </a:extLst>
           </p:cNvPr>
@@ -10904,7 +10963,7 @@
           <p:cNvPr id="19" name="도형 11">
             <a:extLst>
               <a:ext uri="{FF2B5EF4-FFF2-40B4-BE49-F238E27FC236}">
-                <a16:creationId xmlns:a16="http://schemas.microsoft.com/office/drawing/2014/main" xmlns="" id="{8E69A79B-5167-406E-AADB-9929DA089F2B}"/>
+                <a16:creationId xmlns:a16="http://schemas.microsoft.com/office/drawing/2014/main" id="{8E69A79B-5167-406E-AADB-9929DA089F2B}"/>
               </a:ext>
             </a:extLst>
           </p:cNvPr>
@@ -10946,7 +11005,7 @@
           <p:cNvPr id="22" name="도형 11">
             <a:extLst>
               <a:ext uri="{FF2B5EF4-FFF2-40B4-BE49-F238E27FC236}">
-                <a16:creationId xmlns:a16="http://schemas.microsoft.com/office/drawing/2014/main" xmlns="" id="{9E5ADE22-F1FF-4045-805F-881AF2E2E7E0}"/>
+                <a16:creationId xmlns:a16="http://schemas.microsoft.com/office/drawing/2014/main" id="{9E5ADE22-F1FF-4045-805F-881AF2E2E7E0}"/>
               </a:ext>
             </a:extLst>
           </p:cNvPr>
@@ -10988,7 +11047,7 @@
           <p:cNvPr id="24" name="도형 11">
             <a:extLst>
               <a:ext uri="{FF2B5EF4-FFF2-40B4-BE49-F238E27FC236}">
-                <a16:creationId xmlns:a16="http://schemas.microsoft.com/office/drawing/2014/main" xmlns="" id="{A1D9F159-AA74-4ABA-8E4A-38C71F5B2B93}"/>
+                <a16:creationId xmlns:a16="http://schemas.microsoft.com/office/drawing/2014/main" id="{A1D9F159-AA74-4ABA-8E4A-38C71F5B2B93}"/>
               </a:ext>
             </a:extLst>
           </p:cNvPr>
@@ -11468,7 +11527,7 @@
           <p:cNvPr id="3" name="그래픽 2" descr="사용자">
             <a:extLst>
               <a:ext uri="{FF2B5EF4-FFF2-40B4-BE49-F238E27FC236}">
-                <a16:creationId xmlns:a16="http://schemas.microsoft.com/office/drawing/2014/main" xmlns="" id="{6C685256-82C6-4AF2-86F5-31B9CD5DCE14}"/>
+                <a16:creationId xmlns:a16="http://schemas.microsoft.com/office/drawing/2014/main" id="{6C685256-82C6-4AF2-86F5-31B9CD5DCE14}"/>
               </a:ext>
             </a:extLst>
           </p:cNvPr>
@@ -11484,7 +11543,7 @@
                 <a14:useLocalDpi xmlns:a14="http://schemas.microsoft.com/office/drawing/2010/main" val="0"/>
               </a:ext>
               <a:ext uri="{96DAC541-7B7A-43D3-8B79-37D633B846F1}">
-                <asvg:svgBlip xmlns:asvg="http://schemas.microsoft.com/office/drawing/2016/SVG/main" xmlns="" r:embed="rId3"/>
+                <asvg:svgBlip xmlns:asvg="http://schemas.microsoft.com/office/drawing/2016/SVG/main" r:embed="rId3"/>
               </a:ext>
             </a:extLst>
           </a:blip>
@@ -14142,10 +14201,6 @@
               <a:rPr lang="ko-KR" altLang="en-US" sz="1000" dirty="0" err="1"/>
               <a:t>신청률과</a:t>
             </a:r>
-            <a:r>
-              <a:rPr lang="en-US" altLang="ko-KR" sz="1000" dirty="0"/>
-              <a:t/>
-            </a:r>
             <a:br>
               <a:rPr lang="en-US" altLang="ko-KR" sz="1000" dirty="0"/>
             </a:br>
@@ -15908,10 +15963,6 @@
               <a:rPr lang="ko-KR" altLang="en-US" sz="1000" dirty="0"/>
               <a:t>심사 중일 때 해당 회원은 </a:t>
             </a:r>
-            <a:r>
-              <a:rPr lang="en-US" altLang="ko-KR" sz="1000" dirty="0"/>
-              <a:t/>
-            </a:r>
             <a:br>
               <a:rPr lang="en-US" altLang="ko-KR" sz="1000" dirty="0"/>
             </a:br>
@@ -16205,7 +16256,7 @@
           <p:cNvPr id="12" name="그래픽 11" descr="악수">
             <a:extLst>
               <a:ext uri="{FF2B5EF4-FFF2-40B4-BE49-F238E27FC236}">
-                <a16:creationId xmlns:a16="http://schemas.microsoft.com/office/drawing/2014/main" xmlns="" id="{0514C090-5E0B-4011-946C-BE32BCBEB97C}"/>
+                <a16:creationId xmlns:a16="http://schemas.microsoft.com/office/drawing/2014/main" id="{0514C090-5E0B-4011-946C-BE32BCBEB97C}"/>
               </a:ext>
             </a:extLst>
           </p:cNvPr>
@@ -16221,7 +16272,7 @@
                 <a14:useLocalDpi xmlns:a14="http://schemas.microsoft.com/office/drawing/2010/main" val="0"/>
               </a:ext>
               <a:ext uri="{96DAC541-7B7A-43D3-8B79-37D633B846F1}">
-                <asvg:svgBlip xmlns:asvg="http://schemas.microsoft.com/office/drawing/2016/SVG/main" xmlns="" r:embed="rId3"/>
+                <asvg:svgBlip xmlns:asvg="http://schemas.microsoft.com/office/drawing/2016/SVG/main" r:embed="rId3"/>
               </a:ext>
             </a:extLst>
           </a:blip>
@@ -17411,7 +17462,7 @@
           <p:cNvPr id="3" name="그래픽 2" descr="신문">
             <a:extLst>
               <a:ext uri="{FF2B5EF4-FFF2-40B4-BE49-F238E27FC236}">
-                <a16:creationId xmlns:a16="http://schemas.microsoft.com/office/drawing/2014/main" xmlns="" id="{7911473E-B517-4818-8400-F4E1E6F30056}"/>
+                <a16:creationId xmlns:a16="http://schemas.microsoft.com/office/drawing/2014/main" id="{7911473E-B517-4818-8400-F4E1E6F30056}"/>
               </a:ext>
             </a:extLst>
           </p:cNvPr>
@@ -17427,7 +17478,7 @@
                 <a14:useLocalDpi xmlns:a14="http://schemas.microsoft.com/office/drawing/2010/main" val="0"/>
               </a:ext>
               <a:ext uri="{96DAC541-7B7A-43D3-8B79-37D633B846F1}">
-                <asvg:svgBlip xmlns:asvg="http://schemas.microsoft.com/office/drawing/2016/SVG/main" xmlns="" r:embed="rId3"/>
+                <asvg:svgBlip xmlns:asvg="http://schemas.microsoft.com/office/drawing/2016/SVG/main" r:embed="rId3"/>
               </a:ext>
             </a:extLst>
           </a:blip>
@@ -21572,7 +21623,7 @@
           <p:cNvPr id="3" name="그래픽 2" descr="어린이">
             <a:extLst>
               <a:ext uri="{FF2B5EF4-FFF2-40B4-BE49-F238E27FC236}">
-                <a16:creationId xmlns:a16="http://schemas.microsoft.com/office/drawing/2014/main" xmlns="" id="{16102F28-76C5-4628-AB3F-6C514058F482}"/>
+                <a16:creationId xmlns:a16="http://schemas.microsoft.com/office/drawing/2014/main" id="{16102F28-76C5-4628-AB3F-6C514058F482}"/>
               </a:ext>
             </a:extLst>
           </p:cNvPr>
@@ -21588,7 +21639,7 @@
                 <a14:useLocalDpi xmlns:a14="http://schemas.microsoft.com/office/drawing/2010/main" val="0"/>
               </a:ext>
               <a:ext uri="{96DAC541-7B7A-43D3-8B79-37D633B846F1}">
-                <asvg:svgBlip xmlns:asvg="http://schemas.microsoft.com/office/drawing/2016/SVG/main" xmlns="" r:embed="rId3"/>
+                <asvg:svgBlip xmlns:asvg="http://schemas.microsoft.com/office/drawing/2016/SVG/main" r:embed="rId3"/>
               </a:ext>
             </a:extLst>
           </a:blip>
@@ -22827,10 +22878,6 @@
               <a:rPr lang="ko-KR" altLang="en-US" sz="1100" dirty="0"/>
               <a:t>비밀번호 등 </a:t>
             </a:r>
-            <a:r>
-              <a:rPr lang="en-US" altLang="ko-KR" sz="1100" dirty="0"/>
-              <a:t/>
-            </a:r>
             <a:br>
               <a:rPr lang="en-US" altLang="ko-KR" sz="1100" dirty="0"/>
             </a:br>
@@ -23552,10 +23599,6 @@
               <a:rPr lang="ko-KR" altLang="en-US" sz="1050" dirty="0"/>
               <a:t>실패 시 회원 가입 정보 입력 페이지로 </a:t>
             </a:r>
-            <a:r>
-              <a:rPr lang="en-US" altLang="ko-KR" sz="1050" dirty="0"/>
-              <a:t/>
-            </a:r>
             <a:br>
               <a:rPr lang="en-US" altLang="ko-KR" sz="1050" dirty="0"/>
             </a:br>
@@ -24982,10 +25025,6 @@
             <a:r>
               <a:rPr lang="ko-KR" altLang="en-US" sz="900" dirty="0"/>
               <a:t>탈퇴 버튼을 누르면 회원의 모든 정보</a:t>
-            </a:r>
-            <a:r>
-              <a:rPr lang="en-US" altLang="ko-KR" sz="900" dirty="0"/>
-              <a:t/>
             </a:r>
             <a:br>
               <a:rPr lang="en-US" altLang="ko-KR" sz="900" dirty="0"/>
@@ -25500,7 +25539,7 @@
                 <a14:useLocalDpi xmlns:a14="http://schemas.microsoft.com/office/drawing/2010/main" val="0"/>
               </a:ext>
               <a:ext uri="{96DAC541-7B7A-43D3-8B79-37D633B846F1}">
-                <asvg:svgBlip xmlns:asvg="http://schemas.microsoft.com/office/drawing/2016/SVG/main" xmlns="" r:embed="rId3"/>
+                <asvg:svgBlip xmlns:asvg="http://schemas.microsoft.com/office/drawing/2016/SVG/main" r:embed="rId3"/>
               </a:ext>
             </a:extLst>
           </a:blip>
@@ -26539,7 +26578,7 @@
           <p:cNvPr id="11" name="그림 10">
             <a:extLst>
               <a:ext uri="{FF2B5EF4-FFF2-40B4-BE49-F238E27FC236}">
-                <a16:creationId xmlns:a16="http://schemas.microsoft.com/office/drawing/2014/main" xmlns="" id="{E477E501-0E6A-4157-8731-BFD7A3189F6B}"/>
+                <a16:creationId xmlns:a16="http://schemas.microsoft.com/office/drawing/2014/main" id="{E477E501-0E6A-4157-8731-BFD7A3189F6B}"/>
               </a:ext>
             </a:extLst>
           </p:cNvPr>
@@ -26668,7 +26707,7 @@
           <p:cNvPr id="20" name="타원 19">
             <a:extLst>
               <a:ext uri="{FF2B5EF4-FFF2-40B4-BE49-F238E27FC236}">
-                <a16:creationId xmlns:a16="http://schemas.microsoft.com/office/drawing/2014/main" xmlns="" id="{DD1E2A7D-A343-48A0-8C4B-114EAE1E9808}"/>
+                <a16:creationId xmlns:a16="http://schemas.microsoft.com/office/drawing/2014/main" id="{DD1E2A7D-A343-48A0-8C4B-114EAE1E9808}"/>
               </a:ext>
             </a:extLst>
           </p:cNvPr>
@@ -26724,7 +26763,7 @@
           <p:cNvPr id="21" name="타원 20">
             <a:extLst>
               <a:ext uri="{FF2B5EF4-FFF2-40B4-BE49-F238E27FC236}">
-                <a16:creationId xmlns:a16="http://schemas.microsoft.com/office/drawing/2014/main" xmlns="" id="{17E7EFB1-7A51-4BFD-A060-3CC0A45C4B6D}"/>
+                <a16:creationId xmlns:a16="http://schemas.microsoft.com/office/drawing/2014/main" id="{17E7EFB1-7A51-4BFD-A060-3CC0A45C4B6D}"/>
               </a:ext>
             </a:extLst>
           </p:cNvPr>
@@ -26780,7 +26819,7 @@
           <p:cNvPr id="22" name="TextBox 21">
             <a:extLst>
               <a:ext uri="{FF2B5EF4-FFF2-40B4-BE49-F238E27FC236}">
-                <a16:creationId xmlns:a16="http://schemas.microsoft.com/office/drawing/2014/main" xmlns="" id="{AFAFB93A-19ED-492A-923A-8D7F78CF8082}"/>
+                <a16:creationId xmlns:a16="http://schemas.microsoft.com/office/drawing/2014/main" id="{AFAFB93A-19ED-492A-923A-8D7F78CF8082}"/>
               </a:ext>
             </a:extLst>
           </p:cNvPr>
@@ -26822,7 +26861,7 @@
           <p:cNvPr id="23" name="TextBox 22">
             <a:extLst>
               <a:ext uri="{FF2B5EF4-FFF2-40B4-BE49-F238E27FC236}">
-                <a16:creationId xmlns:a16="http://schemas.microsoft.com/office/drawing/2014/main" xmlns="" id="{F32561BD-E304-408A-8DBD-071FB89327CA}"/>
+                <a16:creationId xmlns:a16="http://schemas.microsoft.com/office/drawing/2014/main" id="{F32561BD-E304-408A-8DBD-071FB89327CA}"/>
               </a:ext>
             </a:extLst>
           </p:cNvPr>
@@ -26864,7 +26903,7 @@
           <p:cNvPr id="25" name="TextBox 24">
             <a:extLst>
               <a:ext uri="{FF2B5EF4-FFF2-40B4-BE49-F238E27FC236}">
-                <a16:creationId xmlns:a16="http://schemas.microsoft.com/office/drawing/2014/main" xmlns="" id="{C57AB30A-BC4D-454E-BC57-8A3EC1BB301B}"/>
+                <a16:creationId xmlns:a16="http://schemas.microsoft.com/office/drawing/2014/main" id="{C57AB30A-BC4D-454E-BC57-8A3EC1BB301B}"/>
               </a:ext>
             </a:extLst>
           </p:cNvPr>
@@ -27148,7 +27187,7 @@
           <p:cNvPr id="11" name="그림 10">
             <a:extLst>
               <a:ext uri="{FF2B5EF4-FFF2-40B4-BE49-F238E27FC236}">
-                <a16:creationId xmlns:a16="http://schemas.microsoft.com/office/drawing/2014/main" xmlns="" id="{E477E501-0E6A-4157-8731-BFD7A3189F6B}"/>
+                <a16:creationId xmlns:a16="http://schemas.microsoft.com/office/drawing/2014/main" id="{E477E501-0E6A-4157-8731-BFD7A3189F6B}"/>
               </a:ext>
             </a:extLst>
           </p:cNvPr>
@@ -27184,7 +27223,7 @@
           <p:cNvPr id="20" name="타원 19">
             <a:extLst>
               <a:ext uri="{FF2B5EF4-FFF2-40B4-BE49-F238E27FC236}">
-                <a16:creationId xmlns:a16="http://schemas.microsoft.com/office/drawing/2014/main" xmlns="" id="{DD1E2A7D-A343-48A0-8C4B-114EAE1E9808}"/>
+                <a16:creationId xmlns:a16="http://schemas.microsoft.com/office/drawing/2014/main" id="{DD1E2A7D-A343-48A0-8C4B-114EAE1E9808}"/>
               </a:ext>
             </a:extLst>
           </p:cNvPr>
@@ -27240,7 +27279,7 @@
           <p:cNvPr id="21" name="타원 20">
             <a:extLst>
               <a:ext uri="{FF2B5EF4-FFF2-40B4-BE49-F238E27FC236}">
-                <a16:creationId xmlns:a16="http://schemas.microsoft.com/office/drawing/2014/main" xmlns="" id="{17E7EFB1-7A51-4BFD-A060-3CC0A45C4B6D}"/>
+                <a16:creationId xmlns:a16="http://schemas.microsoft.com/office/drawing/2014/main" id="{17E7EFB1-7A51-4BFD-A060-3CC0A45C4B6D}"/>
               </a:ext>
             </a:extLst>
           </p:cNvPr>
@@ -27296,7 +27335,7 @@
           <p:cNvPr id="22" name="TextBox 21">
             <a:extLst>
               <a:ext uri="{FF2B5EF4-FFF2-40B4-BE49-F238E27FC236}">
-                <a16:creationId xmlns:a16="http://schemas.microsoft.com/office/drawing/2014/main" xmlns="" id="{AFAFB93A-19ED-492A-923A-8D7F78CF8082}"/>
+                <a16:creationId xmlns:a16="http://schemas.microsoft.com/office/drawing/2014/main" id="{AFAFB93A-19ED-492A-923A-8D7F78CF8082}"/>
               </a:ext>
             </a:extLst>
           </p:cNvPr>
@@ -27338,7 +27377,7 @@
           <p:cNvPr id="23" name="TextBox 22">
             <a:extLst>
               <a:ext uri="{FF2B5EF4-FFF2-40B4-BE49-F238E27FC236}">
-                <a16:creationId xmlns:a16="http://schemas.microsoft.com/office/drawing/2014/main" xmlns="" id="{F32561BD-E304-408A-8DBD-071FB89327CA}"/>
+                <a16:creationId xmlns:a16="http://schemas.microsoft.com/office/drawing/2014/main" id="{F32561BD-E304-408A-8DBD-071FB89327CA}"/>
               </a:ext>
             </a:extLst>
           </p:cNvPr>
@@ -27604,7 +27643,7 @@
           <p:cNvPr id="11" name="그림 10">
             <a:extLst>
               <a:ext uri="{FF2B5EF4-FFF2-40B4-BE49-F238E27FC236}">
-                <a16:creationId xmlns:a16="http://schemas.microsoft.com/office/drawing/2014/main" xmlns="" id="{E477E501-0E6A-4157-8731-BFD7A3189F6B}"/>
+                <a16:creationId xmlns:a16="http://schemas.microsoft.com/office/drawing/2014/main" id="{E477E501-0E6A-4157-8731-BFD7A3189F6B}"/>
               </a:ext>
             </a:extLst>
           </p:cNvPr>
@@ -27640,7 +27679,7 @@
           <p:cNvPr id="20" name="타원 19">
             <a:extLst>
               <a:ext uri="{FF2B5EF4-FFF2-40B4-BE49-F238E27FC236}">
-                <a16:creationId xmlns:a16="http://schemas.microsoft.com/office/drawing/2014/main" xmlns="" id="{DD1E2A7D-A343-48A0-8C4B-114EAE1E9808}"/>
+                <a16:creationId xmlns:a16="http://schemas.microsoft.com/office/drawing/2014/main" id="{DD1E2A7D-A343-48A0-8C4B-114EAE1E9808}"/>
               </a:ext>
             </a:extLst>
           </p:cNvPr>
@@ -27696,7 +27735,7 @@
           <p:cNvPr id="22" name="TextBox 21">
             <a:extLst>
               <a:ext uri="{FF2B5EF4-FFF2-40B4-BE49-F238E27FC236}">
-                <a16:creationId xmlns:a16="http://schemas.microsoft.com/office/drawing/2014/main" xmlns="" id="{AFAFB93A-19ED-492A-923A-8D7F78CF8082}"/>
+                <a16:creationId xmlns:a16="http://schemas.microsoft.com/office/drawing/2014/main" id="{AFAFB93A-19ED-492A-923A-8D7F78CF8082}"/>
               </a:ext>
             </a:extLst>
           </p:cNvPr>
@@ -27909,7 +27948,7 @@
           <p:cNvPr id="11" name="그림 10">
             <a:extLst>
               <a:ext uri="{FF2B5EF4-FFF2-40B4-BE49-F238E27FC236}">
-                <a16:creationId xmlns:a16="http://schemas.microsoft.com/office/drawing/2014/main" xmlns="" id="{E477E501-0E6A-4157-8731-BFD7A3189F6B}"/>
+                <a16:creationId xmlns:a16="http://schemas.microsoft.com/office/drawing/2014/main" id="{E477E501-0E6A-4157-8731-BFD7A3189F6B}"/>
               </a:ext>
             </a:extLst>
           </p:cNvPr>
@@ -27945,7 +27984,7 @@
           <p:cNvPr id="20" name="타원 19">
             <a:extLst>
               <a:ext uri="{FF2B5EF4-FFF2-40B4-BE49-F238E27FC236}">
-                <a16:creationId xmlns:a16="http://schemas.microsoft.com/office/drawing/2014/main" xmlns="" id="{DD1E2A7D-A343-48A0-8C4B-114EAE1E9808}"/>
+                <a16:creationId xmlns:a16="http://schemas.microsoft.com/office/drawing/2014/main" id="{DD1E2A7D-A343-48A0-8C4B-114EAE1E9808}"/>
               </a:ext>
             </a:extLst>
           </p:cNvPr>
@@ -28001,7 +28040,7 @@
           <p:cNvPr id="21" name="타원 20">
             <a:extLst>
               <a:ext uri="{FF2B5EF4-FFF2-40B4-BE49-F238E27FC236}">
-                <a16:creationId xmlns:a16="http://schemas.microsoft.com/office/drawing/2014/main" xmlns="" id="{17E7EFB1-7A51-4BFD-A060-3CC0A45C4B6D}"/>
+                <a16:creationId xmlns:a16="http://schemas.microsoft.com/office/drawing/2014/main" id="{17E7EFB1-7A51-4BFD-A060-3CC0A45C4B6D}"/>
               </a:ext>
             </a:extLst>
           </p:cNvPr>
@@ -28057,7 +28096,7 @@
           <p:cNvPr id="22" name="TextBox 21">
             <a:extLst>
               <a:ext uri="{FF2B5EF4-FFF2-40B4-BE49-F238E27FC236}">
-                <a16:creationId xmlns:a16="http://schemas.microsoft.com/office/drawing/2014/main" xmlns="" id="{AFAFB93A-19ED-492A-923A-8D7F78CF8082}"/>
+                <a16:creationId xmlns:a16="http://schemas.microsoft.com/office/drawing/2014/main" id="{AFAFB93A-19ED-492A-923A-8D7F78CF8082}"/>
               </a:ext>
             </a:extLst>
           </p:cNvPr>
@@ -28123,7 +28162,7 @@
           <p:cNvPr id="23" name="TextBox 22">
             <a:extLst>
               <a:ext uri="{FF2B5EF4-FFF2-40B4-BE49-F238E27FC236}">
-                <a16:creationId xmlns:a16="http://schemas.microsoft.com/office/drawing/2014/main" xmlns="" id="{F32561BD-E304-408A-8DBD-071FB89327CA}"/>
+                <a16:creationId xmlns:a16="http://schemas.microsoft.com/office/drawing/2014/main" id="{F32561BD-E304-408A-8DBD-071FB89327CA}"/>
               </a:ext>
             </a:extLst>
           </p:cNvPr>
@@ -28381,7 +28420,7 @@
           <p:cNvPr id="11" name="그림 10">
             <a:extLst>
               <a:ext uri="{FF2B5EF4-FFF2-40B4-BE49-F238E27FC236}">
-                <a16:creationId xmlns:a16="http://schemas.microsoft.com/office/drawing/2014/main" xmlns="" id="{E477E501-0E6A-4157-8731-BFD7A3189F6B}"/>
+                <a16:creationId xmlns:a16="http://schemas.microsoft.com/office/drawing/2014/main" id="{E477E501-0E6A-4157-8731-BFD7A3189F6B}"/>
               </a:ext>
             </a:extLst>
           </p:cNvPr>
@@ -28417,7 +28456,7 @@
           <p:cNvPr id="20" name="타원 19">
             <a:extLst>
               <a:ext uri="{FF2B5EF4-FFF2-40B4-BE49-F238E27FC236}">
-                <a16:creationId xmlns:a16="http://schemas.microsoft.com/office/drawing/2014/main" xmlns="" id="{DD1E2A7D-A343-48A0-8C4B-114EAE1E9808}"/>
+                <a16:creationId xmlns:a16="http://schemas.microsoft.com/office/drawing/2014/main" id="{DD1E2A7D-A343-48A0-8C4B-114EAE1E9808}"/>
               </a:ext>
             </a:extLst>
           </p:cNvPr>
@@ -28473,7 +28512,7 @@
           <p:cNvPr id="21" name="타원 20">
             <a:extLst>
               <a:ext uri="{FF2B5EF4-FFF2-40B4-BE49-F238E27FC236}">
-                <a16:creationId xmlns:a16="http://schemas.microsoft.com/office/drawing/2014/main" xmlns="" id="{17E7EFB1-7A51-4BFD-A060-3CC0A45C4B6D}"/>
+                <a16:creationId xmlns:a16="http://schemas.microsoft.com/office/drawing/2014/main" id="{17E7EFB1-7A51-4BFD-A060-3CC0A45C4B6D}"/>
               </a:ext>
             </a:extLst>
           </p:cNvPr>
@@ -28529,7 +28568,7 @@
           <p:cNvPr id="22" name="TextBox 21">
             <a:extLst>
               <a:ext uri="{FF2B5EF4-FFF2-40B4-BE49-F238E27FC236}">
-                <a16:creationId xmlns:a16="http://schemas.microsoft.com/office/drawing/2014/main" xmlns="" id="{AFAFB93A-19ED-492A-923A-8D7F78CF8082}"/>
+                <a16:creationId xmlns:a16="http://schemas.microsoft.com/office/drawing/2014/main" id="{AFAFB93A-19ED-492A-923A-8D7F78CF8082}"/>
               </a:ext>
             </a:extLst>
           </p:cNvPr>
@@ -28576,7 +28615,7 @@
           <p:cNvPr id="23" name="TextBox 22">
             <a:extLst>
               <a:ext uri="{FF2B5EF4-FFF2-40B4-BE49-F238E27FC236}">
-                <a16:creationId xmlns:a16="http://schemas.microsoft.com/office/drawing/2014/main" xmlns="" id="{F32561BD-E304-408A-8DBD-071FB89327CA}"/>
+                <a16:creationId xmlns:a16="http://schemas.microsoft.com/office/drawing/2014/main" id="{F32561BD-E304-408A-8DBD-071FB89327CA}"/>
               </a:ext>
             </a:extLst>
           </p:cNvPr>
@@ -28853,7 +28892,7 @@
           <p:cNvPr id="5" name="그래픽 4" descr="기저귀 갈기">
             <a:extLst>
               <a:ext uri="{FF2B5EF4-FFF2-40B4-BE49-F238E27FC236}">
-                <a16:creationId xmlns:a16="http://schemas.microsoft.com/office/drawing/2014/main" xmlns="" id="{175E4526-EA9D-46C6-B829-6633AD2917E0}"/>
+                <a16:creationId xmlns:a16="http://schemas.microsoft.com/office/drawing/2014/main" id="{175E4526-EA9D-46C6-B829-6633AD2917E0}"/>
               </a:ext>
             </a:extLst>
           </p:cNvPr>
@@ -28869,7 +28908,7 @@
                 <a14:useLocalDpi xmlns:a14="http://schemas.microsoft.com/office/drawing/2010/main" val="0"/>
               </a:ext>
               <a:ext uri="{96DAC541-7B7A-43D3-8B79-37D633B846F1}">
-                <asvg:svgBlip xmlns:asvg="http://schemas.microsoft.com/office/drawing/2016/SVG/main" xmlns="" r:embed="rId3"/>
+                <asvg:svgBlip xmlns:asvg="http://schemas.microsoft.com/office/drawing/2016/SVG/main" r:embed="rId3"/>
               </a:ext>
             </a:extLst>
           </a:blip>
@@ -32683,10 +32722,6 @@
               <a:rPr lang="ko-KR" altLang="en-US" sz="1000" dirty="0"/>
               <a:t>신청 받았을 때 아이에 대한</a:t>
             </a:r>
-            <a:r>
-              <a:rPr lang="en-US" altLang="ko-KR" sz="1000" dirty="0"/>
-              <a:t/>
-            </a:r>
             <a:br>
               <a:rPr lang="en-US" altLang="ko-KR" sz="1000" dirty="0"/>
             </a:br>
@@ -34270,10 +34305,6 @@
               <a:rPr lang="ko-KR" altLang="en-US" sz="1100" dirty="0"/>
               <a:t>아이에 대한 요청 사항</a:t>
             </a:r>
-            <a:r>
-              <a:rPr lang="en-US" altLang="ko-KR" sz="1100" dirty="0"/>
-              <a:t/>
-            </a:r>
             <a:br>
               <a:rPr lang="en-US" altLang="ko-KR" sz="1100" dirty="0"/>
             </a:br>
@@ -35258,10 +35289,6 @@
               <a:rPr lang="ko-KR" altLang="en-US" sz="1100" dirty="0"/>
               <a:t>아이에 대한 요청 사항</a:t>
             </a:r>
-            <a:r>
-              <a:rPr lang="en-US" altLang="ko-KR" sz="1100" dirty="0"/>
-              <a:t/>
-            </a:r>
             <a:br>
               <a:rPr lang="en-US" altLang="ko-KR" sz="1100" dirty="0"/>
             </a:br>
@@ -35823,10 +35850,6 @@
             <a:r>
               <a:rPr lang="ko-KR" altLang="en-US" sz="1100" dirty="0"/>
               <a:t>신청한 회원의 신청을</a:t>
-            </a:r>
-            <a:r>
-              <a:rPr lang="en-US" altLang="ko-KR" sz="1100" dirty="0"/>
-              <a:t/>
             </a:r>
             <a:br>
               <a:rPr lang="en-US" altLang="ko-KR" sz="1100" dirty="0"/>
@@ -36140,7 +36163,7 @@
           <p:cNvPr id="5" name="그래픽 4" descr="부모와 아기">
             <a:extLst>
               <a:ext uri="{FF2B5EF4-FFF2-40B4-BE49-F238E27FC236}">
-                <a16:creationId xmlns:a16="http://schemas.microsoft.com/office/drawing/2014/main" xmlns="" id="{FF92183A-DF19-4DBB-AE94-391B251E49A2}"/>
+                <a16:creationId xmlns:a16="http://schemas.microsoft.com/office/drawing/2014/main" id="{FF92183A-DF19-4DBB-AE94-391B251E49A2}"/>
               </a:ext>
             </a:extLst>
           </p:cNvPr>
@@ -36156,7 +36179,7 @@
                 <a14:useLocalDpi xmlns:a14="http://schemas.microsoft.com/office/drawing/2010/main" val="0"/>
               </a:ext>
               <a:ext uri="{96DAC541-7B7A-43D3-8B79-37D633B846F1}">
-                <asvg:svgBlip xmlns:asvg="http://schemas.microsoft.com/office/drawing/2016/SVG/main" xmlns="" r:embed="rId3"/>
+                <asvg:svgBlip xmlns:asvg="http://schemas.microsoft.com/office/drawing/2016/SVG/main" r:embed="rId3"/>
               </a:ext>
             </a:extLst>
           </a:blip>
@@ -39398,7 +39421,7 @@
           <p:cNvPr id="11" name="그림 10">
             <a:extLst>
               <a:ext uri="{FF2B5EF4-FFF2-40B4-BE49-F238E27FC236}">
-                <a16:creationId xmlns:a16="http://schemas.microsoft.com/office/drawing/2014/main" xmlns="" id="{E477E501-0E6A-4157-8731-BFD7A3189F6B}"/>
+                <a16:creationId xmlns:a16="http://schemas.microsoft.com/office/drawing/2014/main" id="{E477E501-0E6A-4157-8731-BFD7A3189F6B}"/>
               </a:ext>
             </a:extLst>
           </p:cNvPr>
@@ -39527,7 +39550,7 @@
           <p:cNvPr id="20" name="타원 19">
             <a:extLst>
               <a:ext uri="{FF2B5EF4-FFF2-40B4-BE49-F238E27FC236}">
-                <a16:creationId xmlns:a16="http://schemas.microsoft.com/office/drawing/2014/main" xmlns="" id="{DD1E2A7D-A343-48A0-8C4B-114EAE1E9808}"/>
+                <a16:creationId xmlns:a16="http://schemas.microsoft.com/office/drawing/2014/main" id="{DD1E2A7D-A343-48A0-8C4B-114EAE1E9808}"/>
               </a:ext>
             </a:extLst>
           </p:cNvPr>
@@ -39583,7 +39606,7 @@
           <p:cNvPr id="21" name="타원 20">
             <a:extLst>
               <a:ext uri="{FF2B5EF4-FFF2-40B4-BE49-F238E27FC236}">
-                <a16:creationId xmlns:a16="http://schemas.microsoft.com/office/drawing/2014/main" xmlns="" id="{17E7EFB1-7A51-4BFD-A060-3CC0A45C4B6D}"/>
+                <a16:creationId xmlns:a16="http://schemas.microsoft.com/office/drawing/2014/main" id="{17E7EFB1-7A51-4BFD-A060-3CC0A45C4B6D}"/>
               </a:ext>
             </a:extLst>
           </p:cNvPr>
@@ -39639,7 +39662,7 @@
           <p:cNvPr id="22" name="TextBox 21">
             <a:extLst>
               <a:ext uri="{FF2B5EF4-FFF2-40B4-BE49-F238E27FC236}">
-                <a16:creationId xmlns:a16="http://schemas.microsoft.com/office/drawing/2014/main" xmlns="" id="{AFAFB93A-19ED-492A-923A-8D7F78CF8082}"/>
+                <a16:creationId xmlns:a16="http://schemas.microsoft.com/office/drawing/2014/main" id="{AFAFB93A-19ED-492A-923A-8D7F78CF8082}"/>
               </a:ext>
             </a:extLst>
           </p:cNvPr>
@@ -39729,7 +39752,7 @@
           <p:cNvPr id="23" name="TextBox 22">
             <a:extLst>
               <a:ext uri="{FF2B5EF4-FFF2-40B4-BE49-F238E27FC236}">
-                <a16:creationId xmlns:a16="http://schemas.microsoft.com/office/drawing/2014/main" xmlns="" id="{F32561BD-E304-408A-8DBD-071FB89327CA}"/>
+                <a16:creationId xmlns:a16="http://schemas.microsoft.com/office/drawing/2014/main" id="{F32561BD-E304-408A-8DBD-071FB89327CA}"/>
               </a:ext>
             </a:extLst>
           </p:cNvPr>
@@ -39795,7 +39818,7 @@
           <p:cNvPr id="25" name="TextBox 24">
             <a:extLst>
               <a:ext uri="{FF2B5EF4-FFF2-40B4-BE49-F238E27FC236}">
-                <a16:creationId xmlns:a16="http://schemas.microsoft.com/office/drawing/2014/main" xmlns="" id="{C57AB30A-BC4D-454E-BC57-8A3EC1BB301B}"/>
+                <a16:creationId xmlns:a16="http://schemas.microsoft.com/office/drawing/2014/main" id="{C57AB30A-BC4D-454E-BC57-8A3EC1BB301B}"/>
               </a:ext>
             </a:extLst>
           </p:cNvPr>
@@ -39924,7 +39947,7 @@
           <p:cNvPr id="14" name="타원 13">
             <a:extLst>
               <a:ext uri="{FF2B5EF4-FFF2-40B4-BE49-F238E27FC236}">
-                <a16:creationId xmlns:a16="http://schemas.microsoft.com/office/drawing/2014/main" xmlns="" id="{F97A6FBB-71A2-4CC9-8564-972BC122BDF1}"/>
+                <a16:creationId xmlns:a16="http://schemas.microsoft.com/office/drawing/2014/main" id="{F97A6FBB-71A2-4CC9-8564-972BC122BDF1}"/>
               </a:ext>
             </a:extLst>
           </p:cNvPr>
@@ -39980,7 +40003,7 @@
           <p:cNvPr id="15" name="TextBox 14">
             <a:extLst>
               <a:ext uri="{FF2B5EF4-FFF2-40B4-BE49-F238E27FC236}">
-                <a16:creationId xmlns:a16="http://schemas.microsoft.com/office/drawing/2014/main" xmlns="" id="{40FD6F13-CB85-4D63-9C8F-13878AC5A81D}"/>
+                <a16:creationId xmlns:a16="http://schemas.microsoft.com/office/drawing/2014/main" id="{40FD6F13-CB85-4D63-9C8F-13878AC5A81D}"/>
               </a:ext>
             </a:extLst>
           </p:cNvPr>
@@ -40018,10 +40041,6 @@
               <a:rPr lang="ko-KR" altLang="en-US" sz="1050" dirty="0"/>
               <a:t> 후 후기작성단계로 넘어가서 후기작성버튼을 클릭하면 후기작성이 가능함</a:t>
             </a:r>
-            <a:r>
-              <a:rPr lang="en-US" altLang="ko-KR" sz="1050" dirty="0"/>
-              <a:t/>
-            </a:r>
             <a:br>
               <a:rPr lang="en-US" altLang="ko-KR" sz="1050" dirty="0"/>
             </a:br>
@@ -40057,7 +40076,7 @@
           <p:cNvPr id="16" name="직사각형 15">
             <a:extLst>
               <a:ext uri="{FF2B5EF4-FFF2-40B4-BE49-F238E27FC236}">
-                <a16:creationId xmlns:a16="http://schemas.microsoft.com/office/drawing/2014/main" xmlns="" id="{DE9D2A93-6D76-4B03-8A9F-DE49CD1EA49F}"/>
+                <a16:creationId xmlns:a16="http://schemas.microsoft.com/office/drawing/2014/main" id="{DE9D2A93-6D76-4B03-8A9F-DE49CD1EA49F}"/>
               </a:ext>
             </a:extLst>
           </p:cNvPr>
@@ -41165,7 +41184,7 @@
           <p:cNvPr id="11" name="그림 10">
             <a:extLst>
               <a:ext uri="{FF2B5EF4-FFF2-40B4-BE49-F238E27FC236}">
-                <a16:creationId xmlns:a16="http://schemas.microsoft.com/office/drawing/2014/main" xmlns="" id="{E477E501-0E6A-4157-8731-BFD7A3189F6B}"/>
+                <a16:creationId xmlns:a16="http://schemas.microsoft.com/office/drawing/2014/main" id="{E477E501-0E6A-4157-8731-BFD7A3189F6B}"/>
               </a:ext>
             </a:extLst>
           </p:cNvPr>
@@ -41294,7 +41313,7 @@
           <p:cNvPr id="20" name="타원 19">
             <a:extLst>
               <a:ext uri="{FF2B5EF4-FFF2-40B4-BE49-F238E27FC236}">
-                <a16:creationId xmlns:a16="http://schemas.microsoft.com/office/drawing/2014/main" xmlns="" id="{DD1E2A7D-A343-48A0-8C4B-114EAE1E9808}"/>
+                <a16:creationId xmlns:a16="http://schemas.microsoft.com/office/drawing/2014/main" id="{DD1E2A7D-A343-48A0-8C4B-114EAE1E9808}"/>
               </a:ext>
             </a:extLst>
           </p:cNvPr>
@@ -41350,7 +41369,7 @@
           <p:cNvPr id="21" name="타원 20">
             <a:extLst>
               <a:ext uri="{FF2B5EF4-FFF2-40B4-BE49-F238E27FC236}">
-                <a16:creationId xmlns:a16="http://schemas.microsoft.com/office/drawing/2014/main" xmlns="" id="{17E7EFB1-7A51-4BFD-A060-3CC0A45C4B6D}"/>
+                <a16:creationId xmlns:a16="http://schemas.microsoft.com/office/drawing/2014/main" id="{17E7EFB1-7A51-4BFD-A060-3CC0A45C4B6D}"/>
               </a:ext>
             </a:extLst>
           </p:cNvPr>
@@ -41406,7 +41425,7 @@
           <p:cNvPr id="22" name="TextBox 21">
             <a:extLst>
               <a:ext uri="{FF2B5EF4-FFF2-40B4-BE49-F238E27FC236}">
-                <a16:creationId xmlns:a16="http://schemas.microsoft.com/office/drawing/2014/main" xmlns="" id="{AFAFB93A-19ED-492A-923A-8D7F78CF8082}"/>
+                <a16:creationId xmlns:a16="http://schemas.microsoft.com/office/drawing/2014/main" id="{AFAFB93A-19ED-492A-923A-8D7F78CF8082}"/>
               </a:ext>
             </a:extLst>
           </p:cNvPr>
@@ -41522,7 +41541,7 @@
           <p:cNvPr id="23" name="TextBox 22">
             <a:extLst>
               <a:ext uri="{FF2B5EF4-FFF2-40B4-BE49-F238E27FC236}">
-                <a16:creationId xmlns:a16="http://schemas.microsoft.com/office/drawing/2014/main" xmlns="" id="{F32561BD-E304-408A-8DBD-071FB89327CA}"/>
+                <a16:creationId xmlns:a16="http://schemas.microsoft.com/office/drawing/2014/main" id="{F32561BD-E304-408A-8DBD-071FB89327CA}"/>
               </a:ext>
             </a:extLst>
           </p:cNvPr>
@@ -41568,7 +41587,7 @@
           <p:cNvPr id="25" name="TextBox 24">
             <a:extLst>
               <a:ext uri="{FF2B5EF4-FFF2-40B4-BE49-F238E27FC236}">
-                <a16:creationId xmlns:a16="http://schemas.microsoft.com/office/drawing/2014/main" xmlns="" id="{C57AB30A-BC4D-454E-BC57-8A3EC1BB301B}"/>
+                <a16:creationId xmlns:a16="http://schemas.microsoft.com/office/drawing/2014/main" id="{C57AB30A-BC4D-454E-BC57-8A3EC1BB301B}"/>
               </a:ext>
             </a:extLst>
           </p:cNvPr>
@@ -41611,7 +41630,7 @@
           <p:cNvPr id="14" name="타원 13">
             <a:extLst>
               <a:ext uri="{FF2B5EF4-FFF2-40B4-BE49-F238E27FC236}">
-                <a16:creationId xmlns:a16="http://schemas.microsoft.com/office/drawing/2014/main" xmlns="" id="{F97A6FBB-71A2-4CC9-8564-972BC122BDF1}"/>
+                <a16:creationId xmlns:a16="http://schemas.microsoft.com/office/drawing/2014/main" id="{F97A6FBB-71A2-4CC9-8564-972BC122BDF1}"/>
               </a:ext>
             </a:extLst>
           </p:cNvPr>
@@ -41667,7 +41686,7 @@
           <p:cNvPr id="15" name="TextBox 14">
             <a:extLst>
               <a:ext uri="{FF2B5EF4-FFF2-40B4-BE49-F238E27FC236}">
-                <a16:creationId xmlns:a16="http://schemas.microsoft.com/office/drawing/2014/main" xmlns="" id="{40FD6F13-CB85-4D63-9C8F-13878AC5A81D}"/>
+                <a16:creationId xmlns:a16="http://schemas.microsoft.com/office/drawing/2014/main" id="{40FD6F13-CB85-4D63-9C8F-13878AC5A81D}"/>
               </a:ext>
             </a:extLst>
           </p:cNvPr>
@@ -41744,7 +41763,7 @@
           <p:cNvPr id="17" name="직사각형 16">
             <a:extLst>
               <a:ext uri="{FF2B5EF4-FFF2-40B4-BE49-F238E27FC236}">
-                <a16:creationId xmlns:a16="http://schemas.microsoft.com/office/drawing/2014/main" xmlns="" id="{814D0977-4779-44B5-B81F-3D84BDFFE576}"/>
+                <a16:creationId xmlns:a16="http://schemas.microsoft.com/office/drawing/2014/main" id="{814D0977-4779-44B5-B81F-3D84BDFFE576}"/>
               </a:ext>
             </a:extLst>
           </p:cNvPr>
@@ -41894,7 +41913,7 @@
           <p:cNvPr id="27" name="타원 26">
             <a:extLst>
               <a:ext uri="{FF2B5EF4-FFF2-40B4-BE49-F238E27FC236}">
-                <a16:creationId xmlns:a16="http://schemas.microsoft.com/office/drawing/2014/main" xmlns="" id="{24195049-E31A-4976-80C6-A9478470427C}"/>
+                <a16:creationId xmlns:a16="http://schemas.microsoft.com/office/drawing/2014/main" id="{24195049-E31A-4976-80C6-A9478470427C}"/>
               </a:ext>
             </a:extLst>
           </p:cNvPr>
@@ -41950,7 +41969,7 @@
           <p:cNvPr id="28" name="TextBox 27">
             <a:extLst>
               <a:ext uri="{FF2B5EF4-FFF2-40B4-BE49-F238E27FC236}">
-                <a16:creationId xmlns:a16="http://schemas.microsoft.com/office/drawing/2014/main" xmlns="" id="{222FFDD7-7E39-414A-BD80-DE6E747CC363}"/>
+                <a16:creationId xmlns:a16="http://schemas.microsoft.com/office/drawing/2014/main" id="{222FFDD7-7E39-414A-BD80-DE6E747CC363}"/>
               </a:ext>
             </a:extLst>
           </p:cNvPr>
@@ -42287,11 +42306,11 @@
           <a:p>
             <a:pPr algn="ctr"/>
             <a:r>
-              <a:rPr lang="ko-KR" altLang="en-US" dirty="0" smtClean="0"/>
+              <a:rPr lang="ko-KR" altLang="en-US" dirty="0"/>
               <a:t>후기 </a:t>
             </a:r>
             <a:r>
-              <a:rPr lang="ko-KR" altLang="en-US" dirty="0" err="1" smtClean="0"/>
+              <a:rPr lang="ko-KR" altLang="en-US" dirty="0" err="1"/>
               <a:t>여기서바로</a:t>
             </a:r>
             <a:endParaRPr lang="ko-KR" altLang="en-US" dirty="0"/>
@@ -44473,7 +44492,7 @@
           <p:cNvPr id="3" name="그래픽 2" descr="콜 센터">
             <a:extLst>
               <a:ext uri="{FF2B5EF4-FFF2-40B4-BE49-F238E27FC236}">
-                <a16:creationId xmlns:a16="http://schemas.microsoft.com/office/drawing/2014/main" xmlns="" id="{2AA4F3D3-68CE-4153-AB92-DC2D43B58EAA}"/>
+                <a16:creationId xmlns:a16="http://schemas.microsoft.com/office/drawing/2014/main" id="{2AA4F3D3-68CE-4153-AB92-DC2D43B58EAA}"/>
               </a:ext>
             </a:extLst>
           </p:cNvPr>
@@ -44489,7 +44508,7 @@
                 <a14:useLocalDpi xmlns:a14="http://schemas.microsoft.com/office/drawing/2010/main" val="0"/>
               </a:ext>
               <a:ext uri="{96DAC541-7B7A-43D3-8B79-37D633B846F1}">
-                <asvg:svgBlip xmlns:asvg="http://schemas.microsoft.com/office/drawing/2016/SVG/main" xmlns="" r:embed="rId3"/>
+                <asvg:svgBlip xmlns:asvg="http://schemas.microsoft.com/office/drawing/2016/SVG/main" r:embed="rId3"/>
               </a:ext>
             </a:extLst>
           </a:blip>
@@ -49902,7 +49921,7 @@
           <p:cNvPr id="3" name="그래픽 2" descr="봉투">
             <a:extLst>
               <a:ext uri="{FF2B5EF4-FFF2-40B4-BE49-F238E27FC236}">
-                <a16:creationId xmlns:a16="http://schemas.microsoft.com/office/drawing/2014/main" xmlns="" id="{18E199EE-24EC-4003-AB3F-B69E9D4EA6E9}"/>
+                <a16:creationId xmlns:a16="http://schemas.microsoft.com/office/drawing/2014/main" id="{18E199EE-24EC-4003-AB3F-B69E9D4EA6E9}"/>
               </a:ext>
             </a:extLst>
           </p:cNvPr>
@@ -49918,7 +49937,7 @@
                 <a14:useLocalDpi xmlns:a14="http://schemas.microsoft.com/office/drawing/2010/main" val="0"/>
               </a:ext>
               <a:ext uri="{96DAC541-7B7A-43D3-8B79-37D633B846F1}">
-                <asvg:svgBlip xmlns:asvg="http://schemas.microsoft.com/office/drawing/2016/SVG/main" xmlns="" r:embed="rId3"/>
+                <asvg:svgBlip xmlns:asvg="http://schemas.microsoft.com/office/drawing/2016/SVG/main" r:embed="rId3"/>
               </a:ext>
             </a:extLst>
           </a:blip>
@@ -50068,7 +50087,7 @@
           <p:cNvPr id="11" name="그림 10">
             <a:extLst>
               <a:ext uri="{FF2B5EF4-FFF2-40B4-BE49-F238E27FC236}">
-                <a16:creationId xmlns:a16="http://schemas.microsoft.com/office/drawing/2014/main" xmlns="" id="{E477E501-0E6A-4157-8731-BFD7A3189F6B}"/>
+                <a16:creationId xmlns:a16="http://schemas.microsoft.com/office/drawing/2014/main" id="{E477E501-0E6A-4157-8731-BFD7A3189F6B}"/>
               </a:ext>
             </a:extLst>
           </p:cNvPr>
@@ -50197,7 +50216,7 @@
           <p:cNvPr id="20" name="타원 19">
             <a:extLst>
               <a:ext uri="{FF2B5EF4-FFF2-40B4-BE49-F238E27FC236}">
-                <a16:creationId xmlns:a16="http://schemas.microsoft.com/office/drawing/2014/main" xmlns="" id="{DD1E2A7D-A343-48A0-8C4B-114EAE1E9808}"/>
+                <a16:creationId xmlns:a16="http://schemas.microsoft.com/office/drawing/2014/main" id="{DD1E2A7D-A343-48A0-8C4B-114EAE1E9808}"/>
               </a:ext>
             </a:extLst>
           </p:cNvPr>
@@ -50253,7 +50272,7 @@
           <p:cNvPr id="21" name="타원 20">
             <a:extLst>
               <a:ext uri="{FF2B5EF4-FFF2-40B4-BE49-F238E27FC236}">
-                <a16:creationId xmlns:a16="http://schemas.microsoft.com/office/drawing/2014/main" xmlns="" id="{17E7EFB1-7A51-4BFD-A060-3CC0A45C4B6D}"/>
+                <a16:creationId xmlns:a16="http://schemas.microsoft.com/office/drawing/2014/main" id="{17E7EFB1-7A51-4BFD-A060-3CC0A45C4B6D}"/>
               </a:ext>
             </a:extLst>
           </p:cNvPr>
@@ -50309,7 +50328,7 @@
           <p:cNvPr id="22" name="TextBox 21">
             <a:extLst>
               <a:ext uri="{FF2B5EF4-FFF2-40B4-BE49-F238E27FC236}">
-                <a16:creationId xmlns:a16="http://schemas.microsoft.com/office/drawing/2014/main" xmlns="" id="{AFAFB93A-19ED-492A-923A-8D7F78CF8082}"/>
+                <a16:creationId xmlns:a16="http://schemas.microsoft.com/office/drawing/2014/main" id="{AFAFB93A-19ED-492A-923A-8D7F78CF8082}"/>
               </a:ext>
             </a:extLst>
           </p:cNvPr>
@@ -50400,7 +50419,7 @@
           <p:cNvPr id="23" name="TextBox 22">
             <a:extLst>
               <a:ext uri="{FF2B5EF4-FFF2-40B4-BE49-F238E27FC236}">
-                <a16:creationId xmlns:a16="http://schemas.microsoft.com/office/drawing/2014/main" xmlns="" id="{F32561BD-E304-408A-8DBD-071FB89327CA}"/>
+                <a16:creationId xmlns:a16="http://schemas.microsoft.com/office/drawing/2014/main" id="{F32561BD-E304-408A-8DBD-071FB89327CA}"/>
               </a:ext>
             </a:extLst>
           </p:cNvPr>
@@ -50459,7 +50478,7 @@
           <p:cNvPr id="25" name="TextBox 24">
             <a:extLst>
               <a:ext uri="{FF2B5EF4-FFF2-40B4-BE49-F238E27FC236}">
-                <a16:creationId xmlns:a16="http://schemas.microsoft.com/office/drawing/2014/main" xmlns="" id="{C57AB30A-BC4D-454E-BC57-8A3EC1BB301B}"/>
+                <a16:creationId xmlns:a16="http://schemas.microsoft.com/office/drawing/2014/main" id="{C57AB30A-BC4D-454E-BC57-8A3EC1BB301B}"/>
               </a:ext>
             </a:extLst>
           </p:cNvPr>
@@ -50745,7 +50764,7 @@
           <p:cNvPr id="13" name="그림 12">
             <a:extLst>
               <a:ext uri="{FF2B5EF4-FFF2-40B4-BE49-F238E27FC236}">
-                <a16:creationId xmlns:a16="http://schemas.microsoft.com/office/drawing/2014/main" xmlns="" id="{24F3A6C5-1241-4CBF-BF62-AE1CFB427114}"/>
+                <a16:creationId xmlns:a16="http://schemas.microsoft.com/office/drawing/2014/main" id="{24F3A6C5-1241-4CBF-BF62-AE1CFB427114}"/>
               </a:ext>
             </a:extLst>
           </p:cNvPr>
@@ -50781,7 +50800,7 @@
           <p:cNvPr id="20" name="타원 19">
             <a:extLst>
               <a:ext uri="{FF2B5EF4-FFF2-40B4-BE49-F238E27FC236}">
-                <a16:creationId xmlns:a16="http://schemas.microsoft.com/office/drawing/2014/main" xmlns="" id="{DD1E2A7D-A343-48A0-8C4B-114EAE1E9808}"/>
+                <a16:creationId xmlns:a16="http://schemas.microsoft.com/office/drawing/2014/main" id="{DD1E2A7D-A343-48A0-8C4B-114EAE1E9808}"/>
               </a:ext>
             </a:extLst>
           </p:cNvPr>
@@ -50837,7 +50856,7 @@
           <p:cNvPr id="21" name="타원 20">
             <a:extLst>
               <a:ext uri="{FF2B5EF4-FFF2-40B4-BE49-F238E27FC236}">
-                <a16:creationId xmlns:a16="http://schemas.microsoft.com/office/drawing/2014/main" xmlns="" id="{17E7EFB1-7A51-4BFD-A060-3CC0A45C4B6D}"/>
+                <a16:creationId xmlns:a16="http://schemas.microsoft.com/office/drawing/2014/main" id="{17E7EFB1-7A51-4BFD-A060-3CC0A45C4B6D}"/>
               </a:ext>
             </a:extLst>
           </p:cNvPr>
@@ -50893,7 +50912,7 @@
           <p:cNvPr id="22" name="TextBox 21">
             <a:extLst>
               <a:ext uri="{FF2B5EF4-FFF2-40B4-BE49-F238E27FC236}">
-                <a16:creationId xmlns:a16="http://schemas.microsoft.com/office/drawing/2014/main" xmlns="" id="{AFAFB93A-19ED-492A-923A-8D7F78CF8082}"/>
+                <a16:creationId xmlns:a16="http://schemas.microsoft.com/office/drawing/2014/main" id="{AFAFB93A-19ED-492A-923A-8D7F78CF8082}"/>
               </a:ext>
             </a:extLst>
           </p:cNvPr>
@@ -50940,7 +50959,7 @@
           <p:cNvPr id="23" name="TextBox 22">
             <a:extLst>
               <a:ext uri="{FF2B5EF4-FFF2-40B4-BE49-F238E27FC236}">
-                <a16:creationId xmlns:a16="http://schemas.microsoft.com/office/drawing/2014/main" xmlns="" id="{F32561BD-E304-408A-8DBD-071FB89327CA}"/>
+                <a16:creationId xmlns:a16="http://schemas.microsoft.com/office/drawing/2014/main" id="{F32561BD-E304-408A-8DBD-071FB89327CA}"/>
               </a:ext>
             </a:extLst>
           </p:cNvPr>
@@ -51203,7 +51222,7 @@
           <p:cNvPr id="11" name="그림 10">
             <a:extLst>
               <a:ext uri="{FF2B5EF4-FFF2-40B4-BE49-F238E27FC236}">
-                <a16:creationId xmlns:a16="http://schemas.microsoft.com/office/drawing/2014/main" xmlns="" id="{E477E501-0E6A-4157-8731-BFD7A3189F6B}"/>
+                <a16:creationId xmlns:a16="http://schemas.microsoft.com/office/drawing/2014/main" id="{E477E501-0E6A-4157-8731-BFD7A3189F6B}"/>
               </a:ext>
             </a:extLst>
           </p:cNvPr>
@@ -51239,7 +51258,7 @@
           <p:cNvPr id="20" name="타원 19">
             <a:extLst>
               <a:ext uri="{FF2B5EF4-FFF2-40B4-BE49-F238E27FC236}">
-                <a16:creationId xmlns:a16="http://schemas.microsoft.com/office/drawing/2014/main" xmlns="" id="{DD1E2A7D-A343-48A0-8C4B-114EAE1E9808}"/>
+                <a16:creationId xmlns:a16="http://schemas.microsoft.com/office/drawing/2014/main" id="{DD1E2A7D-A343-48A0-8C4B-114EAE1E9808}"/>
               </a:ext>
             </a:extLst>
           </p:cNvPr>
@@ -51295,7 +51314,7 @@
           <p:cNvPr id="22" name="TextBox 21">
             <a:extLst>
               <a:ext uri="{FF2B5EF4-FFF2-40B4-BE49-F238E27FC236}">
-                <a16:creationId xmlns:a16="http://schemas.microsoft.com/office/drawing/2014/main" xmlns="" id="{AFAFB93A-19ED-492A-923A-8D7F78CF8082}"/>
+                <a16:creationId xmlns:a16="http://schemas.microsoft.com/office/drawing/2014/main" id="{AFAFB93A-19ED-492A-923A-8D7F78CF8082}"/>
               </a:ext>
             </a:extLst>
           </p:cNvPr>

--- a/이정진-육아품앗이 ver1.0.pptx
+++ b/이정진-육아품앗이 ver1.0.pptx
@@ -281,7 +281,7 @@
           <a:p>
             <a:fld id="{EFE7E5D9-E4B7-4AEF-9527-C62B9BD5060A}" type="datetimeFigureOut">
               <a:rPr lang="ko-KR" altLang="en-US" smtClean="0"/>
-              <a:t>2017-08-28</a:t>
+              <a:t>2017-08-29</a:t>
             </a:fld>
             <a:endParaRPr lang="ko-KR" altLang="en-US"/>
           </a:p>
@@ -2477,7 +2477,7 @@
           <a:p>
             <a:fld id="{4772E4CC-DCCA-4AB0-BD56-39983E5BAFD6}" type="datetimeFigureOut">
               <a:rPr lang="ko-KR" altLang="en-US" smtClean="0"/>
-              <a:t>2017-08-28</a:t>
+              <a:t>2017-08-29</a:t>
             </a:fld>
             <a:endParaRPr lang="ko-KR" altLang="en-US"/>
           </a:p>
@@ -2645,7 +2645,7 @@
           <a:p>
             <a:fld id="{4772E4CC-DCCA-4AB0-BD56-39983E5BAFD6}" type="datetimeFigureOut">
               <a:rPr lang="ko-KR" altLang="en-US" smtClean="0"/>
-              <a:t>2017-08-28</a:t>
+              <a:t>2017-08-29</a:t>
             </a:fld>
             <a:endParaRPr lang="ko-KR" altLang="en-US"/>
           </a:p>
@@ -2823,7 +2823,7 @@
           <a:p>
             <a:fld id="{4772E4CC-DCCA-4AB0-BD56-39983E5BAFD6}" type="datetimeFigureOut">
               <a:rPr lang="ko-KR" altLang="en-US" smtClean="0"/>
-              <a:t>2017-08-28</a:t>
+              <a:t>2017-08-29</a:t>
             </a:fld>
             <a:endParaRPr lang="ko-KR" altLang="en-US"/>
           </a:p>
@@ -2991,7 +2991,7 @@
           <a:p>
             <a:fld id="{4772E4CC-DCCA-4AB0-BD56-39983E5BAFD6}" type="datetimeFigureOut">
               <a:rPr lang="ko-KR" altLang="en-US" smtClean="0"/>
-              <a:t>2017-08-28</a:t>
+              <a:t>2017-08-29</a:t>
             </a:fld>
             <a:endParaRPr lang="ko-KR" altLang="en-US"/>
           </a:p>
@@ -3236,7 +3236,7 @@
           <a:p>
             <a:fld id="{4772E4CC-DCCA-4AB0-BD56-39983E5BAFD6}" type="datetimeFigureOut">
               <a:rPr lang="ko-KR" altLang="en-US" smtClean="0"/>
-              <a:t>2017-08-28</a:t>
+              <a:t>2017-08-29</a:t>
             </a:fld>
             <a:endParaRPr lang="ko-KR" altLang="en-US"/>
           </a:p>
@@ -3465,7 +3465,7 @@
           <a:p>
             <a:fld id="{4772E4CC-DCCA-4AB0-BD56-39983E5BAFD6}" type="datetimeFigureOut">
               <a:rPr lang="ko-KR" altLang="en-US" smtClean="0"/>
-              <a:t>2017-08-28</a:t>
+              <a:t>2017-08-29</a:t>
             </a:fld>
             <a:endParaRPr lang="ko-KR" altLang="en-US"/>
           </a:p>
@@ -3829,7 +3829,7 @@
           <a:p>
             <a:fld id="{4772E4CC-DCCA-4AB0-BD56-39983E5BAFD6}" type="datetimeFigureOut">
               <a:rPr lang="ko-KR" altLang="en-US" smtClean="0"/>
-              <a:t>2017-08-28</a:t>
+              <a:t>2017-08-29</a:t>
             </a:fld>
             <a:endParaRPr lang="ko-KR" altLang="en-US"/>
           </a:p>
@@ -3946,7 +3946,7 @@
           <a:p>
             <a:fld id="{4772E4CC-DCCA-4AB0-BD56-39983E5BAFD6}" type="datetimeFigureOut">
               <a:rPr lang="ko-KR" altLang="en-US" smtClean="0"/>
-              <a:t>2017-08-28</a:t>
+              <a:t>2017-08-29</a:t>
             </a:fld>
             <a:endParaRPr lang="ko-KR" altLang="en-US"/>
           </a:p>
@@ -4041,7 +4041,7 @@
           <a:p>
             <a:fld id="{4772E4CC-DCCA-4AB0-BD56-39983E5BAFD6}" type="datetimeFigureOut">
               <a:rPr lang="ko-KR" altLang="en-US" smtClean="0"/>
-              <a:t>2017-08-28</a:t>
+              <a:t>2017-08-29</a:t>
             </a:fld>
             <a:endParaRPr lang="ko-KR" altLang="en-US"/>
           </a:p>
@@ -4316,7 +4316,7 @@
           <a:p>
             <a:fld id="{4772E4CC-DCCA-4AB0-BD56-39983E5BAFD6}" type="datetimeFigureOut">
               <a:rPr lang="ko-KR" altLang="en-US" smtClean="0"/>
-              <a:t>2017-08-28</a:t>
+              <a:t>2017-08-29</a:t>
             </a:fld>
             <a:endParaRPr lang="ko-KR" altLang="en-US"/>
           </a:p>
@@ -4568,7 +4568,7 @@
           <a:p>
             <a:fld id="{4772E4CC-DCCA-4AB0-BD56-39983E5BAFD6}" type="datetimeFigureOut">
               <a:rPr lang="ko-KR" altLang="en-US" smtClean="0"/>
-              <a:t>2017-08-28</a:t>
+              <a:t>2017-08-29</a:t>
             </a:fld>
             <a:endParaRPr lang="ko-KR" altLang="en-US"/>
           </a:p>
@@ -4779,7 +4779,7 @@
           <a:p>
             <a:fld id="{4772E4CC-DCCA-4AB0-BD56-39983E5BAFD6}" type="datetimeFigureOut">
               <a:rPr lang="ko-KR" altLang="en-US" smtClean="0"/>
-              <a:t>2017-08-28</a:t>
+              <a:t>2017-08-29</a:t>
             </a:fld>
             <a:endParaRPr lang="ko-KR" altLang="en-US"/>
           </a:p>
@@ -5331,7 +5331,7 @@
           <p:cNvPr id="8" name="그룹 7">
             <a:extLst>
               <a:ext uri="{FF2B5EF4-FFF2-40B4-BE49-F238E27FC236}">
-                <a16:creationId xmlns:a16="http://schemas.microsoft.com/office/drawing/2014/main" id="{BDD2D87F-A67D-456E-889F-017946FB2528}"/>
+                <a16:creationId xmlns:a16="http://schemas.microsoft.com/office/drawing/2014/main" xmlns="" id="{BDD2D87F-A67D-456E-889F-017946FB2528}"/>
               </a:ext>
             </a:extLst>
           </p:cNvPr>
@@ -5581,7 +5581,7 @@
           <p:cNvPr id="2" name="직사각형 1">
             <a:extLst>
               <a:ext uri="{FF2B5EF4-FFF2-40B4-BE49-F238E27FC236}">
-                <a16:creationId xmlns:a16="http://schemas.microsoft.com/office/drawing/2014/main" id="{FEBDF47B-1B54-4068-AEB0-7F3500EC165A}"/>
+                <a16:creationId xmlns:a16="http://schemas.microsoft.com/office/drawing/2014/main" xmlns="" id="{FEBDF47B-1B54-4068-AEB0-7F3500EC165A}"/>
               </a:ext>
             </a:extLst>
           </p:cNvPr>
@@ -5637,7 +5637,7 @@
           <p:cNvPr id="13" name="TextBox 12">
             <a:extLst>
               <a:ext uri="{FF2B5EF4-FFF2-40B4-BE49-F238E27FC236}">
-                <a16:creationId xmlns:a16="http://schemas.microsoft.com/office/drawing/2014/main" id="{00112C74-8221-4E09-853D-55B7F5C72358}"/>
+                <a16:creationId xmlns:a16="http://schemas.microsoft.com/office/drawing/2014/main" xmlns="" id="{00112C74-8221-4E09-853D-55B7F5C72358}"/>
               </a:ext>
             </a:extLst>
           </p:cNvPr>
@@ -5692,7 +5692,7 @@
           <p:cNvPr id="14" name="사각형: 둥근 모서리 13">
             <a:extLst>
               <a:ext uri="{FF2B5EF4-FFF2-40B4-BE49-F238E27FC236}">
-                <a16:creationId xmlns:a16="http://schemas.microsoft.com/office/drawing/2014/main" id="{5229AE3E-98F3-451D-9DDD-5FEDBA237BBE}"/>
+                <a16:creationId xmlns:a16="http://schemas.microsoft.com/office/drawing/2014/main" xmlns="" id="{5229AE3E-98F3-451D-9DDD-5FEDBA237BBE}"/>
               </a:ext>
             </a:extLst>
           </p:cNvPr>
@@ -5755,7 +5755,7 @@
           <p:cNvPr id="6" name="그룹 5">
             <a:extLst>
               <a:ext uri="{FF2B5EF4-FFF2-40B4-BE49-F238E27FC236}">
-                <a16:creationId xmlns:a16="http://schemas.microsoft.com/office/drawing/2014/main" id="{52772EDD-B5B6-4DD1-8CBE-0C8B161920EC}"/>
+                <a16:creationId xmlns:a16="http://schemas.microsoft.com/office/drawing/2014/main" xmlns="" id="{52772EDD-B5B6-4DD1-8CBE-0C8B161920EC}"/>
               </a:ext>
             </a:extLst>
           </p:cNvPr>
@@ -5810,7 +5810,7 @@
             <p:cNvPr id="27" name="TextBox 26">
               <a:extLst>
                 <a:ext uri="{FF2B5EF4-FFF2-40B4-BE49-F238E27FC236}">
-                  <a16:creationId xmlns:a16="http://schemas.microsoft.com/office/drawing/2014/main" id="{0617BAC7-49E9-4D52-8F7A-CB6C421FF1A3}"/>
+                  <a16:creationId xmlns:a16="http://schemas.microsoft.com/office/drawing/2014/main" xmlns="" id="{0617BAC7-49E9-4D52-8F7A-CB6C421FF1A3}"/>
                 </a:ext>
               </a:extLst>
             </p:cNvPr>
@@ -5858,7 +5858,7 @@
             <p:cNvPr id="29" name="TextBox 28">
               <a:extLst>
                 <a:ext uri="{FF2B5EF4-FFF2-40B4-BE49-F238E27FC236}">
-                  <a16:creationId xmlns:a16="http://schemas.microsoft.com/office/drawing/2014/main" id="{746E7B91-9E3F-4696-A18A-6E376EC7A481}"/>
+                  <a16:creationId xmlns:a16="http://schemas.microsoft.com/office/drawing/2014/main" xmlns="" id="{746E7B91-9E3F-4696-A18A-6E376EC7A481}"/>
                 </a:ext>
               </a:extLst>
             </p:cNvPr>
@@ -5900,7 +5900,7 @@
           <p:cNvPr id="30" name="TextBox 29">
             <a:extLst>
               <a:ext uri="{FF2B5EF4-FFF2-40B4-BE49-F238E27FC236}">
-                <a16:creationId xmlns:a16="http://schemas.microsoft.com/office/drawing/2014/main" id="{130236D2-E71B-49A7-B8E7-CDC9814086D7}"/>
+                <a16:creationId xmlns:a16="http://schemas.microsoft.com/office/drawing/2014/main" xmlns="" id="{130236D2-E71B-49A7-B8E7-CDC9814086D7}"/>
               </a:ext>
             </a:extLst>
           </p:cNvPr>
@@ -5976,7 +5976,7 @@
           <p:cNvPr id="26" name="직사각형 25">
             <a:extLst>
               <a:ext uri="{FF2B5EF4-FFF2-40B4-BE49-F238E27FC236}">
-                <a16:creationId xmlns:a16="http://schemas.microsoft.com/office/drawing/2014/main" id="{76E1DF12-73BE-4150-AEDA-BA7ADC79849A}"/>
+                <a16:creationId xmlns:a16="http://schemas.microsoft.com/office/drawing/2014/main" xmlns="" id="{76E1DF12-73BE-4150-AEDA-BA7ADC79849A}"/>
               </a:ext>
             </a:extLst>
           </p:cNvPr>
@@ -6031,7 +6031,7 @@
           <p:cNvPr id="28" name="직사각형 27">
             <a:extLst>
               <a:ext uri="{FF2B5EF4-FFF2-40B4-BE49-F238E27FC236}">
-                <a16:creationId xmlns:a16="http://schemas.microsoft.com/office/drawing/2014/main" id="{87210AED-3611-46D3-9159-9C17F684D12C}"/>
+                <a16:creationId xmlns:a16="http://schemas.microsoft.com/office/drawing/2014/main" xmlns="" id="{87210AED-3611-46D3-9159-9C17F684D12C}"/>
               </a:ext>
             </a:extLst>
           </p:cNvPr>
@@ -6111,7 +6111,7 @@
           <p:cNvPr id="31" name="직사각형 30">
             <a:extLst>
               <a:ext uri="{FF2B5EF4-FFF2-40B4-BE49-F238E27FC236}">
-                <a16:creationId xmlns:a16="http://schemas.microsoft.com/office/drawing/2014/main" id="{733D7F5F-FDFF-4CFE-B465-571BC690D9C9}"/>
+                <a16:creationId xmlns:a16="http://schemas.microsoft.com/office/drawing/2014/main" xmlns="" id="{733D7F5F-FDFF-4CFE-B465-571BC690D9C9}"/>
               </a:ext>
             </a:extLst>
           </p:cNvPr>
@@ -6191,7 +6191,7 @@
           <p:cNvPr id="32" name="직사각형 31">
             <a:extLst>
               <a:ext uri="{FF2B5EF4-FFF2-40B4-BE49-F238E27FC236}">
-                <a16:creationId xmlns:a16="http://schemas.microsoft.com/office/drawing/2014/main" id="{E9D8646B-1C0D-4488-8A79-86C383B1209D}"/>
+                <a16:creationId xmlns:a16="http://schemas.microsoft.com/office/drawing/2014/main" xmlns="" id="{E9D8646B-1C0D-4488-8A79-86C383B1209D}"/>
               </a:ext>
             </a:extLst>
           </p:cNvPr>
@@ -6271,7 +6271,7 @@
           <p:cNvPr id="33" name="사각형: 둥근 모서리 32">
             <a:extLst>
               <a:ext uri="{FF2B5EF4-FFF2-40B4-BE49-F238E27FC236}">
-                <a16:creationId xmlns:a16="http://schemas.microsoft.com/office/drawing/2014/main" id="{8010CB78-A2AF-49FA-ACBF-4E72493350D4}"/>
+                <a16:creationId xmlns:a16="http://schemas.microsoft.com/office/drawing/2014/main" xmlns="" id="{8010CB78-A2AF-49FA-ACBF-4E72493350D4}"/>
               </a:ext>
             </a:extLst>
           </p:cNvPr>
@@ -10892,7 +10892,7 @@
           <p:cNvPr id="18" name="도형 13">
             <a:extLst>
               <a:ext uri="{FF2B5EF4-FFF2-40B4-BE49-F238E27FC236}">
-                <a16:creationId xmlns:a16="http://schemas.microsoft.com/office/drawing/2014/main" id="{E8451D97-1513-46EC-91B5-ABF8B3330AC4}"/>
+                <a16:creationId xmlns:a16="http://schemas.microsoft.com/office/drawing/2014/main" xmlns="" id="{E8451D97-1513-46EC-91B5-ABF8B3330AC4}"/>
               </a:ext>
             </a:extLst>
           </p:cNvPr>
@@ -10963,7 +10963,7 @@
           <p:cNvPr id="19" name="도형 11">
             <a:extLst>
               <a:ext uri="{FF2B5EF4-FFF2-40B4-BE49-F238E27FC236}">
-                <a16:creationId xmlns:a16="http://schemas.microsoft.com/office/drawing/2014/main" id="{8E69A79B-5167-406E-AADB-9929DA089F2B}"/>
+                <a16:creationId xmlns:a16="http://schemas.microsoft.com/office/drawing/2014/main" xmlns="" id="{8E69A79B-5167-406E-AADB-9929DA089F2B}"/>
               </a:ext>
             </a:extLst>
           </p:cNvPr>
@@ -11005,7 +11005,7 @@
           <p:cNvPr id="22" name="도형 11">
             <a:extLst>
               <a:ext uri="{FF2B5EF4-FFF2-40B4-BE49-F238E27FC236}">
-                <a16:creationId xmlns:a16="http://schemas.microsoft.com/office/drawing/2014/main" id="{9E5ADE22-F1FF-4045-805F-881AF2E2E7E0}"/>
+                <a16:creationId xmlns:a16="http://schemas.microsoft.com/office/drawing/2014/main" xmlns="" id="{9E5ADE22-F1FF-4045-805F-881AF2E2E7E0}"/>
               </a:ext>
             </a:extLst>
           </p:cNvPr>
@@ -11047,7 +11047,7 @@
           <p:cNvPr id="24" name="도형 11">
             <a:extLst>
               <a:ext uri="{FF2B5EF4-FFF2-40B4-BE49-F238E27FC236}">
-                <a16:creationId xmlns:a16="http://schemas.microsoft.com/office/drawing/2014/main" id="{A1D9F159-AA74-4ABA-8E4A-38C71F5B2B93}"/>
+                <a16:creationId xmlns:a16="http://schemas.microsoft.com/office/drawing/2014/main" xmlns="" id="{A1D9F159-AA74-4ABA-8E4A-38C71F5B2B93}"/>
               </a:ext>
             </a:extLst>
           </p:cNvPr>
@@ -11527,7 +11527,7 @@
           <p:cNvPr id="3" name="그래픽 2" descr="사용자">
             <a:extLst>
               <a:ext uri="{FF2B5EF4-FFF2-40B4-BE49-F238E27FC236}">
-                <a16:creationId xmlns:a16="http://schemas.microsoft.com/office/drawing/2014/main" id="{6C685256-82C6-4AF2-86F5-31B9CD5DCE14}"/>
+                <a16:creationId xmlns:a16="http://schemas.microsoft.com/office/drawing/2014/main" xmlns="" id="{6C685256-82C6-4AF2-86F5-31B9CD5DCE14}"/>
               </a:ext>
             </a:extLst>
           </p:cNvPr>
@@ -11543,7 +11543,7 @@
                 <a14:useLocalDpi xmlns:a14="http://schemas.microsoft.com/office/drawing/2010/main" val="0"/>
               </a:ext>
               <a:ext uri="{96DAC541-7B7A-43D3-8B79-37D633B846F1}">
-                <asvg:svgBlip xmlns:asvg="http://schemas.microsoft.com/office/drawing/2016/SVG/main" r:embed="rId3"/>
+                <asvg:svgBlip xmlns:asvg="http://schemas.microsoft.com/office/drawing/2016/SVG/main" xmlns="" r:embed="rId3"/>
               </a:ext>
             </a:extLst>
           </a:blip>
@@ -14201,6 +14201,10 @@
               <a:rPr lang="ko-KR" altLang="en-US" sz="1000" dirty="0" err="1"/>
               <a:t>신청률과</a:t>
             </a:r>
+            <a:r>
+              <a:rPr lang="en-US" altLang="ko-KR" sz="1000" dirty="0"/>
+              <a:t/>
+            </a:r>
             <a:br>
               <a:rPr lang="en-US" altLang="ko-KR" sz="1000" dirty="0"/>
             </a:br>
@@ -15963,6 +15967,10 @@
               <a:rPr lang="ko-KR" altLang="en-US" sz="1000" dirty="0"/>
               <a:t>심사 중일 때 해당 회원은 </a:t>
             </a:r>
+            <a:r>
+              <a:rPr lang="en-US" altLang="ko-KR" sz="1000" dirty="0"/>
+              <a:t/>
+            </a:r>
             <a:br>
               <a:rPr lang="en-US" altLang="ko-KR" sz="1000" dirty="0"/>
             </a:br>
@@ -16256,7 +16264,7 @@
           <p:cNvPr id="12" name="그래픽 11" descr="악수">
             <a:extLst>
               <a:ext uri="{FF2B5EF4-FFF2-40B4-BE49-F238E27FC236}">
-                <a16:creationId xmlns:a16="http://schemas.microsoft.com/office/drawing/2014/main" id="{0514C090-5E0B-4011-946C-BE32BCBEB97C}"/>
+                <a16:creationId xmlns:a16="http://schemas.microsoft.com/office/drawing/2014/main" xmlns="" id="{0514C090-5E0B-4011-946C-BE32BCBEB97C}"/>
               </a:ext>
             </a:extLst>
           </p:cNvPr>
@@ -16272,7 +16280,7 @@
                 <a14:useLocalDpi xmlns:a14="http://schemas.microsoft.com/office/drawing/2010/main" val="0"/>
               </a:ext>
               <a:ext uri="{96DAC541-7B7A-43D3-8B79-37D633B846F1}">
-                <asvg:svgBlip xmlns:asvg="http://schemas.microsoft.com/office/drawing/2016/SVG/main" r:embed="rId3"/>
+                <asvg:svgBlip xmlns:asvg="http://schemas.microsoft.com/office/drawing/2016/SVG/main" xmlns="" r:embed="rId3"/>
               </a:ext>
             </a:extLst>
           </a:blip>
@@ -17462,7 +17470,7 @@
           <p:cNvPr id="3" name="그래픽 2" descr="신문">
             <a:extLst>
               <a:ext uri="{FF2B5EF4-FFF2-40B4-BE49-F238E27FC236}">
-                <a16:creationId xmlns:a16="http://schemas.microsoft.com/office/drawing/2014/main" id="{7911473E-B517-4818-8400-F4E1E6F30056}"/>
+                <a16:creationId xmlns:a16="http://schemas.microsoft.com/office/drawing/2014/main" xmlns="" id="{7911473E-B517-4818-8400-F4E1E6F30056}"/>
               </a:ext>
             </a:extLst>
           </p:cNvPr>
@@ -17478,7 +17486,7 @@
                 <a14:useLocalDpi xmlns:a14="http://schemas.microsoft.com/office/drawing/2010/main" val="0"/>
               </a:ext>
               <a:ext uri="{96DAC541-7B7A-43D3-8B79-37D633B846F1}">
-                <asvg:svgBlip xmlns:asvg="http://schemas.microsoft.com/office/drawing/2016/SVG/main" r:embed="rId3"/>
+                <asvg:svgBlip xmlns:asvg="http://schemas.microsoft.com/office/drawing/2016/SVG/main" xmlns="" r:embed="rId3"/>
               </a:ext>
             </a:extLst>
           </a:blip>
@@ -21623,7 +21631,7 @@
           <p:cNvPr id="3" name="그래픽 2" descr="어린이">
             <a:extLst>
               <a:ext uri="{FF2B5EF4-FFF2-40B4-BE49-F238E27FC236}">
-                <a16:creationId xmlns:a16="http://schemas.microsoft.com/office/drawing/2014/main" id="{16102F28-76C5-4628-AB3F-6C514058F482}"/>
+                <a16:creationId xmlns:a16="http://schemas.microsoft.com/office/drawing/2014/main" xmlns="" id="{16102F28-76C5-4628-AB3F-6C514058F482}"/>
               </a:ext>
             </a:extLst>
           </p:cNvPr>
@@ -21639,7 +21647,7 @@
                 <a14:useLocalDpi xmlns:a14="http://schemas.microsoft.com/office/drawing/2010/main" val="0"/>
               </a:ext>
               <a:ext uri="{96DAC541-7B7A-43D3-8B79-37D633B846F1}">
-                <asvg:svgBlip xmlns:asvg="http://schemas.microsoft.com/office/drawing/2016/SVG/main" r:embed="rId3"/>
+                <asvg:svgBlip xmlns:asvg="http://schemas.microsoft.com/office/drawing/2016/SVG/main" xmlns="" r:embed="rId3"/>
               </a:ext>
             </a:extLst>
           </a:blip>
@@ -22878,6 +22886,10 @@
               <a:rPr lang="ko-KR" altLang="en-US" sz="1100" dirty="0"/>
               <a:t>비밀번호 등 </a:t>
             </a:r>
+            <a:r>
+              <a:rPr lang="en-US" altLang="ko-KR" sz="1100" dirty="0"/>
+              <a:t/>
+            </a:r>
             <a:br>
               <a:rPr lang="en-US" altLang="ko-KR" sz="1100" dirty="0"/>
             </a:br>
@@ -23599,6 +23611,10 @@
               <a:rPr lang="ko-KR" altLang="en-US" sz="1050" dirty="0"/>
               <a:t>실패 시 회원 가입 정보 입력 페이지로 </a:t>
             </a:r>
+            <a:r>
+              <a:rPr lang="en-US" altLang="ko-KR" sz="1050" dirty="0"/>
+              <a:t/>
+            </a:r>
             <a:br>
               <a:rPr lang="en-US" altLang="ko-KR" sz="1050" dirty="0"/>
             </a:br>
@@ -25025,6 +25041,10 @@
             <a:r>
               <a:rPr lang="ko-KR" altLang="en-US" sz="900" dirty="0"/>
               <a:t>탈퇴 버튼을 누르면 회원의 모든 정보</a:t>
+            </a:r>
+            <a:r>
+              <a:rPr lang="en-US" altLang="ko-KR" sz="900" dirty="0"/>
+              <a:t/>
             </a:r>
             <a:br>
               <a:rPr lang="en-US" altLang="ko-KR" sz="900" dirty="0"/>
@@ -25539,7 +25559,7 @@
                 <a14:useLocalDpi xmlns:a14="http://schemas.microsoft.com/office/drawing/2010/main" val="0"/>
               </a:ext>
               <a:ext uri="{96DAC541-7B7A-43D3-8B79-37D633B846F1}">
-                <asvg:svgBlip xmlns:asvg="http://schemas.microsoft.com/office/drawing/2016/SVG/main" r:embed="rId3"/>
+                <asvg:svgBlip xmlns:asvg="http://schemas.microsoft.com/office/drawing/2016/SVG/main" xmlns="" r:embed="rId3"/>
               </a:ext>
             </a:extLst>
           </a:blip>
@@ -26578,7 +26598,7 @@
           <p:cNvPr id="11" name="그림 10">
             <a:extLst>
               <a:ext uri="{FF2B5EF4-FFF2-40B4-BE49-F238E27FC236}">
-                <a16:creationId xmlns:a16="http://schemas.microsoft.com/office/drawing/2014/main" id="{E477E501-0E6A-4157-8731-BFD7A3189F6B}"/>
+                <a16:creationId xmlns:a16="http://schemas.microsoft.com/office/drawing/2014/main" xmlns="" id="{E477E501-0E6A-4157-8731-BFD7A3189F6B}"/>
               </a:ext>
             </a:extLst>
           </p:cNvPr>
@@ -26707,7 +26727,7 @@
           <p:cNvPr id="20" name="타원 19">
             <a:extLst>
               <a:ext uri="{FF2B5EF4-FFF2-40B4-BE49-F238E27FC236}">
-                <a16:creationId xmlns:a16="http://schemas.microsoft.com/office/drawing/2014/main" id="{DD1E2A7D-A343-48A0-8C4B-114EAE1E9808}"/>
+                <a16:creationId xmlns:a16="http://schemas.microsoft.com/office/drawing/2014/main" xmlns="" id="{DD1E2A7D-A343-48A0-8C4B-114EAE1E9808}"/>
               </a:ext>
             </a:extLst>
           </p:cNvPr>
@@ -26763,7 +26783,7 @@
           <p:cNvPr id="21" name="타원 20">
             <a:extLst>
               <a:ext uri="{FF2B5EF4-FFF2-40B4-BE49-F238E27FC236}">
-                <a16:creationId xmlns:a16="http://schemas.microsoft.com/office/drawing/2014/main" id="{17E7EFB1-7A51-4BFD-A060-3CC0A45C4B6D}"/>
+                <a16:creationId xmlns:a16="http://schemas.microsoft.com/office/drawing/2014/main" xmlns="" id="{17E7EFB1-7A51-4BFD-A060-3CC0A45C4B6D}"/>
               </a:ext>
             </a:extLst>
           </p:cNvPr>
@@ -26819,7 +26839,7 @@
           <p:cNvPr id="22" name="TextBox 21">
             <a:extLst>
               <a:ext uri="{FF2B5EF4-FFF2-40B4-BE49-F238E27FC236}">
-                <a16:creationId xmlns:a16="http://schemas.microsoft.com/office/drawing/2014/main" id="{AFAFB93A-19ED-492A-923A-8D7F78CF8082}"/>
+                <a16:creationId xmlns:a16="http://schemas.microsoft.com/office/drawing/2014/main" xmlns="" id="{AFAFB93A-19ED-492A-923A-8D7F78CF8082}"/>
               </a:ext>
             </a:extLst>
           </p:cNvPr>
@@ -26861,7 +26881,7 @@
           <p:cNvPr id="23" name="TextBox 22">
             <a:extLst>
               <a:ext uri="{FF2B5EF4-FFF2-40B4-BE49-F238E27FC236}">
-                <a16:creationId xmlns:a16="http://schemas.microsoft.com/office/drawing/2014/main" id="{F32561BD-E304-408A-8DBD-071FB89327CA}"/>
+                <a16:creationId xmlns:a16="http://schemas.microsoft.com/office/drawing/2014/main" xmlns="" id="{F32561BD-E304-408A-8DBD-071FB89327CA}"/>
               </a:ext>
             </a:extLst>
           </p:cNvPr>
@@ -26903,7 +26923,7 @@
           <p:cNvPr id="25" name="TextBox 24">
             <a:extLst>
               <a:ext uri="{FF2B5EF4-FFF2-40B4-BE49-F238E27FC236}">
-                <a16:creationId xmlns:a16="http://schemas.microsoft.com/office/drawing/2014/main" id="{C57AB30A-BC4D-454E-BC57-8A3EC1BB301B}"/>
+                <a16:creationId xmlns:a16="http://schemas.microsoft.com/office/drawing/2014/main" xmlns="" id="{C57AB30A-BC4D-454E-BC57-8A3EC1BB301B}"/>
               </a:ext>
             </a:extLst>
           </p:cNvPr>
@@ -27187,7 +27207,7 @@
           <p:cNvPr id="11" name="그림 10">
             <a:extLst>
               <a:ext uri="{FF2B5EF4-FFF2-40B4-BE49-F238E27FC236}">
-                <a16:creationId xmlns:a16="http://schemas.microsoft.com/office/drawing/2014/main" id="{E477E501-0E6A-4157-8731-BFD7A3189F6B}"/>
+                <a16:creationId xmlns:a16="http://schemas.microsoft.com/office/drawing/2014/main" xmlns="" id="{E477E501-0E6A-4157-8731-BFD7A3189F6B}"/>
               </a:ext>
             </a:extLst>
           </p:cNvPr>
@@ -27223,7 +27243,7 @@
           <p:cNvPr id="20" name="타원 19">
             <a:extLst>
               <a:ext uri="{FF2B5EF4-FFF2-40B4-BE49-F238E27FC236}">
-                <a16:creationId xmlns:a16="http://schemas.microsoft.com/office/drawing/2014/main" id="{DD1E2A7D-A343-48A0-8C4B-114EAE1E9808}"/>
+                <a16:creationId xmlns:a16="http://schemas.microsoft.com/office/drawing/2014/main" xmlns="" id="{DD1E2A7D-A343-48A0-8C4B-114EAE1E9808}"/>
               </a:ext>
             </a:extLst>
           </p:cNvPr>
@@ -27279,7 +27299,7 @@
           <p:cNvPr id="21" name="타원 20">
             <a:extLst>
               <a:ext uri="{FF2B5EF4-FFF2-40B4-BE49-F238E27FC236}">
-                <a16:creationId xmlns:a16="http://schemas.microsoft.com/office/drawing/2014/main" id="{17E7EFB1-7A51-4BFD-A060-3CC0A45C4B6D}"/>
+                <a16:creationId xmlns:a16="http://schemas.microsoft.com/office/drawing/2014/main" xmlns="" id="{17E7EFB1-7A51-4BFD-A060-3CC0A45C4B6D}"/>
               </a:ext>
             </a:extLst>
           </p:cNvPr>
@@ -27335,7 +27355,7 @@
           <p:cNvPr id="22" name="TextBox 21">
             <a:extLst>
               <a:ext uri="{FF2B5EF4-FFF2-40B4-BE49-F238E27FC236}">
-                <a16:creationId xmlns:a16="http://schemas.microsoft.com/office/drawing/2014/main" id="{AFAFB93A-19ED-492A-923A-8D7F78CF8082}"/>
+                <a16:creationId xmlns:a16="http://schemas.microsoft.com/office/drawing/2014/main" xmlns="" id="{AFAFB93A-19ED-492A-923A-8D7F78CF8082}"/>
               </a:ext>
             </a:extLst>
           </p:cNvPr>
@@ -27377,7 +27397,7 @@
           <p:cNvPr id="23" name="TextBox 22">
             <a:extLst>
               <a:ext uri="{FF2B5EF4-FFF2-40B4-BE49-F238E27FC236}">
-                <a16:creationId xmlns:a16="http://schemas.microsoft.com/office/drawing/2014/main" id="{F32561BD-E304-408A-8DBD-071FB89327CA}"/>
+                <a16:creationId xmlns:a16="http://schemas.microsoft.com/office/drawing/2014/main" xmlns="" id="{F32561BD-E304-408A-8DBD-071FB89327CA}"/>
               </a:ext>
             </a:extLst>
           </p:cNvPr>
@@ -27643,7 +27663,7 @@
           <p:cNvPr id="11" name="그림 10">
             <a:extLst>
               <a:ext uri="{FF2B5EF4-FFF2-40B4-BE49-F238E27FC236}">
-                <a16:creationId xmlns:a16="http://schemas.microsoft.com/office/drawing/2014/main" id="{E477E501-0E6A-4157-8731-BFD7A3189F6B}"/>
+                <a16:creationId xmlns:a16="http://schemas.microsoft.com/office/drawing/2014/main" xmlns="" id="{E477E501-0E6A-4157-8731-BFD7A3189F6B}"/>
               </a:ext>
             </a:extLst>
           </p:cNvPr>
@@ -27679,7 +27699,7 @@
           <p:cNvPr id="20" name="타원 19">
             <a:extLst>
               <a:ext uri="{FF2B5EF4-FFF2-40B4-BE49-F238E27FC236}">
-                <a16:creationId xmlns:a16="http://schemas.microsoft.com/office/drawing/2014/main" id="{DD1E2A7D-A343-48A0-8C4B-114EAE1E9808}"/>
+                <a16:creationId xmlns:a16="http://schemas.microsoft.com/office/drawing/2014/main" xmlns="" id="{DD1E2A7D-A343-48A0-8C4B-114EAE1E9808}"/>
               </a:ext>
             </a:extLst>
           </p:cNvPr>
@@ -27735,7 +27755,7 @@
           <p:cNvPr id="22" name="TextBox 21">
             <a:extLst>
               <a:ext uri="{FF2B5EF4-FFF2-40B4-BE49-F238E27FC236}">
-                <a16:creationId xmlns:a16="http://schemas.microsoft.com/office/drawing/2014/main" id="{AFAFB93A-19ED-492A-923A-8D7F78CF8082}"/>
+                <a16:creationId xmlns:a16="http://schemas.microsoft.com/office/drawing/2014/main" xmlns="" id="{AFAFB93A-19ED-492A-923A-8D7F78CF8082}"/>
               </a:ext>
             </a:extLst>
           </p:cNvPr>
@@ -27948,7 +27968,7 @@
           <p:cNvPr id="11" name="그림 10">
             <a:extLst>
               <a:ext uri="{FF2B5EF4-FFF2-40B4-BE49-F238E27FC236}">
-                <a16:creationId xmlns:a16="http://schemas.microsoft.com/office/drawing/2014/main" id="{E477E501-0E6A-4157-8731-BFD7A3189F6B}"/>
+                <a16:creationId xmlns:a16="http://schemas.microsoft.com/office/drawing/2014/main" xmlns="" id="{E477E501-0E6A-4157-8731-BFD7A3189F6B}"/>
               </a:ext>
             </a:extLst>
           </p:cNvPr>
@@ -27984,7 +28004,7 @@
           <p:cNvPr id="20" name="타원 19">
             <a:extLst>
               <a:ext uri="{FF2B5EF4-FFF2-40B4-BE49-F238E27FC236}">
-                <a16:creationId xmlns:a16="http://schemas.microsoft.com/office/drawing/2014/main" id="{DD1E2A7D-A343-48A0-8C4B-114EAE1E9808}"/>
+                <a16:creationId xmlns:a16="http://schemas.microsoft.com/office/drawing/2014/main" xmlns="" id="{DD1E2A7D-A343-48A0-8C4B-114EAE1E9808}"/>
               </a:ext>
             </a:extLst>
           </p:cNvPr>
@@ -28040,7 +28060,7 @@
           <p:cNvPr id="21" name="타원 20">
             <a:extLst>
               <a:ext uri="{FF2B5EF4-FFF2-40B4-BE49-F238E27FC236}">
-                <a16:creationId xmlns:a16="http://schemas.microsoft.com/office/drawing/2014/main" id="{17E7EFB1-7A51-4BFD-A060-3CC0A45C4B6D}"/>
+                <a16:creationId xmlns:a16="http://schemas.microsoft.com/office/drawing/2014/main" xmlns="" id="{17E7EFB1-7A51-4BFD-A060-3CC0A45C4B6D}"/>
               </a:ext>
             </a:extLst>
           </p:cNvPr>
@@ -28096,7 +28116,7 @@
           <p:cNvPr id="22" name="TextBox 21">
             <a:extLst>
               <a:ext uri="{FF2B5EF4-FFF2-40B4-BE49-F238E27FC236}">
-                <a16:creationId xmlns:a16="http://schemas.microsoft.com/office/drawing/2014/main" id="{AFAFB93A-19ED-492A-923A-8D7F78CF8082}"/>
+                <a16:creationId xmlns:a16="http://schemas.microsoft.com/office/drawing/2014/main" xmlns="" id="{AFAFB93A-19ED-492A-923A-8D7F78CF8082}"/>
               </a:ext>
             </a:extLst>
           </p:cNvPr>
@@ -28162,7 +28182,7 @@
           <p:cNvPr id="23" name="TextBox 22">
             <a:extLst>
               <a:ext uri="{FF2B5EF4-FFF2-40B4-BE49-F238E27FC236}">
-                <a16:creationId xmlns:a16="http://schemas.microsoft.com/office/drawing/2014/main" id="{F32561BD-E304-408A-8DBD-071FB89327CA}"/>
+                <a16:creationId xmlns:a16="http://schemas.microsoft.com/office/drawing/2014/main" xmlns="" id="{F32561BD-E304-408A-8DBD-071FB89327CA}"/>
               </a:ext>
             </a:extLst>
           </p:cNvPr>
@@ -28420,7 +28440,7 @@
           <p:cNvPr id="11" name="그림 10">
             <a:extLst>
               <a:ext uri="{FF2B5EF4-FFF2-40B4-BE49-F238E27FC236}">
-                <a16:creationId xmlns:a16="http://schemas.microsoft.com/office/drawing/2014/main" id="{E477E501-0E6A-4157-8731-BFD7A3189F6B}"/>
+                <a16:creationId xmlns:a16="http://schemas.microsoft.com/office/drawing/2014/main" xmlns="" id="{E477E501-0E6A-4157-8731-BFD7A3189F6B}"/>
               </a:ext>
             </a:extLst>
           </p:cNvPr>
@@ -28456,7 +28476,7 @@
           <p:cNvPr id="20" name="타원 19">
             <a:extLst>
               <a:ext uri="{FF2B5EF4-FFF2-40B4-BE49-F238E27FC236}">
-                <a16:creationId xmlns:a16="http://schemas.microsoft.com/office/drawing/2014/main" id="{DD1E2A7D-A343-48A0-8C4B-114EAE1E9808}"/>
+                <a16:creationId xmlns:a16="http://schemas.microsoft.com/office/drawing/2014/main" xmlns="" id="{DD1E2A7D-A343-48A0-8C4B-114EAE1E9808}"/>
               </a:ext>
             </a:extLst>
           </p:cNvPr>
@@ -28512,7 +28532,7 @@
           <p:cNvPr id="21" name="타원 20">
             <a:extLst>
               <a:ext uri="{FF2B5EF4-FFF2-40B4-BE49-F238E27FC236}">
-                <a16:creationId xmlns:a16="http://schemas.microsoft.com/office/drawing/2014/main" id="{17E7EFB1-7A51-4BFD-A060-3CC0A45C4B6D}"/>
+                <a16:creationId xmlns:a16="http://schemas.microsoft.com/office/drawing/2014/main" xmlns="" id="{17E7EFB1-7A51-4BFD-A060-3CC0A45C4B6D}"/>
               </a:ext>
             </a:extLst>
           </p:cNvPr>
@@ -28568,7 +28588,7 @@
           <p:cNvPr id="22" name="TextBox 21">
             <a:extLst>
               <a:ext uri="{FF2B5EF4-FFF2-40B4-BE49-F238E27FC236}">
-                <a16:creationId xmlns:a16="http://schemas.microsoft.com/office/drawing/2014/main" id="{AFAFB93A-19ED-492A-923A-8D7F78CF8082}"/>
+                <a16:creationId xmlns:a16="http://schemas.microsoft.com/office/drawing/2014/main" xmlns="" id="{AFAFB93A-19ED-492A-923A-8D7F78CF8082}"/>
               </a:ext>
             </a:extLst>
           </p:cNvPr>
@@ -28615,7 +28635,7 @@
           <p:cNvPr id="23" name="TextBox 22">
             <a:extLst>
               <a:ext uri="{FF2B5EF4-FFF2-40B4-BE49-F238E27FC236}">
-                <a16:creationId xmlns:a16="http://schemas.microsoft.com/office/drawing/2014/main" id="{F32561BD-E304-408A-8DBD-071FB89327CA}"/>
+                <a16:creationId xmlns:a16="http://schemas.microsoft.com/office/drawing/2014/main" xmlns="" id="{F32561BD-E304-408A-8DBD-071FB89327CA}"/>
               </a:ext>
             </a:extLst>
           </p:cNvPr>
@@ -28892,7 +28912,7 @@
           <p:cNvPr id="5" name="그래픽 4" descr="기저귀 갈기">
             <a:extLst>
               <a:ext uri="{FF2B5EF4-FFF2-40B4-BE49-F238E27FC236}">
-                <a16:creationId xmlns:a16="http://schemas.microsoft.com/office/drawing/2014/main" id="{175E4526-EA9D-46C6-B829-6633AD2917E0}"/>
+                <a16:creationId xmlns:a16="http://schemas.microsoft.com/office/drawing/2014/main" xmlns="" id="{175E4526-EA9D-46C6-B829-6633AD2917E0}"/>
               </a:ext>
             </a:extLst>
           </p:cNvPr>
@@ -28908,7 +28928,7 @@
                 <a14:useLocalDpi xmlns:a14="http://schemas.microsoft.com/office/drawing/2010/main" val="0"/>
               </a:ext>
               <a:ext uri="{96DAC541-7B7A-43D3-8B79-37D633B846F1}">
-                <asvg:svgBlip xmlns:asvg="http://schemas.microsoft.com/office/drawing/2016/SVG/main" r:embed="rId3"/>
+                <asvg:svgBlip xmlns:asvg="http://schemas.microsoft.com/office/drawing/2016/SVG/main" xmlns="" r:embed="rId3"/>
               </a:ext>
             </a:extLst>
           </a:blip>
@@ -32722,6 +32742,10 @@
               <a:rPr lang="ko-KR" altLang="en-US" sz="1000" dirty="0"/>
               <a:t>신청 받았을 때 아이에 대한</a:t>
             </a:r>
+            <a:r>
+              <a:rPr lang="en-US" altLang="ko-KR" sz="1000" dirty="0"/>
+              <a:t/>
+            </a:r>
             <a:br>
               <a:rPr lang="en-US" altLang="ko-KR" sz="1000" dirty="0"/>
             </a:br>
@@ -34305,6 +34329,10 @@
               <a:rPr lang="ko-KR" altLang="en-US" sz="1100" dirty="0"/>
               <a:t>아이에 대한 요청 사항</a:t>
             </a:r>
+            <a:r>
+              <a:rPr lang="en-US" altLang="ko-KR" sz="1100" dirty="0"/>
+              <a:t/>
+            </a:r>
             <a:br>
               <a:rPr lang="en-US" altLang="ko-KR" sz="1100" dirty="0"/>
             </a:br>
@@ -35289,6 +35317,10 @@
               <a:rPr lang="ko-KR" altLang="en-US" sz="1100" dirty="0"/>
               <a:t>아이에 대한 요청 사항</a:t>
             </a:r>
+            <a:r>
+              <a:rPr lang="en-US" altLang="ko-KR" sz="1100" dirty="0"/>
+              <a:t/>
+            </a:r>
             <a:br>
               <a:rPr lang="en-US" altLang="ko-KR" sz="1100" dirty="0"/>
             </a:br>
@@ -35850,6 +35882,10 @@
             <a:r>
               <a:rPr lang="ko-KR" altLang="en-US" sz="1100" dirty="0"/>
               <a:t>신청한 회원의 신청을</a:t>
+            </a:r>
+            <a:r>
+              <a:rPr lang="en-US" altLang="ko-KR" sz="1100" dirty="0"/>
+              <a:t/>
             </a:r>
             <a:br>
               <a:rPr lang="en-US" altLang="ko-KR" sz="1100" dirty="0"/>
@@ -36163,7 +36199,7 @@
           <p:cNvPr id="5" name="그래픽 4" descr="부모와 아기">
             <a:extLst>
               <a:ext uri="{FF2B5EF4-FFF2-40B4-BE49-F238E27FC236}">
-                <a16:creationId xmlns:a16="http://schemas.microsoft.com/office/drawing/2014/main" id="{FF92183A-DF19-4DBB-AE94-391B251E49A2}"/>
+                <a16:creationId xmlns:a16="http://schemas.microsoft.com/office/drawing/2014/main" xmlns="" id="{FF92183A-DF19-4DBB-AE94-391B251E49A2}"/>
               </a:ext>
             </a:extLst>
           </p:cNvPr>
@@ -36179,7 +36215,7 @@
                 <a14:useLocalDpi xmlns:a14="http://schemas.microsoft.com/office/drawing/2010/main" val="0"/>
               </a:ext>
               <a:ext uri="{96DAC541-7B7A-43D3-8B79-37D633B846F1}">
-                <asvg:svgBlip xmlns:asvg="http://schemas.microsoft.com/office/drawing/2016/SVG/main" r:embed="rId3"/>
+                <asvg:svgBlip xmlns:asvg="http://schemas.microsoft.com/office/drawing/2016/SVG/main" xmlns="" r:embed="rId3"/>
               </a:ext>
             </a:extLst>
           </a:blip>
@@ -38434,6 +38470,50 @@
           </a:p>
         </p:txBody>
       </p:sp>
+      <p:sp>
+        <p:nvSpPr>
+          <p:cNvPr id="2" name="직사각형 1"/>
+          <p:cNvSpPr/>
+          <p:nvPr/>
+        </p:nvSpPr>
+        <p:spPr>
+          <a:xfrm>
+            <a:off x="657225" y="2057399"/>
+            <a:ext cx="7972425" cy="3534825"/>
+          </a:xfrm>
+          <a:prstGeom prst="rect">
+            <a:avLst/>
+          </a:prstGeom>
+        </p:spPr>
+        <p:style>
+          <a:lnRef idx="2">
+            <a:schemeClr val="accent1">
+              <a:shade val="50000"/>
+            </a:schemeClr>
+          </a:lnRef>
+          <a:fillRef idx="1">
+            <a:schemeClr val="accent1"/>
+          </a:fillRef>
+          <a:effectRef idx="0">
+            <a:schemeClr val="accent1"/>
+          </a:effectRef>
+          <a:fontRef idx="minor">
+            <a:schemeClr val="lt1"/>
+          </a:fontRef>
+        </p:style>
+        <p:txBody>
+          <a:bodyPr rtlCol="0" anchor="ctr"/>
+          <a:lstStyle/>
+          <a:p>
+            <a:pPr algn="ctr"/>
+            <a:r>
+              <a:rPr lang="ko-KR" altLang="en-US" dirty="0" smtClean="0"/>
+              <a:t>프로필</a:t>
+            </a:r>
+            <a:endParaRPr lang="ko-KR" altLang="en-US" dirty="0"/>
+          </a:p>
+        </p:txBody>
+      </p:sp>
     </p:spTree>
     <p:extLst>
       <p:ext uri="{BB962C8B-B14F-4D97-AF65-F5344CB8AC3E}">
@@ -39421,7 +39501,7 @@
           <p:cNvPr id="11" name="그림 10">
             <a:extLst>
               <a:ext uri="{FF2B5EF4-FFF2-40B4-BE49-F238E27FC236}">
-                <a16:creationId xmlns:a16="http://schemas.microsoft.com/office/drawing/2014/main" id="{E477E501-0E6A-4157-8731-BFD7A3189F6B}"/>
+                <a16:creationId xmlns:a16="http://schemas.microsoft.com/office/drawing/2014/main" xmlns="" id="{E477E501-0E6A-4157-8731-BFD7A3189F6B}"/>
               </a:ext>
             </a:extLst>
           </p:cNvPr>
@@ -39550,7 +39630,7 @@
           <p:cNvPr id="20" name="타원 19">
             <a:extLst>
               <a:ext uri="{FF2B5EF4-FFF2-40B4-BE49-F238E27FC236}">
-                <a16:creationId xmlns:a16="http://schemas.microsoft.com/office/drawing/2014/main" id="{DD1E2A7D-A343-48A0-8C4B-114EAE1E9808}"/>
+                <a16:creationId xmlns:a16="http://schemas.microsoft.com/office/drawing/2014/main" xmlns="" id="{DD1E2A7D-A343-48A0-8C4B-114EAE1E9808}"/>
               </a:ext>
             </a:extLst>
           </p:cNvPr>
@@ -39606,7 +39686,7 @@
           <p:cNvPr id="21" name="타원 20">
             <a:extLst>
               <a:ext uri="{FF2B5EF4-FFF2-40B4-BE49-F238E27FC236}">
-                <a16:creationId xmlns:a16="http://schemas.microsoft.com/office/drawing/2014/main" id="{17E7EFB1-7A51-4BFD-A060-3CC0A45C4B6D}"/>
+                <a16:creationId xmlns:a16="http://schemas.microsoft.com/office/drawing/2014/main" xmlns="" id="{17E7EFB1-7A51-4BFD-A060-3CC0A45C4B6D}"/>
               </a:ext>
             </a:extLst>
           </p:cNvPr>
@@ -39662,7 +39742,7 @@
           <p:cNvPr id="22" name="TextBox 21">
             <a:extLst>
               <a:ext uri="{FF2B5EF4-FFF2-40B4-BE49-F238E27FC236}">
-                <a16:creationId xmlns:a16="http://schemas.microsoft.com/office/drawing/2014/main" id="{AFAFB93A-19ED-492A-923A-8D7F78CF8082}"/>
+                <a16:creationId xmlns:a16="http://schemas.microsoft.com/office/drawing/2014/main" xmlns="" id="{AFAFB93A-19ED-492A-923A-8D7F78CF8082}"/>
               </a:ext>
             </a:extLst>
           </p:cNvPr>
@@ -39752,7 +39832,7 @@
           <p:cNvPr id="23" name="TextBox 22">
             <a:extLst>
               <a:ext uri="{FF2B5EF4-FFF2-40B4-BE49-F238E27FC236}">
-                <a16:creationId xmlns:a16="http://schemas.microsoft.com/office/drawing/2014/main" id="{F32561BD-E304-408A-8DBD-071FB89327CA}"/>
+                <a16:creationId xmlns:a16="http://schemas.microsoft.com/office/drawing/2014/main" xmlns="" id="{F32561BD-E304-408A-8DBD-071FB89327CA}"/>
               </a:ext>
             </a:extLst>
           </p:cNvPr>
@@ -39818,7 +39898,7 @@
           <p:cNvPr id="25" name="TextBox 24">
             <a:extLst>
               <a:ext uri="{FF2B5EF4-FFF2-40B4-BE49-F238E27FC236}">
-                <a16:creationId xmlns:a16="http://schemas.microsoft.com/office/drawing/2014/main" id="{C57AB30A-BC4D-454E-BC57-8A3EC1BB301B}"/>
+                <a16:creationId xmlns:a16="http://schemas.microsoft.com/office/drawing/2014/main" xmlns="" id="{C57AB30A-BC4D-454E-BC57-8A3EC1BB301B}"/>
               </a:ext>
             </a:extLst>
           </p:cNvPr>
@@ -39947,7 +40027,7 @@
           <p:cNvPr id="14" name="타원 13">
             <a:extLst>
               <a:ext uri="{FF2B5EF4-FFF2-40B4-BE49-F238E27FC236}">
-                <a16:creationId xmlns:a16="http://schemas.microsoft.com/office/drawing/2014/main" id="{F97A6FBB-71A2-4CC9-8564-972BC122BDF1}"/>
+                <a16:creationId xmlns:a16="http://schemas.microsoft.com/office/drawing/2014/main" xmlns="" id="{F97A6FBB-71A2-4CC9-8564-972BC122BDF1}"/>
               </a:ext>
             </a:extLst>
           </p:cNvPr>
@@ -40003,7 +40083,7 @@
           <p:cNvPr id="15" name="TextBox 14">
             <a:extLst>
               <a:ext uri="{FF2B5EF4-FFF2-40B4-BE49-F238E27FC236}">
-                <a16:creationId xmlns:a16="http://schemas.microsoft.com/office/drawing/2014/main" id="{40FD6F13-CB85-4D63-9C8F-13878AC5A81D}"/>
+                <a16:creationId xmlns:a16="http://schemas.microsoft.com/office/drawing/2014/main" xmlns="" id="{40FD6F13-CB85-4D63-9C8F-13878AC5A81D}"/>
               </a:ext>
             </a:extLst>
           </p:cNvPr>
@@ -40041,6 +40121,10 @@
               <a:rPr lang="ko-KR" altLang="en-US" sz="1050" dirty="0"/>
               <a:t> 후 후기작성단계로 넘어가서 후기작성버튼을 클릭하면 후기작성이 가능함</a:t>
             </a:r>
+            <a:r>
+              <a:rPr lang="en-US" altLang="ko-KR" sz="1050" dirty="0"/>
+              <a:t/>
+            </a:r>
             <a:br>
               <a:rPr lang="en-US" altLang="ko-KR" sz="1050" dirty="0"/>
             </a:br>
@@ -40076,7 +40160,7 @@
           <p:cNvPr id="16" name="직사각형 15">
             <a:extLst>
               <a:ext uri="{FF2B5EF4-FFF2-40B4-BE49-F238E27FC236}">
-                <a16:creationId xmlns:a16="http://schemas.microsoft.com/office/drawing/2014/main" id="{DE9D2A93-6D76-4B03-8A9F-DE49CD1EA49F}"/>
+                <a16:creationId xmlns:a16="http://schemas.microsoft.com/office/drawing/2014/main" xmlns="" id="{DE9D2A93-6D76-4B03-8A9F-DE49CD1EA49F}"/>
               </a:ext>
             </a:extLst>
           </p:cNvPr>
@@ -41184,7 +41268,7 @@
           <p:cNvPr id="11" name="그림 10">
             <a:extLst>
               <a:ext uri="{FF2B5EF4-FFF2-40B4-BE49-F238E27FC236}">
-                <a16:creationId xmlns:a16="http://schemas.microsoft.com/office/drawing/2014/main" id="{E477E501-0E6A-4157-8731-BFD7A3189F6B}"/>
+                <a16:creationId xmlns:a16="http://schemas.microsoft.com/office/drawing/2014/main" xmlns="" id="{E477E501-0E6A-4157-8731-BFD7A3189F6B}"/>
               </a:ext>
             </a:extLst>
           </p:cNvPr>
@@ -41313,7 +41397,7 @@
           <p:cNvPr id="20" name="타원 19">
             <a:extLst>
               <a:ext uri="{FF2B5EF4-FFF2-40B4-BE49-F238E27FC236}">
-                <a16:creationId xmlns:a16="http://schemas.microsoft.com/office/drawing/2014/main" id="{DD1E2A7D-A343-48A0-8C4B-114EAE1E9808}"/>
+                <a16:creationId xmlns:a16="http://schemas.microsoft.com/office/drawing/2014/main" xmlns="" id="{DD1E2A7D-A343-48A0-8C4B-114EAE1E9808}"/>
               </a:ext>
             </a:extLst>
           </p:cNvPr>
@@ -41369,7 +41453,7 @@
           <p:cNvPr id="21" name="타원 20">
             <a:extLst>
               <a:ext uri="{FF2B5EF4-FFF2-40B4-BE49-F238E27FC236}">
-                <a16:creationId xmlns:a16="http://schemas.microsoft.com/office/drawing/2014/main" id="{17E7EFB1-7A51-4BFD-A060-3CC0A45C4B6D}"/>
+                <a16:creationId xmlns:a16="http://schemas.microsoft.com/office/drawing/2014/main" xmlns="" id="{17E7EFB1-7A51-4BFD-A060-3CC0A45C4B6D}"/>
               </a:ext>
             </a:extLst>
           </p:cNvPr>
@@ -41425,7 +41509,7 @@
           <p:cNvPr id="22" name="TextBox 21">
             <a:extLst>
               <a:ext uri="{FF2B5EF4-FFF2-40B4-BE49-F238E27FC236}">
-                <a16:creationId xmlns:a16="http://schemas.microsoft.com/office/drawing/2014/main" id="{AFAFB93A-19ED-492A-923A-8D7F78CF8082}"/>
+                <a16:creationId xmlns:a16="http://schemas.microsoft.com/office/drawing/2014/main" xmlns="" id="{AFAFB93A-19ED-492A-923A-8D7F78CF8082}"/>
               </a:ext>
             </a:extLst>
           </p:cNvPr>
@@ -41541,7 +41625,7 @@
           <p:cNvPr id="23" name="TextBox 22">
             <a:extLst>
               <a:ext uri="{FF2B5EF4-FFF2-40B4-BE49-F238E27FC236}">
-                <a16:creationId xmlns:a16="http://schemas.microsoft.com/office/drawing/2014/main" id="{F32561BD-E304-408A-8DBD-071FB89327CA}"/>
+                <a16:creationId xmlns:a16="http://schemas.microsoft.com/office/drawing/2014/main" xmlns="" id="{F32561BD-E304-408A-8DBD-071FB89327CA}"/>
               </a:ext>
             </a:extLst>
           </p:cNvPr>
@@ -41587,7 +41671,7 @@
           <p:cNvPr id="25" name="TextBox 24">
             <a:extLst>
               <a:ext uri="{FF2B5EF4-FFF2-40B4-BE49-F238E27FC236}">
-                <a16:creationId xmlns:a16="http://schemas.microsoft.com/office/drawing/2014/main" id="{C57AB30A-BC4D-454E-BC57-8A3EC1BB301B}"/>
+                <a16:creationId xmlns:a16="http://schemas.microsoft.com/office/drawing/2014/main" xmlns="" id="{C57AB30A-BC4D-454E-BC57-8A3EC1BB301B}"/>
               </a:ext>
             </a:extLst>
           </p:cNvPr>
@@ -41630,7 +41714,7 @@
           <p:cNvPr id="14" name="타원 13">
             <a:extLst>
               <a:ext uri="{FF2B5EF4-FFF2-40B4-BE49-F238E27FC236}">
-                <a16:creationId xmlns:a16="http://schemas.microsoft.com/office/drawing/2014/main" id="{F97A6FBB-71A2-4CC9-8564-972BC122BDF1}"/>
+                <a16:creationId xmlns:a16="http://schemas.microsoft.com/office/drawing/2014/main" xmlns="" id="{F97A6FBB-71A2-4CC9-8564-972BC122BDF1}"/>
               </a:ext>
             </a:extLst>
           </p:cNvPr>
@@ -41686,7 +41770,7 @@
           <p:cNvPr id="15" name="TextBox 14">
             <a:extLst>
               <a:ext uri="{FF2B5EF4-FFF2-40B4-BE49-F238E27FC236}">
-                <a16:creationId xmlns:a16="http://schemas.microsoft.com/office/drawing/2014/main" id="{40FD6F13-CB85-4D63-9C8F-13878AC5A81D}"/>
+                <a16:creationId xmlns:a16="http://schemas.microsoft.com/office/drawing/2014/main" xmlns="" id="{40FD6F13-CB85-4D63-9C8F-13878AC5A81D}"/>
               </a:ext>
             </a:extLst>
           </p:cNvPr>
@@ -41763,7 +41847,7 @@
           <p:cNvPr id="17" name="직사각형 16">
             <a:extLst>
               <a:ext uri="{FF2B5EF4-FFF2-40B4-BE49-F238E27FC236}">
-                <a16:creationId xmlns:a16="http://schemas.microsoft.com/office/drawing/2014/main" id="{814D0977-4779-44B5-B81F-3D84BDFFE576}"/>
+                <a16:creationId xmlns:a16="http://schemas.microsoft.com/office/drawing/2014/main" xmlns="" id="{814D0977-4779-44B5-B81F-3D84BDFFE576}"/>
               </a:ext>
             </a:extLst>
           </p:cNvPr>
@@ -41913,7 +41997,7 @@
           <p:cNvPr id="27" name="타원 26">
             <a:extLst>
               <a:ext uri="{FF2B5EF4-FFF2-40B4-BE49-F238E27FC236}">
-                <a16:creationId xmlns:a16="http://schemas.microsoft.com/office/drawing/2014/main" id="{24195049-E31A-4976-80C6-A9478470427C}"/>
+                <a16:creationId xmlns:a16="http://schemas.microsoft.com/office/drawing/2014/main" xmlns="" id="{24195049-E31A-4976-80C6-A9478470427C}"/>
               </a:ext>
             </a:extLst>
           </p:cNvPr>
@@ -41969,7 +42053,7 @@
           <p:cNvPr id="28" name="TextBox 27">
             <a:extLst>
               <a:ext uri="{FF2B5EF4-FFF2-40B4-BE49-F238E27FC236}">
-                <a16:creationId xmlns:a16="http://schemas.microsoft.com/office/drawing/2014/main" id="{222FFDD7-7E39-414A-BD80-DE6E747CC363}"/>
+                <a16:creationId xmlns:a16="http://schemas.microsoft.com/office/drawing/2014/main" xmlns="" id="{222FFDD7-7E39-414A-BD80-DE6E747CC363}"/>
               </a:ext>
             </a:extLst>
           </p:cNvPr>
@@ -44492,7 +44576,7 @@
           <p:cNvPr id="3" name="그래픽 2" descr="콜 센터">
             <a:extLst>
               <a:ext uri="{FF2B5EF4-FFF2-40B4-BE49-F238E27FC236}">
-                <a16:creationId xmlns:a16="http://schemas.microsoft.com/office/drawing/2014/main" id="{2AA4F3D3-68CE-4153-AB92-DC2D43B58EAA}"/>
+                <a16:creationId xmlns:a16="http://schemas.microsoft.com/office/drawing/2014/main" xmlns="" id="{2AA4F3D3-68CE-4153-AB92-DC2D43B58EAA}"/>
               </a:ext>
             </a:extLst>
           </p:cNvPr>
@@ -44508,7 +44592,7 @@
                 <a14:useLocalDpi xmlns:a14="http://schemas.microsoft.com/office/drawing/2010/main" val="0"/>
               </a:ext>
               <a:ext uri="{96DAC541-7B7A-43D3-8B79-37D633B846F1}">
-                <asvg:svgBlip xmlns:asvg="http://schemas.microsoft.com/office/drawing/2016/SVG/main" r:embed="rId3"/>
+                <asvg:svgBlip xmlns:asvg="http://schemas.microsoft.com/office/drawing/2016/SVG/main" xmlns="" r:embed="rId3"/>
               </a:ext>
             </a:extLst>
           </a:blip>
@@ -49921,7 +50005,7 @@
           <p:cNvPr id="3" name="그래픽 2" descr="봉투">
             <a:extLst>
               <a:ext uri="{FF2B5EF4-FFF2-40B4-BE49-F238E27FC236}">
-                <a16:creationId xmlns:a16="http://schemas.microsoft.com/office/drawing/2014/main" id="{18E199EE-24EC-4003-AB3F-B69E9D4EA6E9}"/>
+                <a16:creationId xmlns:a16="http://schemas.microsoft.com/office/drawing/2014/main" xmlns="" id="{18E199EE-24EC-4003-AB3F-B69E9D4EA6E9}"/>
               </a:ext>
             </a:extLst>
           </p:cNvPr>
@@ -49937,7 +50021,7 @@
                 <a14:useLocalDpi xmlns:a14="http://schemas.microsoft.com/office/drawing/2010/main" val="0"/>
               </a:ext>
               <a:ext uri="{96DAC541-7B7A-43D3-8B79-37D633B846F1}">
-                <asvg:svgBlip xmlns:asvg="http://schemas.microsoft.com/office/drawing/2016/SVG/main" r:embed="rId3"/>
+                <asvg:svgBlip xmlns:asvg="http://schemas.microsoft.com/office/drawing/2016/SVG/main" xmlns="" r:embed="rId3"/>
               </a:ext>
             </a:extLst>
           </a:blip>
@@ -50087,7 +50171,7 @@
           <p:cNvPr id="11" name="그림 10">
             <a:extLst>
               <a:ext uri="{FF2B5EF4-FFF2-40B4-BE49-F238E27FC236}">
-                <a16:creationId xmlns:a16="http://schemas.microsoft.com/office/drawing/2014/main" id="{E477E501-0E6A-4157-8731-BFD7A3189F6B}"/>
+                <a16:creationId xmlns:a16="http://schemas.microsoft.com/office/drawing/2014/main" xmlns="" id="{E477E501-0E6A-4157-8731-BFD7A3189F6B}"/>
               </a:ext>
             </a:extLst>
           </p:cNvPr>
@@ -50216,7 +50300,7 @@
           <p:cNvPr id="20" name="타원 19">
             <a:extLst>
               <a:ext uri="{FF2B5EF4-FFF2-40B4-BE49-F238E27FC236}">
-                <a16:creationId xmlns:a16="http://schemas.microsoft.com/office/drawing/2014/main" id="{DD1E2A7D-A343-48A0-8C4B-114EAE1E9808}"/>
+                <a16:creationId xmlns:a16="http://schemas.microsoft.com/office/drawing/2014/main" xmlns="" id="{DD1E2A7D-A343-48A0-8C4B-114EAE1E9808}"/>
               </a:ext>
             </a:extLst>
           </p:cNvPr>
@@ -50272,7 +50356,7 @@
           <p:cNvPr id="21" name="타원 20">
             <a:extLst>
               <a:ext uri="{FF2B5EF4-FFF2-40B4-BE49-F238E27FC236}">
-                <a16:creationId xmlns:a16="http://schemas.microsoft.com/office/drawing/2014/main" id="{17E7EFB1-7A51-4BFD-A060-3CC0A45C4B6D}"/>
+                <a16:creationId xmlns:a16="http://schemas.microsoft.com/office/drawing/2014/main" xmlns="" id="{17E7EFB1-7A51-4BFD-A060-3CC0A45C4B6D}"/>
               </a:ext>
             </a:extLst>
           </p:cNvPr>
@@ -50328,7 +50412,7 @@
           <p:cNvPr id="22" name="TextBox 21">
             <a:extLst>
               <a:ext uri="{FF2B5EF4-FFF2-40B4-BE49-F238E27FC236}">
-                <a16:creationId xmlns:a16="http://schemas.microsoft.com/office/drawing/2014/main" id="{AFAFB93A-19ED-492A-923A-8D7F78CF8082}"/>
+                <a16:creationId xmlns:a16="http://schemas.microsoft.com/office/drawing/2014/main" xmlns="" id="{AFAFB93A-19ED-492A-923A-8D7F78CF8082}"/>
               </a:ext>
             </a:extLst>
           </p:cNvPr>
@@ -50419,7 +50503,7 @@
           <p:cNvPr id="23" name="TextBox 22">
             <a:extLst>
               <a:ext uri="{FF2B5EF4-FFF2-40B4-BE49-F238E27FC236}">
-                <a16:creationId xmlns:a16="http://schemas.microsoft.com/office/drawing/2014/main" id="{F32561BD-E304-408A-8DBD-071FB89327CA}"/>
+                <a16:creationId xmlns:a16="http://schemas.microsoft.com/office/drawing/2014/main" xmlns="" id="{F32561BD-E304-408A-8DBD-071FB89327CA}"/>
               </a:ext>
             </a:extLst>
           </p:cNvPr>
@@ -50478,7 +50562,7 @@
           <p:cNvPr id="25" name="TextBox 24">
             <a:extLst>
               <a:ext uri="{FF2B5EF4-FFF2-40B4-BE49-F238E27FC236}">
-                <a16:creationId xmlns:a16="http://schemas.microsoft.com/office/drawing/2014/main" id="{C57AB30A-BC4D-454E-BC57-8A3EC1BB301B}"/>
+                <a16:creationId xmlns:a16="http://schemas.microsoft.com/office/drawing/2014/main" xmlns="" id="{C57AB30A-BC4D-454E-BC57-8A3EC1BB301B}"/>
               </a:ext>
             </a:extLst>
           </p:cNvPr>
@@ -50764,7 +50848,7 @@
           <p:cNvPr id="13" name="그림 12">
             <a:extLst>
               <a:ext uri="{FF2B5EF4-FFF2-40B4-BE49-F238E27FC236}">
-                <a16:creationId xmlns:a16="http://schemas.microsoft.com/office/drawing/2014/main" id="{24F3A6C5-1241-4CBF-BF62-AE1CFB427114}"/>
+                <a16:creationId xmlns:a16="http://schemas.microsoft.com/office/drawing/2014/main" xmlns="" id="{24F3A6C5-1241-4CBF-BF62-AE1CFB427114}"/>
               </a:ext>
             </a:extLst>
           </p:cNvPr>
@@ -50800,7 +50884,7 @@
           <p:cNvPr id="20" name="타원 19">
             <a:extLst>
               <a:ext uri="{FF2B5EF4-FFF2-40B4-BE49-F238E27FC236}">
-                <a16:creationId xmlns:a16="http://schemas.microsoft.com/office/drawing/2014/main" id="{DD1E2A7D-A343-48A0-8C4B-114EAE1E9808}"/>
+                <a16:creationId xmlns:a16="http://schemas.microsoft.com/office/drawing/2014/main" xmlns="" id="{DD1E2A7D-A343-48A0-8C4B-114EAE1E9808}"/>
               </a:ext>
             </a:extLst>
           </p:cNvPr>
@@ -50856,7 +50940,7 @@
           <p:cNvPr id="21" name="타원 20">
             <a:extLst>
               <a:ext uri="{FF2B5EF4-FFF2-40B4-BE49-F238E27FC236}">
-                <a16:creationId xmlns:a16="http://schemas.microsoft.com/office/drawing/2014/main" id="{17E7EFB1-7A51-4BFD-A060-3CC0A45C4B6D}"/>
+                <a16:creationId xmlns:a16="http://schemas.microsoft.com/office/drawing/2014/main" xmlns="" id="{17E7EFB1-7A51-4BFD-A060-3CC0A45C4B6D}"/>
               </a:ext>
             </a:extLst>
           </p:cNvPr>
@@ -50912,7 +50996,7 @@
           <p:cNvPr id="22" name="TextBox 21">
             <a:extLst>
               <a:ext uri="{FF2B5EF4-FFF2-40B4-BE49-F238E27FC236}">
-                <a16:creationId xmlns:a16="http://schemas.microsoft.com/office/drawing/2014/main" id="{AFAFB93A-19ED-492A-923A-8D7F78CF8082}"/>
+                <a16:creationId xmlns:a16="http://schemas.microsoft.com/office/drawing/2014/main" xmlns="" id="{AFAFB93A-19ED-492A-923A-8D7F78CF8082}"/>
               </a:ext>
             </a:extLst>
           </p:cNvPr>
@@ -50959,7 +51043,7 @@
           <p:cNvPr id="23" name="TextBox 22">
             <a:extLst>
               <a:ext uri="{FF2B5EF4-FFF2-40B4-BE49-F238E27FC236}">
-                <a16:creationId xmlns:a16="http://schemas.microsoft.com/office/drawing/2014/main" id="{F32561BD-E304-408A-8DBD-071FB89327CA}"/>
+                <a16:creationId xmlns:a16="http://schemas.microsoft.com/office/drawing/2014/main" xmlns="" id="{F32561BD-E304-408A-8DBD-071FB89327CA}"/>
               </a:ext>
             </a:extLst>
           </p:cNvPr>
@@ -51222,7 +51306,7 @@
           <p:cNvPr id="11" name="그림 10">
             <a:extLst>
               <a:ext uri="{FF2B5EF4-FFF2-40B4-BE49-F238E27FC236}">
-                <a16:creationId xmlns:a16="http://schemas.microsoft.com/office/drawing/2014/main" id="{E477E501-0E6A-4157-8731-BFD7A3189F6B}"/>
+                <a16:creationId xmlns:a16="http://schemas.microsoft.com/office/drawing/2014/main" xmlns="" id="{E477E501-0E6A-4157-8731-BFD7A3189F6B}"/>
               </a:ext>
             </a:extLst>
           </p:cNvPr>
@@ -51258,7 +51342,7 @@
           <p:cNvPr id="20" name="타원 19">
             <a:extLst>
               <a:ext uri="{FF2B5EF4-FFF2-40B4-BE49-F238E27FC236}">
-                <a16:creationId xmlns:a16="http://schemas.microsoft.com/office/drawing/2014/main" id="{DD1E2A7D-A343-48A0-8C4B-114EAE1E9808}"/>
+                <a16:creationId xmlns:a16="http://schemas.microsoft.com/office/drawing/2014/main" xmlns="" id="{DD1E2A7D-A343-48A0-8C4B-114EAE1E9808}"/>
               </a:ext>
             </a:extLst>
           </p:cNvPr>
@@ -51314,7 +51398,7 @@
           <p:cNvPr id="22" name="TextBox 21">
             <a:extLst>
               <a:ext uri="{FF2B5EF4-FFF2-40B4-BE49-F238E27FC236}">
-                <a16:creationId xmlns:a16="http://schemas.microsoft.com/office/drawing/2014/main" id="{AFAFB93A-19ED-492A-923A-8D7F78CF8082}"/>
+                <a16:creationId xmlns:a16="http://schemas.microsoft.com/office/drawing/2014/main" xmlns="" id="{AFAFB93A-19ED-492A-923A-8D7F78CF8082}"/>
               </a:ext>
             </a:extLst>
           </p:cNvPr>

--- a/이정진-육아품앗이 ver1.0.pptx
+++ b/이정진-육아품앗이 ver1.0.pptx
@@ -5,7 +5,7 @@
     <p:sldMasterId id="2147483648" r:id="rId1"/>
   </p:sldMasterIdLst>
   <p:notesMasterIdLst>
-    <p:notesMasterId r:id="rId76"/>
+    <p:notesMasterId r:id="rId77"/>
   </p:notesMasterIdLst>
   <p:sldIdLst>
     <p:sldId id="416" r:id="rId2"/>
@@ -69,19 +69,20 @@
     <p:sldId id="395" r:id="rId60"/>
     <p:sldId id="396" r:id="rId61"/>
     <p:sldId id="398" r:id="rId62"/>
-    <p:sldId id="399" r:id="rId63"/>
-    <p:sldId id="370" r:id="rId64"/>
-    <p:sldId id="365" r:id="rId65"/>
-    <p:sldId id="366" r:id="rId66"/>
-    <p:sldId id="367" r:id="rId67"/>
-    <p:sldId id="368" r:id="rId68"/>
-    <p:sldId id="408" r:id="rId69"/>
-    <p:sldId id="407" r:id="rId70"/>
-    <p:sldId id="369" r:id="rId71"/>
-    <p:sldId id="340" r:id="rId72"/>
-    <p:sldId id="334" r:id="rId73"/>
-    <p:sldId id="333" r:id="rId74"/>
-    <p:sldId id="332" r:id="rId75"/>
+    <p:sldId id="419" r:id="rId63"/>
+    <p:sldId id="399" r:id="rId64"/>
+    <p:sldId id="370" r:id="rId65"/>
+    <p:sldId id="365" r:id="rId66"/>
+    <p:sldId id="366" r:id="rId67"/>
+    <p:sldId id="367" r:id="rId68"/>
+    <p:sldId id="368" r:id="rId69"/>
+    <p:sldId id="408" r:id="rId70"/>
+    <p:sldId id="407" r:id="rId71"/>
+    <p:sldId id="369" r:id="rId72"/>
+    <p:sldId id="340" r:id="rId73"/>
+    <p:sldId id="334" r:id="rId74"/>
+    <p:sldId id="333" r:id="rId75"/>
+    <p:sldId id="332" r:id="rId76"/>
   </p:sldIdLst>
   <p:sldSz cx="12192000" cy="6858000"/>
   <p:notesSz cx="6858000" cy="9144000"/>
@@ -1700,7 +1701,7 @@
           <a:p>
             <a:fld id="{94D8C90F-DB38-41CC-9A4C-E530963A3985}" type="slidenum">
               <a:rPr lang="ko-KR" altLang="en-US" smtClean="0"/>
-              <a:t>62</a:t>
+              <a:t>63</a:t>
             </a:fld>
             <a:endParaRPr lang="ko-KR" altLang="en-US"/>
           </a:p>
@@ -5331,7 +5332,7 @@
           <p:cNvPr id="8" name="그룹 7">
             <a:extLst>
               <a:ext uri="{FF2B5EF4-FFF2-40B4-BE49-F238E27FC236}">
-                <a16:creationId xmlns:a16="http://schemas.microsoft.com/office/drawing/2014/main" xmlns="" id="{BDD2D87F-A67D-456E-889F-017946FB2528}"/>
+                <a16:creationId xmlns:a16="http://schemas.microsoft.com/office/drawing/2014/main" id="{BDD2D87F-A67D-456E-889F-017946FB2528}"/>
               </a:ext>
             </a:extLst>
           </p:cNvPr>
@@ -5581,7 +5582,7 @@
           <p:cNvPr id="2" name="직사각형 1">
             <a:extLst>
               <a:ext uri="{FF2B5EF4-FFF2-40B4-BE49-F238E27FC236}">
-                <a16:creationId xmlns:a16="http://schemas.microsoft.com/office/drawing/2014/main" xmlns="" id="{FEBDF47B-1B54-4068-AEB0-7F3500EC165A}"/>
+                <a16:creationId xmlns:a16="http://schemas.microsoft.com/office/drawing/2014/main" id="{FEBDF47B-1B54-4068-AEB0-7F3500EC165A}"/>
               </a:ext>
             </a:extLst>
           </p:cNvPr>
@@ -5637,7 +5638,7 @@
           <p:cNvPr id="13" name="TextBox 12">
             <a:extLst>
               <a:ext uri="{FF2B5EF4-FFF2-40B4-BE49-F238E27FC236}">
-                <a16:creationId xmlns:a16="http://schemas.microsoft.com/office/drawing/2014/main" xmlns="" id="{00112C74-8221-4E09-853D-55B7F5C72358}"/>
+                <a16:creationId xmlns:a16="http://schemas.microsoft.com/office/drawing/2014/main" id="{00112C74-8221-4E09-853D-55B7F5C72358}"/>
               </a:ext>
             </a:extLst>
           </p:cNvPr>
@@ -5692,7 +5693,7 @@
           <p:cNvPr id="14" name="사각형: 둥근 모서리 13">
             <a:extLst>
               <a:ext uri="{FF2B5EF4-FFF2-40B4-BE49-F238E27FC236}">
-                <a16:creationId xmlns:a16="http://schemas.microsoft.com/office/drawing/2014/main" xmlns="" id="{5229AE3E-98F3-451D-9DDD-5FEDBA237BBE}"/>
+                <a16:creationId xmlns:a16="http://schemas.microsoft.com/office/drawing/2014/main" id="{5229AE3E-98F3-451D-9DDD-5FEDBA237BBE}"/>
               </a:ext>
             </a:extLst>
           </p:cNvPr>
@@ -5755,7 +5756,7 @@
           <p:cNvPr id="6" name="그룹 5">
             <a:extLst>
               <a:ext uri="{FF2B5EF4-FFF2-40B4-BE49-F238E27FC236}">
-                <a16:creationId xmlns:a16="http://schemas.microsoft.com/office/drawing/2014/main" xmlns="" id="{52772EDD-B5B6-4DD1-8CBE-0C8B161920EC}"/>
+                <a16:creationId xmlns:a16="http://schemas.microsoft.com/office/drawing/2014/main" id="{52772EDD-B5B6-4DD1-8CBE-0C8B161920EC}"/>
               </a:ext>
             </a:extLst>
           </p:cNvPr>
@@ -5810,7 +5811,7 @@
             <p:cNvPr id="27" name="TextBox 26">
               <a:extLst>
                 <a:ext uri="{FF2B5EF4-FFF2-40B4-BE49-F238E27FC236}">
-                  <a16:creationId xmlns:a16="http://schemas.microsoft.com/office/drawing/2014/main" xmlns="" id="{0617BAC7-49E9-4D52-8F7A-CB6C421FF1A3}"/>
+                  <a16:creationId xmlns:a16="http://schemas.microsoft.com/office/drawing/2014/main" id="{0617BAC7-49E9-4D52-8F7A-CB6C421FF1A3}"/>
                 </a:ext>
               </a:extLst>
             </p:cNvPr>
@@ -5858,7 +5859,7 @@
             <p:cNvPr id="29" name="TextBox 28">
               <a:extLst>
                 <a:ext uri="{FF2B5EF4-FFF2-40B4-BE49-F238E27FC236}">
-                  <a16:creationId xmlns:a16="http://schemas.microsoft.com/office/drawing/2014/main" xmlns="" id="{746E7B91-9E3F-4696-A18A-6E376EC7A481}"/>
+                  <a16:creationId xmlns:a16="http://schemas.microsoft.com/office/drawing/2014/main" id="{746E7B91-9E3F-4696-A18A-6E376EC7A481}"/>
                 </a:ext>
               </a:extLst>
             </p:cNvPr>
@@ -5900,7 +5901,7 @@
           <p:cNvPr id="30" name="TextBox 29">
             <a:extLst>
               <a:ext uri="{FF2B5EF4-FFF2-40B4-BE49-F238E27FC236}">
-                <a16:creationId xmlns:a16="http://schemas.microsoft.com/office/drawing/2014/main" xmlns="" id="{130236D2-E71B-49A7-B8E7-CDC9814086D7}"/>
+                <a16:creationId xmlns:a16="http://schemas.microsoft.com/office/drawing/2014/main" id="{130236D2-E71B-49A7-B8E7-CDC9814086D7}"/>
               </a:ext>
             </a:extLst>
           </p:cNvPr>
@@ -5976,7 +5977,7 @@
           <p:cNvPr id="26" name="직사각형 25">
             <a:extLst>
               <a:ext uri="{FF2B5EF4-FFF2-40B4-BE49-F238E27FC236}">
-                <a16:creationId xmlns:a16="http://schemas.microsoft.com/office/drawing/2014/main" xmlns="" id="{76E1DF12-73BE-4150-AEDA-BA7ADC79849A}"/>
+                <a16:creationId xmlns:a16="http://schemas.microsoft.com/office/drawing/2014/main" id="{76E1DF12-73BE-4150-AEDA-BA7ADC79849A}"/>
               </a:ext>
             </a:extLst>
           </p:cNvPr>
@@ -6031,7 +6032,7 @@
           <p:cNvPr id="28" name="직사각형 27">
             <a:extLst>
               <a:ext uri="{FF2B5EF4-FFF2-40B4-BE49-F238E27FC236}">
-                <a16:creationId xmlns:a16="http://schemas.microsoft.com/office/drawing/2014/main" xmlns="" id="{87210AED-3611-46D3-9159-9C17F684D12C}"/>
+                <a16:creationId xmlns:a16="http://schemas.microsoft.com/office/drawing/2014/main" id="{87210AED-3611-46D3-9159-9C17F684D12C}"/>
               </a:ext>
             </a:extLst>
           </p:cNvPr>
@@ -6111,7 +6112,7 @@
           <p:cNvPr id="31" name="직사각형 30">
             <a:extLst>
               <a:ext uri="{FF2B5EF4-FFF2-40B4-BE49-F238E27FC236}">
-                <a16:creationId xmlns:a16="http://schemas.microsoft.com/office/drawing/2014/main" xmlns="" id="{733D7F5F-FDFF-4CFE-B465-571BC690D9C9}"/>
+                <a16:creationId xmlns:a16="http://schemas.microsoft.com/office/drawing/2014/main" id="{733D7F5F-FDFF-4CFE-B465-571BC690D9C9}"/>
               </a:ext>
             </a:extLst>
           </p:cNvPr>
@@ -6191,7 +6192,7 @@
           <p:cNvPr id="32" name="직사각형 31">
             <a:extLst>
               <a:ext uri="{FF2B5EF4-FFF2-40B4-BE49-F238E27FC236}">
-                <a16:creationId xmlns:a16="http://schemas.microsoft.com/office/drawing/2014/main" xmlns="" id="{E9D8646B-1C0D-4488-8A79-86C383B1209D}"/>
+                <a16:creationId xmlns:a16="http://schemas.microsoft.com/office/drawing/2014/main" id="{E9D8646B-1C0D-4488-8A79-86C383B1209D}"/>
               </a:ext>
             </a:extLst>
           </p:cNvPr>
@@ -6271,7 +6272,7 @@
           <p:cNvPr id="33" name="사각형: 둥근 모서리 32">
             <a:extLst>
               <a:ext uri="{FF2B5EF4-FFF2-40B4-BE49-F238E27FC236}">
-                <a16:creationId xmlns:a16="http://schemas.microsoft.com/office/drawing/2014/main" xmlns="" id="{8010CB78-A2AF-49FA-ACBF-4E72493350D4}"/>
+                <a16:creationId xmlns:a16="http://schemas.microsoft.com/office/drawing/2014/main" id="{8010CB78-A2AF-49FA-ACBF-4E72493350D4}"/>
               </a:ext>
             </a:extLst>
           </p:cNvPr>
@@ -10892,7 +10893,7 @@
           <p:cNvPr id="18" name="도형 13">
             <a:extLst>
               <a:ext uri="{FF2B5EF4-FFF2-40B4-BE49-F238E27FC236}">
-                <a16:creationId xmlns:a16="http://schemas.microsoft.com/office/drawing/2014/main" xmlns="" id="{E8451D97-1513-46EC-91B5-ABF8B3330AC4}"/>
+                <a16:creationId xmlns:a16="http://schemas.microsoft.com/office/drawing/2014/main" id="{E8451D97-1513-46EC-91B5-ABF8B3330AC4}"/>
               </a:ext>
             </a:extLst>
           </p:cNvPr>
@@ -10963,7 +10964,7 @@
           <p:cNvPr id="19" name="도형 11">
             <a:extLst>
               <a:ext uri="{FF2B5EF4-FFF2-40B4-BE49-F238E27FC236}">
-                <a16:creationId xmlns:a16="http://schemas.microsoft.com/office/drawing/2014/main" xmlns="" id="{8E69A79B-5167-406E-AADB-9929DA089F2B}"/>
+                <a16:creationId xmlns:a16="http://schemas.microsoft.com/office/drawing/2014/main" id="{8E69A79B-5167-406E-AADB-9929DA089F2B}"/>
               </a:ext>
             </a:extLst>
           </p:cNvPr>
@@ -11005,7 +11006,7 @@
           <p:cNvPr id="22" name="도형 11">
             <a:extLst>
               <a:ext uri="{FF2B5EF4-FFF2-40B4-BE49-F238E27FC236}">
-                <a16:creationId xmlns:a16="http://schemas.microsoft.com/office/drawing/2014/main" xmlns="" id="{9E5ADE22-F1FF-4045-805F-881AF2E2E7E0}"/>
+                <a16:creationId xmlns:a16="http://schemas.microsoft.com/office/drawing/2014/main" id="{9E5ADE22-F1FF-4045-805F-881AF2E2E7E0}"/>
               </a:ext>
             </a:extLst>
           </p:cNvPr>
@@ -11047,7 +11048,7 @@
           <p:cNvPr id="24" name="도형 11">
             <a:extLst>
               <a:ext uri="{FF2B5EF4-FFF2-40B4-BE49-F238E27FC236}">
-                <a16:creationId xmlns:a16="http://schemas.microsoft.com/office/drawing/2014/main" xmlns="" id="{A1D9F159-AA74-4ABA-8E4A-38C71F5B2B93}"/>
+                <a16:creationId xmlns:a16="http://schemas.microsoft.com/office/drawing/2014/main" id="{A1D9F159-AA74-4ABA-8E4A-38C71F5B2B93}"/>
               </a:ext>
             </a:extLst>
           </p:cNvPr>
@@ -11527,7 +11528,7 @@
           <p:cNvPr id="3" name="그래픽 2" descr="사용자">
             <a:extLst>
               <a:ext uri="{FF2B5EF4-FFF2-40B4-BE49-F238E27FC236}">
-                <a16:creationId xmlns:a16="http://schemas.microsoft.com/office/drawing/2014/main" xmlns="" id="{6C685256-82C6-4AF2-86F5-31B9CD5DCE14}"/>
+                <a16:creationId xmlns:a16="http://schemas.microsoft.com/office/drawing/2014/main" id="{6C685256-82C6-4AF2-86F5-31B9CD5DCE14}"/>
               </a:ext>
             </a:extLst>
           </p:cNvPr>
@@ -11543,7 +11544,7 @@
                 <a14:useLocalDpi xmlns:a14="http://schemas.microsoft.com/office/drawing/2010/main" val="0"/>
               </a:ext>
               <a:ext uri="{96DAC541-7B7A-43D3-8B79-37D633B846F1}">
-                <asvg:svgBlip xmlns:asvg="http://schemas.microsoft.com/office/drawing/2016/SVG/main" xmlns="" r:embed="rId3"/>
+                <asvg:svgBlip xmlns:asvg="http://schemas.microsoft.com/office/drawing/2016/SVG/main" r:embed="rId3"/>
               </a:ext>
             </a:extLst>
           </a:blip>
@@ -14201,10 +14202,6 @@
               <a:rPr lang="ko-KR" altLang="en-US" sz="1000" dirty="0" err="1"/>
               <a:t>신청률과</a:t>
             </a:r>
-            <a:r>
-              <a:rPr lang="en-US" altLang="ko-KR" sz="1000" dirty="0"/>
-              <a:t/>
-            </a:r>
             <a:br>
               <a:rPr lang="en-US" altLang="ko-KR" sz="1000" dirty="0"/>
             </a:br>
@@ -15967,10 +15964,6 @@
               <a:rPr lang="ko-KR" altLang="en-US" sz="1000" dirty="0"/>
               <a:t>심사 중일 때 해당 회원은 </a:t>
             </a:r>
-            <a:r>
-              <a:rPr lang="en-US" altLang="ko-KR" sz="1000" dirty="0"/>
-              <a:t/>
-            </a:r>
             <a:br>
               <a:rPr lang="en-US" altLang="ko-KR" sz="1000" dirty="0"/>
             </a:br>
@@ -16264,7 +16257,7 @@
           <p:cNvPr id="12" name="그래픽 11" descr="악수">
             <a:extLst>
               <a:ext uri="{FF2B5EF4-FFF2-40B4-BE49-F238E27FC236}">
-                <a16:creationId xmlns:a16="http://schemas.microsoft.com/office/drawing/2014/main" xmlns="" id="{0514C090-5E0B-4011-946C-BE32BCBEB97C}"/>
+                <a16:creationId xmlns:a16="http://schemas.microsoft.com/office/drawing/2014/main" id="{0514C090-5E0B-4011-946C-BE32BCBEB97C}"/>
               </a:ext>
             </a:extLst>
           </p:cNvPr>
@@ -16280,7 +16273,7 @@
                 <a14:useLocalDpi xmlns:a14="http://schemas.microsoft.com/office/drawing/2010/main" val="0"/>
               </a:ext>
               <a:ext uri="{96DAC541-7B7A-43D3-8B79-37D633B846F1}">
-                <asvg:svgBlip xmlns:asvg="http://schemas.microsoft.com/office/drawing/2016/SVG/main" xmlns="" r:embed="rId3"/>
+                <asvg:svgBlip xmlns:asvg="http://schemas.microsoft.com/office/drawing/2016/SVG/main" r:embed="rId3"/>
               </a:ext>
             </a:extLst>
           </a:blip>
@@ -17470,7 +17463,7 @@
           <p:cNvPr id="3" name="그래픽 2" descr="신문">
             <a:extLst>
               <a:ext uri="{FF2B5EF4-FFF2-40B4-BE49-F238E27FC236}">
-                <a16:creationId xmlns:a16="http://schemas.microsoft.com/office/drawing/2014/main" xmlns="" id="{7911473E-B517-4818-8400-F4E1E6F30056}"/>
+                <a16:creationId xmlns:a16="http://schemas.microsoft.com/office/drawing/2014/main" id="{7911473E-B517-4818-8400-F4E1E6F30056}"/>
               </a:ext>
             </a:extLst>
           </p:cNvPr>
@@ -17486,7 +17479,7 @@
                 <a14:useLocalDpi xmlns:a14="http://schemas.microsoft.com/office/drawing/2010/main" val="0"/>
               </a:ext>
               <a:ext uri="{96DAC541-7B7A-43D3-8B79-37D633B846F1}">
-                <asvg:svgBlip xmlns:asvg="http://schemas.microsoft.com/office/drawing/2016/SVG/main" xmlns="" r:embed="rId3"/>
+                <asvg:svgBlip xmlns:asvg="http://schemas.microsoft.com/office/drawing/2016/SVG/main" r:embed="rId3"/>
               </a:ext>
             </a:extLst>
           </a:blip>
@@ -21631,7 +21624,7 @@
           <p:cNvPr id="3" name="그래픽 2" descr="어린이">
             <a:extLst>
               <a:ext uri="{FF2B5EF4-FFF2-40B4-BE49-F238E27FC236}">
-                <a16:creationId xmlns:a16="http://schemas.microsoft.com/office/drawing/2014/main" xmlns="" id="{16102F28-76C5-4628-AB3F-6C514058F482}"/>
+                <a16:creationId xmlns:a16="http://schemas.microsoft.com/office/drawing/2014/main" id="{16102F28-76C5-4628-AB3F-6C514058F482}"/>
               </a:ext>
             </a:extLst>
           </p:cNvPr>
@@ -21647,7 +21640,7 @@
                 <a14:useLocalDpi xmlns:a14="http://schemas.microsoft.com/office/drawing/2010/main" val="0"/>
               </a:ext>
               <a:ext uri="{96DAC541-7B7A-43D3-8B79-37D633B846F1}">
-                <asvg:svgBlip xmlns:asvg="http://schemas.microsoft.com/office/drawing/2016/SVG/main" xmlns="" r:embed="rId3"/>
+                <asvg:svgBlip xmlns:asvg="http://schemas.microsoft.com/office/drawing/2016/SVG/main" r:embed="rId3"/>
               </a:ext>
             </a:extLst>
           </a:blip>
@@ -22886,10 +22879,6 @@
               <a:rPr lang="ko-KR" altLang="en-US" sz="1100" dirty="0"/>
               <a:t>비밀번호 등 </a:t>
             </a:r>
-            <a:r>
-              <a:rPr lang="en-US" altLang="ko-KR" sz="1100" dirty="0"/>
-              <a:t/>
-            </a:r>
             <a:br>
               <a:rPr lang="en-US" altLang="ko-KR" sz="1100" dirty="0"/>
             </a:br>
@@ -23611,10 +23600,6 @@
               <a:rPr lang="ko-KR" altLang="en-US" sz="1050" dirty="0"/>
               <a:t>실패 시 회원 가입 정보 입력 페이지로 </a:t>
             </a:r>
-            <a:r>
-              <a:rPr lang="en-US" altLang="ko-KR" sz="1050" dirty="0"/>
-              <a:t/>
-            </a:r>
             <a:br>
               <a:rPr lang="en-US" altLang="ko-KR" sz="1050" dirty="0"/>
             </a:br>
@@ -25041,10 +25026,6 @@
             <a:r>
               <a:rPr lang="ko-KR" altLang="en-US" sz="900" dirty="0"/>
               <a:t>탈퇴 버튼을 누르면 회원의 모든 정보</a:t>
-            </a:r>
-            <a:r>
-              <a:rPr lang="en-US" altLang="ko-KR" sz="900" dirty="0"/>
-              <a:t/>
             </a:r>
             <a:br>
               <a:rPr lang="en-US" altLang="ko-KR" sz="900" dirty="0"/>
@@ -25559,7 +25540,7 @@
                 <a14:useLocalDpi xmlns:a14="http://schemas.microsoft.com/office/drawing/2010/main" val="0"/>
               </a:ext>
               <a:ext uri="{96DAC541-7B7A-43D3-8B79-37D633B846F1}">
-                <asvg:svgBlip xmlns:asvg="http://schemas.microsoft.com/office/drawing/2016/SVG/main" xmlns="" r:embed="rId3"/>
+                <asvg:svgBlip xmlns:asvg="http://schemas.microsoft.com/office/drawing/2016/SVG/main" r:embed="rId3"/>
               </a:ext>
             </a:extLst>
           </a:blip>
@@ -26598,7 +26579,7 @@
           <p:cNvPr id="11" name="그림 10">
             <a:extLst>
               <a:ext uri="{FF2B5EF4-FFF2-40B4-BE49-F238E27FC236}">
-                <a16:creationId xmlns:a16="http://schemas.microsoft.com/office/drawing/2014/main" xmlns="" id="{E477E501-0E6A-4157-8731-BFD7A3189F6B}"/>
+                <a16:creationId xmlns:a16="http://schemas.microsoft.com/office/drawing/2014/main" id="{E477E501-0E6A-4157-8731-BFD7A3189F6B}"/>
               </a:ext>
             </a:extLst>
           </p:cNvPr>
@@ -26727,7 +26708,7 @@
           <p:cNvPr id="20" name="타원 19">
             <a:extLst>
               <a:ext uri="{FF2B5EF4-FFF2-40B4-BE49-F238E27FC236}">
-                <a16:creationId xmlns:a16="http://schemas.microsoft.com/office/drawing/2014/main" xmlns="" id="{DD1E2A7D-A343-48A0-8C4B-114EAE1E9808}"/>
+                <a16:creationId xmlns:a16="http://schemas.microsoft.com/office/drawing/2014/main" id="{DD1E2A7D-A343-48A0-8C4B-114EAE1E9808}"/>
               </a:ext>
             </a:extLst>
           </p:cNvPr>
@@ -26783,7 +26764,7 @@
           <p:cNvPr id="21" name="타원 20">
             <a:extLst>
               <a:ext uri="{FF2B5EF4-FFF2-40B4-BE49-F238E27FC236}">
-                <a16:creationId xmlns:a16="http://schemas.microsoft.com/office/drawing/2014/main" xmlns="" id="{17E7EFB1-7A51-4BFD-A060-3CC0A45C4B6D}"/>
+                <a16:creationId xmlns:a16="http://schemas.microsoft.com/office/drawing/2014/main" id="{17E7EFB1-7A51-4BFD-A060-3CC0A45C4B6D}"/>
               </a:ext>
             </a:extLst>
           </p:cNvPr>
@@ -26839,7 +26820,7 @@
           <p:cNvPr id="22" name="TextBox 21">
             <a:extLst>
               <a:ext uri="{FF2B5EF4-FFF2-40B4-BE49-F238E27FC236}">
-                <a16:creationId xmlns:a16="http://schemas.microsoft.com/office/drawing/2014/main" xmlns="" id="{AFAFB93A-19ED-492A-923A-8D7F78CF8082}"/>
+                <a16:creationId xmlns:a16="http://schemas.microsoft.com/office/drawing/2014/main" id="{AFAFB93A-19ED-492A-923A-8D7F78CF8082}"/>
               </a:ext>
             </a:extLst>
           </p:cNvPr>
@@ -26881,7 +26862,7 @@
           <p:cNvPr id="23" name="TextBox 22">
             <a:extLst>
               <a:ext uri="{FF2B5EF4-FFF2-40B4-BE49-F238E27FC236}">
-                <a16:creationId xmlns:a16="http://schemas.microsoft.com/office/drawing/2014/main" xmlns="" id="{F32561BD-E304-408A-8DBD-071FB89327CA}"/>
+                <a16:creationId xmlns:a16="http://schemas.microsoft.com/office/drawing/2014/main" id="{F32561BD-E304-408A-8DBD-071FB89327CA}"/>
               </a:ext>
             </a:extLst>
           </p:cNvPr>
@@ -26923,7 +26904,7 @@
           <p:cNvPr id="25" name="TextBox 24">
             <a:extLst>
               <a:ext uri="{FF2B5EF4-FFF2-40B4-BE49-F238E27FC236}">
-                <a16:creationId xmlns:a16="http://schemas.microsoft.com/office/drawing/2014/main" xmlns="" id="{C57AB30A-BC4D-454E-BC57-8A3EC1BB301B}"/>
+                <a16:creationId xmlns:a16="http://schemas.microsoft.com/office/drawing/2014/main" id="{C57AB30A-BC4D-454E-BC57-8A3EC1BB301B}"/>
               </a:ext>
             </a:extLst>
           </p:cNvPr>
@@ -27207,7 +27188,7 @@
           <p:cNvPr id="11" name="그림 10">
             <a:extLst>
               <a:ext uri="{FF2B5EF4-FFF2-40B4-BE49-F238E27FC236}">
-                <a16:creationId xmlns:a16="http://schemas.microsoft.com/office/drawing/2014/main" xmlns="" id="{E477E501-0E6A-4157-8731-BFD7A3189F6B}"/>
+                <a16:creationId xmlns:a16="http://schemas.microsoft.com/office/drawing/2014/main" id="{E477E501-0E6A-4157-8731-BFD7A3189F6B}"/>
               </a:ext>
             </a:extLst>
           </p:cNvPr>
@@ -27243,7 +27224,7 @@
           <p:cNvPr id="20" name="타원 19">
             <a:extLst>
               <a:ext uri="{FF2B5EF4-FFF2-40B4-BE49-F238E27FC236}">
-                <a16:creationId xmlns:a16="http://schemas.microsoft.com/office/drawing/2014/main" xmlns="" id="{DD1E2A7D-A343-48A0-8C4B-114EAE1E9808}"/>
+                <a16:creationId xmlns:a16="http://schemas.microsoft.com/office/drawing/2014/main" id="{DD1E2A7D-A343-48A0-8C4B-114EAE1E9808}"/>
               </a:ext>
             </a:extLst>
           </p:cNvPr>
@@ -27299,7 +27280,7 @@
           <p:cNvPr id="21" name="타원 20">
             <a:extLst>
               <a:ext uri="{FF2B5EF4-FFF2-40B4-BE49-F238E27FC236}">
-                <a16:creationId xmlns:a16="http://schemas.microsoft.com/office/drawing/2014/main" xmlns="" id="{17E7EFB1-7A51-4BFD-A060-3CC0A45C4B6D}"/>
+                <a16:creationId xmlns:a16="http://schemas.microsoft.com/office/drawing/2014/main" id="{17E7EFB1-7A51-4BFD-A060-3CC0A45C4B6D}"/>
               </a:ext>
             </a:extLst>
           </p:cNvPr>
@@ -27355,7 +27336,7 @@
           <p:cNvPr id="22" name="TextBox 21">
             <a:extLst>
               <a:ext uri="{FF2B5EF4-FFF2-40B4-BE49-F238E27FC236}">
-                <a16:creationId xmlns:a16="http://schemas.microsoft.com/office/drawing/2014/main" xmlns="" id="{AFAFB93A-19ED-492A-923A-8D7F78CF8082}"/>
+                <a16:creationId xmlns:a16="http://schemas.microsoft.com/office/drawing/2014/main" id="{AFAFB93A-19ED-492A-923A-8D7F78CF8082}"/>
               </a:ext>
             </a:extLst>
           </p:cNvPr>
@@ -27397,7 +27378,7 @@
           <p:cNvPr id="23" name="TextBox 22">
             <a:extLst>
               <a:ext uri="{FF2B5EF4-FFF2-40B4-BE49-F238E27FC236}">
-                <a16:creationId xmlns:a16="http://schemas.microsoft.com/office/drawing/2014/main" xmlns="" id="{F32561BD-E304-408A-8DBD-071FB89327CA}"/>
+                <a16:creationId xmlns:a16="http://schemas.microsoft.com/office/drawing/2014/main" id="{F32561BD-E304-408A-8DBD-071FB89327CA}"/>
               </a:ext>
             </a:extLst>
           </p:cNvPr>
@@ -27663,7 +27644,7 @@
           <p:cNvPr id="11" name="그림 10">
             <a:extLst>
               <a:ext uri="{FF2B5EF4-FFF2-40B4-BE49-F238E27FC236}">
-                <a16:creationId xmlns:a16="http://schemas.microsoft.com/office/drawing/2014/main" xmlns="" id="{E477E501-0E6A-4157-8731-BFD7A3189F6B}"/>
+                <a16:creationId xmlns:a16="http://schemas.microsoft.com/office/drawing/2014/main" id="{E477E501-0E6A-4157-8731-BFD7A3189F6B}"/>
               </a:ext>
             </a:extLst>
           </p:cNvPr>
@@ -27699,7 +27680,7 @@
           <p:cNvPr id="20" name="타원 19">
             <a:extLst>
               <a:ext uri="{FF2B5EF4-FFF2-40B4-BE49-F238E27FC236}">
-                <a16:creationId xmlns:a16="http://schemas.microsoft.com/office/drawing/2014/main" xmlns="" id="{DD1E2A7D-A343-48A0-8C4B-114EAE1E9808}"/>
+                <a16:creationId xmlns:a16="http://schemas.microsoft.com/office/drawing/2014/main" id="{DD1E2A7D-A343-48A0-8C4B-114EAE1E9808}"/>
               </a:ext>
             </a:extLst>
           </p:cNvPr>
@@ -27755,7 +27736,7 @@
           <p:cNvPr id="22" name="TextBox 21">
             <a:extLst>
               <a:ext uri="{FF2B5EF4-FFF2-40B4-BE49-F238E27FC236}">
-                <a16:creationId xmlns:a16="http://schemas.microsoft.com/office/drawing/2014/main" xmlns="" id="{AFAFB93A-19ED-492A-923A-8D7F78CF8082}"/>
+                <a16:creationId xmlns:a16="http://schemas.microsoft.com/office/drawing/2014/main" id="{AFAFB93A-19ED-492A-923A-8D7F78CF8082}"/>
               </a:ext>
             </a:extLst>
           </p:cNvPr>
@@ -27968,7 +27949,7 @@
           <p:cNvPr id="11" name="그림 10">
             <a:extLst>
               <a:ext uri="{FF2B5EF4-FFF2-40B4-BE49-F238E27FC236}">
-                <a16:creationId xmlns:a16="http://schemas.microsoft.com/office/drawing/2014/main" xmlns="" id="{E477E501-0E6A-4157-8731-BFD7A3189F6B}"/>
+                <a16:creationId xmlns:a16="http://schemas.microsoft.com/office/drawing/2014/main" id="{E477E501-0E6A-4157-8731-BFD7A3189F6B}"/>
               </a:ext>
             </a:extLst>
           </p:cNvPr>
@@ -28004,7 +27985,7 @@
           <p:cNvPr id="20" name="타원 19">
             <a:extLst>
               <a:ext uri="{FF2B5EF4-FFF2-40B4-BE49-F238E27FC236}">
-                <a16:creationId xmlns:a16="http://schemas.microsoft.com/office/drawing/2014/main" xmlns="" id="{DD1E2A7D-A343-48A0-8C4B-114EAE1E9808}"/>
+                <a16:creationId xmlns:a16="http://schemas.microsoft.com/office/drawing/2014/main" id="{DD1E2A7D-A343-48A0-8C4B-114EAE1E9808}"/>
               </a:ext>
             </a:extLst>
           </p:cNvPr>
@@ -28060,7 +28041,7 @@
           <p:cNvPr id="21" name="타원 20">
             <a:extLst>
               <a:ext uri="{FF2B5EF4-FFF2-40B4-BE49-F238E27FC236}">
-                <a16:creationId xmlns:a16="http://schemas.microsoft.com/office/drawing/2014/main" xmlns="" id="{17E7EFB1-7A51-4BFD-A060-3CC0A45C4B6D}"/>
+                <a16:creationId xmlns:a16="http://schemas.microsoft.com/office/drawing/2014/main" id="{17E7EFB1-7A51-4BFD-A060-3CC0A45C4B6D}"/>
               </a:ext>
             </a:extLst>
           </p:cNvPr>
@@ -28116,7 +28097,7 @@
           <p:cNvPr id="22" name="TextBox 21">
             <a:extLst>
               <a:ext uri="{FF2B5EF4-FFF2-40B4-BE49-F238E27FC236}">
-                <a16:creationId xmlns:a16="http://schemas.microsoft.com/office/drawing/2014/main" xmlns="" id="{AFAFB93A-19ED-492A-923A-8D7F78CF8082}"/>
+                <a16:creationId xmlns:a16="http://schemas.microsoft.com/office/drawing/2014/main" id="{AFAFB93A-19ED-492A-923A-8D7F78CF8082}"/>
               </a:ext>
             </a:extLst>
           </p:cNvPr>
@@ -28182,7 +28163,7 @@
           <p:cNvPr id="23" name="TextBox 22">
             <a:extLst>
               <a:ext uri="{FF2B5EF4-FFF2-40B4-BE49-F238E27FC236}">
-                <a16:creationId xmlns:a16="http://schemas.microsoft.com/office/drawing/2014/main" xmlns="" id="{F32561BD-E304-408A-8DBD-071FB89327CA}"/>
+                <a16:creationId xmlns:a16="http://schemas.microsoft.com/office/drawing/2014/main" id="{F32561BD-E304-408A-8DBD-071FB89327CA}"/>
               </a:ext>
             </a:extLst>
           </p:cNvPr>
@@ -28440,7 +28421,7 @@
           <p:cNvPr id="11" name="그림 10">
             <a:extLst>
               <a:ext uri="{FF2B5EF4-FFF2-40B4-BE49-F238E27FC236}">
-                <a16:creationId xmlns:a16="http://schemas.microsoft.com/office/drawing/2014/main" xmlns="" id="{E477E501-0E6A-4157-8731-BFD7A3189F6B}"/>
+                <a16:creationId xmlns:a16="http://schemas.microsoft.com/office/drawing/2014/main" id="{E477E501-0E6A-4157-8731-BFD7A3189F6B}"/>
               </a:ext>
             </a:extLst>
           </p:cNvPr>
@@ -28476,7 +28457,7 @@
           <p:cNvPr id="20" name="타원 19">
             <a:extLst>
               <a:ext uri="{FF2B5EF4-FFF2-40B4-BE49-F238E27FC236}">
-                <a16:creationId xmlns:a16="http://schemas.microsoft.com/office/drawing/2014/main" xmlns="" id="{DD1E2A7D-A343-48A0-8C4B-114EAE1E9808}"/>
+                <a16:creationId xmlns:a16="http://schemas.microsoft.com/office/drawing/2014/main" id="{DD1E2A7D-A343-48A0-8C4B-114EAE1E9808}"/>
               </a:ext>
             </a:extLst>
           </p:cNvPr>
@@ -28532,7 +28513,7 @@
           <p:cNvPr id="21" name="타원 20">
             <a:extLst>
               <a:ext uri="{FF2B5EF4-FFF2-40B4-BE49-F238E27FC236}">
-                <a16:creationId xmlns:a16="http://schemas.microsoft.com/office/drawing/2014/main" xmlns="" id="{17E7EFB1-7A51-4BFD-A060-3CC0A45C4B6D}"/>
+                <a16:creationId xmlns:a16="http://schemas.microsoft.com/office/drawing/2014/main" id="{17E7EFB1-7A51-4BFD-A060-3CC0A45C4B6D}"/>
               </a:ext>
             </a:extLst>
           </p:cNvPr>
@@ -28588,7 +28569,7 @@
           <p:cNvPr id="22" name="TextBox 21">
             <a:extLst>
               <a:ext uri="{FF2B5EF4-FFF2-40B4-BE49-F238E27FC236}">
-                <a16:creationId xmlns:a16="http://schemas.microsoft.com/office/drawing/2014/main" xmlns="" id="{AFAFB93A-19ED-492A-923A-8D7F78CF8082}"/>
+                <a16:creationId xmlns:a16="http://schemas.microsoft.com/office/drawing/2014/main" id="{AFAFB93A-19ED-492A-923A-8D7F78CF8082}"/>
               </a:ext>
             </a:extLst>
           </p:cNvPr>
@@ -28635,7 +28616,7 @@
           <p:cNvPr id="23" name="TextBox 22">
             <a:extLst>
               <a:ext uri="{FF2B5EF4-FFF2-40B4-BE49-F238E27FC236}">
-                <a16:creationId xmlns:a16="http://schemas.microsoft.com/office/drawing/2014/main" xmlns="" id="{F32561BD-E304-408A-8DBD-071FB89327CA}"/>
+                <a16:creationId xmlns:a16="http://schemas.microsoft.com/office/drawing/2014/main" id="{F32561BD-E304-408A-8DBD-071FB89327CA}"/>
               </a:ext>
             </a:extLst>
           </p:cNvPr>
@@ -28912,7 +28893,7 @@
           <p:cNvPr id="5" name="그래픽 4" descr="기저귀 갈기">
             <a:extLst>
               <a:ext uri="{FF2B5EF4-FFF2-40B4-BE49-F238E27FC236}">
-                <a16:creationId xmlns:a16="http://schemas.microsoft.com/office/drawing/2014/main" xmlns="" id="{175E4526-EA9D-46C6-B829-6633AD2917E0}"/>
+                <a16:creationId xmlns:a16="http://schemas.microsoft.com/office/drawing/2014/main" id="{175E4526-EA9D-46C6-B829-6633AD2917E0}"/>
               </a:ext>
             </a:extLst>
           </p:cNvPr>
@@ -28928,7 +28909,7 @@
                 <a14:useLocalDpi xmlns:a14="http://schemas.microsoft.com/office/drawing/2010/main" val="0"/>
               </a:ext>
               <a:ext uri="{96DAC541-7B7A-43D3-8B79-37D633B846F1}">
-                <asvg:svgBlip xmlns:asvg="http://schemas.microsoft.com/office/drawing/2016/SVG/main" xmlns="" r:embed="rId3"/>
+                <asvg:svgBlip xmlns:asvg="http://schemas.microsoft.com/office/drawing/2016/SVG/main" r:embed="rId3"/>
               </a:ext>
             </a:extLst>
           </a:blip>
@@ -32742,10 +32723,6 @@
               <a:rPr lang="ko-KR" altLang="en-US" sz="1000" dirty="0"/>
               <a:t>신청 받았을 때 아이에 대한</a:t>
             </a:r>
-            <a:r>
-              <a:rPr lang="en-US" altLang="ko-KR" sz="1000" dirty="0"/>
-              <a:t/>
-            </a:r>
             <a:br>
               <a:rPr lang="en-US" altLang="ko-KR" sz="1000" dirty="0"/>
             </a:br>
@@ -34329,10 +34306,6 @@
               <a:rPr lang="ko-KR" altLang="en-US" sz="1100" dirty="0"/>
               <a:t>아이에 대한 요청 사항</a:t>
             </a:r>
-            <a:r>
-              <a:rPr lang="en-US" altLang="ko-KR" sz="1100" dirty="0"/>
-              <a:t/>
-            </a:r>
             <a:br>
               <a:rPr lang="en-US" altLang="ko-KR" sz="1100" dirty="0"/>
             </a:br>
@@ -35317,10 +35290,6 @@
               <a:rPr lang="ko-KR" altLang="en-US" sz="1100" dirty="0"/>
               <a:t>아이에 대한 요청 사항</a:t>
             </a:r>
-            <a:r>
-              <a:rPr lang="en-US" altLang="ko-KR" sz="1100" dirty="0"/>
-              <a:t/>
-            </a:r>
             <a:br>
               <a:rPr lang="en-US" altLang="ko-KR" sz="1100" dirty="0"/>
             </a:br>
@@ -35882,10 +35851,6 @@
             <a:r>
               <a:rPr lang="ko-KR" altLang="en-US" sz="1100" dirty="0"/>
               <a:t>신청한 회원의 신청을</a:t>
-            </a:r>
-            <a:r>
-              <a:rPr lang="en-US" altLang="ko-KR" sz="1100" dirty="0"/>
-              <a:t/>
             </a:r>
             <a:br>
               <a:rPr lang="en-US" altLang="ko-KR" sz="1100" dirty="0"/>
@@ -36199,7 +36164,7 @@
           <p:cNvPr id="5" name="그래픽 4" descr="부모와 아기">
             <a:extLst>
               <a:ext uri="{FF2B5EF4-FFF2-40B4-BE49-F238E27FC236}">
-                <a16:creationId xmlns:a16="http://schemas.microsoft.com/office/drawing/2014/main" xmlns="" id="{FF92183A-DF19-4DBB-AE94-391B251E49A2}"/>
+                <a16:creationId xmlns:a16="http://schemas.microsoft.com/office/drawing/2014/main" id="{FF92183A-DF19-4DBB-AE94-391B251E49A2}"/>
               </a:ext>
             </a:extLst>
           </p:cNvPr>
@@ -36215,7 +36180,7 @@
                 <a14:useLocalDpi xmlns:a14="http://schemas.microsoft.com/office/drawing/2010/main" val="0"/>
               </a:ext>
               <a:ext uri="{96DAC541-7B7A-43D3-8B79-37D633B846F1}">
-                <asvg:svgBlip xmlns:asvg="http://schemas.microsoft.com/office/drawing/2016/SVG/main" xmlns="" r:embed="rId3"/>
+                <asvg:svgBlip xmlns:asvg="http://schemas.microsoft.com/office/drawing/2016/SVG/main" r:embed="rId3"/>
               </a:ext>
             </a:extLst>
           </a:blip>
@@ -38507,10 +38472,9 @@
           <a:p>
             <a:pPr algn="ctr"/>
             <a:r>
-              <a:rPr lang="ko-KR" altLang="en-US" dirty="0" smtClean="0"/>
+              <a:rPr lang="ko-KR" altLang="en-US" dirty="0"/>
               <a:t>프로필</a:t>
             </a:r>
-            <a:endParaRPr lang="ko-KR" altLang="en-US" dirty="0"/>
           </a:p>
         </p:txBody>
       </p:sp>
@@ -39501,7 +39465,7 @@
           <p:cNvPr id="11" name="그림 10">
             <a:extLst>
               <a:ext uri="{FF2B5EF4-FFF2-40B4-BE49-F238E27FC236}">
-                <a16:creationId xmlns:a16="http://schemas.microsoft.com/office/drawing/2014/main" xmlns="" id="{E477E501-0E6A-4157-8731-BFD7A3189F6B}"/>
+                <a16:creationId xmlns:a16="http://schemas.microsoft.com/office/drawing/2014/main" id="{E477E501-0E6A-4157-8731-BFD7A3189F6B}"/>
               </a:ext>
             </a:extLst>
           </p:cNvPr>
@@ -39630,7 +39594,7 @@
           <p:cNvPr id="20" name="타원 19">
             <a:extLst>
               <a:ext uri="{FF2B5EF4-FFF2-40B4-BE49-F238E27FC236}">
-                <a16:creationId xmlns:a16="http://schemas.microsoft.com/office/drawing/2014/main" xmlns="" id="{DD1E2A7D-A343-48A0-8C4B-114EAE1E9808}"/>
+                <a16:creationId xmlns:a16="http://schemas.microsoft.com/office/drawing/2014/main" id="{DD1E2A7D-A343-48A0-8C4B-114EAE1E9808}"/>
               </a:ext>
             </a:extLst>
           </p:cNvPr>
@@ -39686,7 +39650,7 @@
           <p:cNvPr id="21" name="타원 20">
             <a:extLst>
               <a:ext uri="{FF2B5EF4-FFF2-40B4-BE49-F238E27FC236}">
-                <a16:creationId xmlns:a16="http://schemas.microsoft.com/office/drawing/2014/main" xmlns="" id="{17E7EFB1-7A51-4BFD-A060-3CC0A45C4B6D}"/>
+                <a16:creationId xmlns:a16="http://schemas.microsoft.com/office/drawing/2014/main" id="{17E7EFB1-7A51-4BFD-A060-3CC0A45C4B6D}"/>
               </a:ext>
             </a:extLst>
           </p:cNvPr>
@@ -39742,7 +39706,7 @@
           <p:cNvPr id="22" name="TextBox 21">
             <a:extLst>
               <a:ext uri="{FF2B5EF4-FFF2-40B4-BE49-F238E27FC236}">
-                <a16:creationId xmlns:a16="http://schemas.microsoft.com/office/drawing/2014/main" xmlns="" id="{AFAFB93A-19ED-492A-923A-8D7F78CF8082}"/>
+                <a16:creationId xmlns:a16="http://schemas.microsoft.com/office/drawing/2014/main" id="{AFAFB93A-19ED-492A-923A-8D7F78CF8082}"/>
               </a:ext>
             </a:extLst>
           </p:cNvPr>
@@ -39832,7 +39796,7 @@
           <p:cNvPr id="23" name="TextBox 22">
             <a:extLst>
               <a:ext uri="{FF2B5EF4-FFF2-40B4-BE49-F238E27FC236}">
-                <a16:creationId xmlns:a16="http://schemas.microsoft.com/office/drawing/2014/main" xmlns="" id="{F32561BD-E304-408A-8DBD-071FB89327CA}"/>
+                <a16:creationId xmlns:a16="http://schemas.microsoft.com/office/drawing/2014/main" id="{F32561BD-E304-408A-8DBD-071FB89327CA}"/>
               </a:ext>
             </a:extLst>
           </p:cNvPr>
@@ -39898,7 +39862,7 @@
           <p:cNvPr id="25" name="TextBox 24">
             <a:extLst>
               <a:ext uri="{FF2B5EF4-FFF2-40B4-BE49-F238E27FC236}">
-                <a16:creationId xmlns:a16="http://schemas.microsoft.com/office/drawing/2014/main" xmlns="" id="{C57AB30A-BC4D-454E-BC57-8A3EC1BB301B}"/>
+                <a16:creationId xmlns:a16="http://schemas.microsoft.com/office/drawing/2014/main" id="{C57AB30A-BC4D-454E-BC57-8A3EC1BB301B}"/>
               </a:ext>
             </a:extLst>
           </p:cNvPr>
@@ -40027,7 +39991,7 @@
           <p:cNvPr id="14" name="타원 13">
             <a:extLst>
               <a:ext uri="{FF2B5EF4-FFF2-40B4-BE49-F238E27FC236}">
-                <a16:creationId xmlns:a16="http://schemas.microsoft.com/office/drawing/2014/main" xmlns="" id="{F97A6FBB-71A2-4CC9-8564-972BC122BDF1}"/>
+                <a16:creationId xmlns:a16="http://schemas.microsoft.com/office/drawing/2014/main" id="{F97A6FBB-71A2-4CC9-8564-972BC122BDF1}"/>
               </a:ext>
             </a:extLst>
           </p:cNvPr>
@@ -40083,7 +40047,7 @@
           <p:cNvPr id="15" name="TextBox 14">
             <a:extLst>
               <a:ext uri="{FF2B5EF4-FFF2-40B4-BE49-F238E27FC236}">
-                <a16:creationId xmlns:a16="http://schemas.microsoft.com/office/drawing/2014/main" xmlns="" id="{40FD6F13-CB85-4D63-9C8F-13878AC5A81D}"/>
+                <a16:creationId xmlns:a16="http://schemas.microsoft.com/office/drawing/2014/main" id="{40FD6F13-CB85-4D63-9C8F-13878AC5A81D}"/>
               </a:ext>
             </a:extLst>
           </p:cNvPr>
@@ -40121,10 +40085,6 @@
               <a:rPr lang="ko-KR" altLang="en-US" sz="1050" dirty="0"/>
               <a:t> 후 후기작성단계로 넘어가서 후기작성버튼을 클릭하면 후기작성이 가능함</a:t>
             </a:r>
-            <a:r>
-              <a:rPr lang="en-US" altLang="ko-KR" sz="1050" dirty="0"/>
-              <a:t/>
-            </a:r>
             <a:br>
               <a:rPr lang="en-US" altLang="ko-KR" sz="1050" dirty="0"/>
             </a:br>
@@ -40160,7 +40120,7 @@
           <p:cNvPr id="16" name="직사각형 15">
             <a:extLst>
               <a:ext uri="{FF2B5EF4-FFF2-40B4-BE49-F238E27FC236}">
-                <a16:creationId xmlns:a16="http://schemas.microsoft.com/office/drawing/2014/main" xmlns="" id="{DE9D2A93-6D76-4B03-8A9F-DE49CD1EA49F}"/>
+                <a16:creationId xmlns:a16="http://schemas.microsoft.com/office/drawing/2014/main" id="{DE9D2A93-6D76-4B03-8A9F-DE49CD1EA49F}"/>
               </a:ext>
             </a:extLst>
           </p:cNvPr>
@@ -41268,7 +41228,7 @@
           <p:cNvPr id="11" name="그림 10">
             <a:extLst>
               <a:ext uri="{FF2B5EF4-FFF2-40B4-BE49-F238E27FC236}">
-                <a16:creationId xmlns:a16="http://schemas.microsoft.com/office/drawing/2014/main" xmlns="" id="{E477E501-0E6A-4157-8731-BFD7A3189F6B}"/>
+                <a16:creationId xmlns:a16="http://schemas.microsoft.com/office/drawing/2014/main" id="{E477E501-0E6A-4157-8731-BFD7A3189F6B}"/>
               </a:ext>
             </a:extLst>
           </p:cNvPr>
@@ -41397,7 +41357,7 @@
           <p:cNvPr id="20" name="타원 19">
             <a:extLst>
               <a:ext uri="{FF2B5EF4-FFF2-40B4-BE49-F238E27FC236}">
-                <a16:creationId xmlns:a16="http://schemas.microsoft.com/office/drawing/2014/main" xmlns="" id="{DD1E2A7D-A343-48A0-8C4B-114EAE1E9808}"/>
+                <a16:creationId xmlns:a16="http://schemas.microsoft.com/office/drawing/2014/main" id="{DD1E2A7D-A343-48A0-8C4B-114EAE1E9808}"/>
               </a:ext>
             </a:extLst>
           </p:cNvPr>
@@ -41453,7 +41413,7 @@
           <p:cNvPr id="21" name="타원 20">
             <a:extLst>
               <a:ext uri="{FF2B5EF4-FFF2-40B4-BE49-F238E27FC236}">
-                <a16:creationId xmlns:a16="http://schemas.microsoft.com/office/drawing/2014/main" xmlns="" id="{17E7EFB1-7A51-4BFD-A060-3CC0A45C4B6D}"/>
+                <a16:creationId xmlns:a16="http://schemas.microsoft.com/office/drawing/2014/main" id="{17E7EFB1-7A51-4BFD-A060-3CC0A45C4B6D}"/>
               </a:ext>
             </a:extLst>
           </p:cNvPr>
@@ -41509,7 +41469,7 @@
           <p:cNvPr id="22" name="TextBox 21">
             <a:extLst>
               <a:ext uri="{FF2B5EF4-FFF2-40B4-BE49-F238E27FC236}">
-                <a16:creationId xmlns:a16="http://schemas.microsoft.com/office/drawing/2014/main" xmlns="" id="{AFAFB93A-19ED-492A-923A-8D7F78CF8082}"/>
+                <a16:creationId xmlns:a16="http://schemas.microsoft.com/office/drawing/2014/main" id="{AFAFB93A-19ED-492A-923A-8D7F78CF8082}"/>
               </a:ext>
             </a:extLst>
           </p:cNvPr>
@@ -41625,7 +41585,7 @@
           <p:cNvPr id="23" name="TextBox 22">
             <a:extLst>
               <a:ext uri="{FF2B5EF4-FFF2-40B4-BE49-F238E27FC236}">
-                <a16:creationId xmlns:a16="http://schemas.microsoft.com/office/drawing/2014/main" xmlns="" id="{F32561BD-E304-408A-8DBD-071FB89327CA}"/>
+                <a16:creationId xmlns:a16="http://schemas.microsoft.com/office/drawing/2014/main" id="{F32561BD-E304-408A-8DBD-071FB89327CA}"/>
               </a:ext>
             </a:extLst>
           </p:cNvPr>
@@ -41671,7 +41631,7 @@
           <p:cNvPr id="25" name="TextBox 24">
             <a:extLst>
               <a:ext uri="{FF2B5EF4-FFF2-40B4-BE49-F238E27FC236}">
-                <a16:creationId xmlns:a16="http://schemas.microsoft.com/office/drawing/2014/main" xmlns="" id="{C57AB30A-BC4D-454E-BC57-8A3EC1BB301B}"/>
+                <a16:creationId xmlns:a16="http://schemas.microsoft.com/office/drawing/2014/main" id="{C57AB30A-BC4D-454E-BC57-8A3EC1BB301B}"/>
               </a:ext>
             </a:extLst>
           </p:cNvPr>
@@ -41714,7 +41674,7 @@
           <p:cNvPr id="14" name="타원 13">
             <a:extLst>
               <a:ext uri="{FF2B5EF4-FFF2-40B4-BE49-F238E27FC236}">
-                <a16:creationId xmlns:a16="http://schemas.microsoft.com/office/drawing/2014/main" xmlns="" id="{F97A6FBB-71A2-4CC9-8564-972BC122BDF1}"/>
+                <a16:creationId xmlns:a16="http://schemas.microsoft.com/office/drawing/2014/main" id="{F97A6FBB-71A2-4CC9-8564-972BC122BDF1}"/>
               </a:ext>
             </a:extLst>
           </p:cNvPr>
@@ -41770,7 +41730,7 @@
           <p:cNvPr id="15" name="TextBox 14">
             <a:extLst>
               <a:ext uri="{FF2B5EF4-FFF2-40B4-BE49-F238E27FC236}">
-                <a16:creationId xmlns:a16="http://schemas.microsoft.com/office/drawing/2014/main" xmlns="" id="{40FD6F13-CB85-4D63-9C8F-13878AC5A81D}"/>
+                <a16:creationId xmlns:a16="http://schemas.microsoft.com/office/drawing/2014/main" id="{40FD6F13-CB85-4D63-9C8F-13878AC5A81D}"/>
               </a:ext>
             </a:extLst>
           </p:cNvPr>
@@ -41847,7 +41807,7 @@
           <p:cNvPr id="17" name="직사각형 16">
             <a:extLst>
               <a:ext uri="{FF2B5EF4-FFF2-40B4-BE49-F238E27FC236}">
-                <a16:creationId xmlns:a16="http://schemas.microsoft.com/office/drawing/2014/main" xmlns="" id="{814D0977-4779-44B5-B81F-3D84BDFFE576}"/>
+                <a16:creationId xmlns:a16="http://schemas.microsoft.com/office/drawing/2014/main" id="{814D0977-4779-44B5-B81F-3D84BDFFE576}"/>
               </a:ext>
             </a:extLst>
           </p:cNvPr>
@@ -41997,7 +41957,7 @@
           <p:cNvPr id="27" name="타원 26">
             <a:extLst>
               <a:ext uri="{FF2B5EF4-FFF2-40B4-BE49-F238E27FC236}">
-                <a16:creationId xmlns:a16="http://schemas.microsoft.com/office/drawing/2014/main" xmlns="" id="{24195049-E31A-4976-80C6-A9478470427C}"/>
+                <a16:creationId xmlns:a16="http://schemas.microsoft.com/office/drawing/2014/main" id="{24195049-E31A-4976-80C6-A9478470427C}"/>
               </a:ext>
             </a:extLst>
           </p:cNvPr>
@@ -42053,7 +42013,7 @@
           <p:cNvPr id="28" name="TextBox 27">
             <a:extLst>
               <a:ext uri="{FF2B5EF4-FFF2-40B4-BE49-F238E27FC236}">
-                <a16:creationId xmlns:a16="http://schemas.microsoft.com/office/drawing/2014/main" xmlns="" id="{222FFDD7-7E39-414A-BD80-DE6E747CC363}"/>
+                <a16:creationId xmlns:a16="http://schemas.microsoft.com/office/drawing/2014/main" id="{222FFDD7-7E39-414A-BD80-DE6E747CC363}"/>
               </a:ext>
             </a:extLst>
           </p:cNvPr>
@@ -43565,32 +43525,32 @@
       </p:grpSpPr>
       <p:sp>
         <p:nvSpPr>
-          <p:cNvPr id="27" name="직사각형 26"/>
+          <p:cNvPr id="4" name="타원 3"/>
           <p:cNvSpPr/>
           <p:nvPr/>
         </p:nvSpPr>
         <p:spPr>
           <a:xfrm>
-            <a:off x="276837" y="1103151"/>
-            <a:ext cx="8727347" cy="4924425"/>
-          </a:xfrm>
-          <a:prstGeom prst="rect">
-            <a:avLst/>
-          </a:prstGeom>
-          <a:ln w="3175"/>
-        </p:spPr>
-        <p:style>
-          <a:lnRef idx="2">
-            <a:schemeClr val="dk1"/>
-          </a:lnRef>
-          <a:fillRef idx="1">
-            <a:schemeClr val="lt1"/>
-          </a:fillRef>
-          <a:effectRef idx="0">
-            <a:schemeClr val="dk1"/>
-          </a:effectRef>
-          <a:fontRef idx="minor">
-            <a:schemeClr val="dk1"/>
+            <a:off x="4326884" y="996280"/>
+            <a:ext cx="1800000" cy="1800000"/>
+          </a:xfrm>
+          <a:prstGeom prst="ellipse">
+            <a:avLst/>
+          </a:prstGeom>
+          <a:ln/>
+        </p:spPr>
+        <p:style>
+          <a:lnRef idx="1">
+            <a:schemeClr val="accent2"/>
+          </a:lnRef>
+          <a:fillRef idx="3">
+            <a:schemeClr val="accent2"/>
+          </a:fillRef>
+          <a:effectRef idx="2">
+            <a:schemeClr val="accent2"/>
+          </a:effectRef>
+          <a:fontRef idx="minor">
+            <a:schemeClr val="lt1"/>
           </a:fontRef>
         </p:style>
         <p:txBody>
@@ -43599,894 +43559,13 @@
           <a:p>
             <a:pPr algn="ctr"/>
             <a:endParaRPr lang="ko-KR" altLang="en-US"/>
-          </a:p>
-        </p:txBody>
-      </p:sp>
-      <p:pic>
-        <p:nvPicPr>
-          <p:cNvPr id="39" name="그림 38"/>
-          <p:cNvPicPr>
-            <a:picLocks noChangeAspect="1"/>
-          </p:cNvPicPr>
-          <p:nvPr/>
-        </p:nvPicPr>
-        <p:blipFill>
-          <a:blip r:embed="rId3">
-            <a:extLst>
-              <a:ext uri="{28A0092B-C50C-407E-A947-70E740481C1C}">
-                <a14:useLocalDpi xmlns:a14="http://schemas.microsoft.com/office/drawing/2010/main" val="0"/>
-              </a:ext>
-            </a:extLst>
-          </a:blip>
-          <a:stretch>
-            <a:fillRect/>
-          </a:stretch>
-        </p:blipFill>
-        <p:spPr>
-          <a:xfrm>
-            <a:off x="286363" y="1112676"/>
-            <a:ext cx="8717822" cy="4914900"/>
-          </a:xfrm>
-          <a:prstGeom prst="rect">
-            <a:avLst/>
-          </a:prstGeom>
-        </p:spPr>
-      </p:pic>
-      <p:sp>
-        <p:nvSpPr>
-          <p:cNvPr id="14" name="타원 13"/>
-          <p:cNvSpPr/>
-          <p:nvPr/>
-        </p:nvSpPr>
-        <p:spPr>
-          <a:xfrm>
-            <a:off x="2738307" y="3402252"/>
-            <a:ext cx="343949" cy="343949"/>
-          </a:xfrm>
-          <a:prstGeom prst="ellipse">
-            <a:avLst/>
-          </a:prstGeom>
-          <a:solidFill>
-            <a:schemeClr val="accent2"/>
-          </a:solidFill>
-          <a:ln>
-            <a:noFill/>
-          </a:ln>
-        </p:spPr>
-        <p:style>
-          <a:lnRef idx="2">
-            <a:schemeClr val="accent1">
-              <a:shade val="50000"/>
-            </a:schemeClr>
-          </a:lnRef>
-          <a:fillRef idx="1">
-            <a:schemeClr val="accent1"/>
-          </a:fillRef>
-          <a:effectRef idx="0">
-            <a:schemeClr val="accent1"/>
-          </a:effectRef>
-          <a:fontRef idx="minor">
-            <a:schemeClr val="lt1"/>
-          </a:fontRef>
-        </p:style>
-        <p:txBody>
-          <a:bodyPr rtlCol="0" anchor="ctr"/>
-          <a:lstStyle/>
-          <a:p>
-            <a:pPr algn="ctr"/>
-            <a:r>
-              <a:rPr lang="en-US" altLang="ko-KR" dirty="0"/>
-              <a:t>2</a:t>
-            </a:r>
-            <a:endParaRPr lang="ko-KR" altLang="en-US" dirty="0"/>
-          </a:p>
-        </p:txBody>
-      </p:sp>
-      <p:sp>
-        <p:nvSpPr>
-          <p:cNvPr id="16" name="타원 15"/>
-          <p:cNvSpPr/>
-          <p:nvPr/>
-        </p:nvSpPr>
-        <p:spPr>
-          <a:xfrm>
-            <a:off x="3033044" y="4131396"/>
-            <a:ext cx="343949" cy="343949"/>
-          </a:xfrm>
-          <a:prstGeom prst="ellipse">
-            <a:avLst/>
-          </a:prstGeom>
-          <a:solidFill>
-            <a:schemeClr val="accent2"/>
-          </a:solidFill>
-          <a:ln>
-            <a:noFill/>
-          </a:ln>
-        </p:spPr>
-        <p:style>
-          <a:lnRef idx="2">
-            <a:schemeClr val="accent1">
-              <a:shade val="50000"/>
-            </a:schemeClr>
-          </a:lnRef>
-          <a:fillRef idx="1">
-            <a:schemeClr val="accent1"/>
-          </a:fillRef>
-          <a:effectRef idx="0">
-            <a:schemeClr val="accent1"/>
-          </a:effectRef>
-          <a:fontRef idx="minor">
-            <a:schemeClr val="lt1"/>
-          </a:fontRef>
-        </p:style>
-        <p:txBody>
-          <a:bodyPr rtlCol="0" anchor="ctr"/>
-          <a:lstStyle/>
-          <a:p>
-            <a:pPr algn="ctr"/>
-            <a:r>
-              <a:rPr lang="en-US" altLang="ko-KR" dirty="0"/>
-              <a:t>4</a:t>
-            </a:r>
-            <a:endParaRPr lang="ko-KR" altLang="en-US" dirty="0"/>
-          </a:p>
-        </p:txBody>
-      </p:sp>
-      <p:sp>
-        <p:nvSpPr>
-          <p:cNvPr id="17" name="타원 16"/>
-          <p:cNvSpPr/>
-          <p:nvPr/>
-        </p:nvSpPr>
-        <p:spPr>
-          <a:xfrm>
-            <a:off x="5417093" y="4131396"/>
-            <a:ext cx="343949" cy="343949"/>
-          </a:xfrm>
-          <a:prstGeom prst="ellipse">
-            <a:avLst/>
-          </a:prstGeom>
-          <a:solidFill>
-            <a:schemeClr val="accent2"/>
-          </a:solidFill>
-          <a:ln>
-            <a:noFill/>
-          </a:ln>
-        </p:spPr>
-        <p:style>
-          <a:lnRef idx="2">
-            <a:schemeClr val="accent1">
-              <a:shade val="50000"/>
-            </a:schemeClr>
-          </a:lnRef>
-          <a:fillRef idx="1">
-            <a:schemeClr val="accent1"/>
-          </a:fillRef>
-          <a:effectRef idx="0">
-            <a:schemeClr val="accent1"/>
-          </a:effectRef>
-          <a:fontRef idx="minor">
-            <a:schemeClr val="lt1"/>
-          </a:fontRef>
-        </p:style>
-        <p:txBody>
-          <a:bodyPr rtlCol="0" anchor="ctr"/>
-          <a:lstStyle/>
-          <a:p>
-            <a:pPr algn="ctr"/>
-            <a:r>
-              <a:rPr lang="en-US" altLang="ko-KR" dirty="0"/>
-              <a:t>5</a:t>
-            </a:r>
-            <a:endParaRPr lang="ko-KR" altLang="en-US" dirty="0"/>
-          </a:p>
-        </p:txBody>
-      </p:sp>
-      <p:sp>
-        <p:nvSpPr>
-          <p:cNvPr id="18" name="타원 17"/>
-          <p:cNvSpPr/>
-          <p:nvPr/>
-        </p:nvSpPr>
-        <p:spPr>
-          <a:xfrm>
-            <a:off x="2689095" y="1935341"/>
-            <a:ext cx="343949" cy="343949"/>
-          </a:xfrm>
-          <a:prstGeom prst="ellipse">
-            <a:avLst/>
-          </a:prstGeom>
-          <a:solidFill>
-            <a:schemeClr val="accent2"/>
-          </a:solidFill>
-          <a:ln>
-            <a:noFill/>
-          </a:ln>
-        </p:spPr>
-        <p:style>
-          <a:lnRef idx="2">
-            <a:schemeClr val="accent1">
-              <a:shade val="50000"/>
-            </a:schemeClr>
-          </a:lnRef>
-          <a:fillRef idx="1">
-            <a:schemeClr val="accent1"/>
-          </a:fillRef>
-          <a:effectRef idx="0">
-            <a:schemeClr val="accent1"/>
-          </a:effectRef>
-          <a:fontRef idx="minor">
-            <a:schemeClr val="lt1"/>
-          </a:fontRef>
-        </p:style>
-        <p:txBody>
-          <a:bodyPr rtlCol="0" anchor="ctr"/>
-          <a:lstStyle/>
-          <a:p>
-            <a:pPr algn="ctr"/>
-            <a:r>
-              <a:rPr lang="en-US" altLang="ko-KR" dirty="0"/>
-              <a:t>1</a:t>
-            </a:r>
-            <a:endParaRPr lang="ko-KR" altLang="en-US" dirty="0"/>
-          </a:p>
-        </p:txBody>
-      </p:sp>
-      <p:sp>
-        <p:nvSpPr>
-          <p:cNvPr id="19" name="타원 18"/>
-          <p:cNvSpPr/>
-          <p:nvPr/>
-        </p:nvSpPr>
-        <p:spPr>
-          <a:xfrm>
-            <a:off x="9277720" y="1989030"/>
-            <a:ext cx="343949" cy="343949"/>
-          </a:xfrm>
-          <a:prstGeom prst="ellipse">
-            <a:avLst/>
-          </a:prstGeom>
-          <a:solidFill>
-            <a:schemeClr val="accent2"/>
-          </a:solidFill>
-          <a:ln>
-            <a:noFill/>
-          </a:ln>
-        </p:spPr>
-        <p:style>
-          <a:lnRef idx="2">
-            <a:schemeClr val="accent1">
-              <a:shade val="50000"/>
-            </a:schemeClr>
-          </a:lnRef>
-          <a:fillRef idx="1">
-            <a:schemeClr val="accent1"/>
-          </a:fillRef>
-          <a:effectRef idx="0">
-            <a:schemeClr val="accent1"/>
-          </a:effectRef>
-          <a:fontRef idx="minor">
-            <a:schemeClr val="lt1"/>
-          </a:fontRef>
-        </p:style>
-        <p:txBody>
-          <a:bodyPr rtlCol="0" anchor="ctr"/>
-          <a:lstStyle/>
-          <a:p>
-            <a:pPr algn="ctr"/>
-            <a:r>
-              <a:rPr lang="en-US" altLang="ko-KR" dirty="0"/>
-              <a:t>2</a:t>
-            </a:r>
-            <a:endParaRPr lang="ko-KR" altLang="en-US" dirty="0"/>
-          </a:p>
-        </p:txBody>
-      </p:sp>
-      <p:sp>
-        <p:nvSpPr>
-          <p:cNvPr id="20" name="타원 19"/>
-          <p:cNvSpPr/>
-          <p:nvPr/>
-        </p:nvSpPr>
-        <p:spPr>
-          <a:xfrm>
-            <a:off x="9277720" y="2937476"/>
-            <a:ext cx="343949" cy="343949"/>
-          </a:xfrm>
-          <a:prstGeom prst="ellipse">
-            <a:avLst/>
-          </a:prstGeom>
-          <a:solidFill>
-            <a:schemeClr val="accent2"/>
-          </a:solidFill>
-          <a:ln>
-            <a:noFill/>
-          </a:ln>
-        </p:spPr>
-        <p:style>
-          <a:lnRef idx="2">
-            <a:schemeClr val="accent1">
-              <a:shade val="50000"/>
-            </a:schemeClr>
-          </a:lnRef>
-          <a:fillRef idx="1">
-            <a:schemeClr val="accent1"/>
-          </a:fillRef>
-          <a:effectRef idx="0">
-            <a:schemeClr val="accent1"/>
-          </a:effectRef>
-          <a:fontRef idx="minor">
-            <a:schemeClr val="lt1"/>
-          </a:fontRef>
-        </p:style>
-        <p:txBody>
-          <a:bodyPr rtlCol="0" anchor="ctr"/>
-          <a:lstStyle/>
-          <a:p>
-            <a:pPr algn="ctr"/>
-            <a:r>
-              <a:rPr lang="en-US" altLang="ko-KR" dirty="0"/>
-              <a:t>3</a:t>
-            </a:r>
-            <a:endParaRPr lang="ko-KR" altLang="en-US" dirty="0"/>
-          </a:p>
-        </p:txBody>
-      </p:sp>
-      <p:sp>
-        <p:nvSpPr>
-          <p:cNvPr id="21" name="타원 20"/>
-          <p:cNvSpPr/>
-          <p:nvPr/>
-        </p:nvSpPr>
-        <p:spPr>
-          <a:xfrm>
-            <a:off x="9254809" y="1145864"/>
-            <a:ext cx="343949" cy="343949"/>
-          </a:xfrm>
-          <a:prstGeom prst="ellipse">
-            <a:avLst/>
-          </a:prstGeom>
-          <a:solidFill>
-            <a:schemeClr val="accent2"/>
-          </a:solidFill>
-          <a:ln>
-            <a:noFill/>
-          </a:ln>
-        </p:spPr>
-        <p:style>
-          <a:lnRef idx="2">
-            <a:schemeClr val="accent1">
-              <a:shade val="50000"/>
-            </a:schemeClr>
-          </a:lnRef>
-          <a:fillRef idx="1">
-            <a:schemeClr val="accent1"/>
-          </a:fillRef>
-          <a:effectRef idx="0">
-            <a:schemeClr val="accent1"/>
-          </a:effectRef>
-          <a:fontRef idx="minor">
-            <a:schemeClr val="lt1"/>
-          </a:fontRef>
-        </p:style>
-        <p:txBody>
-          <a:bodyPr rtlCol="0" anchor="ctr"/>
-          <a:lstStyle/>
-          <a:p>
-            <a:pPr algn="ctr"/>
-            <a:r>
-              <a:rPr lang="en-US" altLang="ko-KR" dirty="0"/>
-              <a:t>1</a:t>
-            </a:r>
-            <a:endParaRPr lang="ko-KR" altLang="en-US" dirty="0"/>
-          </a:p>
-        </p:txBody>
-      </p:sp>
-      <p:sp>
-        <p:nvSpPr>
-          <p:cNvPr id="22" name="직사각형 21"/>
-          <p:cNvSpPr/>
-          <p:nvPr/>
-        </p:nvSpPr>
-        <p:spPr>
-          <a:xfrm>
-            <a:off x="9770347" y="1112676"/>
-            <a:ext cx="2164477" cy="900246"/>
-          </a:xfrm>
-          <a:prstGeom prst="rect">
-            <a:avLst/>
-          </a:prstGeom>
-        </p:spPr>
-        <p:txBody>
-          <a:bodyPr wrap="square">
-            <a:spAutoFit/>
-          </a:bodyPr>
-          <a:lstStyle/>
-          <a:p>
-            <a:r>
-              <a:rPr lang="ko-KR" altLang="en-US" sz="1050" dirty="0"/>
-              <a:t>선택한 </a:t>
-            </a:r>
-            <a:r>
-              <a:rPr lang="ko-KR" altLang="en-US" sz="1050" dirty="0" err="1"/>
-              <a:t>매칭의</a:t>
-            </a:r>
-            <a:r>
-              <a:rPr lang="ko-KR" altLang="en-US" sz="1050" dirty="0"/>
-              <a:t> 상세 정보</a:t>
-            </a:r>
-            <a:endParaRPr lang="en-US" altLang="ko-KR" sz="1050" dirty="0"/>
-          </a:p>
-          <a:p>
-            <a:pPr marL="171450" indent="-171450">
-              <a:buFontTx/>
-              <a:buChar char="-"/>
-            </a:pPr>
-            <a:r>
-              <a:rPr lang="ko-KR" altLang="en-US" sz="1050" dirty="0"/>
-              <a:t>돌보미 사진</a:t>
-            </a:r>
-            <a:r>
-              <a:rPr lang="en-US" altLang="ko-KR" sz="1050" dirty="0"/>
-              <a:t>, </a:t>
-            </a:r>
-            <a:r>
-              <a:rPr lang="ko-KR" altLang="en-US" sz="1050" dirty="0" err="1"/>
-              <a:t>매칭</a:t>
-            </a:r>
-            <a:r>
-              <a:rPr lang="ko-KR" altLang="en-US" sz="1050" dirty="0"/>
-              <a:t> 현황</a:t>
-            </a:r>
-            <a:r>
-              <a:rPr lang="en-US" altLang="ko-KR" sz="1050" dirty="0"/>
-              <a:t>, </a:t>
-            </a:r>
-            <a:r>
-              <a:rPr lang="ko-KR" altLang="en-US" sz="1050" dirty="0" err="1"/>
-              <a:t>매칭</a:t>
-            </a:r>
-            <a:r>
-              <a:rPr lang="ko-KR" altLang="en-US" sz="1050" dirty="0"/>
-              <a:t> 신청 날짜와 시간 노출</a:t>
-            </a:r>
-            <a:endParaRPr lang="en-US" altLang="ko-KR" sz="1050" dirty="0"/>
-          </a:p>
-          <a:p>
-            <a:r>
-              <a:rPr lang="ko-KR" altLang="en-US" sz="1050" dirty="0"/>
-              <a:t> </a:t>
-            </a:r>
-            <a:endParaRPr lang="en-US" altLang="ko-KR" sz="1050" dirty="0"/>
-          </a:p>
-          <a:p>
-            <a:endParaRPr lang="en-US" altLang="ko-KR" sz="1050" dirty="0"/>
-          </a:p>
-        </p:txBody>
-      </p:sp>
-      <p:sp>
-        <p:nvSpPr>
-          <p:cNvPr id="23" name="TextBox 22"/>
-          <p:cNvSpPr txBox="1"/>
-          <p:nvPr/>
-        </p:nvSpPr>
-        <p:spPr>
-          <a:xfrm>
-            <a:off x="9710569" y="2002262"/>
-            <a:ext cx="2170091" cy="577081"/>
-          </a:xfrm>
-          <a:prstGeom prst="rect">
-            <a:avLst/>
-          </a:prstGeom>
-          <a:noFill/>
-        </p:spPr>
-        <p:txBody>
-          <a:bodyPr wrap="square" rtlCol="0">
-            <a:spAutoFit/>
-          </a:bodyPr>
-          <a:lstStyle/>
-          <a:p>
-            <a:r>
-              <a:rPr lang="ko-KR" altLang="en-US" sz="1050" dirty="0"/>
-              <a:t>메시지 전송 버튼</a:t>
-            </a:r>
-            <a:endParaRPr lang="en-US" altLang="ko-KR" sz="1050" dirty="0"/>
-          </a:p>
-          <a:p>
-            <a:r>
-              <a:rPr lang="en-US" altLang="ko-KR" sz="1050" dirty="0"/>
-              <a:t>- </a:t>
-            </a:r>
-            <a:r>
-              <a:rPr lang="ko-KR" altLang="en-US" sz="1050" dirty="0"/>
-              <a:t>메시지 페이지로 이동</a:t>
-            </a:r>
-            <a:endParaRPr lang="en-US" altLang="ko-KR" sz="1050" dirty="0"/>
-          </a:p>
-          <a:p>
-            <a:endParaRPr lang="en-US" altLang="ko-KR" sz="1050" dirty="0"/>
-          </a:p>
-        </p:txBody>
-      </p:sp>
-      <p:sp>
-        <p:nvSpPr>
-          <p:cNvPr id="24" name="TextBox 23"/>
-          <p:cNvSpPr txBox="1"/>
-          <p:nvPr/>
-        </p:nvSpPr>
-        <p:spPr>
-          <a:xfrm>
-            <a:off x="9722219" y="2937476"/>
-            <a:ext cx="2164477" cy="577081"/>
-          </a:xfrm>
-          <a:prstGeom prst="rect">
-            <a:avLst/>
-          </a:prstGeom>
-          <a:noFill/>
-        </p:spPr>
-        <p:txBody>
-          <a:bodyPr wrap="square" rtlCol="0">
-            <a:spAutoFit/>
-          </a:bodyPr>
-          <a:lstStyle/>
-          <a:p>
-            <a:r>
-              <a:rPr lang="ko-KR" altLang="en-US" sz="1050" dirty="0"/>
-              <a:t>돌보미 상세정보 버튼</a:t>
-            </a:r>
-            <a:endParaRPr lang="en-US" altLang="ko-KR" sz="1050" dirty="0"/>
-          </a:p>
-          <a:p>
-            <a:r>
-              <a:rPr lang="en-US" altLang="ko-KR" sz="1050" dirty="0"/>
-              <a:t>- </a:t>
-            </a:r>
-            <a:r>
-              <a:rPr lang="ko-KR" altLang="en-US" sz="1050" dirty="0"/>
-              <a:t>해당 </a:t>
-            </a:r>
-            <a:r>
-              <a:rPr lang="ko-KR" altLang="en-US" sz="1050" dirty="0" err="1"/>
-              <a:t>돌보미의</a:t>
-            </a:r>
-            <a:r>
-              <a:rPr lang="ko-KR" altLang="en-US" sz="1050" dirty="0"/>
-              <a:t> 상세 정보 페이지로 이동</a:t>
-            </a:r>
-            <a:endParaRPr lang="en-US" altLang="ko-KR" sz="1050" dirty="0"/>
-          </a:p>
-        </p:txBody>
-      </p:sp>
-      <p:sp>
-        <p:nvSpPr>
-          <p:cNvPr id="25" name="TextBox 24"/>
-          <p:cNvSpPr txBox="1"/>
-          <p:nvPr/>
-        </p:nvSpPr>
-        <p:spPr>
-          <a:xfrm>
-            <a:off x="9722220" y="4757745"/>
-            <a:ext cx="2212934" cy="430887"/>
-          </a:xfrm>
-          <a:prstGeom prst="rect">
-            <a:avLst/>
-          </a:prstGeom>
-          <a:noFill/>
-        </p:spPr>
-        <p:txBody>
-          <a:bodyPr wrap="square" rtlCol="0">
-            <a:spAutoFit/>
-          </a:bodyPr>
-          <a:lstStyle/>
-          <a:p>
-            <a:r>
-              <a:rPr lang="ko-KR" altLang="en-US" sz="1050" dirty="0"/>
-              <a:t>나의 아기 정보</a:t>
-            </a:r>
-            <a:endParaRPr lang="en-US" altLang="ko-KR" sz="1050" dirty="0"/>
-          </a:p>
-          <a:p>
-            <a:r>
-              <a:rPr lang="ko-KR" altLang="en-US" sz="1050" dirty="0"/>
-              <a:t>항목 </a:t>
-            </a:r>
-            <a:r>
-              <a:rPr lang="en-US" altLang="ko-KR" sz="1050" dirty="0"/>
-              <a:t>: </a:t>
-            </a:r>
-            <a:r>
-              <a:rPr lang="ko-KR" altLang="en-US" sz="1050" dirty="0"/>
-              <a:t>이름</a:t>
-            </a:r>
-            <a:r>
-              <a:rPr lang="en-US" altLang="ko-KR" sz="1050" dirty="0"/>
-              <a:t>, </a:t>
-            </a:r>
-            <a:r>
-              <a:rPr lang="ko-KR" altLang="en-US" sz="1050" dirty="0"/>
-              <a:t>나이</a:t>
-            </a:r>
-            <a:r>
-              <a:rPr lang="en-US" altLang="ko-KR" sz="1050" dirty="0"/>
-              <a:t>, </a:t>
-            </a:r>
-            <a:r>
-              <a:rPr lang="ko-KR" altLang="en-US" sz="1050" dirty="0"/>
-              <a:t>요청사항</a:t>
-            </a:r>
-            <a:endParaRPr lang="en-US" altLang="ko-KR" sz="1050" dirty="0"/>
-          </a:p>
-        </p:txBody>
-      </p:sp>
-      <p:sp>
-        <p:nvSpPr>
-          <p:cNvPr id="36" name="TextBox 35"/>
-          <p:cNvSpPr txBox="1"/>
-          <p:nvPr/>
-        </p:nvSpPr>
-        <p:spPr>
-          <a:xfrm>
-            <a:off x="9722219" y="3799172"/>
-            <a:ext cx="2164477" cy="577081"/>
-          </a:xfrm>
-          <a:prstGeom prst="rect">
-            <a:avLst/>
-          </a:prstGeom>
-          <a:noFill/>
-        </p:spPr>
-        <p:txBody>
-          <a:bodyPr wrap="square" rtlCol="0">
-            <a:spAutoFit/>
-          </a:bodyPr>
-          <a:lstStyle/>
-          <a:p>
-            <a:r>
-              <a:rPr lang="ko-KR" altLang="en-US" sz="1050" dirty="0"/>
-              <a:t>결제 요청 정보</a:t>
-            </a:r>
-            <a:endParaRPr lang="en-US" altLang="ko-KR" sz="1050" dirty="0"/>
-          </a:p>
-          <a:p>
-            <a:pPr marL="171450" indent="-171450">
-              <a:buFontTx/>
-              <a:buChar char="-"/>
-            </a:pPr>
-            <a:r>
-              <a:rPr lang="ko-KR" altLang="en-US" sz="1050" dirty="0"/>
-              <a:t>항목 </a:t>
-            </a:r>
-            <a:r>
-              <a:rPr lang="en-US" altLang="ko-KR" sz="1050" dirty="0"/>
-              <a:t>: </a:t>
-            </a:r>
-            <a:r>
-              <a:rPr lang="ko-KR" altLang="en-US" sz="1050" dirty="0"/>
-              <a:t>총 금액</a:t>
-            </a:r>
-            <a:r>
-              <a:rPr lang="en-US" altLang="ko-KR" sz="1050" dirty="0"/>
-              <a:t>, </a:t>
-            </a:r>
-            <a:r>
-              <a:rPr lang="ko-KR" altLang="en-US" sz="1050" dirty="0"/>
-              <a:t>결제방법</a:t>
-            </a:r>
-            <a:r>
-              <a:rPr lang="en-US" altLang="ko-KR" sz="1050" dirty="0"/>
-              <a:t>, </a:t>
-            </a:r>
-            <a:r>
-              <a:rPr lang="ko-KR" altLang="en-US" sz="1050" dirty="0"/>
-              <a:t>계좌</a:t>
-            </a:r>
-            <a:endParaRPr lang="en-US" altLang="ko-KR" sz="1050" dirty="0"/>
-          </a:p>
-          <a:p>
-            <a:pPr marL="171450" indent="-171450">
-              <a:buFontTx/>
-              <a:buChar char="-"/>
-            </a:pPr>
-            <a:endParaRPr lang="en-US" altLang="ko-KR" sz="1050" dirty="0"/>
-          </a:p>
-        </p:txBody>
-      </p:sp>
-      <p:sp>
-        <p:nvSpPr>
-          <p:cNvPr id="37" name="타원 36"/>
-          <p:cNvSpPr/>
-          <p:nvPr/>
-        </p:nvSpPr>
-        <p:spPr>
-          <a:xfrm>
-            <a:off x="9315911" y="3809299"/>
-            <a:ext cx="343949" cy="343949"/>
-          </a:xfrm>
-          <a:prstGeom prst="ellipse">
-            <a:avLst/>
-          </a:prstGeom>
-          <a:solidFill>
-            <a:schemeClr val="accent2"/>
-          </a:solidFill>
-          <a:ln>
-            <a:noFill/>
-          </a:ln>
-        </p:spPr>
-        <p:style>
-          <a:lnRef idx="2">
-            <a:schemeClr val="accent1">
-              <a:shade val="50000"/>
-            </a:schemeClr>
-          </a:lnRef>
-          <a:fillRef idx="1">
-            <a:schemeClr val="accent1"/>
-          </a:fillRef>
-          <a:effectRef idx="0">
-            <a:schemeClr val="accent1"/>
-          </a:effectRef>
-          <a:fontRef idx="minor">
-            <a:schemeClr val="lt1"/>
-          </a:fontRef>
-        </p:style>
-        <p:txBody>
-          <a:bodyPr rtlCol="0" anchor="ctr"/>
-          <a:lstStyle/>
-          <a:p>
-            <a:pPr algn="ctr"/>
-            <a:r>
-              <a:rPr lang="en-US" altLang="ko-KR" dirty="0"/>
-              <a:t>4</a:t>
-            </a:r>
-            <a:endParaRPr lang="ko-KR" altLang="en-US" dirty="0"/>
-          </a:p>
-        </p:txBody>
-      </p:sp>
-      <p:sp>
-        <p:nvSpPr>
-          <p:cNvPr id="38" name="타원 37"/>
-          <p:cNvSpPr/>
-          <p:nvPr/>
-        </p:nvSpPr>
-        <p:spPr>
-          <a:xfrm>
-            <a:off x="9315911" y="4757745"/>
-            <a:ext cx="343949" cy="343949"/>
-          </a:xfrm>
-          <a:prstGeom prst="ellipse">
-            <a:avLst/>
-          </a:prstGeom>
-          <a:solidFill>
-            <a:schemeClr val="accent2"/>
-          </a:solidFill>
-          <a:ln>
-            <a:noFill/>
-          </a:ln>
-        </p:spPr>
-        <p:style>
-          <a:lnRef idx="2">
-            <a:schemeClr val="accent1">
-              <a:shade val="50000"/>
-            </a:schemeClr>
-          </a:lnRef>
-          <a:fillRef idx="1">
-            <a:schemeClr val="accent1"/>
-          </a:fillRef>
-          <a:effectRef idx="0">
-            <a:schemeClr val="accent1"/>
-          </a:effectRef>
-          <a:fontRef idx="minor">
-            <a:schemeClr val="lt1"/>
-          </a:fontRef>
-        </p:style>
-        <p:txBody>
-          <a:bodyPr rtlCol="0" anchor="ctr"/>
-          <a:lstStyle/>
-          <a:p>
-            <a:pPr algn="ctr"/>
-            <a:r>
-              <a:rPr lang="en-US" altLang="ko-KR" dirty="0"/>
-              <a:t>5</a:t>
-            </a:r>
-            <a:endParaRPr lang="ko-KR" altLang="en-US" dirty="0"/>
-          </a:p>
-        </p:txBody>
-      </p:sp>
-      <p:sp>
-        <p:nvSpPr>
-          <p:cNvPr id="40" name="타원 39"/>
-          <p:cNvSpPr/>
-          <p:nvPr/>
-        </p:nvSpPr>
-        <p:spPr>
-          <a:xfrm>
-            <a:off x="3651621" y="3390589"/>
-            <a:ext cx="343949" cy="343949"/>
-          </a:xfrm>
-          <a:prstGeom prst="ellipse">
-            <a:avLst/>
-          </a:prstGeom>
-          <a:solidFill>
-            <a:schemeClr val="accent2"/>
-          </a:solidFill>
-          <a:ln>
-            <a:noFill/>
-          </a:ln>
-        </p:spPr>
-        <p:style>
-          <a:lnRef idx="2">
-            <a:schemeClr val="accent1">
-              <a:shade val="50000"/>
-            </a:schemeClr>
-          </a:lnRef>
-          <a:fillRef idx="1">
-            <a:schemeClr val="accent1"/>
-          </a:fillRef>
-          <a:effectRef idx="0">
-            <a:schemeClr val="accent1"/>
-          </a:effectRef>
-          <a:fontRef idx="minor">
-            <a:schemeClr val="lt1"/>
-          </a:fontRef>
-        </p:style>
-        <p:txBody>
-          <a:bodyPr rtlCol="0" anchor="ctr"/>
-          <a:lstStyle/>
-          <a:p>
-            <a:pPr algn="ctr"/>
-            <a:r>
-              <a:rPr lang="en-US" altLang="ko-KR" dirty="0"/>
-              <a:t>3</a:t>
-            </a:r>
-            <a:endParaRPr lang="ko-KR" altLang="en-US" dirty="0"/>
-          </a:p>
-        </p:txBody>
-      </p:sp>
-      <p:sp>
-        <p:nvSpPr>
-          <p:cNvPr id="26" name="사각형: 둥근 모서리 25">
-            <a:hlinkClick r:id="rId4" action="ppaction://hlinksldjump"/>
-          </p:cNvPr>
-          <p:cNvSpPr/>
-          <p:nvPr/>
-        </p:nvSpPr>
-        <p:spPr>
-          <a:xfrm>
-            <a:off x="10175846" y="209725"/>
-            <a:ext cx="1627464" cy="327170"/>
-          </a:xfrm>
-          <a:prstGeom prst="roundRect">
-            <a:avLst/>
-          </a:prstGeom>
-        </p:spPr>
-        <p:style>
-          <a:lnRef idx="1">
-            <a:schemeClr val="accent3"/>
-          </a:lnRef>
-          <a:fillRef idx="2">
-            <a:schemeClr val="accent3"/>
-          </a:fillRef>
-          <a:effectRef idx="1">
-            <a:schemeClr val="accent3"/>
-          </a:effectRef>
-          <a:fontRef idx="minor">
-            <a:schemeClr val="dk1"/>
-          </a:fontRef>
-        </p:style>
-        <p:txBody>
-          <a:bodyPr rtlCol="0" anchor="ctr"/>
-          <a:lstStyle/>
-          <a:p>
-            <a:pPr algn="ctr"/>
-            <a:r>
-              <a:rPr lang="ko-KR" altLang="en-US" sz="1200" dirty="0"/>
-              <a:t>이전 화면으로</a:t>
-            </a:r>
           </a:p>
         </p:txBody>
       </p:sp>
     </p:spTree>
     <p:extLst>
       <p:ext uri="{BB962C8B-B14F-4D97-AF65-F5344CB8AC3E}">
-        <p14:creationId xmlns:p14="http://schemas.microsoft.com/office/powerpoint/2010/main" val="3772939285"/>
+        <p14:creationId xmlns:p14="http://schemas.microsoft.com/office/powerpoint/2010/main" val="1592578979"/>
       </p:ext>
     </p:extLst>
   </p:cSld>
@@ -44515,84 +43594,56 @@
       </p:grpSpPr>
       <p:sp>
         <p:nvSpPr>
-          <p:cNvPr id="4" name="텍스트 상자 7"/>
-          <p:cNvSpPr txBox="1">
-            <a:spLocks/>
-          </p:cNvSpPr>
-          <p:nvPr/>
-        </p:nvSpPr>
-        <p:spPr>
-          <a:xfrm>
-            <a:off x="4999839" y="3648710"/>
-            <a:ext cx="2223082" cy="370614"/>
+          <p:cNvPr id="27" name="직사각형 26"/>
+          <p:cNvSpPr/>
+          <p:nvPr/>
+        </p:nvSpPr>
+        <p:spPr>
+          <a:xfrm>
+            <a:off x="276837" y="1103151"/>
+            <a:ext cx="8727347" cy="4924425"/>
           </a:xfrm>
           <a:prstGeom prst="rect">
             <a:avLst/>
           </a:prstGeom>
-          <a:noFill/>
-          <a:ln w="0">
-            <a:noFill/>
-            <a:prstDash/>
-          </a:ln>
-        </p:spPr>
-        <p:txBody>
-          <a:bodyPr vert="horz" wrap="square" lIns="89535" tIns="46355" rIns="89535" bIns="46355" numCol="1" anchor="t">
-            <a:spAutoFit/>
-          </a:bodyPr>
-          <a:lstStyle/>
-          <a:p>
-            <a:pPr marL="0" indent="0" algn="ctr" defTabSz="508000" eaLnBrk="0" fontAlgn="auto" latinLnBrk="0">
-              <a:lnSpc>
-                <a:spcPct val="100000"/>
-              </a:lnSpc>
-              <a:spcBef>
-                <a:spcPts val="0"/>
-              </a:spcBef>
-              <a:spcAft>
-                <a:spcPts val="0"/>
-              </a:spcAft>
-              <a:buFontTx/>
-              <a:buNone/>
-            </a:pPr>
-            <a:r>
-              <a:rPr lang="ko-KR" altLang="en-US" dirty="0">
-                <a:latin typeface="맑은 고딕" charset="0"/>
-                <a:ea typeface="맑은 고딕" charset="0"/>
-              </a:rPr>
-              <a:t>게시판 기능</a:t>
-            </a:r>
-            <a:endParaRPr lang="ko-KR" altLang="en-US" sz="1800" b="0" cap="none" dirty="0">
-              <a:solidFill>
-                <a:schemeClr val="tx1"/>
-              </a:solidFill>
-              <a:latin typeface="맑은 고딕" charset="0"/>
-              <a:ea typeface="맑은 고딕" charset="0"/>
-            </a:endParaRPr>
+          <a:ln w="3175"/>
+        </p:spPr>
+        <p:style>
+          <a:lnRef idx="2">
+            <a:schemeClr val="dk1"/>
+          </a:lnRef>
+          <a:fillRef idx="1">
+            <a:schemeClr val="lt1"/>
+          </a:fillRef>
+          <a:effectRef idx="0">
+            <a:schemeClr val="dk1"/>
+          </a:effectRef>
+          <a:fontRef idx="minor">
+            <a:schemeClr val="dk1"/>
+          </a:fontRef>
+        </p:style>
+        <p:txBody>
+          <a:bodyPr rtlCol="0" anchor="ctr"/>
+          <a:lstStyle/>
+          <a:p>
+            <a:pPr algn="ctr"/>
+            <a:endParaRPr lang="ko-KR" altLang="en-US"/>
           </a:p>
         </p:txBody>
       </p:sp>
       <p:pic>
         <p:nvPicPr>
-          <p:cNvPr id="3" name="그래픽 2" descr="콜 센터">
-            <a:extLst>
-              <a:ext uri="{FF2B5EF4-FFF2-40B4-BE49-F238E27FC236}">
-                <a16:creationId xmlns:a16="http://schemas.microsoft.com/office/drawing/2014/main" xmlns="" id="{2AA4F3D3-68CE-4153-AB92-DC2D43B58EAA}"/>
-              </a:ext>
-            </a:extLst>
-          </p:cNvPr>
+          <p:cNvPr id="39" name="그림 38"/>
           <p:cNvPicPr>
             <a:picLocks noChangeAspect="1"/>
           </p:cNvPicPr>
           <p:nvPr/>
         </p:nvPicPr>
         <p:blipFill>
-          <a:blip r:embed="rId2">
+          <a:blip r:embed="rId3">
             <a:extLst>
               <a:ext uri="{28A0092B-C50C-407E-A947-70E740481C1C}">
                 <a14:useLocalDpi xmlns:a14="http://schemas.microsoft.com/office/drawing/2010/main" val="0"/>
-              </a:ext>
-              <a:ext uri="{96DAC541-7B7A-43D3-8B79-37D633B846F1}">
-                <asvg:svgBlip xmlns:asvg="http://schemas.microsoft.com/office/drawing/2016/SVG/main" xmlns="" r:embed="rId3"/>
               </a:ext>
             </a:extLst>
           </a:blip>
@@ -44602,18 +43653,869 @@
         </p:blipFill>
         <p:spPr>
           <a:xfrm>
-            <a:off x="5654180" y="2809875"/>
-            <a:ext cx="914400" cy="914400"/>
+            <a:off x="286363" y="1112676"/>
+            <a:ext cx="8717822" cy="4914900"/>
           </a:xfrm>
           <a:prstGeom prst="rect">
             <a:avLst/>
           </a:prstGeom>
         </p:spPr>
       </p:pic>
+      <p:sp>
+        <p:nvSpPr>
+          <p:cNvPr id="14" name="타원 13"/>
+          <p:cNvSpPr/>
+          <p:nvPr/>
+        </p:nvSpPr>
+        <p:spPr>
+          <a:xfrm>
+            <a:off x="2738307" y="3402252"/>
+            <a:ext cx="343949" cy="343949"/>
+          </a:xfrm>
+          <a:prstGeom prst="ellipse">
+            <a:avLst/>
+          </a:prstGeom>
+          <a:solidFill>
+            <a:schemeClr val="accent2"/>
+          </a:solidFill>
+          <a:ln>
+            <a:noFill/>
+          </a:ln>
+        </p:spPr>
+        <p:style>
+          <a:lnRef idx="2">
+            <a:schemeClr val="accent1">
+              <a:shade val="50000"/>
+            </a:schemeClr>
+          </a:lnRef>
+          <a:fillRef idx="1">
+            <a:schemeClr val="accent1"/>
+          </a:fillRef>
+          <a:effectRef idx="0">
+            <a:schemeClr val="accent1"/>
+          </a:effectRef>
+          <a:fontRef idx="minor">
+            <a:schemeClr val="lt1"/>
+          </a:fontRef>
+        </p:style>
+        <p:txBody>
+          <a:bodyPr rtlCol="0" anchor="ctr"/>
+          <a:lstStyle/>
+          <a:p>
+            <a:pPr algn="ctr"/>
+            <a:r>
+              <a:rPr lang="en-US" altLang="ko-KR" dirty="0"/>
+              <a:t>2</a:t>
+            </a:r>
+            <a:endParaRPr lang="ko-KR" altLang="en-US" dirty="0"/>
+          </a:p>
+        </p:txBody>
+      </p:sp>
+      <p:sp>
+        <p:nvSpPr>
+          <p:cNvPr id="16" name="타원 15"/>
+          <p:cNvSpPr/>
+          <p:nvPr/>
+        </p:nvSpPr>
+        <p:spPr>
+          <a:xfrm>
+            <a:off x="3033044" y="4131396"/>
+            <a:ext cx="343949" cy="343949"/>
+          </a:xfrm>
+          <a:prstGeom prst="ellipse">
+            <a:avLst/>
+          </a:prstGeom>
+          <a:solidFill>
+            <a:schemeClr val="accent2"/>
+          </a:solidFill>
+          <a:ln>
+            <a:noFill/>
+          </a:ln>
+        </p:spPr>
+        <p:style>
+          <a:lnRef idx="2">
+            <a:schemeClr val="accent1">
+              <a:shade val="50000"/>
+            </a:schemeClr>
+          </a:lnRef>
+          <a:fillRef idx="1">
+            <a:schemeClr val="accent1"/>
+          </a:fillRef>
+          <a:effectRef idx="0">
+            <a:schemeClr val="accent1"/>
+          </a:effectRef>
+          <a:fontRef idx="minor">
+            <a:schemeClr val="lt1"/>
+          </a:fontRef>
+        </p:style>
+        <p:txBody>
+          <a:bodyPr rtlCol="0" anchor="ctr"/>
+          <a:lstStyle/>
+          <a:p>
+            <a:pPr algn="ctr"/>
+            <a:r>
+              <a:rPr lang="en-US" altLang="ko-KR" dirty="0"/>
+              <a:t>4</a:t>
+            </a:r>
+            <a:endParaRPr lang="ko-KR" altLang="en-US" dirty="0"/>
+          </a:p>
+        </p:txBody>
+      </p:sp>
+      <p:sp>
+        <p:nvSpPr>
+          <p:cNvPr id="17" name="타원 16"/>
+          <p:cNvSpPr/>
+          <p:nvPr/>
+        </p:nvSpPr>
+        <p:spPr>
+          <a:xfrm>
+            <a:off x="5417093" y="4131396"/>
+            <a:ext cx="343949" cy="343949"/>
+          </a:xfrm>
+          <a:prstGeom prst="ellipse">
+            <a:avLst/>
+          </a:prstGeom>
+          <a:solidFill>
+            <a:schemeClr val="accent2"/>
+          </a:solidFill>
+          <a:ln>
+            <a:noFill/>
+          </a:ln>
+        </p:spPr>
+        <p:style>
+          <a:lnRef idx="2">
+            <a:schemeClr val="accent1">
+              <a:shade val="50000"/>
+            </a:schemeClr>
+          </a:lnRef>
+          <a:fillRef idx="1">
+            <a:schemeClr val="accent1"/>
+          </a:fillRef>
+          <a:effectRef idx="0">
+            <a:schemeClr val="accent1"/>
+          </a:effectRef>
+          <a:fontRef idx="minor">
+            <a:schemeClr val="lt1"/>
+          </a:fontRef>
+        </p:style>
+        <p:txBody>
+          <a:bodyPr rtlCol="0" anchor="ctr"/>
+          <a:lstStyle/>
+          <a:p>
+            <a:pPr algn="ctr"/>
+            <a:r>
+              <a:rPr lang="en-US" altLang="ko-KR" dirty="0"/>
+              <a:t>5</a:t>
+            </a:r>
+            <a:endParaRPr lang="ko-KR" altLang="en-US" dirty="0"/>
+          </a:p>
+        </p:txBody>
+      </p:sp>
+      <p:sp>
+        <p:nvSpPr>
+          <p:cNvPr id="18" name="타원 17"/>
+          <p:cNvSpPr/>
+          <p:nvPr/>
+        </p:nvSpPr>
+        <p:spPr>
+          <a:xfrm>
+            <a:off x="2689095" y="1935341"/>
+            <a:ext cx="343949" cy="343949"/>
+          </a:xfrm>
+          <a:prstGeom prst="ellipse">
+            <a:avLst/>
+          </a:prstGeom>
+          <a:solidFill>
+            <a:schemeClr val="accent2"/>
+          </a:solidFill>
+          <a:ln>
+            <a:noFill/>
+          </a:ln>
+        </p:spPr>
+        <p:style>
+          <a:lnRef idx="2">
+            <a:schemeClr val="accent1">
+              <a:shade val="50000"/>
+            </a:schemeClr>
+          </a:lnRef>
+          <a:fillRef idx="1">
+            <a:schemeClr val="accent1"/>
+          </a:fillRef>
+          <a:effectRef idx="0">
+            <a:schemeClr val="accent1"/>
+          </a:effectRef>
+          <a:fontRef idx="minor">
+            <a:schemeClr val="lt1"/>
+          </a:fontRef>
+        </p:style>
+        <p:txBody>
+          <a:bodyPr rtlCol="0" anchor="ctr"/>
+          <a:lstStyle/>
+          <a:p>
+            <a:pPr algn="ctr"/>
+            <a:r>
+              <a:rPr lang="en-US" altLang="ko-KR" dirty="0"/>
+              <a:t>1</a:t>
+            </a:r>
+            <a:endParaRPr lang="ko-KR" altLang="en-US" dirty="0"/>
+          </a:p>
+        </p:txBody>
+      </p:sp>
+      <p:sp>
+        <p:nvSpPr>
+          <p:cNvPr id="19" name="타원 18"/>
+          <p:cNvSpPr/>
+          <p:nvPr/>
+        </p:nvSpPr>
+        <p:spPr>
+          <a:xfrm>
+            <a:off x="9277720" y="1989030"/>
+            <a:ext cx="343949" cy="343949"/>
+          </a:xfrm>
+          <a:prstGeom prst="ellipse">
+            <a:avLst/>
+          </a:prstGeom>
+          <a:solidFill>
+            <a:schemeClr val="accent2"/>
+          </a:solidFill>
+          <a:ln>
+            <a:noFill/>
+          </a:ln>
+        </p:spPr>
+        <p:style>
+          <a:lnRef idx="2">
+            <a:schemeClr val="accent1">
+              <a:shade val="50000"/>
+            </a:schemeClr>
+          </a:lnRef>
+          <a:fillRef idx="1">
+            <a:schemeClr val="accent1"/>
+          </a:fillRef>
+          <a:effectRef idx="0">
+            <a:schemeClr val="accent1"/>
+          </a:effectRef>
+          <a:fontRef idx="minor">
+            <a:schemeClr val="lt1"/>
+          </a:fontRef>
+        </p:style>
+        <p:txBody>
+          <a:bodyPr rtlCol="0" anchor="ctr"/>
+          <a:lstStyle/>
+          <a:p>
+            <a:pPr algn="ctr"/>
+            <a:r>
+              <a:rPr lang="en-US" altLang="ko-KR" dirty="0"/>
+              <a:t>2</a:t>
+            </a:r>
+            <a:endParaRPr lang="ko-KR" altLang="en-US" dirty="0"/>
+          </a:p>
+        </p:txBody>
+      </p:sp>
+      <p:sp>
+        <p:nvSpPr>
+          <p:cNvPr id="20" name="타원 19"/>
+          <p:cNvSpPr/>
+          <p:nvPr/>
+        </p:nvSpPr>
+        <p:spPr>
+          <a:xfrm>
+            <a:off x="9277720" y="2937476"/>
+            <a:ext cx="343949" cy="343949"/>
+          </a:xfrm>
+          <a:prstGeom prst="ellipse">
+            <a:avLst/>
+          </a:prstGeom>
+          <a:solidFill>
+            <a:schemeClr val="accent2"/>
+          </a:solidFill>
+          <a:ln>
+            <a:noFill/>
+          </a:ln>
+        </p:spPr>
+        <p:style>
+          <a:lnRef idx="2">
+            <a:schemeClr val="accent1">
+              <a:shade val="50000"/>
+            </a:schemeClr>
+          </a:lnRef>
+          <a:fillRef idx="1">
+            <a:schemeClr val="accent1"/>
+          </a:fillRef>
+          <a:effectRef idx="0">
+            <a:schemeClr val="accent1"/>
+          </a:effectRef>
+          <a:fontRef idx="minor">
+            <a:schemeClr val="lt1"/>
+          </a:fontRef>
+        </p:style>
+        <p:txBody>
+          <a:bodyPr rtlCol="0" anchor="ctr"/>
+          <a:lstStyle/>
+          <a:p>
+            <a:pPr algn="ctr"/>
+            <a:r>
+              <a:rPr lang="en-US" altLang="ko-KR" dirty="0"/>
+              <a:t>3</a:t>
+            </a:r>
+            <a:endParaRPr lang="ko-KR" altLang="en-US" dirty="0"/>
+          </a:p>
+        </p:txBody>
+      </p:sp>
+      <p:sp>
+        <p:nvSpPr>
+          <p:cNvPr id="21" name="타원 20"/>
+          <p:cNvSpPr/>
+          <p:nvPr/>
+        </p:nvSpPr>
+        <p:spPr>
+          <a:xfrm>
+            <a:off x="9254809" y="1145864"/>
+            <a:ext cx="343949" cy="343949"/>
+          </a:xfrm>
+          <a:prstGeom prst="ellipse">
+            <a:avLst/>
+          </a:prstGeom>
+          <a:solidFill>
+            <a:schemeClr val="accent2"/>
+          </a:solidFill>
+          <a:ln>
+            <a:noFill/>
+          </a:ln>
+        </p:spPr>
+        <p:style>
+          <a:lnRef idx="2">
+            <a:schemeClr val="accent1">
+              <a:shade val="50000"/>
+            </a:schemeClr>
+          </a:lnRef>
+          <a:fillRef idx="1">
+            <a:schemeClr val="accent1"/>
+          </a:fillRef>
+          <a:effectRef idx="0">
+            <a:schemeClr val="accent1"/>
+          </a:effectRef>
+          <a:fontRef idx="minor">
+            <a:schemeClr val="lt1"/>
+          </a:fontRef>
+        </p:style>
+        <p:txBody>
+          <a:bodyPr rtlCol="0" anchor="ctr"/>
+          <a:lstStyle/>
+          <a:p>
+            <a:pPr algn="ctr"/>
+            <a:r>
+              <a:rPr lang="en-US" altLang="ko-KR" dirty="0"/>
+              <a:t>1</a:t>
+            </a:r>
+            <a:endParaRPr lang="ko-KR" altLang="en-US" dirty="0"/>
+          </a:p>
+        </p:txBody>
+      </p:sp>
+      <p:sp>
+        <p:nvSpPr>
+          <p:cNvPr id="22" name="직사각형 21"/>
+          <p:cNvSpPr/>
+          <p:nvPr/>
+        </p:nvSpPr>
+        <p:spPr>
+          <a:xfrm>
+            <a:off x="9770347" y="1112676"/>
+            <a:ext cx="2164477" cy="900246"/>
+          </a:xfrm>
+          <a:prstGeom prst="rect">
+            <a:avLst/>
+          </a:prstGeom>
+        </p:spPr>
+        <p:txBody>
+          <a:bodyPr wrap="square">
+            <a:spAutoFit/>
+          </a:bodyPr>
+          <a:lstStyle/>
+          <a:p>
+            <a:r>
+              <a:rPr lang="ko-KR" altLang="en-US" sz="1050" dirty="0"/>
+              <a:t>선택한 </a:t>
+            </a:r>
+            <a:r>
+              <a:rPr lang="ko-KR" altLang="en-US" sz="1050" dirty="0" err="1"/>
+              <a:t>매칭의</a:t>
+            </a:r>
+            <a:r>
+              <a:rPr lang="ko-KR" altLang="en-US" sz="1050" dirty="0"/>
+              <a:t> 상세 정보</a:t>
+            </a:r>
+            <a:endParaRPr lang="en-US" altLang="ko-KR" sz="1050" dirty="0"/>
+          </a:p>
+          <a:p>
+            <a:pPr marL="171450" indent="-171450">
+              <a:buFontTx/>
+              <a:buChar char="-"/>
+            </a:pPr>
+            <a:r>
+              <a:rPr lang="ko-KR" altLang="en-US" sz="1050" dirty="0"/>
+              <a:t>돌보미 사진</a:t>
+            </a:r>
+            <a:r>
+              <a:rPr lang="en-US" altLang="ko-KR" sz="1050" dirty="0"/>
+              <a:t>, </a:t>
+            </a:r>
+            <a:r>
+              <a:rPr lang="ko-KR" altLang="en-US" sz="1050" dirty="0" err="1"/>
+              <a:t>매칭</a:t>
+            </a:r>
+            <a:r>
+              <a:rPr lang="ko-KR" altLang="en-US" sz="1050" dirty="0"/>
+              <a:t> 현황</a:t>
+            </a:r>
+            <a:r>
+              <a:rPr lang="en-US" altLang="ko-KR" sz="1050" dirty="0"/>
+              <a:t>, </a:t>
+            </a:r>
+            <a:r>
+              <a:rPr lang="ko-KR" altLang="en-US" sz="1050" dirty="0" err="1"/>
+              <a:t>매칭</a:t>
+            </a:r>
+            <a:r>
+              <a:rPr lang="ko-KR" altLang="en-US" sz="1050" dirty="0"/>
+              <a:t> 신청 날짜와 시간 노출</a:t>
+            </a:r>
+            <a:endParaRPr lang="en-US" altLang="ko-KR" sz="1050" dirty="0"/>
+          </a:p>
+          <a:p>
+            <a:r>
+              <a:rPr lang="ko-KR" altLang="en-US" sz="1050" dirty="0"/>
+              <a:t> </a:t>
+            </a:r>
+            <a:endParaRPr lang="en-US" altLang="ko-KR" sz="1050" dirty="0"/>
+          </a:p>
+          <a:p>
+            <a:endParaRPr lang="en-US" altLang="ko-KR" sz="1050" dirty="0"/>
+          </a:p>
+        </p:txBody>
+      </p:sp>
+      <p:sp>
+        <p:nvSpPr>
+          <p:cNvPr id="23" name="TextBox 22"/>
+          <p:cNvSpPr txBox="1"/>
+          <p:nvPr/>
+        </p:nvSpPr>
+        <p:spPr>
+          <a:xfrm>
+            <a:off x="9710569" y="2002262"/>
+            <a:ext cx="2170091" cy="577081"/>
+          </a:xfrm>
+          <a:prstGeom prst="rect">
+            <a:avLst/>
+          </a:prstGeom>
+          <a:noFill/>
+        </p:spPr>
+        <p:txBody>
+          <a:bodyPr wrap="square" rtlCol="0">
+            <a:spAutoFit/>
+          </a:bodyPr>
+          <a:lstStyle/>
+          <a:p>
+            <a:r>
+              <a:rPr lang="ko-KR" altLang="en-US" sz="1050" dirty="0"/>
+              <a:t>메시지 전송 버튼</a:t>
+            </a:r>
+            <a:endParaRPr lang="en-US" altLang="ko-KR" sz="1050" dirty="0"/>
+          </a:p>
+          <a:p>
+            <a:r>
+              <a:rPr lang="en-US" altLang="ko-KR" sz="1050" dirty="0"/>
+              <a:t>- </a:t>
+            </a:r>
+            <a:r>
+              <a:rPr lang="ko-KR" altLang="en-US" sz="1050" dirty="0"/>
+              <a:t>메시지 페이지로 이동</a:t>
+            </a:r>
+            <a:endParaRPr lang="en-US" altLang="ko-KR" sz="1050" dirty="0"/>
+          </a:p>
+          <a:p>
+            <a:endParaRPr lang="en-US" altLang="ko-KR" sz="1050" dirty="0"/>
+          </a:p>
+        </p:txBody>
+      </p:sp>
+      <p:sp>
+        <p:nvSpPr>
+          <p:cNvPr id="24" name="TextBox 23"/>
+          <p:cNvSpPr txBox="1"/>
+          <p:nvPr/>
+        </p:nvSpPr>
+        <p:spPr>
+          <a:xfrm>
+            <a:off x="9722219" y="2937476"/>
+            <a:ext cx="2164477" cy="577081"/>
+          </a:xfrm>
+          <a:prstGeom prst="rect">
+            <a:avLst/>
+          </a:prstGeom>
+          <a:noFill/>
+        </p:spPr>
+        <p:txBody>
+          <a:bodyPr wrap="square" rtlCol="0">
+            <a:spAutoFit/>
+          </a:bodyPr>
+          <a:lstStyle/>
+          <a:p>
+            <a:r>
+              <a:rPr lang="ko-KR" altLang="en-US" sz="1050" dirty="0"/>
+              <a:t>돌보미 상세정보 버튼</a:t>
+            </a:r>
+            <a:endParaRPr lang="en-US" altLang="ko-KR" sz="1050" dirty="0"/>
+          </a:p>
+          <a:p>
+            <a:r>
+              <a:rPr lang="en-US" altLang="ko-KR" sz="1050" dirty="0"/>
+              <a:t>- </a:t>
+            </a:r>
+            <a:r>
+              <a:rPr lang="ko-KR" altLang="en-US" sz="1050" dirty="0"/>
+              <a:t>해당 </a:t>
+            </a:r>
+            <a:r>
+              <a:rPr lang="ko-KR" altLang="en-US" sz="1050" dirty="0" err="1"/>
+              <a:t>돌보미의</a:t>
+            </a:r>
+            <a:r>
+              <a:rPr lang="ko-KR" altLang="en-US" sz="1050" dirty="0"/>
+              <a:t> 상세 정보 페이지로 이동</a:t>
+            </a:r>
+            <a:endParaRPr lang="en-US" altLang="ko-KR" sz="1050" dirty="0"/>
+          </a:p>
+        </p:txBody>
+      </p:sp>
+      <p:sp>
+        <p:nvSpPr>
+          <p:cNvPr id="25" name="TextBox 24"/>
+          <p:cNvSpPr txBox="1"/>
+          <p:nvPr/>
+        </p:nvSpPr>
+        <p:spPr>
+          <a:xfrm>
+            <a:off x="9722220" y="4757745"/>
+            <a:ext cx="2212934" cy="430887"/>
+          </a:xfrm>
+          <a:prstGeom prst="rect">
+            <a:avLst/>
+          </a:prstGeom>
+          <a:noFill/>
+        </p:spPr>
+        <p:txBody>
+          <a:bodyPr wrap="square" rtlCol="0">
+            <a:spAutoFit/>
+          </a:bodyPr>
+          <a:lstStyle/>
+          <a:p>
+            <a:r>
+              <a:rPr lang="ko-KR" altLang="en-US" sz="1050" dirty="0"/>
+              <a:t>나의 아기 정보</a:t>
+            </a:r>
+            <a:endParaRPr lang="en-US" altLang="ko-KR" sz="1050" dirty="0"/>
+          </a:p>
+          <a:p>
+            <a:r>
+              <a:rPr lang="ko-KR" altLang="en-US" sz="1050" dirty="0"/>
+              <a:t>항목 </a:t>
+            </a:r>
+            <a:r>
+              <a:rPr lang="en-US" altLang="ko-KR" sz="1050" dirty="0"/>
+              <a:t>: </a:t>
+            </a:r>
+            <a:r>
+              <a:rPr lang="ko-KR" altLang="en-US" sz="1050" dirty="0"/>
+              <a:t>이름</a:t>
+            </a:r>
+            <a:r>
+              <a:rPr lang="en-US" altLang="ko-KR" sz="1050" dirty="0"/>
+              <a:t>, </a:t>
+            </a:r>
+            <a:r>
+              <a:rPr lang="ko-KR" altLang="en-US" sz="1050" dirty="0"/>
+              <a:t>나이</a:t>
+            </a:r>
+            <a:r>
+              <a:rPr lang="en-US" altLang="ko-KR" sz="1050" dirty="0"/>
+              <a:t>, </a:t>
+            </a:r>
+            <a:r>
+              <a:rPr lang="ko-KR" altLang="en-US" sz="1050" dirty="0"/>
+              <a:t>요청사항</a:t>
+            </a:r>
+            <a:endParaRPr lang="en-US" altLang="ko-KR" sz="1050" dirty="0"/>
+          </a:p>
+        </p:txBody>
+      </p:sp>
+      <p:sp>
+        <p:nvSpPr>
+          <p:cNvPr id="36" name="TextBox 35"/>
+          <p:cNvSpPr txBox="1"/>
+          <p:nvPr/>
+        </p:nvSpPr>
+        <p:spPr>
+          <a:xfrm>
+            <a:off x="9722219" y="3799172"/>
+            <a:ext cx="2164477" cy="577081"/>
+          </a:xfrm>
+          <a:prstGeom prst="rect">
+            <a:avLst/>
+          </a:prstGeom>
+          <a:noFill/>
+        </p:spPr>
+        <p:txBody>
+          <a:bodyPr wrap="square" rtlCol="0">
+            <a:spAutoFit/>
+          </a:bodyPr>
+          <a:lstStyle/>
+          <a:p>
+            <a:r>
+              <a:rPr lang="ko-KR" altLang="en-US" sz="1050" dirty="0"/>
+              <a:t>결제 요청 정보</a:t>
+            </a:r>
+            <a:endParaRPr lang="en-US" altLang="ko-KR" sz="1050" dirty="0"/>
+          </a:p>
+          <a:p>
+            <a:pPr marL="171450" indent="-171450">
+              <a:buFontTx/>
+              <a:buChar char="-"/>
+            </a:pPr>
+            <a:r>
+              <a:rPr lang="ko-KR" altLang="en-US" sz="1050" dirty="0"/>
+              <a:t>항목 </a:t>
+            </a:r>
+            <a:r>
+              <a:rPr lang="en-US" altLang="ko-KR" sz="1050" dirty="0"/>
+              <a:t>: </a:t>
+            </a:r>
+            <a:r>
+              <a:rPr lang="ko-KR" altLang="en-US" sz="1050" dirty="0"/>
+              <a:t>총 금액</a:t>
+            </a:r>
+            <a:r>
+              <a:rPr lang="en-US" altLang="ko-KR" sz="1050" dirty="0"/>
+              <a:t>, </a:t>
+            </a:r>
+            <a:r>
+              <a:rPr lang="ko-KR" altLang="en-US" sz="1050" dirty="0"/>
+              <a:t>결제방법</a:t>
+            </a:r>
+            <a:r>
+              <a:rPr lang="en-US" altLang="ko-KR" sz="1050" dirty="0"/>
+              <a:t>, </a:t>
+            </a:r>
+            <a:r>
+              <a:rPr lang="ko-KR" altLang="en-US" sz="1050" dirty="0"/>
+              <a:t>계좌</a:t>
+            </a:r>
+            <a:endParaRPr lang="en-US" altLang="ko-KR" sz="1050" dirty="0"/>
+          </a:p>
+          <a:p>
+            <a:pPr marL="171450" indent="-171450">
+              <a:buFontTx/>
+              <a:buChar char="-"/>
+            </a:pPr>
+            <a:endParaRPr lang="en-US" altLang="ko-KR" sz="1050" dirty="0"/>
+          </a:p>
+        </p:txBody>
+      </p:sp>
+      <p:sp>
+        <p:nvSpPr>
+          <p:cNvPr id="37" name="타원 36"/>
+          <p:cNvSpPr/>
+          <p:nvPr/>
+        </p:nvSpPr>
+        <p:spPr>
+          <a:xfrm>
+            <a:off x="9315911" y="3809299"/>
+            <a:ext cx="343949" cy="343949"/>
+          </a:xfrm>
+          <a:prstGeom prst="ellipse">
+            <a:avLst/>
+          </a:prstGeom>
+          <a:solidFill>
+            <a:schemeClr val="accent2"/>
+          </a:solidFill>
+          <a:ln>
+            <a:noFill/>
+          </a:ln>
+        </p:spPr>
+        <p:style>
+          <a:lnRef idx="2">
+            <a:schemeClr val="accent1">
+              <a:shade val="50000"/>
+            </a:schemeClr>
+          </a:lnRef>
+          <a:fillRef idx="1">
+            <a:schemeClr val="accent1"/>
+          </a:fillRef>
+          <a:effectRef idx="0">
+            <a:schemeClr val="accent1"/>
+          </a:effectRef>
+          <a:fontRef idx="minor">
+            <a:schemeClr val="lt1"/>
+          </a:fontRef>
+        </p:style>
+        <p:txBody>
+          <a:bodyPr rtlCol="0" anchor="ctr"/>
+          <a:lstStyle/>
+          <a:p>
+            <a:pPr algn="ctr"/>
+            <a:r>
+              <a:rPr lang="en-US" altLang="ko-KR" dirty="0"/>
+              <a:t>4</a:t>
+            </a:r>
+            <a:endParaRPr lang="ko-KR" altLang="en-US" dirty="0"/>
+          </a:p>
+        </p:txBody>
+      </p:sp>
+      <p:sp>
+        <p:nvSpPr>
+          <p:cNvPr id="38" name="타원 37"/>
+          <p:cNvSpPr/>
+          <p:nvPr/>
+        </p:nvSpPr>
+        <p:spPr>
+          <a:xfrm>
+            <a:off x="9315911" y="4757745"/>
+            <a:ext cx="343949" cy="343949"/>
+          </a:xfrm>
+          <a:prstGeom prst="ellipse">
+            <a:avLst/>
+          </a:prstGeom>
+          <a:solidFill>
+            <a:schemeClr val="accent2"/>
+          </a:solidFill>
+          <a:ln>
+            <a:noFill/>
+          </a:ln>
+        </p:spPr>
+        <p:style>
+          <a:lnRef idx="2">
+            <a:schemeClr val="accent1">
+              <a:shade val="50000"/>
+            </a:schemeClr>
+          </a:lnRef>
+          <a:fillRef idx="1">
+            <a:schemeClr val="accent1"/>
+          </a:fillRef>
+          <a:effectRef idx="0">
+            <a:schemeClr val="accent1"/>
+          </a:effectRef>
+          <a:fontRef idx="minor">
+            <a:schemeClr val="lt1"/>
+          </a:fontRef>
+        </p:style>
+        <p:txBody>
+          <a:bodyPr rtlCol="0" anchor="ctr"/>
+          <a:lstStyle/>
+          <a:p>
+            <a:pPr algn="ctr"/>
+            <a:r>
+              <a:rPr lang="en-US" altLang="ko-KR" dirty="0"/>
+              <a:t>5</a:t>
+            </a:r>
+            <a:endParaRPr lang="ko-KR" altLang="en-US" dirty="0"/>
+          </a:p>
+        </p:txBody>
+      </p:sp>
+      <p:sp>
+        <p:nvSpPr>
+          <p:cNvPr id="40" name="타원 39"/>
+          <p:cNvSpPr/>
+          <p:nvPr/>
+        </p:nvSpPr>
+        <p:spPr>
+          <a:xfrm>
+            <a:off x="3651621" y="3390589"/>
+            <a:ext cx="343949" cy="343949"/>
+          </a:xfrm>
+          <a:prstGeom prst="ellipse">
+            <a:avLst/>
+          </a:prstGeom>
+          <a:solidFill>
+            <a:schemeClr val="accent2"/>
+          </a:solidFill>
+          <a:ln>
+            <a:noFill/>
+          </a:ln>
+        </p:spPr>
+        <p:style>
+          <a:lnRef idx="2">
+            <a:schemeClr val="accent1">
+              <a:shade val="50000"/>
+            </a:schemeClr>
+          </a:lnRef>
+          <a:fillRef idx="1">
+            <a:schemeClr val="accent1"/>
+          </a:fillRef>
+          <a:effectRef idx="0">
+            <a:schemeClr val="accent1"/>
+          </a:effectRef>
+          <a:fontRef idx="minor">
+            <a:schemeClr val="lt1"/>
+          </a:fontRef>
+        </p:style>
+        <p:txBody>
+          <a:bodyPr rtlCol="0" anchor="ctr"/>
+          <a:lstStyle/>
+          <a:p>
+            <a:pPr algn="ctr"/>
+            <a:r>
+              <a:rPr lang="en-US" altLang="ko-KR" dirty="0"/>
+              <a:t>3</a:t>
+            </a:r>
+            <a:endParaRPr lang="ko-KR" altLang="en-US" dirty="0"/>
+          </a:p>
+        </p:txBody>
+      </p:sp>
+      <p:sp>
+        <p:nvSpPr>
+          <p:cNvPr id="26" name="사각형: 둥근 모서리 25">
+            <a:hlinkClick r:id="rId4" action="ppaction://hlinksldjump"/>
+          </p:cNvPr>
+          <p:cNvSpPr/>
+          <p:nvPr/>
+        </p:nvSpPr>
+        <p:spPr>
+          <a:xfrm>
+            <a:off x="10175846" y="209725"/>
+            <a:ext cx="1627464" cy="327170"/>
+          </a:xfrm>
+          <a:prstGeom prst="roundRect">
+            <a:avLst/>
+          </a:prstGeom>
+        </p:spPr>
+        <p:style>
+          <a:lnRef idx="1">
+            <a:schemeClr val="accent3"/>
+          </a:lnRef>
+          <a:fillRef idx="2">
+            <a:schemeClr val="accent3"/>
+          </a:fillRef>
+          <a:effectRef idx="1">
+            <a:schemeClr val="accent3"/>
+          </a:effectRef>
+          <a:fontRef idx="minor">
+            <a:schemeClr val="dk1"/>
+          </a:fontRef>
+        </p:style>
+        <p:txBody>
+          <a:bodyPr rtlCol="0" anchor="ctr"/>
+          <a:lstStyle/>
+          <a:p>
+            <a:pPr algn="ctr"/>
+            <a:r>
+              <a:rPr lang="ko-KR" altLang="en-US" sz="1200" dirty="0"/>
+              <a:t>이전 화면으로</a:t>
+            </a:r>
+          </a:p>
+        </p:txBody>
+      </p:sp>
     </p:spTree>
     <p:extLst>
       <p:ext uri="{BB962C8B-B14F-4D97-AF65-F5344CB8AC3E}">
-        <p14:creationId xmlns:p14="http://schemas.microsoft.com/office/powerpoint/2010/main" val="491430221"/>
+        <p14:creationId xmlns:p14="http://schemas.microsoft.com/office/powerpoint/2010/main" val="3772939285"/>
       </p:ext>
     </p:extLst>
   </p:cSld>
@@ -44642,576 +44544,105 @@
       </p:grpSpPr>
       <p:sp>
         <p:nvSpPr>
-          <p:cNvPr id="4" name="직사각형 3"/>
-          <p:cNvSpPr/>
-          <p:nvPr/>
-        </p:nvSpPr>
-        <p:spPr>
-          <a:xfrm>
-            <a:off x="276837" y="1103151"/>
-            <a:ext cx="8727347" cy="4924425"/>
+          <p:cNvPr id="4" name="텍스트 상자 7"/>
+          <p:cNvSpPr txBox="1">
+            <a:spLocks/>
+          </p:cNvSpPr>
+          <p:nvPr/>
+        </p:nvSpPr>
+        <p:spPr>
+          <a:xfrm>
+            <a:off x="4999839" y="3648710"/>
+            <a:ext cx="2223082" cy="370614"/>
           </a:xfrm>
           <a:prstGeom prst="rect">
             <a:avLst/>
           </a:prstGeom>
-          <a:ln w="3175"/>
-        </p:spPr>
-        <p:style>
-          <a:lnRef idx="2">
-            <a:schemeClr val="dk1"/>
-          </a:lnRef>
-          <a:fillRef idx="1">
-            <a:schemeClr val="lt1"/>
-          </a:fillRef>
-          <a:effectRef idx="0">
-            <a:schemeClr val="dk1"/>
-          </a:effectRef>
-          <a:fontRef idx="minor">
-            <a:schemeClr val="dk1"/>
-          </a:fontRef>
-        </p:style>
-        <p:txBody>
-          <a:bodyPr rtlCol="0" anchor="ctr"/>
-          <a:lstStyle/>
-          <a:p>
-            <a:pPr algn="ctr"/>
-            <a:endParaRPr lang="ko-KR" altLang="en-US"/>
+          <a:noFill/>
+          <a:ln w="0">
+            <a:noFill/>
+            <a:prstDash/>
+          </a:ln>
+        </p:spPr>
+        <p:txBody>
+          <a:bodyPr vert="horz" wrap="square" lIns="89535" tIns="46355" rIns="89535" bIns="46355" numCol="1" anchor="t">
+            <a:spAutoFit/>
+          </a:bodyPr>
+          <a:lstStyle/>
+          <a:p>
+            <a:pPr marL="0" indent="0" algn="ctr" defTabSz="508000" eaLnBrk="0" fontAlgn="auto" latinLnBrk="0">
+              <a:lnSpc>
+                <a:spcPct val="100000"/>
+              </a:lnSpc>
+              <a:spcBef>
+                <a:spcPts val="0"/>
+              </a:spcBef>
+              <a:spcAft>
+                <a:spcPts val="0"/>
+              </a:spcAft>
+              <a:buFontTx/>
+              <a:buNone/>
+            </a:pPr>
+            <a:r>
+              <a:rPr lang="ko-KR" altLang="en-US" dirty="0">
+                <a:latin typeface="맑은 고딕" charset="0"/>
+                <a:ea typeface="맑은 고딕" charset="0"/>
+              </a:rPr>
+              <a:t>게시판 기능</a:t>
+            </a:r>
+            <a:endParaRPr lang="ko-KR" altLang="en-US" sz="1800" b="0" cap="none" dirty="0">
+              <a:solidFill>
+                <a:schemeClr val="tx1"/>
+              </a:solidFill>
+              <a:latin typeface="맑은 고딕" charset="0"/>
+              <a:ea typeface="맑은 고딕" charset="0"/>
+            </a:endParaRPr>
           </a:p>
         </p:txBody>
       </p:sp>
       <p:pic>
         <p:nvPicPr>
-          <p:cNvPr id="2" name="그림 1"/>
+          <p:cNvPr id="3" name="그래픽 2" descr="콜 센터">
+            <a:extLst>
+              <a:ext uri="{FF2B5EF4-FFF2-40B4-BE49-F238E27FC236}">
+                <a16:creationId xmlns:a16="http://schemas.microsoft.com/office/drawing/2014/main" id="{2AA4F3D3-68CE-4153-AB92-DC2D43B58EAA}"/>
+              </a:ext>
+            </a:extLst>
+          </p:cNvPr>
           <p:cNvPicPr>
             <a:picLocks noChangeAspect="1"/>
           </p:cNvPicPr>
           <p:nvPr/>
         </p:nvPicPr>
         <p:blipFill>
-          <a:blip r:embed="rId2"/>
+          <a:blip r:embed="rId2">
+            <a:extLst>
+              <a:ext uri="{28A0092B-C50C-407E-A947-70E740481C1C}">
+                <a14:useLocalDpi xmlns:a14="http://schemas.microsoft.com/office/drawing/2010/main" val="0"/>
+              </a:ext>
+              <a:ext uri="{96DAC541-7B7A-43D3-8B79-37D633B846F1}">
+                <asvg:svgBlip xmlns:asvg="http://schemas.microsoft.com/office/drawing/2016/SVG/main" r:embed="rId3"/>
+              </a:ext>
+            </a:extLst>
+          </a:blip>
           <a:stretch>
             <a:fillRect/>
           </a:stretch>
         </p:blipFill>
         <p:spPr>
           <a:xfrm>
-            <a:off x="289421" y="1109664"/>
-            <a:ext cx="8714763" cy="4917912"/>
+            <a:off x="5654180" y="2809875"/>
+            <a:ext cx="914400" cy="914400"/>
           </a:xfrm>
           <a:prstGeom prst="rect">
             <a:avLst/>
           </a:prstGeom>
         </p:spPr>
       </p:pic>
-      <p:sp>
-        <p:nvSpPr>
-          <p:cNvPr id="5" name="타원 4"/>
-          <p:cNvSpPr/>
-          <p:nvPr/>
-        </p:nvSpPr>
-        <p:spPr>
-          <a:xfrm>
-            <a:off x="9233482" y="1010790"/>
-            <a:ext cx="377505" cy="369198"/>
-          </a:xfrm>
-          <a:prstGeom prst="ellipse">
-            <a:avLst/>
-          </a:prstGeom>
-          <a:solidFill>
-            <a:schemeClr val="accent2"/>
-          </a:solidFill>
-          <a:ln>
-            <a:noFill/>
-          </a:ln>
-        </p:spPr>
-        <p:style>
-          <a:lnRef idx="2">
-            <a:schemeClr val="accent1">
-              <a:shade val="50000"/>
-            </a:schemeClr>
-          </a:lnRef>
-          <a:fillRef idx="1">
-            <a:schemeClr val="accent1"/>
-          </a:fillRef>
-          <a:effectRef idx="0">
-            <a:schemeClr val="accent1"/>
-          </a:effectRef>
-          <a:fontRef idx="minor">
-            <a:schemeClr val="lt1"/>
-          </a:fontRef>
-        </p:style>
-        <p:txBody>
-          <a:bodyPr rtlCol="0" anchor="ctr"/>
-          <a:lstStyle/>
-          <a:p>
-            <a:pPr algn="ctr"/>
-            <a:r>
-              <a:rPr lang="en-US" altLang="ko-KR" dirty="0"/>
-              <a:t>1</a:t>
-            </a:r>
-            <a:endParaRPr lang="ko-KR" altLang="en-US" dirty="0"/>
-          </a:p>
-        </p:txBody>
-      </p:sp>
-      <p:sp>
-        <p:nvSpPr>
-          <p:cNvPr id="9" name="타원 8"/>
-          <p:cNvSpPr/>
-          <p:nvPr/>
-        </p:nvSpPr>
-        <p:spPr>
-          <a:xfrm>
-            <a:off x="9246065" y="2559957"/>
-            <a:ext cx="377505" cy="369198"/>
-          </a:xfrm>
-          <a:prstGeom prst="ellipse">
-            <a:avLst/>
-          </a:prstGeom>
-          <a:solidFill>
-            <a:schemeClr val="accent2"/>
-          </a:solidFill>
-          <a:ln>
-            <a:noFill/>
-          </a:ln>
-        </p:spPr>
-        <p:style>
-          <a:lnRef idx="2">
-            <a:schemeClr val="accent1">
-              <a:shade val="50000"/>
-            </a:schemeClr>
-          </a:lnRef>
-          <a:fillRef idx="1">
-            <a:schemeClr val="accent1"/>
-          </a:fillRef>
-          <a:effectRef idx="0">
-            <a:schemeClr val="accent1"/>
-          </a:effectRef>
-          <a:fontRef idx="minor">
-            <a:schemeClr val="lt1"/>
-          </a:fontRef>
-        </p:style>
-        <p:txBody>
-          <a:bodyPr rtlCol="0" anchor="ctr"/>
-          <a:lstStyle/>
-          <a:p>
-            <a:pPr algn="ctr"/>
-            <a:r>
-              <a:rPr lang="en-US" altLang="ko-KR" dirty="0"/>
-              <a:t>3</a:t>
-            </a:r>
-            <a:endParaRPr lang="ko-KR" altLang="en-US" dirty="0"/>
-          </a:p>
-        </p:txBody>
-      </p:sp>
-      <p:sp>
-        <p:nvSpPr>
-          <p:cNvPr id="10" name="타원 9"/>
-          <p:cNvSpPr/>
-          <p:nvPr/>
-        </p:nvSpPr>
-        <p:spPr>
-          <a:xfrm>
-            <a:off x="9233481" y="1796559"/>
-            <a:ext cx="377505" cy="369198"/>
-          </a:xfrm>
-          <a:prstGeom prst="ellipse">
-            <a:avLst/>
-          </a:prstGeom>
-          <a:solidFill>
-            <a:schemeClr val="accent2"/>
-          </a:solidFill>
-          <a:ln>
-            <a:noFill/>
-          </a:ln>
-        </p:spPr>
-        <p:style>
-          <a:lnRef idx="2">
-            <a:schemeClr val="accent1">
-              <a:shade val="50000"/>
-            </a:schemeClr>
-          </a:lnRef>
-          <a:fillRef idx="1">
-            <a:schemeClr val="accent1"/>
-          </a:fillRef>
-          <a:effectRef idx="0">
-            <a:schemeClr val="accent1"/>
-          </a:effectRef>
-          <a:fontRef idx="minor">
-            <a:schemeClr val="lt1"/>
-          </a:fontRef>
-        </p:style>
-        <p:txBody>
-          <a:bodyPr rtlCol="0" anchor="ctr"/>
-          <a:lstStyle/>
-          <a:p>
-            <a:pPr algn="ctr"/>
-            <a:r>
-              <a:rPr lang="en-US" altLang="ko-KR" dirty="0"/>
-              <a:t>2</a:t>
-            </a:r>
-            <a:endParaRPr lang="ko-KR" altLang="en-US" dirty="0"/>
-          </a:p>
-        </p:txBody>
-      </p:sp>
-      <p:sp>
-        <p:nvSpPr>
-          <p:cNvPr id="15" name="TextBox 14"/>
-          <p:cNvSpPr txBox="1"/>
-          <p:nvPr/>
-        </p:nvSpPr>
-        <p:spPr>
-          <a:xfrm>
-            <a:off x="9764784" y="1039417"/>
-            <a:ext cx="2427217" cy="577081"/>
-          </a:xfrm>
-          <a:prstGeom prst="rect">
-            <a:avLst/>
-          </a:prstGeom>
-          <a:noFill/>
-        </p:spPr>
-        <p:txBody>
-          <a:bodyPr wrap="square" rtlCol="0">
-            <a:spAutoFit/>
-          </a:bodyPr>
-          <a:lstStyle/>
-          <a:p>
-            <a:r>
-              <a:rPr lang="ko-KR" altLang="en-US" sz="1050" dirty="0"/>
-              <a:t>지역별 </a:t>
-            </a:r>
-            <a:r>
-              <a:rPr lang="en-US" altLang="ko-KR" sz="1050" dirty="0"/>
-              <a:t>– </a:t>
-            </a:r>
-            <a:r>
-              <a:rPr lang="ko-KR" altLang="en-US" sz="1050" dirty="0"/>
-              <a:t>지역 게시판</a:t>
-            </a:r>
-            <a:endParaRPr lang="en-US" altLang="ko-KR" sz="1050" dirty="0"/>
-          </a:p>
-          <a:p>
-            <a:r>
-              <a:rPr lang="ko-KR" altLang="en-US" sz="1050" dirty="0" err="1"/>
-              <a:t>회원별</a:t>
-            </a:r>
-            <a:r>
-              <a:rPr lang="ko-KR" altLang="en-US" sz="1050" dirty="0"/>
-              <a:t> </a:t>
-            </a:r>
-            <a:r>
-              <a:rPr lang="en-US" altLang="ko-KR" sz="1050" dirty="0"/>
-              <a:t>– </a:t>
-            </a:r>
-            <a:r>
-              <a:rPr lang="ko-KR" altLang="en-US" sz="1050" dirty="0" err="1"/>
-              <a:t>회원용</a:t>
-            </a:r>
-            <a:r>
-              <a:rPr lang="ko-KR" altLang="en-US" sz="1050" dirty="0"/>
-              <a:t> 게시판</a:t>
-            </a:r>
-            <a:endParaRPr lang="en-US" altLang="ko-KR" sz="1050" dirty="0"/>
-          </a:p>
-          <a:p>
-            <a:r>
-              <a:rPr lang="ko-KR" altLang="en-US" sz="1050" dirty="0" err="1"/>
-              <a:t>돌보미별</a:t>
-            </a:r>
-            <a:r>
-              <a:rPr lang="ko-KR" altLang="en-US" sz="1050" dirty="0"/>
-              <a:t> </a:t>
-            </a:r>
-            <a:r>
-              <a:rPr lang="en-US" altLang="ko-KR" sz="1050" dirty="0"/>
-              <a:t>-</a:t>
-            </a:r>
-            <a:r>
-              <a:rPr lang="ko-KR" altLang="en-US" sz="1050" dirty="0"/>
-              <a:t> </a:t>
-            </a:r>
-            <a:r>
-              <a:rPr lang="ko-KR" altLang="en-US" sz="1050" dirty="0" err="1"/>
-              <a:t>돌보미용</a:t>
-            </a:r>
-            <a:r>
-              <a:rPr lang="ko-KR" altLang="en-US" sz="1050" dirty="0"/>
-              <a:t> 게시판</a:t>
-            </a:r>
-          </a:p>
-        </p:txBody>
-      </p:sp>
-      <p:sp>
-        <p:nvSpPr>
-          <p:cNvPr id="3" name="사각형: 둥근 모서리 2">
-            <a:hlinkClick r:id="rId3" action="ppaction://hlinksldjump"/>
-          </p:cNvPr>
-          <p:cNvSpPr/>
-          <p:nvPr/>
-        </p:nvSpPr>
-        <p:spPr>
-          <a:xfrm>
-            <a:off x="10175846" y="209725"/>
-            <a:ext cx="1627464" cy="327170"/>
-          </a:xfrm>
-          <a:prstGeom prst="roundRect">
-            <a:avLst/>
-          </a:prstGeom>
-        </p:spPr>
-        <p:style>
-          <a:lnRef idx="1">
-            <a:schemeClr val="accent3"/>
-          </a:lnRef>
-          <a:fillRef idx="2">
-            <a:schemeClr val="accent3"/>
-          </a:fillRef>
-          <a:effectRef idx="1">
-            <a:schemeClr val="accent3"/>
-          </a:effectRef>
-          <a:fontRef idx="minor">
-            <a:schemeClr val="dk1"/>
-          </a:fontRef>
-        </p:style>
-        <p:txBody>
-          <a:bodyPr rtlCol="0" anchor="ctr"/>
-          <a:lstStyle/>
-          <a:p>
-            <a:pPr algn="ctr"/>
-            <a:r>
-              <a:rPr lang="ko-KR" altLang="en-US" sz="1200" dirty="0"/>
-              <a:t>이전 화면으로</a:t>
-            </a:r>
-          </a:p>
-        </p:txBody>
-      </p:sp>
-      <p:sp>
-        <p:nvSpPr>
-          <p:cNvPr id="16" name="타원 15"/>
-          <p:cNvSpPr/>
-          <p:nvPr/>
-        </p:nvSpPr>
-        <p:spPr>
-          <a:xfrm>
-            <a:off x="2697058" y="1746225"/>
-            <a:ext cx="377505" cy="369198"/>
-          </a:xfrm>
-          <a:prstGeom prst="ellipse">
-            <a:avLst/>
-          </a:prstGeom>
-          <a:solidFill>
-            <a:schemeClr val="accent2"/>
-          </a:solidFill>
-          <a:ln>
-            <a:noFill/>
-          </a:ln>
-        </p:spPr>
-        <p:style>
-          <a:lnRef idx="2">
-            <a:schemeClr val="accent1">
-              <a:shade val="50000"/>
-            </a:schemeClr>
-          </a:lnRef>
-          <a:fillRef idx="1">
-            <a:schemeClr val="accent1"/>
-          </a:fillRef>
-          <a:effectRef idx="0">
-            <a:schemeClr val="accent1"/>
-          </a:effectRef>
-          <a:fontRef idx="minor">
-            <a:schemeClr val="lt1"/>
-          </a:fontRef>
-        </p:style>
-        <p:txBody>
-          <a:bodyPr rtlCol="0" anchor="ctr"/>
-          <a:lstStyle/>
-          <a:p>
-            <a:pPr algn="ctr"/>
-            <a:r>
-              <a:rPr lang="en-US" altLang="ko-KR" dirty="0"/>
-              <a:t>1</a:t>
-            </a:r>
-            <a:endParaRPr lang="ko-KR" altLang="en-US" dirty="0"/>
-          </a:p>
-        </p:txBody>
-      </p:sp>
-      <p:sp>
-        <p:nvSpPr>
-          <p:cNvPr id="17" name="타원 16"/>
-          <p:cNvSpPr/>
-          <p:nvPr/>
-        </p:nvSpPr>
-        <p:spPr>
-          <a:xfrm>
-            <a:off x="6690218" y="1746225"/>
-            <a:ext cx="377505" cy="369198"/>
-          </a:xfrm>
-          <a:prstGeom prst="ellipse">
-            <a:avLst/>
-          </a:prstGeom>
-          <a:solidFill>
-            <a:schemeClr val="accent2"/>
-          </a:solidFill>
-          <a:ln>
-            <a:noFill/>
-          </a:ln>
-        </p:spPr>
-        <p:style>
-          <a:lnRef idx="2">
-            <a:schemeClr val="accent1">
-              <a:shade val="50000"/>
-            </a:schemeClr>
-          </a:lnRef>
-          <a:fillRef idx="1">
-            <a:schemeClr val="accent1"/>
-          </a:fillRef>
-          <a:effectRef idx="0">
-            <a:schemeClr val="accent1"/>
-          </a:effectRef>
-          <a:fontRef idx="minor">
-            <a:schemeClr val="lt1"/>
-          </a:fontRef>
-        </p:style>
-        <p:txBody>
-          <a:bodyPr rtlCol="0" anchor="ctr"/>
-          <a:lstStyle/>
-          <a:p>
-            <a:pPr algn="ctr"/>
-            <a:r>
-              <a:rPr lang="en-US" altLang="ko-KR" dirty="0"/>
-              <a:t>2</a:t>
-            </a:r>
-            <a:endParaRPr lang="ko-KR" altLang="en-US" dirty="0"/>
-          </a:p>
-        </p:txBody>
-      </p:sp>
-      <p:sp>
-        <p:nvSpPr>
-          <p:cNvPr id="18" name="타원 17"/>
-          <p:cNvSpPr/>
-          <p:nvPr/>
-        </p:nvSpPr>
-        <p:spPr>
-          <a:xfrm>
-            <a:off x="2697059" y="5166173"/>
-            <a:ext cx="377505" cy="369198"/>
-          </a:xfrm>
-          <a:prstGeom prst="ellipse">
-            <a:avLst/>
-          </a:prstGeom>
-          <a:solidFill>
-            <a:schemeClr val="accent2"/>
-          </a:solidFill>
-          <a:ln>
-            <a:noFill/>
-          </a:ln>
-        </p:spPr>
-        <p:style>
-          <a:lnRef idx="2">
-            <a:schemeClr val="accent1">
-              <a:shade val="50000"/>
-            </a:schemeClr>
-          </a:lnRef>
-          <a:fillRef idx="1">
-            <a:schemeClr val="accent1"/>
-          </a:fillRef>
-          <a:effectRef idx="0">
-            <a:schemeClr val="accent1"/>
-          </a:effectRef>
-          <a:fontRef idx="minor">
-            <a:schemeClr val="lt1"/>
-          </a:fontRef>
-        </p:style>
-        <p:txBody>
-          <a:bodyPr rtlCol="0" anchor="ctr"/>
-          <a:lstStyle/>
-          <a:p>
-            <a:pPr algn="ctr"/>
-            <a:r>
-              <a:rPr lang="en-US" altLang="ko-KR" dirty="0"/>
-              <a:t>3</a:t>
-            </a:r>
-            <a:endParaRPr lang="ko-KR" altLang="en-US" dirty="0"/>
-          </a:p>
-        </p:txBody>
-      </p:sp>
-      <p:sp>
-        <p:nvSpPr>
-          <p:cNvPr id="19" name="TextBox 18"/>
-          <p:cNvSpPr txBox="1"/>
-          <p:nvPr/>
-        </p:nvSpPr>
-        <p:spPr>
-          <a:xfrm>
-            <a:off x="9764783" y="1815341"/>
-            <a:ext cx="2427217" cy="261610"/>
-          </a:xfrm>
-          <a:prstGeom prst="rect">
-            <a:avLst/>
-          </a:prstGeom>
-          <a:noFill/>
-        </p:spPr>
-        <p:txBody>
-          <a:bodyPr wrap="square" rtlCol="0">
-            <a:spAutoFit/>
-          </a:bodyPr>
-          <a:lstStyle/>
-          <a:p>
-            <a:r>
-              <a:rPr lang="ko-KR" altLang="en-US" sz="1050"/>
-              <a:t>글쓰기 버튼으로 글 작성</a:t>
-            </a:r>
-            <a:endParaRPr lang="ko-KR" altLang="en-US" sz="1050" dirty="0"/>
-          </a:p>
-        </p:txBody>
-      </p:sp>
-      <p:sp>
-        <p:nvSpPr>
-          <p:cNvPr id="20" name="TextBox 19"/>
-          <p:cNvSpPr txBox="1"/>
-          <p:nvPr/>
-        </p:nvSpPr>
-        <p:spPr>
-          <a:xfrm>
-            <a:off x="9764782" y="2559957"/>
-            <a:ext cx="2150993" cy="430887"/>
-          </a:xfrm>
-          <a:prstGeom prst="rect">
-            <a:avLst/>
-          </a:prstGeom>
-          <a:noFill/>
-        </p:spPr>
-        <p:txBody>
-          <a:bodyPr wrap="square" rtlCol="0">
-            <a:spAutoFit/>
-          </a:bodyPr>
-          <a:lstStyle/>
-          <a:p>
-            <a:r>
-              <a:rPr lang="ko-KR" altLang="en-US" sz="1050" dirty="0"/>
-              <a:t>작성날짜와 아이디</a:t>
-            </a:r>
-            <a:r>
-              <a:rPr lang="en-US" altLang="ko-KR" sz="1050" dirty="0"/>
-              <a:t>, </a:t>
-            </a:r>
-            <a:r>
-              <a:rPr lang="ko-KR" altLang="en-US" sz="1050" dirty="0"/>
-              <a:t>제목</a:t>
-            </a:r>
-            <a:r>
-              <a:rPr lang="en-US" altLang="ko-KR" sz="1050" dirty="0"/>
-              <a:t>, </a:t>
-            </a:r>
-            <a:r>
-              <a:rPr lang="ko-KR" altLang="en-US" sz="1050" dirty="0"/>
-              <a:t>내용 등으로 게시판 내 글 검색</a:t>
-            </a:r>
-          </a:p>
-        </p:txBody>
-      </p:sp>
     </p:spTree>
     <p:extLst>
       <p:ext uri="{BB962C8B-B14F-4D97-AF65-F5344CB8AC3E}">
-        <p14:creationId xmlns:p14="http://schemas.microsoft.com/office/powerpoint/2010/main" val="4067160478"/>
+        <p14:creationId xmlns:p14="http://schemas.microsoft.com/office/powerpoint/2010/main" val="491430221"/>
       </p:ext>
     </p:extLst>
   </p:cSld>
@@ -45240,7 +44671,7 @@
       </p:grpSpPr>
       <p:sp>
         <p:nvSpPr>
-          <p:cNvPr id="23" name="직사각형 22"/>
+          <p:cNvPr id="4" name="직사각형 3"/>
           <p:cNvSpPr/>
           <p:nvPr/>
         </p:nvSpPr>
@@ -45293,8 +44724,8 @@
         </p:blipFill>
         <p:spPr>
           <a:xfrm>
-            <a:off x="287148" y="1113565"/>
-            <a:ext cx="8717036" cy="4914011"/>
+            <a:off x="289421" y="1109664"/>
+            <a:ext cx="8714763" cy="4917912"/>
           </a:xfrm>
           <a:prstGeom prst="rect">
             <a:avLst/>
@@ -45359,7 +44790,7 @@
         </p:nvSpPr>
         <p:spPr>
           <a:xfrm>
-            <a:off x="9246065" y="2509623"/>
+            <a:off x="9246065" y="2559957"/>
             <a:ext cx="377505" cy="369198"/>
           </a:xfrm>
           <a:prstGeom prst="ellipse">
@@ -45409,7 +44840,7 @@
         </p:nvSpPr>
         <p:spPr>
           <a:xfrm>
-            <a:off x="9233481" y="1746225"/>
+            <a:off x="9233481" y="1796559"/>
             <a:ext cx="377505" cy="369198"/>
           </a:xfrm>
           <a:prstGeom prst="ellipse">
@@ -45459,8 +44890,8 @@
         </p:nvSpPr>
         <p:spPr>
           <a:xfrm>
-            <a:off x="9724238" y="1061124"/>
-            <a:ext cx="2322353" cy="261610"/>
+            <a:off x="9764784" y="1039417"/>
+            <a:ext cx="2427217" cy="577081"/>
           </a:xfrm>
           <a:prstGeom prst="rect">
             <a:avLst/>
@@ -45475,15 +44906,108 @@
           <a:p>
             <a:r>
               <a:rPr lang="ko-KR" altLang="en-US" sz="1050" dirty="0"/>
-              <a:t>글 작성 화면 </a:t>
+              <a:t>지역별 </a:t>
             </a:r>
             <a:r>
               <a:rPr lang="en-US" altLang="ko-KR" sz="1050" dirty="0"/>
-              <a:t>- </a:t>
+              <a:t>– </a:t>
             </a:r>
             <a:r>
               <a:rPr lang="ko-KR" altLang="en-US" sz="1050" dirty="0"/>
-              <a:t>제목과 본문 작성</a:t>
+              <a:t>지역 게시판</a:t>
+            </a:r>
+            <a:endParaRPr lang="en-US" altLang="ko-KR" sz="1050" dirty="0"/>
+          </a:p>
+          <a:p>
+            <a:r>
+              <a:rPr lang="ko-KR" altLang="en-US" sz="1050" dirty="0" err="1"/>
+              <a:t>회원별</a:t>
+            </a:r>
+            <a:r>
+              <a:rPr lang="ko-KR" altLang="en-US" sz="1050" dirty="0"/>
+              <a:t> </a:t>
+            </a:r>
+            <a:r>
+              <a:rPr lang="en-US" altLang="ko-KR" sz="1050" dirty="0"/>
+              <a:t>– </a:t>
+            </a:r>
+            <a:r>
+              <a:rPr lang="ko-KR" altLang="en-US" sz="1050" dirty="0" err="1"/>
+              <a:t>회원용</a:t>
+            </a:r>
+            <a:r>
+              <a:rPr lang="ko-KR" altLang="en-US" sz="1050" dirty="0"/>
+              <a:t> 게시판</a:t>
+            </a:r>
+            <a:endParaRPr lang="en-US" altLang="ko-KR" sz="1050" dirty="0"/>
+          </a:p>
+          <a:p>
+            <a:r>
+              <a:rPr lang="ko-KR" altLang="en-US" sz="1050" dirty="0" err="1"/>
+              <a:t>돌보미별</a:t>
+            </a:r>
+            <a:r>
+              <a:rPr lang="ko-KR" altLang="en-US" sz="1050" dirty="0"/>
+              <a:t> </a:t>
+            </a:r>
+            <a:r>
+              <a:rPr lang="en-US" altLang="ko-KR" sz="1050" dirty="0"/>
+              <a:t>-</a:t>
+            </a:r>
+            <a:r>
+              <a:rPr lang="ko-KR" altLang="en-US" sz="1050" dirty="0"/>
+              <a:t> </a:t>
+            </a:r>
+            <a:r>
+              <a:rPr lang="ko-KR" altLang="en-US" sz="1050" dirty="0" err="1"/>
+              <a:t>돌보미용</a:t>
+            </a:r>
+            <a:r>
+              <a:rPr lang="ko-KR" altLang="en-US" sz="1050" dirty="0"/>
+              <a:t> 게시판</a:t>
+            </a:r>
+          </a:p>
+        </p:txBody>
+      </p:sp>
+      <p:sp>
+        <p:nvSpPr>
+          <p:cNvPr id="3" name="사각형: 둥근 모서리 2">
+            <a:hlinkClick r:id="rId3" action="ppaction://hlinksldjump"/>
+          </p:cNvPr>
+          <p:cNvSpPr/>
+          <p:nvPr/>
+        </p:nvSpPr>
+        <p:spPr>
+          <a:xfrm>
+            <a:off x="10175846" y="209725"/>
+            <a:ext cx="1627464" cy="327170"/>
+          </a:xfrm>
+          <a:prstGeom prst="roundRect">
+            <a:avLst/>
+          </a:prstGeom>
+        </p:spPr>
+        <p:style>
+          <a:lnRef idx="1">
+            <a:schemeClr val="accent3"/>
+          </a:lnRef>
+          <a:fillRef idx="2">
+            <a:schemeClr val="accent3"/>
+          </a:fillRef>
+          <a:effectRef idx="1">
+            <a:schemeClr val="accent3"/>
+          </a:effectRef>
+          <a:fontRef idx="minor">
+            <a:schemeClr val="dk1"/>
+          </a:fontRef>
+        </p:style>
+        <p:txBody>
+          <a:bodyPr rtlCol="0" anchor="ctr"/>
+          <a:lstStyle/>
+          <a:p>
+            <a:pPr algn="ctr"/>
+            <a:r>
+              <a:rPr lang="ko-KR" altLang="en-US" sz="1200" dirty="0"/>
+              <a:t>이전 화면으로</a:t>
             </a:r>
           </a:p>
         </p:txBody>
@@ -45496,7 +45020,7 @@
         </p:nvSpPr>
         <p:spPr>
           <a:xfrm>
-            <a:off x="2599188" y="1792363"/>
+            <a:off x="2697058" y="1746225"/>
             <a:ext cx="377505" cy="369198"/>
           </a:xfrm>
           <a:prstGeom prst="ellipse">
@@ -45540,13 +45064,13 @@
       </p:sp>
       <p:sp>
         <p:nvSpPr>
-          <p:cNvPr id="18" name="타원 17"/>
+          <p:cNvPr id="17" name="타원 16"/>
           <p:cNvSpPr/>
           <p:nvPr/>
         </p:nvSpPr>
         <p:spPr>
           <a:xfrm>
-            <a:off x="2762772" y="5236230"/>
+            <a:off x="6690218" y="1746225"/>
             <a:ext cx="377505" cy="369198"/>
           </a:xfrm>
           <a:prstGeom prst="ellipse">
@@ -45590,13 +45114,13 @@
       </p:sp>
       <p:sp>
         <p:nvSpPr>
-          <p:cNvPr id="19" name="타원 18"/>
+          <p:cNvPr id="18" name="타원 17"/>
           <p:cNvSpPr/>
           <p:nvPr/>
         </p:nvSpPr>
         <p:spPr>
           <a:xfrm>
-            <a:off x="6076425" y="5184307"/>
+            <a:off x="2697059" y="5166173"/>
             <a:ext cx="377505" cy="369198"/>
           </a:xfrm>
           <a:prstGeom prst="ellipse">
@@ -45640,61 +45164,14 @@
       </p:sp>
       <p:sp>
         <p:nvSpPr>
-          <p:cNvPr id="14" name="직사각형 13"/>
-          <p:cNvSpPr/>
-          <p:nvPr/>
-        </p:nvSpPr>
-        <p:spPr>
-          <a:xfrm>
-            <a:off x="2985082" y="1897268"/>
-            <a:ext cx="4606955" cy="3144515"/>
-          </a:xfrm>
-          <a:prstGeom prst="rect">
-            <a:avLst/>
-          </a:prstGeom>
-          <a:noFill/>
-          <a:ln>
-            <a:solidFill>
-              <a:schemeClr val="accent2"/>
-            </a:solidFill>
-            <a:prstDash val="dash"/>
-          </a:ln>
-        </p:spPr>
-        <p:style>
-          <a:lnRef idx="2">
-            <a:schemeClr val="accent1">
-              <a:shade val="50000"/>
-            </a:schemeClr>
-          </a:lnRef>
-          <a:fillRef idx="1">
-            <a:schemeClr val="accent1"/>
-          </a:fillRef>
-          <a:effectRef idx="0">
-            <a:schemeClr val="accent1"/>
-          </a:effectRef>
-          <a:fontRef idx="minor">
-            <a:schemeClr val="lt1"/>
-          </a:fontRef>
-        </p:style>
-        <p:txBody>
-          <a:bodyPr rtlCol="0" anchor="ctr"/>
-          <a:lstStyle/>
-          <a:p>
-            <a:pPr algn="ctr"/>
-            <a:endParaRPr lang="ko-KR" altLang="en-US"/>
-          </a:p>
-        </p:txBody>
-      </p:sp>
-      <p:sp>
-        <p:nvSpPr>
-          <p:cNvPr id="20" name="TextBox 19"/>
+          <p:cNvPr id="19" name="TextBox 18"/>
           <p:cNvSpPr txBox="1"/>
           <p:nvPr/>
         </p:nvSpPr>
         <p:spPr>
           <a:xfrm>
-            <a:off x="9727035" y="1846157"/>
-            <a:ext cx="2202110" cy="430887"/>
+            <a:off x="9764783" y="1815341"/>
+            <a:ext cx="2427217" cy="261610"/>
           </a:xfrm>
           <a:prstGeom prst="rect">
             <a:avLst/>
@@ -45708,12 +45185,8 @@
           <a:lstStyle/>
           <a:p>
             <a:r>
-              <a:rPr lang="ko-KR" altLang="en-US" sz="1050" dirty="0"/>
-              <a:t>글 작성 화면에서 벗어나 글 목록 화면으로 </a:t>
-            </a:r>
-            <a:r>
-              <a:rPr lang="ko-KR" altLang="en-US" sz="1050" dirty="0" err="1"/>
-              <a:t>돌아감</a:t>
+              <a:rPr lang="ko-KR" altLang="en-US" sz="1050"/>
+              <a:t>글쓰기 버튼으로 글 작성</a:t>
             </a:r>
             <a:endParaRPr lang="ko-KR" altLang="en-US" sz="1050" dirty="0"/>
           </a:p>
@@ -45721,14 +45194,14 @@
       </p:sp>
       <p:sp>
         <p:nvSpPr>
-          <p:cNvPr id="21" name="TextBox 20"/>
+          <p:cNvPr id="20" name="TextBox 19"/>
           <p:cNvSpPr txBox="1"/>
           <p:nvPr/>
         </p:nvSpPr>
         <p:spPr>
           <a:xfrm>
-            <a:off x="9724238" y="2617211"/>
-            <a:ext cx="2204907" cy="430887"/>
+            <a:off x="9764782" y="2559957"/>
+            <a:ext cx="2150993" cy="430887"/>
           </a:xfrm>
           <a:prstGeom prst="rect">
             <a:avLst/>
@@ -45743,57 +45216,23 @@
           <a:p>
             <a:r>
               <a:rPr lang="ko-KR" altLang="en-US" sz="1050" dirty="0"/>
-              <a:t>글 작성 후 글을 등록하거나 </a:t>
-            </a:r>
-            <a:endParaRPr lang="en-US" altLang="ko-KR" sz="1050" dirty="0"/>
-          </a:p>
-          <a:p>
+              <a:t>작성날짜와 아이디</a:t>
+            </a:r>
+            <a:r>
+              <a:rPr lang="en-US" altLang="ko-KR" sz="1050" dirty="0"/>
+              <a:t>, </a:t>
+            </a:r>
             <a:r>
               <a:rPr lang="ko-KR" altLang="en-US" sz="1050" dirty="0"/>
-              <a:t>작성 취소 가능</a:t>
-            </a:r>
-          </a:p>
-        </p:txBody>
-      </p:sp>
-      <p:sp>
-        <p:nvSpPr>
-          <p:cNvPr id="17" name="사각형: 둥근 모서리 16">
-            <a:hlinkClick r:id="rId3" action="ppaction://hlinksldjump"/>
-          </p:cNvPr>
-          <p:cNvSpPr/>
-          <p:nvPr/>
-        </p:nvSpPr>
-        <p:spPr>
-          <a:xfrm>
-            <a:off x="10175846" y="209725"/>
-            <a:ext cx="1627464" cy="327170"/>
-          </a:xfrm>
-          <a:prstGeom prst="roundRect">
-            <a:avLst/>
-          </a:prstGeom>
-        </p:spPr>
-        <p:style>
-          <a:lnRef idx="1">
-            <a:schemeClr val="accent3"/>
-          </a:lnRef>
-          <a:fillRef idx="2">
-            <a:schemeClr val="accent3"/>
-          </a:fillRef>
-          <a:effectRef idx="1">
-            <a:schemeClr val="accent3"/>
-          </a:effectRef>
-          <a:fontRef idx="minor">
-            <a:schemeClr val="dk1"/>
-          </a:fontRef>
-        </p:style>
-        <p:txBody>
-          <a:bodyPr rtlCol="0" anchor="ctr"/>
-          <a:lstStyle/>
-          <a:p>
-            <a:pPr algn="ctr"/>
-            <a:r>
-              <a:rPr lang="ko-KR" altLang="en-US" sz="1200" dirty="0"/>
-              <a:t>이전 화면으로</a:t>
+              <a:t>제목</a:t>
+            </a:r>
+            <a:r>
+              <a:rPr lang="en-US" altLang="ko-KR" sz="1050" dirty="0"/>
+              <a:t>, </a:t>
+            </a:r>
+            <a:r>
+              <a:rPr lang="ko-KR" altLang="en-US" sz="1050" dirty="0"/>
+              <a:t>내용 등으로 게시판 내 글 검색</a:t>
             </a:r>
           </a:p>
         </p:txBody>
@@ -45801,7 +45240,7 @@
     </p:spTree>
     <p:extLst>
       <p:ext uri="{BB962C8B-B14F-4D97-AF65-F5344CB8AC3E}">
-        <p14:creationId xmlns:p14="http://schemas.microsoft.com/office/powerpoint/2010/main" val="3270753686"/>
+        <p14:creationId xmlns:p14="http://schemas.microsoft.com/office/powerpoint/2010/main" val="4067160478"/>
       </p:ext>
     </p:extLst>
   </p:cSld>
@@ -45830,7 +45269,7 @@
       </p:grpSpPr>
       <p:sp>
         <p:nvSpPr>
-          <p:cNvPr id="4" name="직사각형 3"/>
+          <p:cNvPr id="23" name="직사각형 22"/>
           <p:cNvSpPr/>
           <p:nvPr/>
         </p:nvSpPr>
@@ -45883,8 +45322,8 @@
         </p:blipFill>
         <p:spPr>
           <a:xfrm>
-            <a:off x="289153" y="1112676"/>
-            <a:ext cx="8715031" cy="4914900"/>
+            <a:off x="287148" y="1113565"/>
+            <a:ext cx="8717036" cy="4914011"/>
           </a:xfrm>
           <a:prstGeom prst="rect">
             <a:avLst/>
@@ -45949,7 +45388,7 @@
         </p:nvSpPr>
         <p:spPr>
           <a:xfrm>
-            <a:off x="9246065" y="3105242"/>
+            <a:off x="9246065" y="2509623"/>
             <a:ext cx="377505" cy="369198"/>
           </a:xfrm>
           <a:prstGeom prst="ellipse">
@@ -45999,7 +45438,7 @@
         </p:nvSpPr>
         <p:spPr>
           <a:xfrm>
-            <a:off x="9233481" y="2341844"/>
+            <a:off x="9233481" y="1746225"/>
             <a:ext cx="377505" cy="369198"/>
           </a:xfrm>
           <a:prstGeom prst="ellipse">
@@ -46043,14 +45482,14 @@
       </p:sp>
       <p:sp>
         <p:nvSpPr>
-          <p:cNvPr id="16" name="TextBox 15"/>
+          <p:cNvPr id="15" name="TextBox 14"/>
           <p:cNvSpPr txBox="1"/>
           <p:nvPr/>
         </p:nvSpPr>
         <p:spPr>
           <a:xfrm>
-            <a:off x="9764785" y="1039417"/>
-            <a:ext cx="2427216" cy="1061829"/>
+            <a:off x="9724238" y="1061124"/>
+            <a:ext cx="2322353" cy="261610"/>
           </a:xfrm>
           <a:prstGeom prst="rect">
             <a:avLst/>
@@ -46065,189 +45504,28 @@
           <a:p>
             <a:r>
               <a:rPr lang="ko-KR" altLang="en-US" sz="1050" dirty="0"/>
-              <a:t>자주하는 질문 </a:t>
-            </a:r>
-            <a:endParaRPr lang="en-US" altLang="ko-KR" sz="1050" dirty="0"/>
-          </a:p>
-          <a:p>
-            <a:pPr marL="171450" indent="-171450">
-              <a:buFontTx/>
-              <a:buChar char="-"/>
-            </a:pPr>
+              <a:t>글 작성 화면 </a:t>
+            </a:r>
+            <a:r>
+              <a:rPr lang="en-US" altLang="ko-KR" sz="1050" dirty="0"/>
+              <a:t>- </a:t>
+            </a:r>
             <a:r>
               <a:rPr lang="ko-KR" altLang="en-US" sz="1050" dirty="0"/>
-              <a:t>자주 받는 질문들을 모아</a:t>
-            </a:r>
-            <a:r>
-              <a:rPr lang="en-US" altLang="ko-KR" sz="1050" dirty="0"/>
-              <a:t> </a:t>
-            </a:r>
-            <a:r>
-              <a:rPr lang="ko-KR" altLang="en-US" sz="1050" dirty="0"/>
-              <a:t>보여줌</a:t>
-            </a:r>
-            <a:r>
-              <a:rPr lang="en-US" altLang="ko-KR" sz="1050" dirty="0"/>
-              <a:t> </a:t>
-            </a:r>
-          </a:p>
-          <a:p>
-            <a:r>
-              <a:rPr lang="ko-KR" altLang="en-US" sz="1050" dirty="0"/>
-              <a:t>회원 문의 </a:t>
-            </a:r>
-            <a:endParaRPr lang="en-US" altLang="ko-KR" sz="1050" dirty="0"/>
-          </a:p>
-          <a:p>
-            <a:r>
-              <a:rPr lang="en-US" altLang="ko-KR" sz="1050" dirty="0"/>
-              <a:t>–  </a:t>
-            </a:r>
-            <a:r>
-              <a:rPr lang="ko-KR" altLang="en-US" sz="1050" dirty="0"/>
-              <a:t>회원 </a:t>
-            </a:r>
-            <a:r>
-              <a:rPr lang="ko-KR" altLang="en-US" sz="1050" dirty="0" err="1"/>
-              <a:t>문의글을</a:t>
-            </a:r>
-            <a:r>
-              <a:rPr lang="ko-KR" altLang="en-US" sz="1050" dirty="0"/>
-              <a:t> </a:t>
-            </a:r>
-            <a:r>
-              <a:rPr lang="ko-KR" altLang="en-US" sz="1050" dirty="0" err="1"/>
-              <a:t>모아봄</a:t>
-            </a:r>
-            <a:endParaRPr lang="en-US" altLang="ko-KR" sz="1050" dirty="0"/>
-          </a:p>
-          <a:p>
-            <a:r>
-              <a:rPr lang="ko-KR" altLang="en-US" sz="1050" dirty="0"/>
-              <a:t>비회원 문의 </a:t>
-            </a:r>
-            <a:endParaRPr lang="en-US" altLang="ko-KR" sz="1050" dirty="0"/>
-          </a:p>
-          <a:p>
-            <a:r>
-              <a:rPr lang="en-US" altLang="ko-KR" sz="1050" dirty="0"/>
-              <a:t>-  </a:t>
-            </a:r>
-            <a:r>
-              <a:rPr lang="ko-KR" altLang="en-US" sz="1050" dirty="0"/>
-              <a:t>비회원 </a:t>
-            </a:r>
-            <a:r>
-              <a:rPr lang="ko-KR" altLang="en-US" sz="1050" dirty="0" err="1"/>
-              <a:t>문의글을</a:t>
-            </a:r>
-            <a:r>
-              <a:rPr lang="ko-KR" altLang="en-US" sz="1050" dirty="0"/>
-              <a:t> </a:t>
-            </a:r>
-            <a:r>
-              <a:rPr lang="ko-KR" altLang="en-US" sz="1050" dirty="0" err="1"/>
-              <a:t>모아봄</a:t>
-            </a:r>
-            <a:endParaRPr lang="ko-KR" altLang="en-US" sz="1050" dirty="0"/>
-          </a:p>
-        </p:txBody>
-      </p:sp>
-      <p:sp>
-        <p:nvSpPr>
-          <p:cNvPr id="17" name="TextBox 16"/>
-          <p:cNvSpPr txBox="1"/>
-          <p:nvPr/>
-        </p:nvSpPr>
-        <p:spPr>
-          <a:xfrm>
-            <a:off x="9764783" y="2410960"/>
-            <a:ext cx="2274817" cy="261610"/>
-          </a:xfrm>
-          <a:prstGeom prst="rect">
-            <a:avLst/>
-          </a:prstGeom>
-          <a:noFill/>
-        </p:spPr>
-        <p:txBody>
-          <a:bodyPr wrap="square" rtlCol="0">
-            <a:spAutoFit/>
-          </a:bodyPr>
-          <a:lstStyle/>
-          <a:p>
-            <a:r>
-              <a:rPr lang="ko-KR" altLang="en-US" sz="1050"/>
-              <a:t>글쓰기 버튼으로 글 작성</a:t>
-            </a:r>
-            <a:endParaRPr lang="ko-KR" altLang="en-US" sz="1050" dirty="0"/>
-          </a:p>
-        </p:txBody>
-      </p:sp>
-      <p:sp>
-        <p:nvSpPr>
-          <p:cNvPr id="18" name="TextBox 17"/>
-          <p:cNvSpPr txBox="1"/>
-          <p:nvPr/>
-        </p:nvSpPr>
-        <p:spPr>
-          <a:xfrm>
-            <a:off x="9764782" y="3155576"/>
-            <a:ext cx="2427217" cy="430887"/>
-          </a:xfrm>
-          <a:prstGeom prst="rect">
-            <a:avLst/>
-          </a:prstGeom>
-          <a:noFill/>
-        </p:spPr>
-        <p:txBody>
-          <a:bodyPr wrap="square" rtlCol="0">
-            <a:spAutoFit/>
-          </a:bodyPr>
-          <a:lstStyle/>
-          <a:p>
-            <a:r>
-              <a:rPr lang="ko-KR" altLang="en-US" sz="1050" dirty="0"/>
-              <a:t>작성날짜와 아이디</a:t>
-            </a:r>
-            <a:r>
-              <a:rPr lang="en-US" altLang="ko-KR" sz="1050" dirty="0"/>
-              <a:t>, </a:t>
-            </a:r>
-            <a:r>
-              <a:rPr lang="ko-KR" altLang="en-US" sz="1050" dirty="0"/>
-              <a:t>제목</a:t>
-            </a:r>
-            <a:r>
-              <a:rPr lang="en-US" altLang="ko-KR" sz="1050" dirty="0"/>
-              <a:t>, </a:t>
-            </a:r>
-            <a:r>
-              <a:rPr lang="ko-KR" altLang="en-US" sz="1050" dirty="0"/>
-              <a:t>내용 등</a:t>
-            </a:r>
-            <a:endParaRPr lang="en-US" altLang="ko-KR" sz="1050" dirty="0"/>
-          </a:p>
-          <a:p>
-            <a:r>
-              <a:rPr lang="ko-KR" altLang="en-US" sz="1050" dirty="0" err="1"/>
-              <a:t>으로</a:t>
-            </a:r>
-            <a:r>
-              <a:rPr lang="ko-KR" altLang="en-US" sz="1050" dirty="0"/>
-              <a:t> 게시판 내 글 검색</a:t>
-            </a:r>
-          </a:p>
-        </p:txBody>
-      </p:sp>
-      <p:sp>
-        <p:nvSpPr>
-          <p:cNvPr id="19" name="타원 18"/>
+              <a:t>제목과 본문 작성</a:t>
+            </a:r>
+          </a:p>
+        </p:txBody>
+      </p:sp>
+      <p:sp>
+        <p:nvSpPr>
+          <p:cNvPr id="16" name="타원 15"/>
           <p:cNvSpPr/>
           <p:nvPr/>
         </p:nvSpPr>
         <p:spPr>
           <a:xfrm>
-            <a:off x="2697058" y="1746225"/>
+            <a:off x="2599188" y="1792363"/>
             <a:ext cx="377505" cy="369198"/>
           </a:xfrm>
           <a:prstGeom prst="ellipse">
@@ -46291,13 +45569,13 @@
       </p:sp>
       <p:sp>
         <p:nvSpPr>
-          <p:cNvPr id="20" name="타원 19"/>
+          <p:cNvPr id="18" name="타원 17"/>
           <p:cNvSpPr/>
           <p:nvPr/>
         </p:nvSpPr>
         <p:spPr>
           <a:xfrm>
-            <a:off x="6690218" y="1746225"/>
+            <a:off x="2762772" y="5236230"/>
             <a:ext cx="377505" cy="369198"/>
           </a:xfrm>
           <a:prstGeom prst="ellipse">
@@ -46341,13 +45619,13 @@
       </p:sp>
       <p:sp>
         <p:nvSpPr>
-          <p:cNvPr id="21" name="타원 20"/>
+          <p:cNvPr id="19" name="타원 18"/>
           <p:cNvSpPr/>
           <p:nvPr/>
         </p:nvSpPr>
         <p:spPr>
           <a:xfrm>
-            <a:off x="2697059" y="5166173"/>
+            <a:off x="6076425" y="5184307"/>
             <a:ext cx="377505" cy="369198"/>
           </a:xfrm>
           <a:prstGeom prst="ellipse">
@@ -46391,7 +45669,124 @@
       </p:sp>
       <p:sp>
         <p:nvSpPr>
-          <p:cNvPr id="15" name="사각형: 둥근 모서리 14">
+          <p:cNvPr id="14" name="직사각형 13"/>
+          <p:cNvSpPr/>
+          <p:nvPr/>
+        </p:nvSpPr>
+        <p:spPr>
+          <a:xfrm>
+            <a:off x="2985082" y="1897268"/>
+            <a:ext cx="4606955" cy="3144515"/>
+          </a:xfrm>
+          <a:prstGeom prst="rect">
+            <a:avLst/>
+          </a:prstGeom>
+          <a:noFill/>
+          <a:ln>
+            <a:solidFill>
+              <a:schemeClr val="accent2"/>
+            </a:solidFill>
+            <a:prstDash val="dash"/>
+          </a:ln>
+        </p:spPr>
+        <p:style>
+          <a:lnRef idx="2">
+            <a:schemeClr val="accent1">
+              <a:shade val="50000"/>
+            </a:schemeClr>
+          </a:lnRef>
+          <a:fillRef idx="1">
+            <a:schemeClr val="accent1"/>
+          </a:fillRef>
+          <a:effectRef idx="0">
+            <a:schemeClr val="accent1"/>
+          </a:effectRef>
+          <a:fontRef idx="minor">
+            <a:schemeClr val="lt1"/>
+          </a:fontRef>
+        </p:style>
+        <p:txBody>
+          <a:bodyPr rtlCol="0" anchor="ctr"/>
+          <a:lstStyle/>
+          <a:p>
+            <a:pPr algn="ctr"/>
+            <a:endParaRPr lang="ko-KR" altLang="en-US"/>
+          </a:p>
+        </p:txBody>
+      </p:sp>
+      <p:sp>
+        <p:nvSpPr>
+          <p:cNvPr id="20" name="TextBox 19"/>
+          <p:cNvSpPr txBox="1"/>
+          <p:nvPr/>
+        </p:nvSpPr>
+        <p:spPr>
+          <a:xfrm>
+            <a:off x="9727035" y="1846157"/>
+            <a:ext cx="2202110" cy="430887"/>
+          </a:xfrm>
+          <a:prstGeom prst="rect">
+            <a:avLst/>
+          </a:prstGeom>
+          <a:noFill/>
+        </p:spPr>
+        <p:txBody>
+          <a:bodyPr wrap="square" rtlCol="0">
+            <a:spAutoFit/>
+          </a:bodyPr>
+          <a:lstStyle/>
+          <a:p>
+            <a:r>
+              <a:rPr lang="ko-KR" altLang="en-US" sz="1050" dirty="0"/>
+              <a:t>글 작성 화면에서 벗어나 글 목록 화면으로 </a:t>
+            </a:r>
+            <a:r>
+              <a:rPr lang="ko-KR" altLang="en-US" sz="1050" dirty="0" err="1"/>
+              <a:t>돌아감</a:t>
+            </a:r>
+            <a:endParaRPr lang="ko-KR" altLang="en-US" sz="1050" dirty="0"/>
+          </a:p>
+        </p:txBody>
+      </p:sp>
+      <p:sp>
+        <p:nvSpPr>
+          <p:cNvPr id="21" name="TextBox 20"/>
+          <p:cNvSpPr txBox="1"/>
+          <p:nvPr/>
+        </p:nvSpPr>
+        <p:spPr>
+          <a:xfrm>
+            <a:off x="9724238" y="2617211"/>
+            <a:ext cx="2204907" cy="430887"/>
+          </a:xfrm>
+          <a:prstGeom prst="rect">
+            <a:avLst/>
+          </a:prstGeom>
+          <a:noFill/>
+        </p:spPr>
+        <p:txBody>
+          <a:bodyPr wrap="square" rtlCol="0">
+            <a:spAutoFit/>
+          </a:bodyPr>
+          <a:lstStyle/>
+          <a:p>
+            <a:r>
+              <a:rPr lang="ko-KR" altLang="en-US" sz="1050" dirty="0"/>
+              <a:t>글 작성 후 글을 등록하거나 </a:t>
+            </a:r>
+            <a:endParaRPr lang="en-US" altLang="ko-KR" sz="1050" dirty="0"/>
+          </a:p>
+          <a:p>
+            <a:r>
+              <a:rPr lang="ko-KR" altLang="en-US" sz="1050" dirty="0"/>
+              <a:t>작성 취소 가능</a:t>
+            </a:r>
+          </a:p>
+        </p:txBody>
+      </p:sp>
+      <p:sp>
+        <p:nvSpPr>
+          <p:cNvPr id="17" name="사각형: 둥근 모서리 16">
             <a:hlinkClick r:id="rId3" action="ppaction://hlinksldjump"/>
           </p:cNvPr>
           <p:cNvSpPr/>
@@ -46435,7 +45830,7 @@
     </p:spTree>
     <p:extLst>
       <p:ext uri="{BB962C8B-B14F-4D97-AF65-F5344CB8AC3E}">
-        <p14:creationId xmlns:p14="http://schemas.microsoft.com/office/powerpoint/2010/main" val="3912125344"/>
+        <p14:creationId xmlns:p14="http://schemas.microsoft.com/office/powerpoint/2010/main" val="3270753686"/>
       </p:ext>
     </p:extLst>
   </p:cSld>
@@ -46517,8 +45912,8 @@
         </p:blipFill>
         <p:spPr>
           <a:xfrm>
-            <a:off x="286363" y="1112677"/>
-            <a:ext cx="8717822" cy="4914900"/>
+            <a:off x="289153" y="1112676"/>
+            <a:ext cx="8715031" cy="4914900"/>
           </a:xfrm>
           <a:prstGeom prst="rect">
             <a:avLst/>
@@ -46583,7 +45978,7 @@
         </p:nvSpPr>
         <p:spPr>
           <a:xfrm>
-            <a:off x="9246065" y="2509623"/>
+            <a:off x="9246065" y="3105242"/>
             <a:ext cx="377505" cy="369198"/>
           </a:xfrm>
           <a:prstGeom prst="ellipse">
@@ -46633,7 +46028,7 @@
         </p:nvSpPr>
         <p:spPr>
           <a:xfrm>
-            <a:off x="9233481" y="1746225"/>
+            <a:off x="9233481" y="2341844"/>
             <a:ext cx="377505" cy="369198"/>
           </a:xfrm>
           <a:prstGeom prst="ellipse">
@@ -46677,13 +46072,211 @@
       </p:sp>
       <p:sp>
         <p:nvSpPr>
-          <p:cNvPr id="16" name="타원 15"/>
+          <p:cNvPr id="16" name="TextBox 15"/>
+          <p:cNvSpPr txBox="1"/>
+          <p:nvPr/>
+        </p:nvSpPr>
+        <p:spPr>
+          <a:xfrm>
+            <a:off x="9764785" y="1039417"/>
+            <a:ext cx="2427216" cy="1061829"/>
+          </a:xfrm>
+          <a:prstGeom prst="rect">
+            <a:avLst/>
+          </a:prstGeom>
+          <a:noFill/>
+        </p:spPr>
+        <p:txBody>
+          <a:bodyPr wrap="square" rtlCol="0">
+            <a:spAutoFit/>
+          </a:bodyPr>
+          <a:lstStyle/>
+          <a:p>
+            <a:r>
+              <a:rPr lang="ko-KR" altLang="en-US" sz="1050" dirty="0"/>
+              <a:t>자주하는 질문 </a:t>
+            </a:r>
+            <a:endParaRPr lang="en-US" altLang="ko-KR" sz="1050" dirty="0"/>
+          </a:p>
+          <a:p>
+            <a:pPr marL="171450" indent="-171450">
+              <a:buFontTx/>
+              <a:buChar char="-"/>
+            </a:pPr>
+            <a:r>
+              <a:rPr lang="ko-KR" altLang="en-US" sz="1050" dirty="0"/>
+              <a:t>자주 받는 질문들을 모아</a:t>
+            </a:r>
+            <a:r>
+              <a:rPr lang="en-US" altLang="ko-KR" sz="1050" dirty="0"/>
+              <a:t> </a:t>
+            </a:r>
+            <a:r>
+              <a:rPr lang="ko-KR" altLang="en-US" sz="1050" dirty="0"/>
+              <a:t>보여줌</a:t>
+            </a:r>
+            <a:r>
+              <a:rPr lang="en-US" altLang="ko-KR" sz="1050" dirty="0"/>
+              <a:t> </a:t>
+            </a:r>
+          </a:p>
+          <a:p>
+            <a:r>
+              <a:rPr lang="ko-KR" altLang="en-US" sz="1050" dirty="0"/>
+              <a:t>회원 문의 </a:t>
+            </a:r>
+            <a:endParaRPr lang="en-US" altLang="ko-KR" sz="1050" dirty="0"/>
+          </a:p>
+          <a:p>
+            <a:r>
+              <a:rPr lang="en-US" altLang="ko-KR" sz="1050" dirty="0"/>
+              <a:t>–  </a:t>
+            </a:r>
+            <a:r>
+              <a:rPr lang="ko-KR" altLang="en-US" sz="1050" dirty="0"/>
+              <a:t>회원 </a:t>
+            </a:r>
+            <a:r>
+              <a:rPr lang="ko-KR" altLang="en-US" sz="1050" dirty="0" err="1"/>
+              <a:t>문의글을</a:t>
+            </a:r>
+            <a:r>
+              <a:rPr lang="ko-KR" altLang="en-US" sz="1050" dirty="0"/>
+              <a:t> </a:t>
+            </a:r>
+            <a:r>
+              <a:rPr lang="ko-KR" altLang="en-US" sz="1050" dirty="0" err="1"/>
+              <a:t>모아봄</a:t>
+            </a:r>
+            <a:endParaRPr lang="en-US" altLang="ko-KR" sz="1050" dirty="0"/>
+          </a:p>
+          <a:p>
+            <a:r>
+              <a:rPr lang="ko-KR" altLang="en-US" sz="1050" dirty="0"/>
+              <a:t>비회원 문의 </a:t>
+            </a:r>
+            <a:endParaRPr lang="en-US" altLang="ko-KR" sz="1050" dirty="0"/>
+          </a:p>
+          <a:p>
+            <a:r>
+              <a:rPr lang="en-US" altLang="ko-KR" sz="1050" dirty="0"/>
+              <a:t>-  </a:t>
+            </a:r>
+            <a:r>
+              <a:rPr lang="ko-KR" altLang="en-US" sz="1050" dirty="0"/>
+              <a:t>비회원 </a:t>
+            </a:r>
+            <a:r>
+              <a:rPr lang="ko-KR" altLang="en-US" sz="1050" dirty="0" err="1"/>
+              <a:t>문의글을</a:t>
+            </a:r>
+            <a:r>
+              <a:rPr lang="ko-KR" altLang="en-US" sz="1050" dirty="0"/>
+              <a:t> </a:t>
+            </a:r>
+            <a:r>
+              <a:rPr lang="ko-KR" altLang="en-US" sz="1050" dirty="0" err="1"/>
+              <a:t>모아봄</a:t>
+            </a:r>
+            <a:endParaRPr lang="ko-KR" altLang="en-US" sz="1050" dirty="0"/>
+          </a:p>
+        </p:txBody>
+      </p:sp>
+      <p:sp>
+        <p:nvSpPr>
+          <p:cNvPr id="17" name="TextBox 16"/>
+          <p:cNvSpPr txBox="1"/>
+          <p:nvPr/>
+        </p:nvSpPr>
+        <p:spPr>
+          <a:xfrm>
+            <a:off x="9764783" y="2410960"/>
+            <a:ext cx="2274817" cy="261610"/>
+          </a:xfrm>
+          <a:prstGeom prst="rect">
+            <a:avLst/>
+          </a:prstGeom>
+          <a:noFill/>
+        </p:spPr>
+        <p:txBody>
+          <a:bodyPr wrap="square" rtlCol="0">
+            <a:spAutoFit/>
+          </a:bodyPr>
+          <a:lstStyle/>
+          <a:p>
+            <a:r>
+              <a:rPr lang="ko-KR" altLang="en-US" sz="1050"/>
+              <a:t>글쓰기 버튼으로 글 작성</a:t>
+            </a:r>
+            <a:endParaRPr lang="ko-KR" altLang="en-US" sz="1050" dirty="0"/>
+          </a:p>
+        </p:txBody>
+      </p:sp>
+      <p:sp>
+        <p:nvSpPr>
+          <p:cNvPr id="18" name="TextBox 17"/>
+          <p:cNvSpPr txBox="1"/>
+          <p:nvPr/>
+        </p:nvSpPr>
+        <p:spPr>
+          <a:xfrm>
+            <a:off x="9764782" y="3155576"/>
+            <a:ext cx="2427217" cy="430887"/>
+          </a:xfrm>
+          <a:prstGeom prst="rect">
+            <a:avLst/>
+          </a:prstGeom>
+          <a:noFill/>
+        </p:spPr>
+        <p:txBody>
+          <a:bodyPr wrap="square" rtlCol="0">
+            <a:spAutoFit/>
+          </a:bodyPr>
+          <a:lstStyle/>
+          <a:p>
+            <a:r>
+              <a:rPr lang="ko-KR" altLang="en-US" sz="1050" dirty="0"/>
+              <a:t>작성날짜와 아이디</a:t>
+            </a:r>
+            <a:r>
+              <a:rPr lang="en-US" altLang="ko-KR" sz="1050" dirty="0"/>
+              <a:t>, </a:t>
+            </a:r>
+            <a:r>
+              <a:rPr lang="ko-KR" altLang="en-US" sz="1050" dirty="0"/>
+              <a:t>제목</a:t>
+            </a:r>
+            <a:r>
+              <a:rPr lang="en-US" altLang="ko-KR" sz="1050" dirty="0"/>
+              <a:t>, </a:t>
+            </a:r>
+            <a:r>
+              <a:rPr lang="ko-KR" altLang="en-US" sz="1050" dirty="0"/>
+              <a:t>내용 등</a:t>
+            </a:r>
+            <a:endParaRPr lang="en-US" altLang="ko-KR" sz="1050" dirty="0"/>
+          </a:p>
+          <a:p>
+            <a:r>
+              <a:rPr lang="ko-KR" altLang="en-US" sz="1050" dirty="0" err="1"/>
+              <a:t>으로</a:t>
+            </a:r>
+            <a:r>
+              <a:rPr lang="ko-KR" altLang="en-US" sz="1050" dirty="0"/>
+              <a:t> 게시판 내 글 검색</a:t>
+            </a:r>
+          </a:p>
+        </p:txBody>
+      </p:sp>
+      <p:sp>
+        <p:nvSpPr>
+          <p:cNvPr id="19" name="타원 18"/>
           <p:cNvSpPr/>
           <p:nvPr/>
         </p:nvSpPr>
         <p:spPr>
           <a:xfrm>
-            <a:off x="2599188" y="1792363"/>
+            <a:off x="2697058" y="1746225"/>
             <a:ext cx="377505" cy="369198"/>
           </a:xfrm>
           <a:prstGeom prst="ellipse">
@@ -46727,13 +46320,13 @@
       </p:sp>
       <p:sp>
         <p:nvSpPr>
-          <p:cNvPr id="17" name="타원 16"/>
+          <p:cNvPr id="20" name="타원 19"/>
           <p:cNvSpPr/>
           <p:nvPr/>
         </p:nvSpPr>
         <p:spPr>
           <a:xfrm>
-            <a:off x="2607576" y="4567721"/>
+            <a:off x="6690218" y="1746225"/>
             <a:ext cx="377505" cy="369198"/>
           </a:xfrm>
           <a:prstGeom prst="ellipse">
@@ -46777,13 +46370,13 @@
       </p:sp>
       <p:sp>
         <p:nvSpPr>
-          <p:cNvPr id="18" name="타원 17"/>
+          <p:cNvPr id="21" name="타원 20"/>
           <p:cNvSpPr/>
           <p:nvPr/>
         </p:nvSpPr>
         <p:spPr>
           <a:xfrm>
-            <a:off x="6076425" y="5184307"/>
+            <a:off x="2697059" y="5166173"/>
             <a:ext cx="377505" cy="369198"/>
           </a:xfrm>
           <a:prstGeom prst="ellipse">
@@ -46827,167 +46420,7 @@
       </p:sp>
       <p:sp>
         <p:nvSpPr>
-          <p:cNvPr id="19" name="직사각형 18"/>
-          <p:cNvSpPr/>
-          <p:nvPr/>
-        </p:nvSpPr>
-        <p:spPr>
-          <a:xfrm>
-            <a:off x="2985082" y="1897269"/>
-            <a:ext cx="4606955" cy="2691510"/>
-          </a:xfrm>
-          <a:prstGeom prst="rect">
-            <a:avLst/>
-          </a:prstGeom>
-          <a:noFill/>
-          <a:ln>
-            <a:solidFill>
-              <a:schemeClr val="accent2"/>
-            </a:solidFill>
-            <a:prstDash val="dash"/>
-          </a:ln>
-        </p:spPr>
-        <p:style>
-          <a:lnRef idx="2">
-            <a:schemeClr val="accent1">
-              <a:shade val="50000"/>
-            </a:schemeClr>
-          </a:lnRef>
-          <a:fillRef idx="1">
-            <a:schemeClr val="accent1"/>
-          </a:fillRef>
-          <a:effectRef idx="0">
-            <a:schemeClr val="accent1"/>
-          </a:effectRef>
-          <a:fontRef idx="minor">
-            <a:schemeClr val="lt1"/>
-          </a:fontRef>
-        </p:style>
-        <p:txBody>
-          <a:bodyPr rtlCol="0" anchor="ctr"/>
-          <a:lstStyle/>
-          <a:p>
-            <a:pPr algn="ctr"/>
-            <a:endParaRPr lang="ko-KR" altLang="en-US"/>
-          </a:p>
-        </p:txBody>
-      </p:sp>
-      <p:sp>
-        <p:nvSpPr>
-          <p:cNvPr id="20" name="TextBox 19"/>
-          <p:cNvSpPr txBox="1"/>
-          <p:nvPr/>
-        </p:nvSpPr>
-        <p:spPr>
-          <a:xfrm>
-            <a:off x="9724238" y="1061124"/>
-            <a:ext cx="2322353" cy="261610"/>
-          </a:xfrm>
-          <a:prstGeom prst="rect">
-            <a:avLst/>
-          </a:prstGeom>
-          <a:noFill/>
-        </p:spPr>
-        <p:txBody>
-          <a:bodyPr wrap="square" rtlCol="0">
-            <a:spAutoFit/>
-          </a:bodyPr>
-          <a:lstStyle/>
-          <a:p>
-            <a:r>
-              <a:rPr lang="ko-KR" altLang="en-US" sz="1050" dirty="0"/>
-              <a:t>글 작성 화면 </a:t>
-            </a:r>
-            <a:r>
-              <a:rPr lang="en-US" altLang="ko-KR" sz="1050" dirty="0"/>
-              <a:t>- </a:t>
-            </a:r>
-            <a:r>
-              <a:rPr lang="ko-KR" altLang="en-US" sz="1050" dirty="0"/>
-              <a:t>제목과 본문 작성</a:t>
-            </a:r>
-          </a:p>
-        </p:txBody>
-      </p:sp>
-      <p:sp>
-        <p:nvSpPr>
-          <p:cNvPr id="21" name="TextBox 20"/>
-          <p:cNvSpPr txBox="1"/>
-          <p:nvPr/>
-        </p:nvSpPr>
-        <p:spPr>
-          <a:xfrm>
-            <a:off x="9727035" y="1762267"/>
-            <a:ext cx="1841384" cy="430887"/>
-          </a:xfrm>
-          <a:prstGeom prst="rect">
-            <a:avLst/>
-          </a:prstGeom>
-          <a:noFill/>
-        </p:spPr>
-        <p:txBody>
-          <a:bodyPr wrap="square" rtlCol="0">
-            <a:spAutoFit/>
-          </a:bodyPr>
-          <a:lstStyle/>
-          <a:p>
-            <a:r>
-              <a:rPr lang="ko-KR" altLang="en-US" sz="1050" dirty="0" err="1"/>
-              <a:t>문의글을</a:t>
-            </a:r>
-            <a:r>
-              <a:rPr lang="ko-KR" altLang="en-US" sz="1050" dirty="0"/>
-              <a:t> 공개하거나 </a:t>
-            </a:r>
-            <a:endParaRPr lang="en-US" altLang="ko-KR" sz="1050" dirty="0"/>
-          </a:p>
-          <a:p>
-            <a:r>
-              <a:rPr lang="ko-KR" altLang="en-US" sz="1050" dirty="0"/>
-              <a:t>비공개 설정 가능</a:t>
-            </a:r>
-          </a:p>
-        </p:txBody>
-      </p:sp>
-      <p:sp>
-        <p:nvSpPr>
-          <p:cNvPr id="22" name="TextBox 21"/>
-          <p:cNvSpPr txBox="1"/>
-          <p:nvPr/>
-        </p:nvSpPr>
-        <p:spPr>
-          <a:xfrm>
-            <a:off x="9724238" y="2617211"/>
-            <a:ext cx="2204907" cy="430887"/>
-          </a:xfrm>
-          <a:prstGeom prst="rect">
-            <a:avLst/>
-          </a:prstGeom>
-          <a:noFill/>
-        </p:spPr>
-        <p:txBody>
-          <a:bodyPr wrap="square" rtlCol="0">
-            <a:spAutoFit/>
-          </a:bodyPr>
-          <a:lstStyle/>
-          <a:p>
-            <a:r>
-              <a:rPr lang="ko-KR" altLang="en-US" sz="1050" dirty="0"/>
-              <a:t>글 작성 후 글을 등록하거나 </a:t>
-            </a:r>
-            <a:endParaRPr lang="en-US" altLang="ko-KR" sz="1050" dirty="0"/>
-          </a:p>
-          <a:p>
-            <a:r>
-              <a:rPr lang="ko-KR" altLang="en-US" sz="1050" dirty="0"/>
-              <a:t>작성 취소 가능</a:t>
-            </a:r>
-          </a:p>
-        </p:txBody>
-      </p:sp>
-      <p:sp>
-        <p:nvSpPr>
-          <p:cNvPr id="23" name="사각형: 둥근 모서리 22">
+          <p:cNvPr id="15" name="사각형: 둥근 모서리 14">
             <a:hlinkClick r:id="rId3" action="ppaction://hlinksldjump"/>
           </p:cNvPr>
           <p:cNvSpPr/>
@@ -47031,7 +46464,7 @@
     </p:spTree>
     <p:extLst>
       <p:ext uri="{BB962C8B-B14F-4D97-AF65-F5344CB8AC3E}">
-        <p14:creationId xmlns:p14="http://schemas.microsoft.com/office/powerpoint/2010/main" val="1664845829"/>
+        <p14:creationId xmlns:p14="http://schemas.microsoft.com/office/powerpoint/2010/main" val="3912125344"/>
       </p:ext>
     </p:extLst>
   </p:cSld>
@@ -47113,7 +46546,7 @@
         </p:blipFill>
         <p:spPr>
           <a:xfrm>
-            <a:off x="286362" y="1112676"/>
+            <a:off x="286363" y="1112677"/>
             <a:ext cx="8717822" cy="4914900"/>
           </a:xfrm>
           <a:prstGeom prst="rect">
@@ -47279,7 +46712,7 @@
         </p:nvSpPr>
         <p:spPr>
           <a:xfrm>
-            <a:off x="2697058" y="1746225"/>
+            <a:off x="2599188" y="1792363"/>
             <a:ext cx="377505" cy="369198"/>
           </a:xfrm>
           <a:prstGeom prst="ellipse">
@@ -47329,7 +46762,7 @@
         </p:nvSpPr>
         <p:spPr>
           <a:xfrm>
-            <a:off x="6690218" y="1746225"/>
+            <a:off x="2607576" y="4567721"/>
             <a:ext cx="377505" cy="369198"/>
           </a:xfrm>
           <a:prstGeom prst="ellipse">
@@ -47379,7 +46812,7 @@
         </p:nvSpPr>
         <p:spPr>
           <a:xfrm>
-            <a:off x="2697059" y="5166173"/>
+            <a:off x="6076425" y="5184307"/>
             <a:ext cx="377505" cy="369198"/>
           </a:xfrm>
           <a:prstGeom prst="ellipse">
@@ -47423,14 +46856,61 @@
       </p:sp>
       <p:sp>
         <p:nvSpPr>
-          <p:cNvPr id="19" name="TextBox 18"/>
+          <p:cNvPr id="19" name="직사각형 18"/>
+          <p:cNvSpPr/>
+          <p:nvPr/>
+        </p:nvSpPr>
+        <p:spPr>
+          <a:xfrm>
+            <a:off x="2985082" y="1897269"/>
+            <a:ext cx="4606955" cy="2691510"/>
+          </a:xfrm>
+          <a:prstGeom prst="rect">
+            <a:avLst/>
+          </a:prstGeom>
+          <a:noFill/>
+          <a:ln>
+            <a:solidFill>
+              <a:schemeClr val="accent2"/>
+            </a:solidFill>
+            <a:prstDash val="dash"/>
+          </a:ln>
+        </p:spPr>
+        <p:style>
+          <a:lnRef idx="2">
+            <a:schemeClr val="accent1">
+              <a:shade val="50000"/>
+            </a:schemeClr>
+          </a:lnRef>
+          <a:fillRef idx="1">
+            <a:schemeClr val="accent1"/>
+          </a:fillRef>
+          <a:effectRef idx="0">
+            <a:schemeClr val="accent1"/>
+          </a:effectRef>
+          <a:fontRef idx="minor">
+            <a:schemeClr val="lt1"/>
+          </a:fontRef>
+        </p:style>
+        <p:txBody>
+          <a:bodyPr rtlCol="0" anchor="ctr"/>
+          <a:lstStyle/>
+          <a:p>
+            <a:pPr algn="ctr"/>
+            <a:endParaRPr lang="ko-KR" altLang="en-US"/>
+          </a:p>
+        </p:txBody>
+      </p:sp>
+      <p:sp>
+        <p:nvSpPr>
+          <p:cNvPr id="20" name="TextBox 19"/>
           <p:cNvSpPr txBox="1"/>
           <p:nvPr/>
         </p:nvSpPr>
         <p:spPr>
           <a:xfrm>
-            <a:off x="9764784" y="1039417"/>
-            <a:ext cx="3271707" cy="253916"/>
+            <a:off x="9724238" y="1061124"/>
+            <a:ext cx="2322353" cy="261610"/>
           </a:xfrm>
           <a:prstGeom prst="rect">
             <a:avLst/>
@@ -47445,21 +46925,29 @@
           <a:p>
             <a:r>
               <a:rPr lang="ko-KR" altLang="en-US" sz="1050" dirty="0"/>
-              <a:t>신고 글 목록 노출</a:t>
-            </a:r>
-          </a:p>
-        </p:txBody>
-      </p:sp>
-      <p:sp>
-        <p:nvSpPr>
-          <p:cNvPr id="20" name="TextBox 19"/>
+              <a:t>글 작성 화면 </a:t>
+            </a:r>
+            <a:r>
+              <a:rPr lang="en-US" altLang="ko-KR" sz="1050" dirty="0"/>
+              <a:t>- </a:t>
+            </a:r>
+            <a:r>
+              <a:rPr lang="ko-KR" altLang="en-US" sz="1050" dirty="0"/>
+              <a:t>제목과 본문 작성</a:t>
+            </a:r>
+          </a:p>
+        </p:txBody>
+      </p:sp>
+      <p:sp>
+        <p:nvSpPr>
+          <p:cNvPr id="21" name="TextBox 20"/>
           <p:cNvSpPr txBox="1"/>
           <p:nvPr/>
         </p:nvSpPr>
         <p:spPr>
           <a:xfrm>
-            <a:off x="9764783" y="1815341"/>
-            <a:ext cx="3271707" cy="261610"/>
+            <a:off x="9727035" y="1762267"/>
+            <a:ext cx="1841384" cy="430887"/>
           </a:xfrm>
           <a:prstGeom prst="rect">
             <a:avLst/>
@@ -47473,23 +46961,33 @@
           <a:lstStyle/>
           <a:p>
             <a:r>
-              <a:rPr lang="ko-KR" altLang="en-US" sz="1050"/>
-              <a:t>글쓰기 버튼으로 글 작성</a:t>
-            </a:r>
-            <a:endParaRPr lang="ko-KR" altLang="en-US" sz="1050" dirty="0"/>
-          </a:p>
-        </p:txBody>
-      </p:sp>
-      <p:sp>
-        <p:nvSpPr>
-          <p:cNvPr id="21" name="TextBox 20"/>
+              <a:rPr lang="ko-KR" altLang="en-US" sz="1050" dirty="0" err="1"/>
+              <a:t>문의글을</a:t>
+            </a:r>
+            <a:r>
+              <a:rPr lang="ko-KR" altLang="en-US" sz="1050" dirty="0"/>
+              <a:t> 공개하거나 </a:t>
+            </a:r>
+            <a:endParaRPr lang="en-US" altLang="ko-KR" sz="1050" dirty="0"/>
+          </a:p>
+          <a:p>
+            <a:r>
+              <a:rPr lang="ko-KR" altLang="en-US" sz="1050" dirty="0"/>
+              <a:t>비공개 설정 가능</a:t>
+            </a:r>
+          </a:p>
+        </p:txBody>
+      </p:sp>
+      <p:sp>
+        <p:nvSpPr>
+          <p:cNvPr id="22" name="TextBox 21"/>
           <p:cNvSpPr txBox="1"/>
           <p:nvPr/>
         </p:nvSpPr>
         <p:spPr>
           <a:xfrm>
-            <a:off x="9764783" y="2559957"/>
-            <a:ext cx="2156600" cy="430887"/>
+            <a:off x="9724238" y="2617211"/>
+            <a:ext cx="2204907" cy="430887"/>
           </a:xfrm>
           <a:prstGeom prst="rect">
             <a:avLst/>
@@ -47504,32 +47002,21 @@
           <a:p>
             <a:r>
               <a:rPr lang="ko-KR" altLang="en-US" sz="1050" dirty="0"/>
-              <a:t>작성날짜와 아이디</a:t>
-            </a:r>
-            <a:r>
-              <a:rPr lang="en-US" altLang="ko-KR" sz="1050" dirty="0"/>
-              <a:t>, </a:t>
-            </a:r>
+              <a:t>글 작성 후 글을 등록하거나 </a:t>
+            </a:r>
+            <a:endParaRPr lang="en-US" altLang="ko-KR" sz="1050" dirty="0"/>
+          </a:p>
+          <a:p>
             <a:r>
               <a:rPr lang="ko-KR" altLang="en-US" sz="1050" dirty="0"/>
-              <a:t>제목</a:t>
-            </a:r>
-            <a:r>
-              <a:rPr lang="en-US" altLang="ko-KR" sz="1050" dirty="0"/>
-              <a:t>, </a:t>
-            </a:r>
-          </a:p>
-          <a:p>
-            <a:r>
-              <a:rPr lang="ko-KR" altLang="en-US" sz="1050" dirty="0"/>
-              <a:t>내용 등으로 게시판 내 글 검색</a:t>
-            </a:r>
-          </a:p>
-        </p:txBody>
-      </p:sp>
-      <p:sp>
-        <p:nvSpPr>
-          <p:cNvPr id="15" name="사각형: 둥근 모서리 14">
+              <a:t>작성 취소 가능</a:t>
+            </a:r>
+          </a:p>
+        </p:txBody>
+      </p:sp>
+      <p:sp>
+        <p:nvSpPr>
+          <p:cNvPr id="23" name="사각형: 둥근 모서리 22">
             <a:hlinkClick r:id="rId3" action="ppaction://hlinksldjump"/>
           </p:cNvPr>
           <p:cNvSpPr/>
@@ -47573,7 +47060,7 @@
     </p:spTree>
     <p:extLst>
       <p:ext uri="{BB962C8B-B14F-4D97-AF65-F5344CB8AC3E}">
-        <p14:creationId xmlns:p14="http://schemas.microsoft.com/office/powerpoint/2010/main" val="2843640200"/>
+        <p14:creationId xmlns:p14="http://schemas.microsoft.com/office/powerpoint/2010/main" val="1664845829"/>
       </p:ext>
     </p:extLst>
   </p:cSld>
@@ -47655,7 +47142,7 @@
         </p:blipFill>
         <p:spPr>
           <a:xfrm>
-            <a:off x="286363" y="1112677"/>
+            <a:off x="286362" y="1112676"/>
             <a:ext cx="8717822" cy="4914900"/>
           </a:xfrm>
           <a:prstGeom prst="rect">
@@ -47663,6 +47150,412 @@
           </a:prstGeom>
         </p:spPr>
       </p:pic>
+      <p:sp>
+        <p:nvSpPr>
+          <p:cNvPr id="5" name="타원 4"/>
+          <p:cNvSpPr/>
+          <p:nvPr/>
+        </p:nvSpPr>
+        <p:spPr>
+          <a:xfrm>
+            <a:off x="9233482" y="1010790"/>
+            <a:ext cx="377505" cy="369198"/>
+          </a:xfrm>
+          <a:prstGeom prst="ellipse">
+            <a:avLst/>
+          </a:prstGeom>
+          <a:solidFill>
+            <a:schemeClr val="accent2"/>
+          </a:solidFill>
+          <a:ln>
+            <a:noFill/>
+          </a:ln>
+        </p:spPr>
+        <p:style>
+          <a:lnRef idx="2">
+            <a:schemeClr val="accent1">
+              <a:shade val="50000"/>
+            </a:schemeClr>
+          </a:lnRef>
+          <a:fillRef idx="1">
+            <a:schemeClr val="accent1"/>
+          </a:fillRef>
+          <a:effectRef idx="0">
+            <a:schemeClr val="accent1"/>
+          </a:effectRef>
+          <a:fontRef idx="minor">
+            <a:schemeClr val="lt1"/>
+          </a:fontRef>
+        </p:style>
+        <p:txBody>
+          <a:bodyPr rtlCol="0" anchor="ctr"/>
+          <a:lstStyle/>
+          <a:p>
+            <a:pPr algn="ctr"/>
+            <a:r>
+              <a:rPr lang="en-US" altLang="ko-KR" dirty="0"/>
+              <a:t>1</a:t>
+            </a:r>
+            <a:endParaRPr lang="ko-KR" altLang="en-US" dirty="0"/>
+          </a:p>
+        </p:txBody>
+      </p:sp>
+      <p:sp>
+        <p:nvSpPr>
+          <p:cNvPr id="9" name="타원 8"/>
+          <p:cNvSpPr/>
+          <p:nvPr/>
+        </p:nvSpPr>
+        <p:spPr>
+          <a:xfrm>
+            <a:off x="9246065" y="2509623"/>
+            <a:ext cx="377505" cy="369198"/>
+          </a:xfrm>
+          <a:prstGeom prst="ellipse">
+            <a:avLst/>
+          </a:prstGeom>
+          <a:solidFill>
+            <a:schemeClr val="accent2"/>
+          </a:solidFill>
+          <a:ln>
+            <a:noFill/>
+          </a:ln>
+        </p:spPr>
+        <p:style>
+          <a:lnRef idx="2">
+            <a:schemeClr val="accent1">
+              <a:shade val="50000"/>
+            </a:schemeClr>
+          </a:lnRef>
+          <a:fillRef idx="1">
+            <a:schemeClr val="accent1"/>
+          </a:fillRef>
+          <a:effectRef idx="0">
+            <a:schemeClr val="accent1"/>
+          </a:effectRef>
+          <a:fontRef idx="minor">
+            <a:schemeClr val="lt1"/>
+          </a:fontRef>
+        </p:style>
+        <p:txBody>
+          <a:bodyPr rtlCol="0" anchor="ctr"/>
+          <a:lstStyle/>
+          <a:p>
+            <a:pPr algn="ctr"/>
+            <a:r>
+              <a:rPr lang="en-US" altLang="ko-KR" dirty="0"/>
+              <a:t>3</a:t>
+            </a:r>
+            <a:endParaRPr lang="ko-KR" altLang="en-US" dirty="0"/>
+          </a:p>
+        </p:txBody>
+      </p:sp>
+      <p:sp>
+        <p:nvSpPr>
+          <p:cNvPr id="10" name="타원 9"/>
+          <p:cNvSpPr/>
+          <p:nvPr/>
+        </p:nvSpPr>
+        <p:spPr>
+          <a:xfrm>
+            <a:off x="9233481" y="1746225"/>
+            <a:ext cx="377505" cy="369198"/>
+          </a:xfrm>
+          <a:prstGeom prst="ellipse">
+            <a:avLst/>
+          </a:prstGeom>
+          <a:solidFill>
+            <a:schemeClr val="accent2"/>
+          </a:solidFill>
+          <a:ln>
+            <a:noFill/>
+          </a:ln>
+        </p:spPr>
+        <p:style>
+          <a:lnRef idx="2">
+            <a:schemeClr val="accent1">
+              <a:shade val="50000"/>
+            </a:schemeClr>
+          </a:lnRef>
+          <a:fillRef idx="1">
+            <a:schemeClr val="accent1"/>
+          </a:fillRef>
+          <a:effectRef idx="0">
+            <a:schemeClr val="accent1"/>
+          </a:effectRef>
+          <a:fontRef idx="minor">
+            <a:schemeClr val="lt1"/>
+          </a:fontRef>
+        </p:style>
+        <p:txBody>
+          <a:bodyPr rtlCol="0" anchor="ctr"/>
+          <a:lstStyle/>
+          <a:p>
+            <a:pPr algn="ctr"/>
+            <a:r>
+              <a:rPr lang="en-US" altLang="ko-KR" dirty="0"/>
+              <a:t>2</a:t>
+            </a:r>
+            <a:endParaRPr lang="ko-KR" altLang="en-US" dirty="0"/>
+          </a:p>
+        </p:txBody>
+      </p:sp>
+      <p:sp>
+        <p:nvSpPr>
+          <p:cNvPr id="16" name="타원 15"/>
+          <p:cNvSpPr/>
+          <p:nvPr/>
+        </p:nvSpPr>
+        <p:spPr>
+          <a:xfrm>
+            <a:off x="2697058" y="1746225"/>
+            <a:ext cx="377505" cy="369198"/>
+          </a:xfrm>
+          <a:prstGeom prst="ellipse">
+            <a:avLst/>
+          </a:prstGeom>
+          <a:solidFill>
+            <a:schemeClr val="accent2"/>
+          </a:solidFill>
+          <a:ln>
+            <a:noFill/>
+          </a:ln>
+        </p:spPr>
+        <p:style>
+          <a:lnRef idx="2">
+            <a:schemeClr val="accent1">
+              <a:shade val="50000"/>
+            </a:schemeClr>
+          </a:lnRef>
+          <a:fillRef idx="1">
+            <a:schemeClr val="accent1"/>
+          </a:fillRef>
+          <a:effectRef idx="0">
+            <a:schemeClr val="accent1"/>
+          </a:effectRef>
+          <a:fontRef idx="minor">
+            <a:schemeClr val="lt1"/>
+          </a:fontRef>
+        </p:style>
+        <p:txBody>
+          <a:bodyPr rtlCol="0" anchor="ctr"/>
+          <a:lstStyle/>
+          <a:p>
+            <a:pPr algn="ctr"/>
+            <a:r>
+              <a:rPr lang="en-US" altLang="ko-KR" dirty="0"/>
+              <a:t>1</a:t>
+            </a:r>
+            <a:endParaRPr lang="ko-KR" altLang="en-US" dirty="0"/>
+          </a:p>
+        </p:txBody>
+      </p:sp>
+      <p:sp>
+        <p:nvSpPr>
+          <p:cNvPr id="17" name="타원 16"/>
+          <p:cNvSpPr/>
+          <p:nvPr/>
+        </p:nvSpPr>
+        <p:spPr>
+          <a:xfrm>
+            <a:off x="6690218" y="1746225"/>
+            <a:ext cx="377505" cy="369198"/>
+          </a:xfrm>
+          <a:prstGeom prst="ellipse">
+            <a:avLst/>
+          </a:prstGeom>
+          <a:solidFill>
+            <a:schemeClr val="accent2"/>
+          </a:solidFill>
+          <a:ln>
+            <a:noFill/>
+          </a:ln>
+        </p:spPr>
+        <p:style>
+          <a:lnRef idx="2">
+            <a:schemeClr val="accent1">
+              <a:shade val="50000"/>
+            </a:schemeClr>
+          </a:lnRef>
+          <a:fillRef idx="1">
+            <a:schemeClr val="accent1"/>
+          </a:fillRef>
+          <a:effectRef idx="0">
+            <a:schemeClr val="accent1"/>
+          </a:effectRef>
+          <a:fontRef idx="minor">
+            <a:schemeClr val="lt1"/>
+          </a:fontRef>
+        </p:style>
+        <p:txBody>
+          <a:bodyPr rtlCol="0" anchor="ctr"/>
+          <a:lstStyle/>
+          <a:p>
+            <a:pPr algn="ctr"/>
+            <a:r>
+              <a:rPr lang="en-US" altLang="ko-KR" dirty="0"/>
+              <a:t>2</a:t>
+            </a:r>
+            <a:endParaRPr lang="ko-KR" altLang="en-US" dirty="0"/>
+          </a:p>
+        </p:txBody>
+      </p:sp>
+      <p:sp>
+        <p:nvSpPr>
+          <p:cNvPr id="18" name="타원 17"/>
+          <p:cNvSpPr/>
+          <p:nvPr/>
+        </p:nvSpPr>
+        <p:spPr>
+          <a:xfrm>
+            <a:off x="2697059" y="5166173"/>
+            <a:ext cx="377505" cy="369198"/>
+          </a:xfrm>
+          <a:prstGeom prst="ellipse">
+            <a:avLst/>
+          </a:prstGeom>
+          <a:solidFill>
+            <a:schemeClr val="accent2"/>
+          </a:solidFill>
+          <a:ln>
+            <a:noFill/>
+          </a:ln>
+        </p:spPr>
+        <p:style>
+          <a:lnRef idx="2">
+            <a:schemeClr val="accent1">
+              <a:shade val="50000"/>
+            </a:schemeClr>
+          </a:lnRef>
+          <a:fillRef idx="1">
+            <a:schemeClr val="accent1"/>
+          </a:fillRef>
+          <a:effectRef idx="0">
+            <a:schemeClr val="accent1"/>
+          </a:effectRef>
+          <a:fontRef idx="minor">
+            <a:schemeClr val="lt1"/>
+          </a:fontRef>
+        </p:style>
+        <p:txBody>
+          <a:bodyPr rtlCol="0" anchor="ctr"/>
+          <a:lstStyle/>
+          <a:p>
+            <a:pPr algn="ctr"/>
+            <a:r>
+              <a:rPr lang="en-US" altLang="ko-KR" dirty="0"/>
+              <a:t>3</a:t>
+            </a:r>
+            <a:endParaRPr lang="ko-KR" altLang="en-US" dirty="0"/>
+          </a:p>
+        </p:txBody>
+      </p:sp>
+      <p:sp>
+        <p:nvSpPr>
+          <p:cNvPr id="19" name="TextBox 18"/>
+          <p:cNvSpPr txBox="1"/>
+          <p:nvPr/>
+        </p:nvSpPr>
+        <p:spPr>
+          <a:xfrm>
+            <a:off x="9764784" y="1039417"/>
+            <a:ext cx="3271707" cy="253916"/>
+          </a:xfrm>
+          <a:prstGeom prst="rect">
+            <a:avLst/>
+          </a:prstGeom>
+          <a:noFill/>
+        </p:spPr>
+        <p:txBody>
+          <a:bodyPr wrap="square" rtlCol="0">
+            <a:spAutoFit/>
+          </a:bodyPr>
+          <a:lstStyle/>
+          <a:p>
+            <a:r>
+              <a:rPr lang="ko-KR" altLang="en-US" sz="1050" dirty="0"/>
+              <a:t>신고 글 목록 노출</a:t>
+            </a:r>
+          </a:p>
+        </p:txBody>
+      </p:sp>
+      <p:sp>
+        <p:nvSpPr>
+          <p:cNvPr id="20" name="TextBox 19"/>
+          <p:cNvSpPr txBox="1"/>
+          <p:nvPr/>
+        </p:nvSpPr>
+        <p:spPr>
+          <a:xfrm>
+            <a:off x="9764783" y="1815341"/>
+            <a:ext cx="3271707" cy="261610"/>
+          </a:xfrm>
+          <a:prstGeom prst="rect">
+            <a:avLst/>
+          </a:prstGeom>
+          <a:noFill/>
+        </p:spPr>
+        <p:txBody>
+          <a:bodyPr wrap="square" rtlCol="0">
+            <a:spAutoFit/>
+          </a:bodyPr>
+          <a:lstStyle/>
+          <a:p>
+            <a:r>
+              <a:rPr lang="ko-KR" altLang="en-US" sz="1050"/>
+              <a:t>글쓰기 버튼으로 글 작성</a:t>
+            </a:r>
+            <a:endParaRPr lang="ko-KR" altLang="en-US" sz="1050" dirty="0"/>
+          </a:p>
+        </p:txBody>
+      </p:sp>
+      <p:sp>
+        <p:nvSpPr>
+          <p:cNvPr id="21" name="TextBox 20"/>
+          <p:cNvSpPr txBox="1"/>
+          <p:nvPr/>
+        </p:nvSpPr>
+        <p:spPr>
+          <a:xfrm>
+            <a:off x="9764783" y="2559957"/>
+            <a:ext cx="2156600" cy="430887"/>
+          </a:xfrm>
+          <a:prstGeom prst="rect">
+            <a:avLst/>
+          </a:prstGeom>
+          <a:noFill/>
+        </p:spPr>
+        <p:txBody>
+          <a:bodyPr wrap="square" rtlCol="0">
+            <a:spAutoFit/>
+          </a:bodyPr>
+          <a:lstStyle/>
+          <a:p>
+            <a:r>
+              <a:rPr lang="ko-KR" altLang="en-US" sz="1050" dirty="0"/>
+              <a:t>작성날짜와 아이디</a:t>
+            </a:r>
+            <a:r>
+              <a:rPr lang="en-US" altLang="ko-KR" sz="1050" dirty="0"/>
+              <a:t>, </a:t>
+            </a:r>
+            <a:r>
+              <a:rPr lang="ko-KR" altLang="en-US" sz="1050" dirty="0"/>
+              <a:t>제목</a:t>
+            </a:r>
+            <a:r>
+              <a:rPr lang="en-US" altLang="ko-KR" sz="1050" dirty="0"/>
+              <a:t>, </a:t>
+            </a:r>
+          </a:p>
+          <a:p>
+            <a:r>
+              <a:rPr lang="ko-KR" altLang="en-US" sz="1050" dirty="0"/>
+              <a:t>내용 등으로 게시판 내 글 검색</a:t>
+            </a:r>
+          </a:p>
+        </p:txBody>
+      </p:sp>
       <p:sp>
         <p:nvSpPr>
           <p:cNvPr id="15" name="사각형: 둥근 모서리 14">
@@ -47706,467 +47599,10 @@
           </a:p>
         </p:txBody>
       </p:sp>
-      <p:sp>
-        <p:nvSpPr>
-          <p:cNvPr id="31" name="타원 30"/>
-          <p:cNvSpPr/>
-          <p:nvPr/>
-        </p:nvSpPr>
-        <p:spPr>
-          <a:xfrm>
-            <a:off x="9233482" y="1010790"/>
-            <a:ext cx="377505" cy="369198"/>
-          </a:xfrm>
-          <a:prstGeom prst="ellipse">
-            <a:avLst/>
-          </a:prstGeom>
-          <a:solidFill>
-            <a:schemeClr val="accent2"/>
-          </a:solidFill>
-          <a:ln>
-            <a:noFill/>
-          </a:ln>
-        </p:spPr>
-        <p:style>
-          <a:lnRef idx="2">
-            <a:schemeClr val="accent1">
-              <a:shade val="50000"/>
-            </a:schemeClr>
-          </a:lnRef>
-          <a:fillRef idx="1">
-            <a:schemeClr val="accent1"/>
-          </a:fillRef>
-          <a:effectRef idx="0">
-            <a:schemeClr val="accent1"/>
-          </a:effectRef>
-          <a:fontRef idx="minor">
-            <a:schemeClr val="lt1"/>
-          </a:fontRef>
-        </p:style>
-        <p:txBody>
-          <a:bodyPr rtlCol="0" anchor="ctr"/>
-          <a:lstStyle/>
-          <a:p>
-            <a:pPr algn="ctr"/>
-            <a:r>
-              <a:rPr lang="en-US" altLang="ko-KR" dirty="0"/>
-              <a:t>1</a:t>
-            </a:r>
-            <a:endParaRPr lang="ko-KR" altLang="en-US" dirty="0"/>
-          </a:p>
-        </p:txBody>
-      </p:sp>
-      <p:sp>
-        <p:nvSpPr>
-          <p:cNvPr id="32" name="타원 31"/>
-          <p:cNvSpPr/>
-          <p:nvPr/>
-        </p:nvSpPr>
-        <p:spPr>
-          <a:xfrm>
-            <a:off x="9246065" y="2509623"/>
-            <a:ext cx="377505" cy="369198"/>
-          </a:xfrm>
-          <a:prstGeom prst="ellipse">
-            <a:avLst/>
-          </a:prstGeom>
-          <a:solidFill>
-            <a:schemeClr val="accent2"/>
-          </a:solidFill>
-          <a:ln>
-            <a:noFill/>
-          </a:ln>
-        </p:spPr>
-        <p:style>
-          <a:lnRef idx="2">
-            <a:schemeClr val="accent1">
-              <a:shade val="50000"/>
-            </a:schemeClr>
-          </a:lnRef>
-          <a:fillRef idx="1">
-            <a:schemeClr val="accent1"/>
-          </a:fillRef>
-          <a:effectRef idx="0">
-            <a:schemeClr val="accent1"/>
-          </a:effectRef>
-          <a:fontRef idx="minor">
-            <a:schemeClr val="lt1"/>
-          </a:fontRef>
-        </p:style>
-        <p:txBody>
-          <a:bodyPr rtlCol="0" anchor="ctr"/>
-          <a:lstStyle/>
-          <a:p>
-            <a:pPr algn="ctr"/>
-            <a:r>
-              <a:rPr lang="en-US" altLang="ko-KR" dirty="0"/>
-              <a:t>3</a:t>
-            </a:r>
-            <a:endParaRPr lang="ko-KR" altLang="en-US" dirty="0"/>
-          </a:p>
-        </p:txBody>
-      </p:sp>
-      <p:sp>
-        <p:nvSpPr>
-          <p:cNvPr id="33" name="타원 32"/>
-          <p:cNvSpPr/>
-          <p:nvPr/>
-        </p:nvSpPr>
-        <p:spPr>
-          <a:xfrm>
-            <a:off x="9233481" y="1746225"/>
-            <a:ext cx="377505" cy="369198"/>
-          </a:xfrm>
-          <a:prstGeom prst="ellipse">
-            <a:avLst/>
-          </a:prstGeom>
-          <a:solidFill>
-            <a:schemeClr val="accent2"/>
-          </a:solidFill>
-          <a:ln>
-            <a:noFill/>
-          </a:ln>
-        </p:spPr>
-        <p:style>
-          <a:lnRef idx="2">
-            <a:schemeClr val="accent1">
-              <a:shade val="50000"/>
-            </a:schemeClr>
-          </a:lnRef>
-          <a:fillRef idx="1">
-            <a:schemeClr val="accent1"/>
-          </a:fillRef>
-          <a:effectRef idx="0">
-            <a:schemeClr val="accent1"/>
-          </a:effectRef>
-          <a:fontRef idx="minor">
-            <a:schemeClr val="lt1"/>
-          </a:fontRef>
-        </p:style>
-        <p:txBody>
-          <a:bodyPr rtlCol="0" anchor="ctr"/>
-          <a:lstStyle/>
-          <a:p>
-            <a:pPr algn="ctr"/>
-            <a:r>
-              <a:rPr lang="en-US" altLang="ko-KR" dirty="0"/>
-              <a:t>2</a:t>
-            </a:r>
-            <a:endParaRPr lang="ko-KR" altLang="en-US" dirty="0"/>
-          </a:p>
-        </p:txBody>
-      </p:sp>
-      <p:sp>
-        <p:nvSpPr>
-          <p:cNvPr id="34" name="타원 33"/>
-          <p:cNvSpPr/>
-          <p:nvPr/>
-        </p:nvSpPr>
-        <p:spPr>
-          <a:xfrm>
-            <a:off x="2599188" y="1792363"/>
-            <a:ext cx="377505" cy="369198"/>
-          </a:xfrm>
-          <a:prstGeom prst="ellipse">
-            <a:avLst/>
-          </a:prstGeom>
-          <a:solidFill>
-            <a:schemeClr val="accent2"/>
-          </a:solidFill>
-          <a:ln>
-            <a:noFill/>
-          </a:ln>
-        </p:spPr>
-        <p:style>
-          <a:lnRef idx="2">
-            <a:schemeClr val="accent1">
-              <a:shade val="50000"/>
-            </a:schemeClr>
-          </a:lnRef>
-          <a:fillRef idx="1">
-            <a:schemeClr val="accent1"/>
-          </a:fillRef>
-          <a:effectRef idx="0">
-            <a:schemeClr val="accent1"/>
-          </a:effectRef>
-          <a:fontRef idx="minor">
-            <a:schemeClr val="lt1"/>
-          </a:fontRef>
-        </p:style>
-        <p:txBody>
-          <a:bodyPr rtlCol="0" anchor="ctr"/>
-          <a:lstStyle/>
-          <a:p>
-            <a:pPr algn="ctr"/>
-            <a:r>
-              <a:rPr lang="en-US" altLang="ko-KR" dirty="0"/>
-              <a:t>1</a:t>
-            </a:r>
-            <a:endParaRPr lang="ko-KR" altLang="en-US" dirty="0"/>
-          </a:p>
-        </p:txBody>
-      </p:sp>
-      <p:sp>
-        <p:nvSpPr>
-          <p:cNvPr id="35" name="타원 34"/>
-          <p:cNvSpPr/>
-          <p:nvPr/>
-        </p:nvSpPr>
-        <p:spPr>
-          <a:xfrm>
-            <a:off x="2607576" y="4567721"/>
-            <a:ext cx="377505" cy="369198"/>
-          </a:xfrm>
-          <a:prstGeom prst="ellipse">
-            <a:avLst/>
-          </a:prstGeom>
-          <a:solidFill>
-            <a:schemeClr val="accent2"/>
-          </a:solidFill>
-          <a:ln>
-            <a:noFill/>
-          </a:ln>
-        </p:spPr>
-        <p:style>
-          <a:lnRef idx="2">
-            <a:schemeClr val="accent1">
-              <a:shade val="50000"/>
-            </a:schemeClr>
-          </a:lnRef>
-          <a:fillRef idx="1">
-            <a:schemeClr val="accent1"/>
-          </a:fillRef>
-          <a:effectRef idx="0">
-            <a:schemeClr val="accent1"/>
-          </a:effectRef>
-          <a:fontRef idx="minor">
-            <a:schemeClr val="lt1"/>
-          </a:fontRef>
-        </p:style>
-        <p:txBody>
-          <a:bodyPr rtlCol="0" anchor="ctr"/>
-          <a:lstStyle/>
-          <a:p>
-            <a:pPr algn="ctr"/>
-            <a:r>
-              <a:rPr lang="en-US" altLang="ko-KR" dirty="0"/>
-              <a:t>2</a:t>
-            </a:r>
-            <a:endParaRPr lang="ko-KR" altLang="en-US" dirty="0"/>
-          </a:p>
-        </p:txBody>
-      </p:sp>
-      <p:sp>
-        <p:nvSpPr>
-          <p:cNvPr id="36" name="타원 35"/>
-          <p:cNvSpPr/>
-          <p:nvPr/>
-        </p:nvSpPr>
-        <p:spPr>
-          <a:xfrm>
-            <a:off x="6076425" y="5184307"/>
-            <a:ext cx="377505" cy="369198"/>
-          </a:xfrm>
-          <a:prstGeom prst="ellipse">
-            <a:avLst/>
-          </a:prstGeom>
-          <a:solidFill>
-            <a:schemeClr val="accent2"/>
-          </a:solidFill>
-          <a:ln>
-            <a:noFill/>
-          </a:ln>
-        </p:spPr>
-        <p:style>
-          <a:lnRef idx="2">
-            <a:schemeClr val="accent1">
-              <a:shade val="50000"/>
-            </a:schemeClr>
-          </a:lnRef>
-          <a:fillRef idx="1">
-            <a:schemeClr val="accent1"/>
-          </a:fillRef>
-          <a:effectRef idx="0">
-            <a:schemeClr val="accent1"/>
-          </a:effectRef>
-          <a:fontRef idx="minor">
-            <a:schemeClr val="lt1"/>
-          </a:fontRef>
-        </p:style>
-        <p:txBody>
-          <a:bodyPr rtlCol="0" anchor="ctr"/>
-          <a:lstStyle/>
-          <a:p>
-            <a:pPr algn="ctr"/>
-            <a:r>
-              <a:rPr lang="en-US" altLang="ko-KR" dirty="0"/>
-              <a:t>3</a:t>
-            </a:r>
-            <a:endParaRPr lang="ko-KR" altLang="en-US" dirty="0"/>
-          </a:p>
-        </p:txBody>
-      </p:sp>
-      <p:sp>
-        <p:nvSpPr>
-          <p:cNvPr id="37" name="직사각형 36"/>
-          <p:cNvSpPr/>
-          <p:nvPr/>
-        </p:nvSpPr>
-        <p:spPr>
-          <a:xfrm>
-            <a:off x="2985082" y="1897269"/>
-            <a:ext cx="4606955" cy="2691510"/>
-          </a:xfrm>
-          <a:prstGeom prst="rect">
-            <a:avLst/>
-          </a:prstGeom>
-          <a:noFill/>
-          <a:ln>
-            <a:solidFill>
-              <a:schemeClr val="accent2"/>
-            </a:solidFill>
-            <a:prstDash val="dash"/>
-          </a:ln>
-        </p:spPr>
-        <p:style>
-          <a:lnRef idx="2">
-            <a:schemeClr val="accent1">
-              <a:shade val="50000"/>
-            </a:schemeClr>
-          </a:lnRef>
-          <a:fillRef idx="1">
-            <a:schemeClr val="accent1"/>
-          </a:fillRef>
-          <a:effectRef idx="0">
-            <a:schemeClr val="accent1"/>
-          </a:effectRef>
-          <a:fontRef idx="minor">
-            <a:schemeClr val="lt1"/>
-          </a:fontRef>
-        </p:style>
-        <p:txBody>
-          <a:bodyPr rtlCol="0" anchor="ctr"/>
-          <a:lstStyle/>
-          <a:p>
-            <a:pPr algn="ctr"/>
-            <a:endParaRPr lang="ko-KR" altLang="en-US"/>
-          </a:p>
-        </p:txBody>
-      </p:sp>
-      <p:sp>
-        <p:nvSpPr>
-          <p:cNvPr id="38" name="TextBox 37"/>
-          <p:cNvSpPr txBox="1"/>
-          <p:nvPr/>
-        </p:nvSpPr>
-        <p:spPr>
-          <a:xfrm>
-            <a:off x="9724238" y="1061124"/>
-            <a:ext cx="2322353" cy="261610"/>
-          </a:xfrm>
-          <a:prstGeom prst="rect">
-            <a:avLst/>
-          </a:prstGeom>
-          <a:noFill/>
-        </p:spPr>
-        <p:txBody>
-          <a:bodyPr wrap="square" rtlCol="0">
-            <a:spAutoFit/>
-          </a:bodyPr>
-          <a:lstStyle/>
-          <a:p>
-            <a:r>
-              <a:rPr lang="ko-KR" altLang="en-US" sz="1050" dirty="0"/>
-              <a:t>글 작성 화면 </a:t>
-            </a:r>
-            <a:r>
-              <a:rPr lang="en-US" altLang="ko-KR" sz="1050" dirty="0"/>
-              <a:t>- </a:t>
-            </a:r>
-            <a:r>
-              <a:rPr lang="ko-KR" altLang="en-US" sz="1050" dirty="0"/>
-              <a:t>제목과 본문 작성</a:t>
-            </a:r>
-          </a:p>
-        </p:txBody>
-      </p:sp>
-      <p:sp>
-        <p:nvSpPr>
-          <p:cNvPr id="39" name="TextBox 38"/>
-          <p:cNvSpPr txBox="1"/>
-          <p:nvPr/>
-        </p:nvSpPr>
-        <p:spPr>
-          <a:xfrm>
-            <a:off x="9727035" y="1762267"/>
-            <a:ext cx="1841384" cy="253916"/>
-          </a:xfrm>
-          <a:prstGeom prst="rect">
-            <a:avLst/>
-          </a:prstGeom>
-          <a:noFill/>
-        </p:spPr>
-        <p:txBody>
-          <a:bodyPr wrap="square" rtlCol="0">
-            <a:spAutoFit/>
-          </a:bodyPr>
-          <a:lstStyle/>
-          <a:p>
-            <a:r>
-              <a:rPr lang="ko-KR" altLang="en-US" sz="1050" dirty="0" err="1"/>
-              <a:t>신고글</a:t>
-            </a:r>
-            <a:r>
-              <a:rPr lang="en-US" altLang="ko-KR" sz="1050" dirty="0"/>
-              <a:t> </a:t>
-            </a:r>
-            <a:r>
-              <a:rPr lang="ko-KR" altLang="en-US" sz="1050" dirty="0"/>
-              <a:t>비공개 설정</a:t>
-            </a:r>
-          </a:p>
-        </p:txBody>
-      </p:sp>
-      <p:sp>
-        <p:nvSpPr>
-          <p:cNvPr id="40" name="TextBox 39"/>
-          <p:cNvSpPr txBox="1"/>
-          <p:nvPr/>
-        </p:nvSpPr>
-        <p:spPr>
-          <a:xfrm>
-            <a:off x="9724238" y="2617211"/>
-            <a:ext cx="2204907" cy="430887"/>
-          </a:xfrm>
-          <a:prstGeom prst="rect">
-            <a:avLst/>
-          </a:prstGeom>
-          <a:noFill/>
-        </p:spPr>
-        <p:txBody>
-          <a:bodyPr wrap="square" rtlCol="0">
-            <a:spAutoFit/>
-          </a:bodyPr>
-          <a:lstStyle/>
-          <a:p>
-            <a:r>
-              <a:rPr lang="ko-KR" altLang="en-US" sz="1050" dirty="0"/>
-              <a:t>글 작성 후 글을 등록하거나 </a:t>
-            </a:r>
-            <a:endParaRPr lang="en-US" altLang="ko-KR" sz="1050" dirty="0"/>
-          </a:p>
-          <a:p>
-            <a:r>
-              <a:rPr lang="ko-KR" altLang="en-US" sz="1050" dirty="0"/>
-              <a:t>작성 취소 가능</a:t>
-            </a:r>
-          </a:p>
-        </p:txBody>
-      </p:sp>
     </p:spTree>
     <p:extLst>
       <p:ext uri="{BB962C8B-B14F-4D97-AF65-F5344CB8AC3E}">
-        <p14:creationId xmlns:p14="http://schemas.microsoft.com/office/powerpoint/2010/main" val="494911077"/>
+        <p14:creationId xmlns:p14="http://schemas.microsoft.com/office/powerpoint/2010/main" val="2843640200"/>
       </p:ext>
     </p:extLst>
   </p:cSld>
@@ -49453,7 +48889,7 @@
       </p:sp>
       <p:pic>
         <p:nvPicPr>
-          <p:cNvPr id="22" name="그림 21"/>
+          <p:cNvPr id="2" name="그림 1"/>
           <p:cNvPicPr>
             <a:picLocks noChangeAspect="1"/>
           </p:cNvPicPr>
@@ -49467,8 +48903,8 @@
         </p:blipFill>
         <p:spPr>
           <a:xfrm>
-            <a:off x="288809" y="1112676"/>
-            <a:ext cx="8715375" cy="4914900"/>
+            <a:off x="286363" y="1112677"/>
+            <a:ext cx="8717822" cy="4914900"/>
           </a:xfrm>
           <a:prstGeom prst="rect">
             <a:avLst/>
@@ -49477,7 +48913,50 @@
       </p:pic>
       <p:sp>
         <p:nvSpPr>
-          <p:cNvPr id="5" name="타원 4"/>
+          <p:cNvPr id="15" name="사각형: 둥근 모서리 14">
+            <a:hlinkClick r:id="rId3" action="ppaction://hlinksldjump"/>
+          </p:cNvPr>
+          <p:cNvSpPr/>
+          <p:nvPr/>
+        </p:nvSpPr>
+        <p:spPr>
+          <a:xfrm>
+            <a:off x="10175846" y="209725"/>
+            <a:ext cx="1627464" cy="327170"/>
+          </a:xfrm>
+          <a:prstGeom prst="roundRect">
+            <a:avLst/>
+          </a:prstGeom>
+        </p:spPr>
+        <p:style>
+          <a:lnRef idx="1">
+            <a:schemeClr val="accent3"/>
+          </a:lnRef>
+          <a:fillRef idx="2">
+            <a:schemeClr val="accent3"/>
+          </a:fillRef>
+          <a:effectRef idx="1">
+            <a:schemeClr val="accent3"/>
+          </a:effectRef>
+          <a:fontRef idx="minor">
+            <a:schemeClr val="dk1"/>
+          </a:fontRef>
+        </p:style>
+        <p:txBody>
+          <a:bodyPr rtlCol="0" anchor="ctr"/>
+          <a:lstStyle/>
+          <a:p>
+            <a:pPr algn="ctr"/>
+            <a:r>
+              <a:rPr lang="ko-KR" altLang="en-US" sz="1200" dirty="0"/>
+              <a:t>이전 화면으로</a:t>
+            </a:r>
+          </a:p>
+        </p:txBody>
+      </p:sp>
+      <p:sp>
+        <p:nvSpPr>
+          <p:cNvPr id="31" name="타원 30"/>
           <p:cNvSpPr/>
           <p:nvPr/>
         </p:nvSpPr>
@@ -49527,7 +49006,7 @@
       </p:sp>
       <p:sp>
         <p:nvSpPr>
-          <p:cNvPr id="9" name="타원 8"/>
+          <p:cNvPr id="32" name="타원 31"/>
           <p:cNvSpPr/>
           <p:nvPr/>
         </p:nvSpPr>
@@ -49577,7 +49056,7 @@
       </p:sp>
       <p:sp>
         <p:nvSpPr>
-          <p:cNvPr id="10" name="타원 9"/>
+          <p:cNvPr id="33" name="타원 32"/>
           <p:cNvSpPr/>
           <p:nvPr/>
         </p:nvSpPr>
@@ -49627,13 +49106,13 @@
       </p:sp>
       <p:sp>
         <p:nvSpPr>
-          <p:cNvPr id="16" name="타원 15"/>
+          <p:cNvPr id="34" name="타원 33"/>
           <p:cNvSpPr/>
           <p:nvPr/>
         </p:nvSpPr>
         <p:spPr>
           <a:xfrm>
-            <a:off x="2697058" y="1746225"/>
+            <a:off x="2599188" y="1792363"/>
             <a:ext cx="377505" cy="369198"/>
           </a:xfrm>
           <a:prstGeom prst="ellipse">
@@ -49677,13 +49156,13 @@
       </p:sp>
       <p:sp>
         <p:nvSpPr>
-          <p:cNvPr id="17" name="타원 16"/>
+          <p:cNvPr id="35" name="타원 34"/>
           <p:cNvSpPr/>
           <p:nvPr/>
         </p:nvSpPr>
         <p:spPr>
           <a:xfrm>
-            <a:off x="6690218" y="1746225"/>
+            <a:off x="2607576" y="4567721"/>
             <a:ext cx="377505" cy="369198"/>
           </a:xfrm>
           <a:prstGeom prst="ellipse">
@@ -49727,13 +49206,13 @@
       </p:sp>
       <p:sp>
         <p:nvSpPr>
-          <p:cNvPr id="18" name="타원 17"/>
+          <p:cNvPr id="36" name="타원 35"/>
           <p:cNvSpPr/>
           <p:nvPr/>
         </p:nvSpPr>
         <p:spPr>
           <a:xfrm>
-            <a:off x="2697059" y="5166173"/>
+            <a:off x="6076425" y="5184307"/>
             <a:ext cx="377505" cy="369198"/>
           </a:xfrm>
           <a:prstGeom prst="ellipse">
@@ -49777,14 +49256,61 @@
       </p:sp>
       <p:sp>
         <p:nvSpPr>
-          <p:cNvPr id="19" name="TextBox 18"/>
+          <p:cNvPr id="37" name="직사각형 36"/>
+          <p:cNvSpPr/>
+          <p:nvPr/>
+        </p:nvSpPr>
+        <p:spPr>
+          <a:xfrm>
+            <a:off x="2985082" y="1897269"/>
+            <a:ext cx="4606955" cy="2691510"/>
+          </a:xfrm>
+          <a:prstGeom prst="rect">
+            <a:avLst/>
+          </a:prstGeom>
+          <a:noFill/>
+          <a:ln>
+            <a:solidFill>
+              <a:schemeClr val="accent2"/>
+            </a:solidFill>
+            <a:prstDash val="dash"/>
+          </a:ln>
+        </p:spPr>
+        <p:style>
+          <a:lnRef idx="2">
+            <a:schemeClr val="accent1">
+              <a:shade val="50000"/>
+            </a:schemeClr>
+          </a:lnRef>
+          <a:fillRef idx="1">
+            <a:schemeClr val="accent1"/>
+          </a:fillRef>
+          <a:effectRef idx="0">
+            <a:schemeClr val="accent1"/>
+          </a:effectRef>
+          <a:fontRef idx="minor">
+            <a:schemeClr val="lt1"/>
+          </a:fontRef>
+        </p:style>
+        <p:txBody>
+          <a:bodyPr rtlCol="0" anchor="ctr"/>
+          <a:lstStyle/>
+          <a:p>
+            <a:pPr algn="ctr"/>
+            <a:endParaRPr lang="ko-KR" altLang="en-US"/>
+          </a:p>
+        </p:txBody>
+      </p:sp>
+      <p:sp>
+        <p:nvSpPr>
+          <p:cNvPr id="38" name="TextBox 37"/>
           <p:cNvSpPr txBox="1"/>
           <p:nvPr/>
         </p:nvSpPr>
         <p:spPr>
           <a:xfrm>
-            <a:off x="9764784" y="1039417"/>
-            <a:ext cx="3271707" cy="577081"/>
+            <a:off x="9724238" y="1061124"/>
+            <a:ext cx="2322353" cy="261610"/>
           </a:xfrm>
           <a:prstGeom prst="rect">
             <a:avLst/>
@@ -49798,68 +49324,30 @@
           <a:lstStyle/>
           <a:p>
             <a:r>
-              <a:rPr lang="ko-KR" altLang="en-US" sz="1050" dirty="0" err="1"/>
-              <a:t>최신순</a:t>
-            </a:r>
-            <a:r>
               <a:rPr lang="ko-KR" altLang="en-US" sz="1050" dirty="0"/>
-              <a:t> </a:t>
+              <a:t>글 작성 화면 </a:t>
             </a:r>
             <a:r>
               <a:rPr lang="en-US" altLang="ko-KR" sz="1050" dirty="0"/>
-              <a:t>– </a:t>
+              <a:t>- </a:t>
             </a:r>
             <a:r>
               <a:rPr lang="ko-KR" altLang="en-US" sz="1050" dirty="0"/>
-              <a:t>최신순으로 후기 정렬</a:t>
-            </a:r>
-            <a:endParaRPr lang="en-US" altLang="ko-KR" sz="1050" dirty="0"/>
-          </a:p>
-          <a:p>
-            <a:r>
-              <a:rPr lang="ko-KR" altLang="en-US" sz="1050" dirty="0" err="1"/>
-              <a:t>평점순</a:t>
-            </a:r>
-            <a:r>
-              <a:rPr lang="ko-KR" altLang="en-US" sz="1050" dirty="0"/>
-              <a:t> </a:t>
-            </a:r>
-            <a:r>
-              <a:rPr lang="en-US" altLang="ko-KR" sz="1050" dirty="0"/>
-              <a:t>– </a:t>
-            </a:r>
-            <a:r>
-              <a:rPr lang="ko-KR" altLang="en-US" sz="1050" dirty="0"/>
-              <a:t>평점순으로 후기 정렬</a:t>
-            </a:r>
-            <a:endParaRPr lang="en-US" altLang="ko-KR" sz="1050" dirty="0"/>
-          </a:p>
-          <a:p>
-            <a:r>
-              <a:rPr lang="ko-KR" altLang="en-US" sz="1050" dirty="0"/>
-              <a:t>조회수순 </a:t>
-            </a:r>
-            <a:r>
-              <a:rPr lang="en-US" altLang="ko-KR" sz="1050" dirty="0"/>
-              <a:t>– </a:t>
-            </a:r>
-            <a:r>
-              <a:rPr lang="ko-KR" altLang="en-US" sz="1050" dirty="0"/>
-              <a:t>조회수순으로 후기 정렬</a:t>
-            </a:r>
-          </a:p>
-        </p:txBody>
-      </p:sp>
-      <p:sp>
-        <p:nvSpPr>
-          <p:cNvPr id="20" name="TextBox 19"/>
+              <a:t>제목과 본문 작성</a:t>
+            </a:r>
+          </a:p>
+        </p:txBody>
+      </p:sp>
+      <p:sp>
+        <p:nvSpPr>
+          <p:cNvPr id="39" name="TextBox 38"/>
           <p:cNvSpPr txBox="1"/>
           <p:nvPr/>
         </p:nvSpPr>
         <p:spPr>
           <a:xfrm>
-            <a:off x="9764783" y="1815341"/>
-            <a:ext cx="3271707" cy="261610"/>
+            <a:off x="9727035" y="1762267"/>
+            <a:ext cx="1841384" cy="253916"/>
           </a:xfrm>
           <a:prstGeom prst="rect">
             <a:avLst/>
@@ -49873,23 +49361,30 @@
           <a:lstStyle/>
           <a:p>
             <a:r>
-              <a:rPr lang="ko-KR" altLang="en-US" sz="1050"/>
-              <a:t>글쓰기 버튼으로 글 작성</a:t>
-            </a:r>
-            <a:endParaRPr lang="ko-KR" altLang="en-US" sz="1050" dirty="0"/>
-          </a:p>
-        </p:txBody>
-      </p:sp>
-      <p:sp>
-        <p:nvSpPr>
-          <p:cNvPr id="21" name="TextBox 20"/>
+              <a:rPr lang="ko-KR" altLang="en-US" sz="1050" dirty="0" err="1"/>
+              <a:t>신고글</a:t>
+            </a:r>
+            <a:r>
+              <a:rPr lang="en-US" altLang="ko-KR" sz="1050" dirty="0"/>
+              <a:t> </a:t>
+            </a:r>
+            <a:r>
+              <a:rPr lang="ko-KR" altLang="en-US" sz="1050" dirty="0"/>
+              <a:t>비공개 설정</a:t>
+            </a:r>
+          </a:p>
+        </p:txBody>
+      </p:sp>
+      <p:sp>
+        <p:nvSpPr>
+          <p:cNvPr id="40" name="TextBox 39"/>
           <p:cNvSpPr txBox="1"/>
           <p:nvPr/>
         </p:nvSpPr>
         <p:spPr>
           <a:xfrm>
-            <a:off x="9764783" y="2559957"/>
-            <a:ext cx="2156600" cy="430887"/>
+            <a:off x="9724238" y="2617211"/>
+            <a:ext cx="2204907" cy="430887"/>
           </a:xfrm>
           <a:prstGeom prst="rect">
             <a:avLst/>
@@ -49904,68 +49399,14 @@
           <a:p>
             <a:r>
               <a:rPr lang="ko-KR" altLang="en-US" sz="1050" dirty="0"/>
-              <a:t>작성날짜와 아이디</a:t>
-            </a:r>
-            <a:r>
-              <a:rPr lang="en-US" altLang="ko-KR" sz="1050" dirty="0"/>
-              <a:t>, </a:t>
-            </a:r>
+              <a:t>글 작성 후 글을 등록하거나 </a:t>
+            </a:r>
+            <a:endParaRPr lang="en-US" altLang="ko-KR" sz="1050" dirty="0"/>
+          </a:p>
+          <a:p>
             <a:r>
               <a:rPr lang="ko-KR" altLang="en-US" sz="1050" dirty="0"/>
-              <a:t>제목</a:t>
-            </a:r>
-            <a:r>
-              <a:rPr lang="en-US" altLang="ko-KR" sz="1050" dirty="0"/>
-              <a:t>, </a:t>
-            </a:r>
-          </a:p>
-          <a:p>
-            <a:r>
-              <a:rPr lang="ko-KR" altLang="en-US" sz="1050" dirty="0"/>
-              <a:t>내용 등으로 게시판 내 글 검색</a:t>
-            </a:r>
-          </a:p>
-        </p:txBody>
-      </p:sp>
-      <p:sp>
-        <p:nvSpPr>
-          <p:cNvPr id="15" name="사각형: 둥근 모서리 14">
-            <a:hlinkClick r:id="rId3" action="ppaction://hlinksldjump"/>
-          </p:cNvPr>
-          <p:cNvSpPr/>
-          <p:nvPr/>
-        </p:nvSpPr>
-        <p:spPr>
-          <a:xfrm>
-            <a:off x="10175846" y="209725"/>
-            <a:ext cx="1627464" cy="327170"/>
-          </a:xfrm>
-          <a:prstGeom prst="roundRect">
-            <a:avLst/>
-          </a:prstGeom>
-        </p:spPr>
-        <p:style>
-          <a:lnRef idx="1">
-            <a:schemeClr val="accent3"/>
-          </a:lnRef>
-          <a:fillRef idx="2">
-            <a:schemeClr val="accent3"/>
-          </a:fillRef>
-          <a:effectRef idx="1">
-            <a:schemeClr val="accent3"/>
-          </a:effectRef>
-          <a:fontRef idx="minor">
-            <a:schemeClr val="dk1"/>
-          </a:fontRef>
-        </p:style>
-        <p:txBody>
-          <a:bodyPr rtlCol="0" anchor="ctr"/>
-          <a:lstStyle/>
-          <a:p>
-            <a:pPr algn="ctr"/>
-            <a:r>
-              <a:rPr lang="ko-KR" altLang="en-US" sz="1200" dirty="0"/>
-              <a:t>이전 화면으로</a:t>
+              <a:t>작성 취소 가능</a:t>
             </a:r>
           </a:p>
         </p:txBody>
@@ -49973,7 +49414,7 @@
     </p:spTree>
     <p:extLst>
       <p:ext uri="{BB962C8B-B14F-4D97-AF65-F5344CB8AC3E}">
-        <p14:creationId xmlns:p14="http://schemas.microsoft.com/office/powerpoint/2010/main" val="1179640364"/>
+        <p14:creationId xmlns:p14="http://schemas.microsoft.com/office/powerpoint/2010/main" val="494911077"/>
       </p:ext>
     </p:extLst>
   </p:cSld>
@@ -50000,39 +49441,63 @@
           <a:chExt cx="0" cy="0"/>
         </a:xfrm>
       </p:grpSpPr>
+      <p:sp>
+        <p:nvSpPr>
+          <p:cNvPr id="4" name="직사각형 3"/>
+          <p:cNvSpPr/>
+          <p:nvPr/>
+        </p:nvSpPr>
+        <p:spPr>
+          <a:xfrm>
+            <a:off x="276837" y="1103151"/>
+            <a:ext cx="8727347" cy="4924425"/>
+          </a:xfrm>
+          <a:prstGeom prst="rect">
+            <a:avLst/>
+          </a:prstGeom>
+          <a:ln w="3175"/>
+        </p:spPr>
+        <p:style>
+          <a:lnRef idx="2">
+            <a:schemeClr val="dk1"/>
+          </a:lnRef>
+          <a:fillRef idx="1">
+            <a:schemeClr val="lt1"/>
+          </a:fillRef>
+          <a:effectRef idx="0">
+            <a:schemeClr val="dk1"/>
+          </a:effectRef>
+          <a:fontRef idx="minor">
+            <a:schemeClr val="dk1"/>
+          </a:fontRef>
+        </p:style>
+        <p:txBody>
+          <a:bodyPr rtlCol="0" anchor="ctr"/>
+          <a:lstStyle/>
+          <a:p>
+            <a:pPr algn="ctr"/>
+            <a:endParaRPr lang="ko-KR" altLang="en-US"/>
+          </a:p>
+        </p:txBody>
+      </p:sp>
       <p:pic>
         <p:nvPicPr>
-          <p:cNvPr id="3" name="그래픽 2" descr="봉투">
-            <a:extLst>
-              <a:ext uri="{FF2B5EF4-FFF2-40B4-BE49-F238E27FC236}">
-                <a16:creationId xmlns:a16="http://schemas.microsoft.com/office/drawing/2014/main" xmlns="" id="{18E199EE-24EC-4003-AB3F-B69E9D4EA6E9}"/>
-              </a:ext>
-            </a:extLst>
-          </p:cNvPr>
+          <p:cNvPr id="22" name="그림 21"/>
           <p:cNvPicPr>
             <a:picLocks noChangeAspect="1"/>
           </p:cNvPicPr>
           <p:nvPr/>
         </p:nvPicPr>
         <p:blipFill>
-          <a:blip r:embed="rId2" cstate="print">
-            <a:extLst>
-              <a:ext uri="{28A0092B-C50C-407E-A947-70E740481C1C}">
-                <a14:useLocalDpi xmlns:a14="http://schemas.microsoft.com/office/drawing/2010/main" val="0"/>
-              </a:ext>
-              <a:ext uri="{96DAC541-7B7A-43D3-8B79-37D633B846F1}">
-                <asvg:svgBlip xmlns:asvg="http://schemas.microsoft.com/office/drawing/2016/SVG/main" xmlns="" r:embed="rId3"/>
-              </a:ext>
-            </a:extLst>
-          </a:blip>
+          <a:blip r:embed="rId2"/>
           <a:stretch>
             <a:fillRect/>
           </a:stretch>
         </p:blipFill>
         <p:spPr>
           <a:xfrm>
-            <a:off x="5638800" y="2879521"/>
-            <a:ext cx="914400" cy="914400"/>
+            <a:off x="288809" y="1112676"/>
+            <a:ext cx="8715375" cy="4914900"/>
           </a:xfrm>
           <a:prstGeom prst="rect">
             <a:avLst/>
@@ -50041,66 +49506,503 @@
       </p:pic>
       <p:sp>
         <p:nvSpPr>
-          <p:cNvPr id="4" name="텍스트 상자 7"/>
-          <p:cNvSpPr txBox="1">
-            <a:spLocks/>
-          </p:cNvSpPr>
-          <p:nvPr/>
-        </p:nvSpPr>
-        <p:spPr>
-          <a:xfrm>
-            <a:off x="4999839" y="3648710"/>
-            <a:ext cx="2223082" cy="370614"/>
+          <p:cNvPr id="5" name="타원 4"/>
+          <p:cNvSpPr/>
+          <p:nvPr/>
+        </p:nvSpPr>
+        <p:spPr>
+          <a:xfrm>
+            <a:off x="9233482" y="1010790"/>
+            <a:ext cx="377505" cy="369198"/>
+          </a:xfrm>
+          <a:prstGeom prst="ellipse">
+            <a:avLst/>
+          </a:prstGeom>
+          <a:solidFill>
+            <a:schemeClr val="accent2"/>
+          </a:solidFill>
+          <a:ln>
+            <a:noFill/>
+          </a:ln>
+        </p:spPr>
+        <p:style>
+          <a:lnRef idx="2">
+            <a:schemeClr val="accent1">
+              <a:shade val="50000"/>
+            </a:schemeClr>
+          </a:lnRef>
+          <a:fillRef idx="1">
+            <a:schemeClr val="accent1"/>
+          </a:fillRef>
+          <a:effectRef idx="0">
+            <a:schemeClr val="accent1"/>
+          </a:effectRef>
+          <a:fontRef idx="minor">
+            <a:schemeClr val="lt1"/>
+          </a:fontRef>
+        </p:style>
+        <p:txBody>
+          <a:bodyPr rtlCol="0" anchor="ctr"/>
+          <a:lstStyle/>
+          <a:p>
+            <a:pPr algn="ctr"/>
+            <a:r>
+              <a:rPr lang="en-US" altLang="ko-KR" dirty="0"/>
+              <a:t>1</a:t>
+            </a:r>
+            <a:endParaRPr lang="ko-KR" altLang="en-US" dirty="0"/>
+          </a:p>
+        </p:txBody>
+      </p:sp>
+      <p:sp>
+        <p:nvSpPr>
+          <p:cNvPr id="9" name="타원 8"/>
+          <p:cNvSpPr/>
+          <p:nvPr/>
+        </p:nvSpPr>
+        <p:spPr>
+          <a:xfrm>
+            <a:off x="9246065" y="2509623"/>
+            <a:ext cx="377505" cy="369198"/>
+          </a:xfrm>
+          <a:prstGeom prst="ellipse">
+            <a:avLst/>
+          </a:prstGeom>
+          <a:solidFill>
+            <a:schemeClr val="accent2"/>
+          </a:solidFill>
+          <a:ln>
+            <a:noFill/>
+          </a:ln>
+        </p:spPr>
+        <p:style>
+          <a:lnRef idx="2">
+            <a:schemeClr val="accent1">
+              <a:shade val="50000"/>
+            </a:schemeClr>
+          </a:lnRef>
+          <a:fillRef idx="1">
+            <a:schemeClr val="accent1"/>
+          </a:fillRef>
+          <a:effectRef idx="0">
+            <a:schemeClr val="accent1"/>
+          </a:effectRef>
+          <a:fontRef idx="minor">
+            <a:schemeClr val="lt1"/>
+          </a:fontRef>
+        </p:style>
+        <p:txBody>
+          <a:bodyPr rtlCol="0" anchor="ctr"/>
+          <a:lstStyle/>
+          <a:p>
+            <a:pPr algn="ctr"/>
+            <a:r>
+              <a:rPr lang="en-US" altLang="ko-KR" dirty="0"/>
+              <a:t>3</a:t>
+            </a:r>
+            <a:endParaRPr lang="ko-KR" altLang="en-US" dirty="0"/>
+          </a:p>
+        </p:txBody>
+      </p:sp>
+      <p:sp>
+        <p:nvSpPr>
+          <p:cNvPr id="10" name="타원 9"/>
+          <p:cNvSpPr/>
+          <p:nvPr/>
+        </p:nvSpPr>
+        <p:spPr>
+          <a:xfrm>
+            <a:off x="9233481" y="1746225"/>
+            <a:ext cx="377505" cy="369198"/>
+          </a:xfrm>
+          <a:prstGeom prst="ellipse">
+            <a:avLst/>
+          </a:prstGeom>
+          <a:solidFill>
+            <a:schemeClr val="accent2"/>
+          </a:solidFill>
+          <a:ln>
+            <a:noFill/>
+          </a:ln>
+        </p:spPr>
+        <p:style>
+          <a:lnRef idx="2">
+            <a:schemeClr val="accent1">
+              <a:shade val="50000"/>
+            </a:schemeClr>
+          </a:lnRef>
+          <a:fillRef idx="1">
+            <a:schemeClr val="accent1"/>
+          </a:fillRef>
+          <a:effectRef idx="0">
+            <a:schemeClr val="accent1"/>
+          </a:effectRef>
+          <a:fontRef idx="minor">
+            <a:schemeClr val="lt1"/>
+          </a:fontRef>
+        </p:style>
+        <p:txBody>
+          <a:bodyPr rtlCol="0" anchor="ctr"/>
+          <a:lstStyle/>
+          <a:p>
+            <a:pPr algn="ctr"/>
+            <a:r>
+              <a:rPr lang="en-US" altLang="ko-KR" dirty="0"/>
+              <a:t>2</a:t>
+            </a:r>
+            <a:endParaRPr lang="ko-KR" altLang="en-US" dirty="0"/>
+          </a:p>
+        </p:txBody>
+      </p:sp>
+      <p:sp>
+        <p:nvSpPr>
+          <p:cNvPr id="16" name="타원 15"/>
+          <p:cNvSpPr/>
+          <p:nvPr/>
+        </p:nvSpPr>
+        <p:spPr>
+          <a:xfrm>
+            <a:off x="2697058" y="1746225"/>
+            <a:ext cx="377505" cy="369198"/>
+          </a:xfrm>
+          <a:prstGeom prst="ellipse">
+            <a:avLst/>
+          </a:prstGeom>
+          <a:solidFill>
+            <a:schemeClr val="accent2"/>
+          </a:solidFill>
+          <a:ln>
+            <a:noFill/>
+          </a:ln>
+        </p:spPr>
+        <p:style>
+          <a:lnRef idx="2">
+            <a:schemeClr val="accent1">
+              <a:shade val="50000"/>
+            </a:schemeClr>
+          </a:lnRef>
+          <a:fillRef idx="1">
+            <a:schemeClr val="accent1"/>
+          </a:fillRef>
+          <a:effectRef idx="0">
+            <a:schemeClr val="accent1"/>
+          </a:effectRef>
+          <a:fontRef idx="minor">
+            <a:schemeClr val="lt1"/>
+          </a:fontRef>
+        </p:style>
+        <p:txBody>
+          <a:bodyPr rtlCol="0" anchor="ctr"/>
+          <a:lstStyle/>
+          <a:p>
+            <a:pPr algn="ctr"/>
+            <a:r>
+              <a:rPr lang="en-US" altLang="ko-KR" dirty="0"/>
+              <a:t>1</a:t>
+            </a:r>
+            <a:endParaRPr lang="ko-KR" altLang="en-US" dirty="0"/>
+          </a:p>
+        </p:txBody>
+      </p:sp>
+      <p:sp>
+        <p:nvSpPr>
+          <p:cNvPr id="17" name="타원 16"/>
+          <p:cNvSpPr/>
+          <p:nvPr/>
+        </p:nvSpPr>
+        <p:spPr>
+          <a:xfrm>
+            <a:off x="6690218" y="1746225"/>
+            <a:ext cx="377505" cy="369198"/>
+          </a:xfrm>
+          <a:prstGeom prst="ellipse">
+            <a:avLst/>
+          </a:prstGeom>
+          <a:solidFill>
+            <a:schemeClr val="accent2"/>
+          </a:solidFill>
+          <a:ln>
+            <a:noFill/>
+          </a:ln>
+        </p:spPr>
+        <p:style>
+          <a:lnRef idx="2">
+            <a:schemeClr val="accent1">
+              <a:shade val="50000"/>
+            </a:schemeClr>
+          </a:lnRef>
+          <a:fillRef idx="1">
+            <a:schemeClr val="accent1"/>
+          </a:fillRef>
+          <a:effectRef idx="0">
+            <a:schemeClr val="accent1"/>
+          </a:effectRef>
+          <a:fontRef idx="minor">
+            <a:schemeClr val="lt1"/>
+          </a:fontRef>
+        </p:style>
+        <p:txBody>
+          <a:bodyPr rtlCol="0" anchor="ctr"/>
+          <a:lstStyle/>
+          <a:p>
+            <a:pPr algn="ctr"/>
+            <a:r>
+              <a:rPr lang="en-US" altLang="ko-KR" dirty="0"/>
+              <a:t>2</a:t>
+            </a:r>
+            <a:endParaRPr lang="ko-KR" altLang="en-US" dirty="0"/>
+          </a:p>
+        </p:txBody>
+      </p:sp>
+      <p:sp>
+        <p:nvSpPr>
+          <p:cNvPr id="18" name="타원 17"/>
+          <p:cNvSpPr/>
+          <p:nvPr/>
+        </p:nvSpPr>
+        <p:spPr>
+          <a:xfrm>
+            <a:off x="2697059" y="5166173"/>
+            <a:ext cx="377505" cy="369198"/>
+          </a:xfrm>
+          <a:prstGeom prst="ellipse">
+            <a:avLst/>
+          </a:prstGeom>
+          <a:solidFill>
+            <a:schemeClr val="accent2"/>
+          </a:solidFill>
+          <a:ln>
+            <a:noFill/>
+          </a:ln>
+        </p:spPr>
+        <p:style>
+          <a:lnRef idx="2">
+            <a:schemeClr val="accent1">
+              <a:shade val="50000"/>
+            </a:schemeClr>
+          </a:lnRef>
+          <a:fillRef idx="1">
+            <a:schemeClr val="accent1"/>
+          </a:fillRef>
+          <a:effectRef idx="0">
+            <a:schemeClr val="accent1"/>
+          </a:effectRef>
+          <a:fontRef idx="minor">
+            <a:schemeClr val="lt1"/>
+          </a:fontRef>
+        </p:style>
+        <p:txBody>
+          <a:bodyPr rtlCol="0" anchor="ctr"/>
+          <a:lstStyle/>
+          <a:p>
+            <a:pPr algn="ctr"/>
+            <a:r>
+              <a:rPr lang="en-US" altLang="ko-KR" dirty="0"/>
+              <a:t>3</a:t>
+            </a:r>
+            <a:endParaRPr lang="ko-KR" altLang="en-US" dirty="0"/>
+          </a:p>
+        </p:txBody>
+      </p:sp>
+      <p:sp>
+        <p:nvSpPr>
+          <p:cNvPr id="19" name="TextBox 18"/>
+          <p:cNvSpPr txBox="1"/>
+          <p:nvPr/>
+        </p:nvSpPr>
+        <p:spPr>
+          <a:xfrm>
+            <a:off x="9764784" y="1039417"/>
+            <a:ext cx="3271707" cy="577081"/>
           </a:xfrm>
           <a:prstGeom prst="rect">
             <a:avLst/>
           </a:prstGeom>
           <a:noFill/>
-          <a:ln w="0">
-            <a:noFill/>
-            <a:prstDash/>
-          </a:ln>
-        </p:spPr>
-        <p:txBody>
-          <a:bodyPr vert="horz" wrap="square" lIns="89535" tIns="46355" rIns="89535" bIns="46355" numCol="1" anchor="t">
+        </p:spPr>
+        <p:txBody>
+          <a:bodyPr wrap="square" rtlCol="0">
             <a:spAutoFit/>
           </a:bodyPr>
           <a:lstStyle/>
           <a:p>
-            <a:pPr marL="0" indent="0" algn="ctr" defTabSz="508000" eaLnBrk="0" fontAlgn="auto" latinLnBrk="0">
-              <a:lnSpc>
-                <a:spcPct val="100000"/>
-              </a:lnSpc>
-              <a:spcBef>
-                <a:spcPts val="0"/>
-              </a:spcBef>
-              <a:spcAft>
-                <a:spcPts val="0"/>
-              </a:spcAft>
-              <a:buFontTx/>
-              <a:buNone/>
-            </a:pPr>
-            <a:r>
-              <a:rPr lang="ko-KR" altLang="en-US" dirty="0">
-                <a:latin typeface="맑은 고딕" charset="0"/>
-                <a:ea typeface="맑은 고딕" charset="0"/>
-              </a:rPr>
-              <a:t>메시지 기능</a:t>
-            </a:r>
-            <a:endParaRPr lang="ko-KR" altLang="en-US" sz="1800" b="0" cap="none" dirty="0">
-              <a:solidFill>
-                <a:schemeClr val="tx1"/>
-              </a:solidFill>
-              <a:latin typeface="맑은 고딕" charset="0"/>
-              <a:ea typeface="맑은 고딕" charset="0"/>
-            </a:endParaRPr>
+            <a:r>
+              <a:rPr lang="ko-KR" altLang="en-US" sz="1050" dirty="0" err="1"/>
+              <a:t>최신순</a:t>
+            </a:r>
+            <a:r>
+              <a:rPr lang="ko-KR" altLang="en-US" sz="1050" dirty="0"/>
+              <a:t> </a:t>
+            </a:r>
+            <a:r>
+              <a:rPr lang="en-US" altLang="ko-KR" sz="1050" dirty="0"/>
+              <a:t>– </a:t>
+            </a:r>
+            <a:r>
+              <a:rPr lang="ko-KR" altLang="en-US" sz="1050" dirty="0"/>
+              <a:t>최신순으로 후기 정렬</a:t>
+            </a:r>
+            <a:endParaRPr lang="en-US" altLang="ko-KR" sz="1050" dirty="0"/>
+          </a:p>
+          <a:p>
+            <a:r>
+              <a:rPr lang="ko-KR" altLang="en-US" sz="1050" dirty="0" err="1"/>
+              <a:t>평점순</a:t>
+            </a:r>
+            <a:r>
+              <a:rPr lang="ko-KR" altLang="en-US" sz="1050" dirty="0"/>
+              <a:t> </a:t>
+            </a:r>
+            <a:r>
+              <a:rPr lang="en-US" altLang="ko-KR" sz="1050" dirty="0"/>
+              <a:t>– </a:t>
+            </a:r>
+            <a:r>
+              <a:rPr lang="ko-KR" altLang="en-US" sz="1050" dirty="0"/>
+              <a:t>평점순으로 후기 정렬</a:t>
+            </a:r>
+            <a:endParaRPr lang="en-US" altLang="ko-KR" sz="1050" dirty="0"/>
+          </a:p>
+          <a:p>
+            <a:r>
+              <a:rPr lang="ko-KR" altLang="en-US" sz="1050" dirty="0"/>
+              <a:t>조회수순 </a:t>
+            </a:r>
+            <a:r>
+              <a:rPr lang="en-US" altLang="ko-KR" sz="1050" dirty="0"/>
+              <a:t>– </a:t>
+            </a:r>
+            <a:r>
+              <a:rPr lang="ko-KR" altLang="en-US" sz="1050" dirty="0"/>
+              <a:t>조회수순으로 후기 정렬</a:t>
+            </a:r>
+          </a:p>
+        </p:txBody>
+      </p:sp>
+      <p:sp>
+        <p:nvSpPr>
+          <p:cNvPr id="20" name="TextBox 19"/>
+          <p:cNvSpPr txBox="1"/>
+          <p:nvPr/>
+        </p:nvSpPr>
+        <p:spPr>
+          <a:xfrm>
+            <a:off x="9764783" y="1815341"/>
+            <a:ext cx="3271707" cy="261610"/>
+          </a:xfrm>
+          <a:prstGeom prst="rect">
+            <a:avLst/>
+          </a:prstGeom>
+          <a:noFill/>
+        </p:spPr>
+        <p:txBody>
+          <a:bodyPr wrap="square" rtlCol="0">
+            <a:spAutoFit/>
+          </a:bodyPr>
+          <a:lstStyle/>
+          <a:p>
+            <a:r>
+              <a:rPr lang="ko-KR" altLang="en-US" sz="1050"/>
+              <a:t>글쓰기 버튼으로 글 작성</a:t>
+            </a:r>
+            <a:endParaRPr lang="ko-KR" altLang="en-US" sz="1050" dirty="0"/>
+          </a:p>
+        </p:txBody>
+      </p:sp>
+      <p:sp>
+        <p:nvSpPr>
+          <p:cNvPr id="21" name="TextBox 20"/>
+          <p:cNvSpPr txBox="1"/>
+          <p:nvPr/>
+        </p:nvSpPr>
+        <p:spPr>
+          <a:xfrm>
+            <a:off x="9764783" y="2559957"/>
+            <a:ext cx="2156600" cy="430887"/>
+          </a:xfrm>
+          <a:prstGeom prst="rect">
+            <a:avLst/>
+          </a:prstGeom>
+          <a:noFill/>
+        </p:spPr>
+        <p:txBody>
+          <a:bodyPr wrap="square" rtlCol="0">
+            <a:spAutoFit/>
+          </a:bodyPr>
+          <a:lstStyle/>
+          <a:p>
+            <a:r>
+              <a:rPr lang="ko-KR" altLang="en-US" sz="1050" dirty="0"/>
+              <a:t>작성날짜와 아이디</a:t>
+            </a:r>
+            <a:r>
+              <a:rPr lang="en-US" altLang="ko-KR" sz="1050" dirty="0"/>
+              <a:t>, </a:t>
+            </a:r>
+            <a:r>
+              <a:rPr lang="ko-KR" altLang="en-US" sz="1050" dirty="0"/>
+              <a:t>제목</a:t>
+            </a:r>
+            <a:r>
+              <a:rPr lang="en-US" altLang="ko-KR" sz="1050" dirty="0"/>
+              <a:t>, </a:t>
+            </a:r>
+          </a:p>
+          <a:p>
+            <a:r>
+              <a:rPr lang="ko-KR" altLang="en-US" sz="1050" dirty="0"/>
+              <a:t>내용 등으로 게시판 내 글 검색</a:t>
+            </a:r>
+          </a:p>
+        </p:txBody>
+      </p:sp>
+      <p:sp>
+        <p:nvSpPr>
+          <p:cNvPr id="15" name="사각형: 둥근 모서리 14">
+            <a:hlinkClick r:id="rId3" action="ppaction://hlinksldjump"/>
+          </p:cNvPr>
+          <p:cNvSpPr/>
+          <p:nvPr/>
+        </p:nvSpPr>
+        <p:spPr>
+          <a:xfrm>
+            <a:off x="10175846" y="209725"/>
+            <a:ext cx="1627464" cy="327170"/>
+          </a:xfrm>
+          <a:prstGeom prst="roundRect">
+            <a:avLst/>
+          </a:prstGeom>
+        </p:spPr>
+        <p:style>
+          <a:lnRef idx="1">
+            <a:schemeClr val="accent3"/>
+          </a:lnRef>
+          <a:fillRef idx="2">
+            <a:schemeClr val="accent3"/>
+          </a:fillRef>
+          <a:effectRef idx="1">
+            <a:schemeClr val="accent3"/>
+          </a:effectRef>
+          <a:fontRef idx="minor">
+            <a:schemeClr val="dk1"/>
+          </a:fontRef>
+        </p:style>
+        <p:txBody>
+          <a:bodyPr rtlCol="0" anchor="ctr"/>
+          <a:lstStyle/>
+          <a:p>
+            <a:pPr algn="ctr"/>
+            <a:r>
+              <a:rPr lang="ko-KR" altLang="en-US" sz="1200" dirty="0"/>
+              <a:t>이전 화면으로</a:t>
+            </a:r>
           </a:p>
         </p:txBody>
       </p:sp>
     </p:spTree>
     <p:extLst>
       <p:ext uri="{BB962C8B-B14F-4D97-AF65-F5344CB8AC3E}">
-        <p14:creationId xmlns:p14="http://schemas.microsoft.com/office/powerpoint/2010/main" val="994439696"/>
+        <p14:creationId xmlns:p14="http://schemas.microsoft.com/office/powerpoint/2010/main" val="1179640364"/>
       </p:ext>
     </p:extLst>
   </p:cSld>
@@ -50127,51 +50029,12 @@
           <a:chExt cx="0" cy="0"/>
         </a:xfrm>
       </p:grpSpPr>
-      <p:sp>
-        <p:nvSpPr>
-          <p:cNvPr id="13" name="직사각형 12"/>
-          <p:cNvSpPr/>
-          <p:nvPr/>
-        </p:nvSpPr>
-        <p:spPr>
-          <a:xfrm>
-            <a:off x="276837" y="1103151"/>
-            <a:ext cx="8727347" cy="4924425"/>
-          </a:xfrm>
-          <a:prstGeom prst="rect">
-            <a:avLst/>
-          </a:prstGeom>
-          <a:ln w="3175"/>
-        </p:spPr>
-        <p:style>
-          <a:lnRef idx="2">
-            <a:schemeClr val="dk1"/>
-          </a:lnRef>
-          <a:fillRef idx="1">
-            <a:schemeClr val="lt1"/>
-          </a:fillRef>
-          <a:effectRef idx="0">
-            <a:schemeClr val="dk1"/>
-          </a:effectRef>
-          <a:fontRef idx="minor">
-            <a:schemeClr val="dk1"/>
-          </a:fontRef>
-        </p:style>
-        <p:txBody>
-          <a:bodyPr rtlCol="0" anchor="ctr"/>
-          <a:lstStyle/>
-          <a:p>
-            <a:pPr algn="ctr"/>
-            <a:endParaRPr lang="ko-KR" altLang="en-US"/>
-          </a:p>
-        </p:txBody>
-      </p:sp>
       <p:pic>
         <p:nvPicPr>
-          <p:cNvPr id="11" name="그림 10">
+          <p:cNvPr id="3" name="그래픽 2" descr="봉투">
             <a:extLst>
               <a:ext uri="{FF2B5EF4-FFF2-40B4-BE49-F238E27FC236}">
-                <a16:creationId xmlns:a16="http://schemas.microsoft.com/office/drawing/2014/main" xmlns="" id="{E477E501-0E6A-4157-8731-BFD7A3189F6B}"/>
+                <a16:creationId xmlns:a16="http://schemas.microsoft.com/office/drawing/2014/main" id="{18E199EE-24EC-4003-AB3F-B69E9D4EA6E9}"/>
               </a:ext>
             </a:extLst>
           </p:cNvPr>
@@ -50181,10 +50044,13 @@
           <p:nvPr/>
         </p:nvPicPr>
         <p:blipFill>
-          <a:blip r:embed="rId2">
+          <a:blip r:embed="rId2" cstate="print">
             <a:extLst>
               <a:ext uri="{28A0092B-C50C-407E-A947-70E740481C1C}">
                 <a14:useLocalDpi xmlns:a14="http://schemas.microsoft.com/office/drawing/2010/main" val="0"/>
+              </a:ext>
+              <a:ext uri="{96DAC541-7B7A-43D3-8B79-37D633B846F1}">
+                <asvg:svgBlip xmlns:asvg="http://schemas.microsoft.com/office/drawing/2016/SVG/main" r:embed="rId3"/>
               </a:ext>
             </a:extLst>
           </a:blip>
@@ -50194,8 +50060,8 @@
         </p:blipFill>
         <p:spPr>
           <a:xfrm>
-            <a:off x="286362" y="1112676"/>
-            <a:ext cx="8712229" cy="4914900"/>
+            <a:off x="5638800" y="2879521"/>
+            <a:ext cx="914400" cy="914400"/>
           </a:xfrm>
           <a:prstGeom prst="rect">
             <a:avLst/>
@@ -50204,580 +50070,66 @@
       </p:pic>
       <p:sp>
         <p:nvSpPr>
-          <p:cNvPr id="9" name="타원 8"/>
-          <p:cNvSpPr/>
-          <p:nvPr/>
-        </p:nvSpPr>
-        <p:spPr>
-          <a:xfrm>
-            <a:off x="9246065" y="2706074"/>
-            <a:ext cx="377505" cy="369198"/>
-          </a:xfrm>
-          <a:prstGeom prst="ellipse">
-            <a:avLst/>
-          </a:prstGeom>
-          <a:solidFill>
-            <a:schemeClr val="accent2"/>
-          </a:solidFill>
-          <a:ln>
+          <p:cNvPr id="4" name="텍스트 상자 7"/>
+          <p:cNvSpPr txBox="1">
+            <a:spLocks/>
+          </p:cNvSpPr>
+          <p:nvPr/>
+        </p:nvSpPr>
+        <p:spPr>
+          <a:xfrm>
+            <a:off x="4999839" y="3648710"/>
+            <a:ext cx="2223082" cy="370614"/>
+          </a:xfrm>
+          <a:prstGeom prst="rect">
+            <a:avLst/>
+          </a:prstGeom>
+          <a:noFill/>
+          <a:ln w="0">
             <a:noFill/>
+            <a:prstDash/>
           </a:ln>
         </p:spPr>
-        <p:style>
-          <a:lnRef idx="2">
-            <a:schemeClr val="accent1">
-              <a:shade val="50000"/>
-            </a:schemeClr>
-          </a:lnRef>
-          <a:fillRef idx="1">
-            <a:schemeClr val="accent1"/>
-          </a:fillRef>
-          <a:effectRef idx="0">
-            <a:schemeClr val="accent1"/>
-          </a:effectRef>
-          <a:fontRef idx="minor">
-            <a:schemeClr val="lt1"/>
-          </a:fontRef>
-        </p:style>
-        <p:txBody>
-          <a:bodyPr rtlCol="0" anchor="ctr"/>
-          <a:lstStyle/>
-          <a:p>
-            <a:pPr algn="ctr"/>
-            <a:r>
-              <a:rPr lang="en-US" altLang="ko-KR" dirty="0"/>
-              <a:t>3</a:t>
-            </a:r>
-            <a:endParaRPr lang="ko-KR" altLang="en-US" dirty="0"/>
-          </a:p>
-        </p:txBody>
-      </p:sp>
-      <p:sp>
-        <p:nvSpPr>
-          <p:cNvPr id="3" name="사각형: 둥근 모서리 2">
-            <a:hlinkClick r:id="rId3" action="ppaction://hlinksldjump"/>
-          </p:cNvPr>
-          <p:cNvSpPr/>
-          <p:nvPr/>
-        </p:nvSpPr>
-        <p:spPr>
-          <a:xfrm>
-            <a:off x="10175846" y="209725"/>
-            <a:ext cx="1627464" cy="327170"/>
-          </a:xfrm>
-          <a:prstGeom prst="roundRect">
-            <a:avLst/>
-          </a:prstGeom>
-        </p:spPr>
-        <p:style>
-          <a:lnRef idx="1">
-            <a:schemeClr val="accent3"/>
-          </a:lnRef>
-          <a:fillRef idx="2">
-            <a:schemeClr val="accent3"/>
-          </a:fillRef>
-          <a:effectRef idx="1">
-            <a:schemeClr val="accent3"/>
-          </a:effectRef>
-          <a:fontRef idx="minor">
-            <a:schemeClr val="dk1"/>
-          </a:fontRef>
-        </p:style>
-        <p:txBody>
-          <a:bodyPr rtlCol="0" anchor="ctr"/>
-          <a:lstStyle/>
-          <a:p>
-            <a:pPr algn="ctr"/>
-            <a:r>
-              <a:rPr lang="ko-KR" altLang="en-US" sz="1200" dirty="0"/>
-              <a:t>이전 화면으로</a:t>
-            </a:r>
-          </a:p>
-        </p:txBody>
-      </p:sp>
-      <p:sp>
-        <p:nvSpPr>
-          <p:cNvPr id="20" name="타원 19">
-            <a:extLst>
-              <a:ext uri="{FF2B5EF4-FFF2-40B4-BE49-F238E27FC236}">
-                <a16:creationId xmlns:a16="http://schemas.microsoft.com/office/drawing/2014/main" xmlns="" id="{DD1E2A7D-A343-48A0-8C4B-114EAE1E9808}"/>
-              </a:ext>
-            </a:extLst>
-          </p:cNvPr>
-          <p:cNvSpPr/>
-          <p:nvPr/>
-        </p:nvSpPr>
-        <p:spPr>
-          <a:xfrm>
-            <a:off x="9233482" y="1010790"/>
-            <a:ext cx="377505" cy="369198"/>
-          </a:xfrm>
-          <a:prstGeom prst="ellipse">
-            <a:avLst/>
-          </a:prstGeom>
-          <a:solidFill>
-            <a:schemeClr val="accent2"/>
-          </a:solidFill>
-          <a:ln>
-            <a:noFill/>
-          </a:ln>
-        </p:spPr>
-        <p:style>
-          <a:lnRef idx="2">
-            <a:schemeClr val="accent1">
-              <a:shade val="50000"/>
-            </a:schemeClr>
-          </a:lnRef>
-          <a:fillRef idx="1">
-            <a:schemeClr val="accent1"/>
-          </a:fillRef>
-          <a:effectRef idx="0">
-            <a:schemeClr val="accent1"/>
-          </a:effectRef>
-          <a:fontRef idx="minor">
-            <a:schemeClr val="lt1"/>
-          </a:fontRef>
-        </p:style>
-        <p:txBody>
-          <a:bodyPr rtlCol="0" anchor="ctr"/>
-          <a:lstStyle/>
-          <a:p>
-            <a:pPr algn="ctr"/>
-            <a:r>
-              <a:rPr lang="en-US" altLang="ko-KR" dirty="0"/>
-              <a:t>1</a:t>
-            </a:r>
-            <a:endParaRPr lang="ko-KR" altLang="en-US" dirty="0"/>
-          </a:p>
-        </p:txBody>
-      </p:sp>
-      <p:sp>
-        <p:nvSpPr>
-          <p:cNvPr id="21" name="타원 20">
-            <a:extLst>
-              <a:ext uri="{FF2B5EF4-FFF2-40B4-BE49-F238E27FC236}">
-                <a16:creationId xmlns:a16="http://schemas.microsoft.com/office/drawing/2014/main" xmlns="" id="{17E7EFB1-7A51-4BFD-A060-3CC0A45C4B6D}"/>
-              </a:ext>
-            </a:extLst>
-          </p:cNvPr>
-          <p:cNvSpPr/>
-          <p:nvPr/>
-        </p:nvSpPr>
-        <p:spPr>
-          <a:xfrm>
-            <a:off x="9233481" y="1746225"/>
-            <a:ext cx="377505" cy="369198"/>
-          </a:xfrm>
-          <a:prstGeom prst="ellipse">
-            <a:avLst/>
-          </a:prstGeom>
-          <a:solidFill>
-            <a:schemeClr val="accent2"/>
-          </a:solidFill>
-          <a:ln>
-            <a:noFill/>
-          </a:ln>
-        </p:spPr>
-        <p:style>
-          <a:lnRef idx="2">
-            <a:schemeClr val="accent1">
-              <a:shade val="50000"/>
-            </a:schemeClr>
-          </a:lnRef>
-          <a:fillRef idx="1">
-            <a:schemeClr val="accent1"/>
-          </a:fillRef>
-          <a:effectRef idx="0">
-            <a:schemeClr val="accent1"/>
-          </a:effectRef>
-          <a:fontRef idx="minor">
-            <a:schemeClr val="lt1"/>
-          </a:fontRef>
-        </p:style>
-        <p:txBody>
-          <a:bodyPr rtlCol="0" anchor="ctr"/>
-          <a:lstStyle/>
-          <a:p>
-            <a:pPr algn="ctr"/>
-            <a:r>
-              <a:rPr lang="en-US" altLang="ko-KR" dirty="0"/>
-              <a:t>2</a:t>
-            </a:r>
-            <a:endParaRPr lang="ko-KR" altLang="en-US" dirty="0"/>
-          </a:p>
-        </p:txBody>
-      </p:sp>
-      <p:sp>
-        <p:nvSpPr>
-          <p:cNvPr id="22" name="TextBox 21">
-            <a:extLst>
-              <a:ext uri="{FF2B5EF4-FFF2-40B4-BE49-F238E27FC236}">
-                <a16:creationId xmlns:a16="http://schemas.microsoft.com/office/drawing/2014/main" xmlns="" id="{AFAFB93A-19ED-492A-923A-8D7F78CF8082}"/>
-              </a:ext>
-            </a:extLst>
-          </p:cNvPr>
-          <p:cNvSpPr txBox="1"/>
-          <p:nvPr/>
-        </p:nvSpPr>
-        <p:spPr>
-          <a:xfrm>
-            <a:off x="9715587" y="1010790"/>
-            <a:ext cx="2204907" cy="738664"/>
-          </a:xfrm>
-          <a:prstGeom prst="rect">
-            <a:avLst/>
-          </a:prstGeom>
-          <a:noFill/>
-        </p:spPr>
-        <p:txBody>
-          <a:bodyPr wrap="square" rtlCol="0">
+        <p:txBody>
+          <a:bodyPr vert="horz" wrap="square" lIns="89535" tIns="46355" rIns="89535" bIns="46355" numCol="1" anchor="t">
             <a:spAutoFit/>
           </a:bodyPr>
           <a:lstStyle/>
           <a:p>
-            <a:r>
-              <a:rPr lang="ko-KR" altLang="en-US" sz="1050" dirty="0" err="1"/>
-              <a:t>메세지</a:t>
-            </a:r>
-            <a:r>
-              <a:rPr lang="ko-KR" altLang="en-US" sz="1050" dirty="0"/>
-              <a:t> 탭</a:t>
-            </a:r>
-            <a:endParaRPr lang="en-US" altLang="ko-KR" sz="1050" dirty="0"/>
-          </a:p>
-          <a:p>
-            <a:r>
-              <a:rPr lang="ko-KR" altLang="en-US" sz="1050" dirty="0"/>
-              <a:t>항목 </a:t>
-            </a:r>
-            <a:r>
-              <a:rPr lang="en-US" altLang="ko-KR" sz="1050" dirty="0"/>
-              <a:t>: </a:t>
-            </a:r>
-            <a:r>
-              <a:rPr lang="ko-KR" altLang="en-US" sz="1050" dirty="0"/>
-              <a:t>과거 대화한 메세지를 </a:t>
-            </a:r>
-            <a:r>
-              <a:rPr lang="ko-KR" altLang="en-US" sz="1050" dirty="0" err="1"/>
-              <a:t>전체메세지</a:t>
-            </a:r>
-            <a:r>
-              <a:rPr lang="en-US" altLang="ko-KR" sz="1050" dirty="0"/>
-              <a:t>, </a:t>
-            </a:r>
-            <a:r>
-              <a:rPr lang="ko-KR" altLang="en-US" sz="1050" dirty="0" err="1"/>
-              <a:t>중요메세지</a:t>
-            </a:r>
-            <a:r>
-              <a:rPr lang="en-US" altLang="ko-KR" sz="1050" dirty="0"/>
-              <a:t>, </a:t>
-            </a:r>
-            <a:r>
-              <a:rPr lang="ko-KR" altLang="en-US" sz="1050" dirty="0"/>
-              <a:t>읽은 </a:t>
-            </a:r>
-            <a:r>
-              <a:rPr lang="ko-KR" altLang="en-US" sz="1050" dirty="0" err="1"/>
-              <a:t>메세지</a:t>
-            </a:r>
-            <a:r>
-              <a:rPr lang="en-US" altLang="ko-KR" sz="1050" dirty="0"/>
-              <a:t>, </a:t>
-            </a:r>
-            <a:r>
-              <a:rPr lang="ko-KR" altLang="en-US" sz="1050" dirty="0"/>
-              <a:t>읽지 않은 </a:t>
-            </a:r>
-            <a:r>
-              <a:rPr lang="ko-KR" altLang="en-US" sz="1050" dirty="0" err="1"/>
-              <a:t>메세지</a:t>
-            </a:r>
-            <a:endParaRPr lang="ko-KR" altLang="en-US" sz="1050" dirty="0"/>
-          </a:p>
-        </p:txBody>
-      </p:sp>
-      <p:sp>
-        <p:nvSpPr>
-          <p:cNvPr id="23" name="TextBox 22">
-            <a:extLst>
-              <a:ext uri="{FF2B5EF4-FFF2-40B4-BE49-F238E27FC236}">
-                <a16:creationId xmlns:a16="http://schemas.microsoft.com/office/drawing/2014/main" xmlns="" id="{F32561BD-E304-408A-8DBD-071FB89327CA}"/>
-              </a:ext>
-            </a:extLst>
-          </p:cNvPr>
-          <p:cNvSpPr txBox="1"/>
-          <p:nvPr/>
-        </p:nvSpPr>
-        <p:spPr>
-          <a:xfrm>
-            <a:off x="9715586" y="1858432"/>
-            <a:ext cx="2204907" cy="738664"/>
-          </a:xfrm>
-          <a:prstGeom prst="rect">
-            <a:avLst/>
-          </a:prstGeom>
-          <a:noFill/>
-        </p:spPr>
-        <p:txBody>
-          <a:bodyPr wrap="square" rtlCol="0">
-            <a:spAutoFit/>
-          </a:bodyPr>
-          <a:lstStyle/>
-          <a:p>
-            <a:r>
-              <a:rPr lang="ko-KR" altLang="en-US" sz="1050" dirty="0" err="1"/>
-              <a:t>메세지</a:t>
-            </a:r>
-            <a:r>
-              <a:rPr lang="ko-KR" altLang="en-US" sz="1050" dirty="0"/>
-              <a:t> 목록</a:t>
-            </a:r>
-            <a:endParaRPr lang="en-US" altLang="ko-KR" sz="1050" dirty="0"/>
-          </a:p>
-          <a:p>
-            <a:r>
-              <a:rPr lang="ko-KR" altLang="en-US" sz="1050" dirty="0"/>
-              <a:t>대화 목록 중 </a:t>
-            </a:r>
-            <a:r>
-              <a:rPr lang="ko-KR" altLang="en-US" sz="1050" dirty="0" err="1"/>
-              <a:t>메세지보기를</a:t>
-            </a:r>
-            <a:r>
-              <a:rPr lang="ko-KR" altLang="en-US" sz="1050" dirty="0"/>
-              <a:t> 클릭하여 메세지를 클릭하여 메세지를 확인할 수 있다</a:t>
-            </a:r>
-            <a:r>
-              <a:rPr lang="en-US" altLang="ko-KR" sz="1050" dirty="0"/>
-              <a:t>.</a:t>
-            </a:r>
-            <a:endParaRPr lang="ko-KR" altLang="en-US" sz="1050" dirty="0"/>
-          </a:p>
-        </p:txBody>
-      </p:sp>
-      <p:sp>
-        <p:nvSpPr>
-          <p:cNvPr id="25" name="TextBox 24">
-            <a:extLst>
-              <a:ext uri="{FF2B5EF4-FFF2-40B4-BE49-F238E27FC236}">
-                <a16:creationId xmlns:a16="http://schemas.microsoft.com/office/drawing/2014/main" xmlns="" id="{C57AB30A-BC4D-454E-BC57-8A3EC1BB301B}"/>
-              </a:ext>
-            </a:extLst>
-          </p:cNvPr>
-          <p:cNvSpPr txBox="1"/>
-          <p:nvPr/>
-        </p:nvSpPr>
-        <p:spPr>
-          <a:xfrm>
-            <a:off x="9715585" y="2706074"/>
-            <a:ext cx="2204907" cy="577081"/>
-          </a:xfrm>
-          <a:prstGeom prst="rect">
-            <a:avLst/>
-          </a:prstGeom>
-          <a:noFill/>
-        </p:spPr>
-        <p:txBody>
-          <a:bodyPr wrap="square" rtlCol="0">
-            <a:spAutoFit/>
-          </a:bodyPr>
-          <a:lstStyle/>
-          <a:p>
-            <a:r>
-              <a:rPr lang="ko-KR" altLang="en-US" sz="1050" dirty="0"/>
-              <a:t>검색</a:t>
-            </a:r>
-            <a:endParaRPr lang="en-US" altLang="ko-KR" sz="1050" dirty="0"/>
-          </a:p>
-          <a:p>
-            <a:r>
-              <a:rPr lang="ko-KR" altLang="en-US" sz="1050" dirty="0"/>
-              <a:t>아이디</a:t>
-            </a:r>
-            <a:r>
-              <a:rPr lang="en-US" altLang="ko-KR" sz="1050" dirty="0"/>
-              <a:t>, </a:t>
-            </a:r>
-            <a:r>
-              <a:rPr lang="ko-KR" altLang="en-US" sz="1050" dirty="0"/>
-              <a:t>대화 내용을 통해 메세지를 </a:t>
-            </a:r>
-            <a:r>
-              <a:rPr lang="ko-KR" altLang="en-US" sz="1050" dirty="0" err="1"/>
-              <a:t>메세지</a:t>
-            </a:r>
-            <a:r>
-              <a:rPr lang="ko-KR" altLang="en-US" sz="1050" dirty="0"/>
-              <a:t> 검색이 가능하다</a:t>
-            </a:r>
-            <a:r>
-              <a:rPr lang="en-US" altLang="ko-KR" sz="1050" dirty="0"/>
-              <a:t>.</a:t>
-            </a:r>
-            <a:endParaRPr lang="ko-KR" altLang="en-US" sz="1050" dirty="0"/>
-          </a:p>
-        </p:txBody>
-      </p:sp>
-      <p:sp>
-        <p:nvSpPr>
-          <p:cNvPr id="14" name="타원 13"/>
-          <p:cNvSpPr/>
-          <p:nvPr/>
-        </p:nvSpPr>
-        <p:spPr>
-          <a:xfrm>
-            <a:off x="5721815" y="1930824"/>
-            <a:ext cx="377505" cy="369198"/>
-          </a:xfrm>
-          <a:prstGeom prst="ellipse">
-            <a:avLst/>
-          </a:prstGeom>
-          <a:solidFill>
-            <a:schemeClr val="accent2"/>
-          </a:solidFill>
-          <a:ln>
-            <a:noFill/>
-          </a:ln>
-        </p:spPr>
-        <p:style>
-          <a:lnRef idx="2">
-            <a:schemeClr val="accent1">
-              <a:shade val="50000"/>
-            </a:schemeClr>
-          </a:lnRef>
-          <a:fillRef idx="1">
-            <a:schemeClr val="accent1"/>
-          </a:fillRef>
-          <a:effectRef idx="0">
-            <a:schemeClr val="accent1"/>
-          </a:effectRef>
-          <a:fontRef idx="minor">
-            <a:schemeClr val="lt1"/>
-          </a:fontRef>
-        </p:style>
-        <p:txBody>
-          <a:bodyPr rtlCol="0" anchor="ctr"/>
-          <a:lstStyle/>
-          <a:p>
-            <a:pPr algn="ctr"/>
-            <a:r>
-              <a:rPr lang="en-US" altLang="ko-KR" dirty="0"/>
-              <a:t>3</a:t>
-            </a:r>
-            <a:endParaRPr lang="ko-KR" altLang="en-US" dirty="0"/>
-          </a:p>
-        </p:txBody>
-      </p:sp>
-      <p:sp>
-        <p:nvSpPr>
-          <p:cNvPr id="15" name="타원 14">
-            <a:extLst/>
-          </p:cNvPr>
-          <p:cNvSpPr/>
-          <p:nvPr/>
-        </p:nvSpPr>
-        <p:spPr>
-          <a:xfrm>
-            <a:off x="2632657" y="1930824"/>
-            <a:ext cx="377505" cy="369198"/>
-          </a:xfrm>
-          <a:prstGeom prst="ellipse">
-            <a:avLst/>
-          </a:prstGeom>
-          <a:solidFill>
-            <a:schemeClr val="accent2"/>
-          </a:solidFill>
-          <a:ln>
-            <a:noFill/>
-          </a:ln>
-        </p:spPr>
-        <p:style>
-          <a:lnRef idx="2">
-            <a:schemeClr val="accent1">
-              <a:shade val="50000"/>
-            </a:schemeClr>
-          </a:lnRef>
-          <a:fillRef idx="1">
-            <a:schemeClr val="accent1"/>
-          </a:fillRef>
-          <a:effectRef idx="0">
-            <a:schemeClr val="accent1"/>
-          </a:effectRef>
-          <a:fontRef idx="minor">
-            <a:schemeClr val="lt1"/>
-          </a:fontRef>
-        </p:style>
-        <p:txBody>
-          <a:bodyPr rtlCol="0" anchor="ctr"/>
-          <a:lstStyle/>
-          <a:p>
-            <a:pPr algn="ctr"/>
-            <a:r>
-              <a:rPr lang="en-US" altLang="ko-KR" dirty="0"/>
-              <a:t>1</a:t>
-            </a:r>
-            <a:endParaRPr lang="ko-KR" altLang="en-US" dirty="0"/>
-          </a:p>
-        </p:txBody>
-      </p:sp>
-      <p:sp>
-        <p:nvSpPr>
-          <p:cNvPr id="16" name="타원 15">
-            <a:extLst/>
-          </p:cNvPr>
-          <p:cNvSpPr/>
-          <p:nvPr/>
-        </p:nvSpPr>
-        <p:spPr>
-          <a:xfrm>
-            <a:off x="4640510" y="2521475"/>
-            <a:ext cx="377505" cy="369198"/>
-          </a:xfrm>
-          <a:prstGeom prst="ellipse">
-            <a:avLst/>
-          </a:prstGeom>
-          <a:solidFill>
-            <a:schemeClr val="accent2"/>
-          </a:solidFill>
-          <a:ln>
-            <a:noFill/>
-          </a:ln>
-        </p:spPr>
-        <p:style>
-          <a:lnRef idx="2">
-            <a:schemeClr val="accent1">
-              <a:shade val="50000"/>
-            </a:schemeClr>
-          </a:lnRef>
-          <a:fillRef idx="1">
-            <a:schemeClr val="accent1"/>
-          </a:fillRef>
-          <a:effectRef idx="0">
-            <a:schemeClr val="accent1"/>
-          </a:effectRef>
-          <a:fontRef idx="minor">
-            <a:schemeClr val="lt1"/>
-          </a:fontRef>
-        </p:style>
-        <p:txBody>
-          <a:bodyPr rtlCol="0" anchor="ctr"/>
-          <a:lstStyle/>
-          <a:p>
-            <a:pPr algn="ctr"/>
-            <a:r>
-              <a:rPr lang="en-US" altLang="ko-KR" dirty="0"/>
-              <a:t>2</a:t>
-            </a:r>
-            <a:endParaRPr lang="ko-KR" altLang="en-US" dirty="0"/>
+            <a:pPr marL="0" indent="0" algn="ctr" defTabSz="508000" eaLnBrk="0" fontAlgn="auto" latinLnBrk="0">
+              <a:lnSpc>
+                <a:spcPct val="100000"/>
+              </a:lnSpc>
+              <a:spcBef>
+                <a:spcPts val="0"/>
+              </a:spcBef>
+              <a:spcAft>
+                <a:spcPts val="0"/>
+              </a:spcAft>
+              <a:buFontTx/>
+              <a:buNone/>
+            </a:pPr>
+            <a:r>
+              <a:rPr lang="ko-KR" altLang="en-US" dirty="0">
+                <a:latin typeface="맑은 고딕" charset="0"/>
+                <a:ea typeface="맑은 고딕" charset="0"/>
+              </a:rPr>
+              <a:t>메시지 기능</a:t>
+            </a:r>
+            <a:endParaRPr lang="ko-KR" altLang="en-US" sz="1800" b="0" cap="none" dirty="0">
+              <a:solidFill>
+                <a:schemeClr val="tx1"/>
+              </a:solidFill>
+              <a:latin typeface="맑은 고딕" charset="0"/>
+              <a:ea typeface="맑은 고딕" charset="0"/>
+            </a:endParaRPr>
           </a:p>
         </p:txBody>
       </p:sp>
     </p:spTree>
     <p:extLst>
       <p:ext uri="{BB962C8B-B14F-4D97-AF65-F5344CB8AC3E}">
-        <p14:creationId xmlns:p14="http://schemas.microsoft.com/office/powerpoint/2010/main" val="2138171409"/>
+        <p14:creationId xmlns:p14="http://schemas.microsoft.com/office/powerpoint/2010/main" val="994439696"/>
       </p:ext>
     </p:extLst>
   </p:cSld>
@@ -50806,7 +50158,7 @@
       </p:grpSpPr>
       <p:sp>
         <p:nvSpPr>
-          <p:cNvPr id="11" name="직사각형 10"/>
+          <p:cNvPr id="13" name="직사각형 12"/>
           <p:cNvSpPr/>
           <p:nvPr/>
         </p:nvSpPr>
@@ -50845,10 +50197,10 @@
       </p:sp>
       <p:pic>
         <p:nvPicPr>
-          <p:cNvPr id="13" name="그림 12">
+          <p:cNvPr id="11" name="그림 10">
             <a:extLst>
               <a:ext uri="{FF2B5EF4-FFF2-40B4-BE49-F238E27FC236}">
-                <a16:creationId xmlns:a16="http://schemas.microsoft.com/office/drawing/2014/main" xmlns="" id="{24F3A6C5-1241-4CBF-BF62-AE1CFB427114}"/>
+                <a16:creationId xmlns:a16="http://schemas.microsoft.com/office/drawing/2014/main" id="{E477E501-0E6A-4157-8731-BFD7A3189F6B}"/>
               </a:ext>
             </a:extLst>
           </p:cNvPr>
@@ -50872,19 +50224,112 @@
         <p:spPr>
           <a:xfrm>
             <a:off x="286362" y="1112676"/>
-            <a:ext cx="8717821" cy="4914900"/>
+            <a:ext cx="8712229" cy="4914900"/>
           </a:xfrm>
           <a:prstGeom prst="rect">
             <a:avLst/>
           </a:prstGeom>
         </p:spPr>
       </p:pic>
+      <p:sp>
+        <p:nvSpPr>
+          <p:cNvPr id="9" name="타원 8"/>
+          <p:cNvSpPr/>
+          <p:nvPr/>
+        </p:nvSpPr>
+        <p:spPr>
+          <a:xfrm>
+            <a:off x="9246065" y="2706074"/>
+            <a:ext cx="377505" cy="369198"/>
+          </a:xfrm>
+          <a:prstGeom prst="ellipse">
+            <a:avLst/>
+          </a:prstGeom>
+          <a:solidFill>
+            <a:schemeClr val="accent2"/>
+          </a:solidFill>
+          <a:ln>
+            <a:noFill/>
+          </a:ln>
+        </p:spPr>
+        <p:style>
+          <a:lnRef idx="2">
+            <a:schemeClr val="accent1">
+              <a:shade val="50000"/>
+            </a:schemeClr>
+          </a:lnRef>
+          <a:fillRef idx="1">
+            <a:schemeClr val="accent1"/>
+          </a:fillRef>
+          <a:effectRef idx="0">
+            <a:schemeClr val="accent1"/>
+          </a:effectRef>
+          <a:fontRef idx="minor">
+            <a:schemeClr val="lt1"/>
+          </a:fontRef>
+        </p:style>
+        <p:txBody>
+          <a:bodyPr rtlCol="0" anchor="ctr"/>
+          <a:lstStyle/>
+          <a:p>
+            <a:pPr algn="ctr"/>
+            <a:r>
+              <a:rPr lang="en-US" altLang="ko-KR" dirty="0"/>
+              <a:t>3</a:t>
+            </a:r>
+            <a:endParaRPr lang="ko-KR" altLang="en-US" dirty="0"/>
+          </a:p>
+        </p:txBody>
+      </p:sp>
+      <p:sp>
+        <p:nvSpPr>
+          <p:cNvPr id="3" name="사각형: 둥근 모서리 2">
+            <a:hlinkClick r:id="rId3" action="ppaction://hlinksldjump"/>
+          </p:cNvPr>
+          <p:cNvSpPr/>
+          <p:nvPr/>
+        </p:nvSpPr>
+        <p:spPr>
+          <a:xfrm>
+            <a:off x="10175846" y="209725"/>
+            <a:ext cx="1627464" cy="327170"/>
+          </a:xfrm>
+          <a:prstGeom prst="roundRect">
+            <a:avLst/>
+          </a:prstGeom>
+        </p:spPr>
+        <p:style>
+          <a:lnRef idx="1">
+            <a:schemeClr val="accent3"/>
+          </a:lnRef>
+          <a:fillRef idx="2">
+            <a:schemeClr val="accent3"/>
+          </a:fillRef>
+          <a:effectRef idx="1">
+            <a:schemeClr val="accent3"/>
+          </a:effectRef>
+          <a:fontRef idx="minor">
+            <a:schemeClr val="dk1"/>
+          </a:fontRef>
+        </p:style>
+        <p:txBody>
+          <a:bodyPr rtlCol="0" anchor="ctr"/>
+          <a:lstStyle/>
+          <a:p>
+            <a:pPr algn="ctr"/>
+            <a:r>
+              <a:rPr lang="ko-KR" altLang="en-US" sz="1200" dirty="0"/>
+              <a:t>이전 화면으로</a:t>
+            </a:r>
+          </a:p>
+        </p:txBody>
+      </p:sp>
       <p:sp>
         <p:nvSpPr>
           <p:cNvPr id="20" name="타원 19">
             <a:extLst>
               <a:ext uri="{FF2B5EF4-FFF2-40B4-BE49-F238E27FC236}">
-                <a16:creationId xmlns:a16="http://schemas.microsoft.com/office/drawing/2014/main" xmlns="" id="{DD1E2A7D-A343-48A0-8C4B-114EAE1E9808}"/>
+                <a16:creationId xmlns:a16="http://schemas.microsoft.com/office/drawing/2014/main" id="{DD1E2A7D-A343-48A0-8C4B-114EAE1E9808}"/>
               </a:ext>
             </a:extLst>
           </p:cNvPr>
@@ -50940,7 +50385,7 @@
           <p:cNvPr id="21" name="타원 20">
             <a:extLst>
               <a:ext uri="{FF2B5EF4-FFF2-40B4-BE49-F238E27FC236}">
-                <a16:creationId xmlns:a16="http://schemas.microsoft.com/office/drawing/2014/main" xmlns="" id="{17E7EFB1-7A51-4BFD-A060-3CC0A45C4B6D}"/>
+                <a16:creationId xmlns:a16="http://schemas.microsoft.com/office/drawing/2014/main" id="{17E7EFB1-7A51-4BFD-A060-3CC0A45C4B6D}"/>
               </a:ext>
             </a:extLst>
           </p:cNvPr>
@@ -50996,7 +50441,7 @@
           <p:cNvPr id="22" name="TextBox 21">
             <a:extLst>
               <a:ext uri="{FF2B5EF4-FFF2-40B4-BE49-F238E27FC236}">
-                <a16:creationId xmlns:a16="http://schemas.microsoft.com/office/drawing/2014/main" xmlns="" id="{AFAFB93A-19ED-492A-923A-8D7F78CF8082}"/>
+                <a16:creationId xmlns:a16="http://schemas.microsoft.com/office/drawing/2014/main" id="{AFAFB93A-19ED-492A-923A-8D7F78CF8082}"/>
               </a:ext>
             </a:extLst>
           </p:cNvPr>
@@ -51005,8 +50450,8 @@
         </p:nvSpPr>
         <p:spPr>
           <a:xfrm>
-            <a:off x="9716460" y="1010790"/>
-            <a:ext cx="2204907" cy="577081"/>
+            <a:off x="9715587" y="1010790"/>
+            <a:ext cx="2204907" cy="738664"/>
           </a:xfrm>
           <a:prstGeom prst="rect">
             <a:avLst/>
@@ -51020,19 +50465,63 @@
           <a:lstStyle/>
           <a:p>
             <a:r>
+              <a:rPr lang="ko-KR" altLang="en-US" sz="1050" dirty="0" err="1"/>
+              <a:t>메세지</a:t>
+            </a:r>
+            <a:r>
               <a:rPr lang="ko-KR" altLang="en-US" sz="1050" dirty="0"/>
-              <a:t>메시지 보내기</a:t>
+              <a:t> 탭</a:t>
             </a:r>
             <a:endParaRPr lang="en-US" altLang="ko-KR" sz="1050" dirty="0"/>
           </a:p>
           <a:p>
             <a:r>
               <a:rPr lang="ko-KR" altLang="en-US" sz="1050" dirty="0"/>
-              <a:t>메시지 창을 이용하여 메시지를 보낼 수 있다</a:t>
+              <a:t>항목 </a:t>
             </a:r>
             <a:r>
               <a:rPr lang="en-US" altLang="ko-KR" sz="1050" dirty="0"/>
-              <a:t>.</a:t>
+              <a:t>: </a:t>
+            </a:r>
+            <a:r>
+              <a:rPr lang="ko-KR" altLang="en-US" sz="1050" dirty="0"/>
+              <a:t>과거 대화한 메세지를 </a:t>
+            </a:r>
+            <a:r>
+              <a:rPr lang="ko-KR" altLang="en-US" sz="1050" dirty="0" err="1"/>
+              <a:t>전체메세지</a:t>
+            </a:r>
+            <a:r>
+              <a:rPr lang="en-US" altLang="ko-KR" sz="1050" dirty="0"/>
+              <a:t>, </a:t>
+            </a:r>
+            <a:r>
+              <a:rPr lang="ko-KR" altLang="en-US" sz="1050" dirty="0" err="1"/>
+              <a:t>중요메세지</a:t>
+            </a:r>
+            <a:r>
+              <a:rPr lang="en-US" altLang="ko-KR" sz="1050" dirty="0"/>
+              <a:t>, </a:t>
+            </a:r>
+            <a:r>
+              <a:rPr lang="ko-KR" altLang="en-US" sz="1050" dirty="0"/>
+              <a:t>읽은 </a:t>
+            </a:r>
+            <a:r>
+              <a:rPr lang="ko-KR" altLang="en-US" sz="1050" dirty="0" err="1"/>
+              <a:t>메세지</a:t>
+            </a:r>
+            <a:r>
+              <a:rPr lang="en-US" altLang="ko-KR" sz="1050" dirty="0"/>
+              <a:t>, </a:t>
+            </a:r>
+            <a:r>
+              <a:rPr lang="ko-KR" altLang="en-US" sz="1050" dirty="0"/>
+              <a:t>읽지 않은 </a:t>
+            </a:r>
+            <a:r>
+              <a:rPr lang="ko-KR" altLang="en-US" sz="1050" dirty="0" err="1"/>
+              <a:t>메세지</a:t>
             </a:r>
             <a:endParaRPr lang="ko-KR" altLang="en-US" sz="1050" dirty="0"/>
           </a:p>
@@ -51043,7 +50532,7 @@
           <p:cNvPr id="23" name="TextBox 22">
             <a:extLst>
               <a:ext uri="{FF2B5EF4-FFF2-40B4-BE49-F238E27FC236}">
-                <a16:creationId xmlns:a16="http://schemas.microsoft.com/office/drawing/2014/main" xmlns="" id="{F32561BD-E304-408A-8DBD-071FB89327CA}"/>
+                <a16:creationId xmlns:a16="http://schemas.microsoft.com/office/drawing/2014/main" id="{F32561BD-E304-408A-8DBD-071FB89327CA}"/>
               </a:ext>
             </a:extLst>
           </p:cNvPr>
@@ -51052,8 +50541,8 @@
         </p:nvSpPr>
         <p:spPr>
           <a:xfrm>
-            <a:off x="9734636" y="1858432"/>
-            <a:ext cx="2204907" cy="430887"/>
+            <a:off x="9715586" y="1858432"/>
+            <a:ext cx="2204907" cy="738664"/>
           </a:xfrm>
           <a:prstGeom prst="rect">
             <a:avLst/>
@@ -51067,15 +50556,27 @@
           <a:lstStyle/>
           <a:p>
             <a:r>
+              <a:rPr lang="ko-KR" altLang="en-US" sz="1050" dirty="0" err="1"/>
+              <a:t>메세지</a:t>
+            </a:r>
+            <a:r>
               <a:rPr lang="ko-KR" altLang="en-US" sz="1050" dirty="0"/>
-              <a:t>메시지 목록</a:t>
+              <a:t> 목록</a:t>
             </a:r>
             <a:endParaRPr lang="en-US" altLang="ko-KR" sz="1050" dirty="0"/>
           </a:p>
           <a:p>
             <a:r>
               <a:rPr lang="ko-KR" altLang="en-US" sz="1050" dirty="0"/>
-              <a:t>이전 메세지를 확인할 수 있다</a:t>
+              <a:t>대화 목록 중 </a:t>
+            </a:r>
+            <a:r>
+              <a:rPr lang="ko-KR" altLang="en-US" sz="1050" dirty="0" err="1"/>
+              <a:t>메세지보기를</a:t>
+            </a:r>
+            <a:r>
+              <a:rPr lang="ko-KR" altLang="en-US" sz="1050" dirty="0"/>
+              <a:t> 클릭하여 메세지를 클릭하여 메세지를 확인할 수 있다</a:t>
             </a:r>
             <a:r>
               <a:rPr lang="en-US" altLang="ko-KR" sz="1050" dirty="0"/>
@@ -51087,58 +50588,76 @@
       </p:sp>
       <p:sp>
         <p:nvSpPr>
-          <p:cNvPr id="10" name="사각형: 둥근 모서리 9">
-            <a:hlinkClick r:id="rId3" action="ppaction://hlinksldjump"/>
+          <p:cNvPr id="25" name="TextBox 24">
+            <a:extLst>
+              <a:ext uri="{FF2B5EF4-FFF2-40B4-BE49-F238E27FC236}">
+                <a16:creationId xmlns:a16="http://schemas.microsoft.com/office/drawing/2014/main" id="{C57AB30A-BC4D-454E-BC57-8A3EC1BB301B}"/>
+              </a:ext>
+            </a:extLst>
           </p:cNvPr>
+          <p:cNvSpPr txBox="1"/>
+          <p:nvPr/>
+        </p:nvSpPr>
+        <p:spPr>
+          <a:xfrm>
+            <a:off x="9715585" y="2706074"/>
+            <a:ext cx="2204907" cy="577081"/>
+          </a:xfrm>
+          <a:prstGeom prst="rect">
+            <a:avLst/>
+          </a:prstGeom>
+          <a:noFill/>
+        </p:spPr>
+        <p:txBody>
+          <a:bodyPr wrap="square" rtlCol="0">
+            <a:spAutoFit/>
+          </a:bodyPr>
+          <a:lstStyle/>
+          <a:p>
+            <a:r>
+              <a:rPr lang="ko-KR" altLang="en-US" sz="1050" dirty="0"/>
+              <a:t>검색</a:t>
+            </a:r>
+            <a:endParaRPr lang="en-US" altLang="ko-KR" sz="1050" dirty="0"/>
+          </a:p>
+          <a:p>
+            <a:r>
+              <a:rPr lang="ko-KR" altLang="en-US" sz="1050" dirty="0"/>
+              <a:t>아이디</a:t>
+            </a:r>
+            <a:r>
+              <a:rPr lang="en-US" altLang="ko-KR" sz="1050" dirty="0"/>
+              <a:t>, </a:t>
+            </a:r>
+            <a:r>
+              <a:rPr lang="ko-KR" altLang="en-US" sz="1050" dirty="0"/>
+              <a:t>대화 내용을 통해 메세지를 </a:t>
+            </a:r>
+            <a:r>
+              <a:rPr lang="ko-KR" altLang="en-US" sz="1050" dirty="0" err="1"/>
+              <a:t>메세지</a:t>
+            </a:r>
+            <a:r>
+              <a:rPr lang="ko-KR" altLang="en-US" sz="1050" dirty="0"/>
+              <a:t> 검색이 가능하다</a:t>
+            </a:r>
+            <a:r>
+              <a:rPr lang="en-US" altLang="ko-KR" sz="1050" dirty="0"/>
+              <a:t>.</a:t>
+            </a:r>
+            <a:endParaRPr lang="ko-KR" altLang="en-US" sz="1050" dirty="0"/>
+          </a:p>
+        </p:txBody>
+      </p:sp>
+      <p:sp>
+        <p:nvSpPr>
+          <p:cNvPr id="14" name="타원 13"/>
           <p:cNvSpPr/>
           <p:nvPr/>
         </p:nvSpPr>
         <p:spPr>
           <a:xfrm>
-            <a:off x="10175846" y="209725"/>
-            <a:ext cx="1627464" cy="327170"/>
-          </a:xfrm>
-          <a:prstGeom prst="roundRect">
-            <a:avLst/>
-          </a:prstGeom>
-        </p:spPr>
-        <p:style>
-          <a:lnRef idx="1">
-            <a:schemeClr val="accent3"/>
-          </a:lnRef>
-          <a:fillRef idx="2">
-            <a:schemeClr val="accent3"/>
-          </a:fillRef>
-          <a:effectRef idx="1">
-            <a:schemeClr val="accent3"/>
-          </a:effectRef>
-          <a:fontRef idx="minor">
-            <a:schemeClr val="dk1"/>
-          </a:fontRef>
-        </p:style>
-        <p:txBody>
-          <a:bodyPr rtlCol="0" anchor="ctr"/>
-          <a:lstStyle/>
-          <a:p>
-            <a:pPr algn="ctr"/>
-            <a:r>
-              <a:rPr lang="ko-KR" altLang="en-US" sz="1200" dirty="0"/>
-              <a:t>이전 화면으로</a:t>
-            </a:r>
-          </a:p>
-        </p:txBody>
-      </p:sp>
-      <p:sp>
-        <p:nvSpPr>
-          <p:cNvPr id="12" name="타원 11">
-            <a:extLst/>
-          </p:cNvPr>
-          <p:cNvSpPr/>
-          <p:nvPr/>
-        </p:nvSpPr>
-        <p:spPr>
-          <a:xfrm>
-            <a:off x="3604207" y="2289319"/>
+            <a:off x="5721815" y="1930824"/>
             <a:ext cx="377505" cy="369198"/>
           </a:xfrm>
           <a:prstGeom prst="ellipse">
@@ -51174,7 +50693,7 @@
             <a:pPr algn="ctr"/>
             <a:r>
               <a:rPr lang="en-US" altLang="ko-KR" dirty="0"/>
-              <a:t>1</a:t>
+              <a:t>3</a:t>
             </a:r>
             <a:endParaRPr lang="ko-KR" altLang="en-US" dirty="0"/>
           </a:p>
@@ -51182,7 +50701,7 @@
       </p:sp>
       <p:sp>
         <p:nvSpPr>
-          <p:cNvPr id="14" name="타원 13">
+          <p:cNvPr id="15" name="타원 14">
             <a:extLst/>
           </p:cNvPr>
           <p:cNvSpPr/>
@@ -51190,7 +50709,7 @@
         </p:nvSpPr>
         <p:spPr>
           <a:xfrm>
-            <a:off x="2880306" y="3834379"/>
+            <a:off x="2632657" y="1930824"/>
             <a:ext cx="377505" cy="369198"/>
           </a:xfrm>
           <a:prstGeom prst="ellipse">
@@ -51226,6 +50745,58 @@
             <a:pPr algn="ctr"/>
             <a:r>
               <a:rPr lang="en-US" altLang="ko-KR" dirty="0"/>
+              <a:t>1</a:t>
+            </a:r>
+            <a:endParaRPr lang="ko-KR" altLang="en-US" dirty="0"/>
+          </a:p>
+        </p:txBody>
+      </p:sp>
+      <p:sp>
+        <p:nvSpPr>
+          <p:cNvPr id="16" name="타원 15">
+            <a:extLst/>
+          </p:cNvPr>
+          <p:cNvSpPr/>
+          <p:nvPr/>
+        </p:nvSpPr>
+        <p:spPr>
+          <a:xfrm>
+            <a:off x="4640510" y="2521475"/>
+            <a:ext cx="377505" cy="369198"/>
+          </a:xfrm>
+          <a:prstGeom prst="ellipse">
+            <a:avLst/>
+          </a:prstGeom>
+          <a:solidFill>
+            <a:schemeClr val="accent2"/>
+          </a:solidFill>
+          <a:ln>
+            <a:noFill/>
+          </a:ln>
+        </p:spPr>
+        <p:style>
+          <a:lnRef idx="2">
+            <a:schemeClr val="accent1">
+              <a:shade val="50000"/>
+            </a:schemeClr>
+          </a:lnRef>
+          <a:fillRef idx="1">
+            <a:schemeClr val="accent1"/>
+          </a:fillRef>
+          <a:effectRef idx="0">
+            <a:schemeClr val="accent1"/>
+          </a:effectRef>
+          <a:fontRef idx="minor">
+            <a:schemeClr val="lt1"/>
+          </a:fontRef>
+        </p:style>
+        <p:txBody>
+          <a:bodyPr rtlCol="0" anchor="ctr"/>
+          <a:lstStyle/>
+          <a:p>
+            <a:pPr algn="ctr"/>
+            <a:r>
+              <a:rPr lang="en-US" altLang="ko-KR" dirty="0"/>
               <a:t>2</a:t>
             </a:r>
             <a:endParaRPr lang="ko-KR" altLang="en-US" dirty="0"/>
@@ -51235,7 +50806,7 @@
     </p:spTree>
     <p:extLst>
       <p:ext uri="{BB962C8B-B14F-4D97-AF65-F5344CB8AC3E}">
-        <p14:creationId xmlns:p14="http://schemas.microsoft.com/office/powerpoint/2010/main" val="616319582"/>
+        <p14:creationId xmlns:p14="http://schemas.microsoft.com/office/powerpoint/2010/main" val="2138171409"/>
       </p:ext>
     </p:extLst>
   </p:cSld>
@@ -51264,7 +50835,7 @@
       </p:grpSpPr>
       <p:sp>
         <p:nvSpPr>
-          <p:cNvPr id="8" name="직사각형 7"/>
+          <p:cNvPr id="11" name="직사각형 10"/>
           <p:cNvSpPr/>
           <p:nvPr/>
         </p:nvSpPr>
@@ -51303,10 +50874,10 @@
       </p:sp>
       <p:pic>
         <p:nvPicPr>
-          <p:cNvPr id="11" name="그림 10">
+          <p:cNvPr id="13" name="그림 12">
             <a:extLst>
               <a:ext uri="{FF2B5EF4-FFF2-40B4-BE49-F238E27FC236}">
-                <a16:creationId xmlns:a16="http://schemas.microsoft.com/office/drawing/2014/main" xmlns="" id="{E477E501-0E6A-4157-8731-BFD7A3189F6B}"/>
+                <a16:creationId xmlns:a16="http://schemas.microsoft.com/office/drawing/2014/main" id="{24F3A6C5-1241-4CBF-BF62-AE1CFB427114}"/>
               </a:ext>
             </a:extLst>
           </p:cNvPr>
@@ -51330,7 +50901,7 @@
         <p:spPr>
           <a:xfrm>
             <a:off x="286362" y="1112676"/>
-            <a:ext cx="8717822" cy="4914900"/>
+            <a:ext cx="8717821" cy="4914900"/>
           </a:xfrm>
           <a:prstGeom prst="rect">
             <a:avLst/>
@@ -51342,7 +50913,7 @@
           <p:cNvPr id="20" name="타원 19">
             <a:extLst>
               <a:ext uri="{FF2B5EF4-FFF2-40B4-BE49-F238E27FC236}">
-                <a16:creationId xmlns:a16="http://schemas.microsoft.com/office/drawing/2014/main" xmlns="" id="{DD1E2A7D-A343-48A0-8C4B-114EAE1E9808}"/>
+                <a16:creationId xmlns:a16="http://schemas.microsoft.com/office/drawing/2014/main" id="{DD1E2A7D-A343-48A0-8C4B-114EAE1E9808}"/>
               </a:ext>
             </a:extLst>
           </p:cNvPr>
@@ -51395,10 +50966,468 @@
       </p:sp>
       <p:sp>
         <p:nvSpPr>
+          <p:cNvPr id="21" name="타원 20">
+            <a:extLst>
+              <a:ext uri="{FF2B5EF4-FFF2-40B4-BE49-F238E27FC236}">
+                <a16:creationId xmlns:a16="http://schemas.microsoft.com/office/drawing/2014/main" id="{17E7EFB1-7A51-4BFD-A060-3CC0A45C4B6D}"/>
+              </a:ext>
+            </a:extLst>
+          </p:cNvPr>
+          <p:cNvSpPr/>
+          <p:nvPr/>
+        </p:nvSpPr>
+        <p:spPr>
+          <a:xfrm>
+            <a:off x="9233481" y="1746225"/>
+            <a:ext cx="377505" cy="369198"/>
+          </a:xfrm>
+          <a:prstGeom prst="ellipse">
+            <a:avLst/>
+          </a:prstGeom>
+          <a:solidFill>
+            <a:schemeClr val="accent2"/>
+          </a:solidFill>
+          <a:ln>
+            <a:noFill/>
+          </a:ln>
+        </p:spPr>
+        <p:style>
+          <a:lnRef idx="2">
+            <a:schemeClr val="accent1">
+              <a:shade val="50000"/>
+            </a:schemeClr>
+          </a:lnRef>
+          <a:fillRef idx="1">
+            <a:schemeClr val="accent1"/>
+          </a:fillRef>
+          <a:effectRef idx="0">
+            <a:schemeClr val="accent1"/>
+          </a:effectRef>
+          <a:fontRef idx="minor">
+            <a:schemeClr val="lt1"/>
+          </a:fontRef>
+        </p:style>
+        <p:txBody>
+          <a:bodyPr rtlCol="0" anchor="ctr"/>
+          <a:lstStyle/>
+          <a:p>
+            <a:pPr algn="ctr"/>
+            <a:r>
+              <a:rPr lang="en-US" altLang="ko-KR" dirty="0"/>
+              <a:t>2</a:t>
+            </a:r>
+            <a:endParaRPr lang="ko-KR" altLang="en-US" dirty="0"/>
+          </a:p>
+        </p:txBody>
+      </p:sp>
+      <p:sp>
+        <p:nvSpPr>
           <p:cNvPr id="22" name="TextBox 21">
             <a:extLst>
               <a:ext uri="{FF2B5EF4-FFF2-40B4-BE49-F238E27FC236}">
-                <a16:creationId xmlns:a16="http://schemas.microsoft.com/office/drawing/2014/main" xmlns="" id="{AFAFB93A-19ED-492A-923A-8D7F78CF8082}"/>
+                <a16:creationId xmlns:a16="http://schemas.microsoft.com/office/drawing/2014/main" id="{AFAFB93A-19ED-492A-923A-8D7F78CF8082}"/>
+              </a:ext>
+            </a:extLst>
+          </p:cNvPr>
+          <p:cNvSpPr txBox="1"/>
+          <p:nvPr/>
+        </p:nvSpPr>
+        <p:spPr>
+          <a:xfrm>
+            <a:off x="9716460" y="1010790"/>
+            <a:ext cx="2204907" cy="577081"/>
+          </a:xfrm>
+          <a:prstGeom prst="rect">
+            <a:avLst/>
+          </a:prstGeom>
+          <a:noFill/>
+        </p:spPr>
+        <p:txBody>
+          <a:bodyPr wrap="square" rtlCol="0">
+            <a:spAutoFit/>
+          </a:bodyPr>
+          <a:lstStyle/>
+          <a:p>
+            <a:r>
+              <a:rPr lang="ko-KR" altLang="en-US" sz="1050" dirty="0"/>
+              <a:t>메시지 보내기</a:t>
+            </a:r>
+            <a:endParaRPr lang="en-US" altLang="ko-KR" sz="1050" dirty="0"/>
+          </a:p>
+          <a:p>
+            <a:r>
+              <a:rPr lang="ko-KR" altLang="en-US" sz="1050" dirty="0"/>
+              <a:t>메시지 창을 이용하여 메시지를 보낼 수 있다</a:t>
+            </a:r>
+            <a:r>
+              <a:rPr lang="en-US" altLang="ko-KR" sz="1050" dirty="0"/>
+              <a:t>.</a:t>
+            </a:r>
+            <a:endParaRPr lang="ko-KR" altLang="en-US" sz="1050" dirty="0"/>
+          </a:p>
+        </p:txBody>
+      </p:sp>
+      <p:sp>
+        <p:nvSpPr>
+          <p:cNvPr id="23" name="TextBox 22">
+            <a:extLst>
+              <a:ext uri="{FF2B5EF4-FFF2-40B4-BE49-F238E27FC236}">
+                <a16:creationId xmlns:a16="http://schemas.microsoft.com/office/drawing/2014/main" id="{F32561BD-E304-408A-8DBD-071FB89327CA}"/>
+              </a:ext>
+            </a:extLst>
+          </p:cNvPr>
+          <p:cNvSpPr txBox="1"/>
+          <p:nvPr/>
+        </p:nvSpPr>
+        <p:spPr>
+          <a:xfrm>
+            <a:off x="9734636" y="1858432"/>
+            <a:ext cx="2204907" cy="430887"/>
+          </a:xfrm>
+          <a:prstGeom prst="rect">
+            <a:avLst/>
+          </a:prstGeom>
+          <a:noFill/>
+        </p:spPr>
+        <p:txBody>
+          <a:bodyPr wrap="square" rtlCol="0">
+            <a:spAutoFit/>
+          </a:bodyPr>
+          <a:lstStyle/>
+          <a:p>
+            <a:r>
+              <a:rPr lang="ko-KR" altLang="en-US" sz="1050" dirty="0"/>
+              <a:t>메시지 목록</a:t>
+            </a:r>
+            <a:endParaRPr lang="en-US" altLang="ko-KR" sz="1050" dirty="0"/>
+          </a:p>
+          <a:p>
+            <a:r>
+              <a:rPr lang="ko-KR" altLang="en-US" sz="1050" dirty="0"/>
+              <a:t>이전 메세지를 확인할 수 있다</a:t>
+            </a:r>
+            <a:r>
+              <a:rPr lang="en-US" altLang="ko-KR" sz="1050" dirty="0"/>
+              <a:t>.</a:t>
+            </a:r>
+            <a:endParaRPr lang="ko-KR" altLang="en-US" sz="1050" dirty="0"/>
+          </a:p>
+        </p:txBody>
+      </p:sp>
+      <p:sp>
+        <p:nvSpPr>
+          <p:cNvPr id="10" name="사각형: 둥근 모서리 9">
+            <a:hlinkClick r:id="rId3" action="ppaction://hlinksldjump"/>
+          </p:cNvPr>
+          <p:cNvSpPr/>
+          <p:nvPr/>
+        </p:nvSpPr>
+        <p:spPr>
+          <a:xfrm>
+            <a:off x="10175846" y="209725"/>
+            <a:ext cx="1627464" cy="327170"/>
+          </a:xfrm>
+          <a:prstGeom prst="roundRect">
+            <a:avLst/>
+          </a:prstGeom>
+        </p:spPr>
+        <p:style>
+          <a:lnRef idx="1">
+            <a:schemeClr val="accent3"/>
+          </a:lnRef>
+          <a:fillRef idx="2">
+            <a:schemeClr val="accent3"/>
+          </a:fillRef>
+          <a:effectRef idx="1">
+            <a:schemeClr val="accent3"/>
+          </a:effectRef>
+          <a:fontRef idx="minor">
+            <a:schemeClr val="dk1"/>
+          </a:fontRef>
+        </p:style>
+        <p:txBody>
+          <a:bodyPr rtlCol="0" anchor="ctr"/>
+          <a:lstStyle/>
+          <a:p>
+            <a:pPr algn="ctr"/>
+            <a:r>
+              <a:rPr lang="ko-KR" altLang="en-US" sz="1200" dirty="0"/>
+              <a:t>이전 화면으로</a:t>
+            </a:r>
+          </a:p>
+        </p:txBody>
+      </p:sp>
+      <p:sp>
+        <p:nvSpPr>
+          <p:cNvPr id="12" name="타원 11">
+            <a:extLst/>
+          </p:cNvPr>
+          <p:cNvSpPr/>
+          <p:nvPr/>
+        </p:nvSpPr>
+        <p:spPr>
+          <a:xfrm>
+            <a:off x="3604207" y="2289319"/>
+            <a:ext cx="377505" cy="369198"/>
+          </a:xfrm>
+          <a:prstGeom prst="ellipse">
+            <a:avLst/>
+          </a:prstGeom>
+          <a:solidFill>
+            <a:schemeClr val="accent2"/>
+          </a:solidFill>
+          <a:ln>
+            <a:noFill/>
+          </a:ln>
+        </p:spPr>
+        <p:style>
+          <a:lnRef idx="2">
+            <a:schemeClr val="accent1">
+              <a:shade val="50000"/>
+            </a:schemeClr>
+          </a:lnRef>
+          <a:fillRef idx="1">
+            <a:schemeClr val="accent1"/>
+          </a:fillRef>
+          <a:effectRef idx="0">
+            <a:schemeClr val="accent1"/>
+          </a:effectRef>
+          <a:fontRef idx="minor">
+            <a:schemeClr val="lt1"/>
+          </a:fontRef>
+        </p:style>
+        <p:txBody>
+          <a:bodyPr rtlCol="0" anchor="ctr"/>
+          <a:lstStyle/>
+          <a:p>
+            <a:pPr algn="ctr"/>
+            <a:r>
+              <a:rPr lang="en-US" altLang="ko-KR" dirty="0"/>
+              <a:t>1</a:t>
+            </a:r>
+            <a:endParaRPr lang="ko-KR" altLang="en-US" dirty="0"/>
+          </a:p>
+        </p:txBody>
+      </p:sp>
+      <p:sp>
+        <p:nvSpPr>
+          <p:cNvPr id="14" name="타원 13">
+            <a:extLst/>
+          </p:cNvPr>
+          <p:cNvSpPr/>
+          <p:nvPr/>
+        </p:nvSpPr>
+        <p:spPr>
+          <a:xfrm>
+            <a:off x="2880306" y="3834379"/>
+            <a:ext cx="377505" cy="369198"/>
+          </a:xfrm>
+          <a:prstGeom prst="ellipse">
+            <a:avLst/>
+          </a:prstGeom>
+          <a:solidFill>
+            <a:schemeClr val="accent2"/>
+          </a:solidFill>
+          <a:ln>
+            <a:noFill/>
+          </a:ln>
+        </p:spPr>
+        <p:style>
+          <a:lnRef idx="2">
+            <a:schemeClr val="accent1">
+              <a:shade val="50000"/>
+            </a:schemeClr>
+          </a:lnRef>
+          <a:fillRef idx="1">
+            <a:schemeClr val="accent1"/>
+          </a:fillRef>
+          <a:effectRef idx="0">
+            <a:schemeClr val="accent1"/>
+          </a:effectRef>
+          <a:fontRef idx="minor">
+            <a:schemeClr val="lt1"/>
+          </a:fontRef>
+        </p:style>
+        <p:txBody>
+          <a:bodyPr rtlCol="0" anchor="ctr"/>
+          <a:lstStyle/>
+          <a:p>
+            <a:pPr algn="ctr"/>
+            <a:r>
+              <a:rPr lang="en-US" altLang="ko-KR" dirty="0"/>
+              <a:t>2</a:t>
+            </a:r>
+            <a:endParaRPr lang="ko-KR" altLang="en-US" dirty="0"/>
+          </a:p>
+        </p:txBody>
+      </p:sp>
+    </p:spTree>
+    <p:extLst>
+      <p:ext uri="{BB962C8B-B14F-4D97-AF65-F5344CB8AC3E}">
+        <p14:creationId xmlns:p14="http://schemas.microsoft.com/office/powerpoint/2010/main" val="616319582"/>
+      </p:ext>
+    </p:extLst>
+  </p:cSld>
+  <p:clrMapOvr>
+    <a:masterClrMapping/>
+  </p:clrMapOvr>
+</p:sld>
+</file>
+
+<file path=ppt/slides/slide75.xml><?xml version="1.0" encoding="utf-8"?>
+<p:sld xmlns:a="http://schemas.openxmlformats.org/drawingml/2006/main" xmlns:r="http://schemas.openxmlformats.org/officeDocument/2006/relationships" xmlns:p="http://schemas.openxmlformats.org/presentationml/2006/main">
+  <p:cSld>
+    <p:spTree>
+      <p:nvGrpSpPr>
+        <p:cNvPr id="1" name=""/>
+        <p:cNvGrpSpPr/>
+        <p:nvPr/>
+      </p:nvGrpSpPr>
+      <p:grpSpPr>
+        <a:xfrm>
+          <a:off x="0" y="0"/>
+          <a:ext cx="0" cy="0"/>
+          <a:chOff x="0" y="0"/>
+          <a:chExt cx="0" cy="0"/>
+        </a:xfrm>
+      </p:grpSpPr>
+      <p:sp>
+        <p:nvSpPr>
+          <p:cNvPr id="8" name="직사각형 7"/>
+          <p:cNvSpPr/>
+          <p:nvPr/>
+        </p:nvSpPr>
+        <p:spPr>
+          <a:xfrm>
+            <a:off x="276837" y="1103151"/>
+            <a:ext cx="8727347" cy="4924425"/>
+          </a:xfrm>
+          <a:prstGeom prst="rect">
+            <a:avLst/>
+          </a:prstGeom>
+          <a:ln w="3175"/>
+        </p:spPr>
+        <p:style>
+          <a:lnRef idx="2">
+            <a:schemeClr val="dk1"/>
+          </a:lnRef>
+          <a:fillRef idx="1">
+            <a:schemeClr val="lt1"/>
+          </a:fillRef>
+          <a:effectRef idx="0">
+            <a:schemeClr val="dk1"/>
+          </a:effectRef>
+          <a:fontRef idx="minor">
+            <a:schemeClr val="dk1"/>
+          </a:fontRef>
+        </p:style>
+        <p:txBody>
+          <a:bodyPr rtlCol="0" anchor="ctr"/>
+          <a:lstStyle/>
+          <a:p>
+            <a:pPr algn="ctr"/>
+            <a:endParaRPr lang="ko-KR" altLang="en-US"/>
+          </a:p>
+        </p:txBody>
+      </p:sp>
+      <p:pic>
+        <p:nvPicPr>
+          <p:cNvPr id="11" name="그림 10">
+            <a:extLst>
+              <a:ext uri="{FF2B5EF4-FFF2-40B4-BE49-F238E27FC236}">
+                <a16:creationId xmlns:a16="http://schemas.microsoft.com/office/drawing/2014/main" id="{E477E501-0E6A-4157-8731-BFD7A3189F6B}"/>
+              </a:ext>
+            </a:extLst>
+          </p:cNvPr>
+          <p:cNvPicPr>
+            <a:picLocks noChangeAspect="1"/>
+          </p:cNvPicPr>
+          <p:nvPr/>
+        </p:nvPicPr>
+        <p:blipFill>
+          <a:blip r:embed="rId2">
+            <a:extLst>
+              <a:ext uri="{28A0092B-C50C-407E-A947-70E740481C1C}">
+                <a14:useLocalDpi xmlns:a14="http://schemas.microsoft.com/office/drawing/2010/main" val="0"/>
+              </a:ext>
+            </a:extLst>
+          </a:blip>
+          <a:stretch>
+            <a:fillRect/>
+          </a:stretch>
+        </p:blipFill>
+        <p:spPr>
+          <a:xfrm>
+            <a:off x="286362" y="1112676"/>
+            <a:ext cx="8717822" cy="4914900"/>
+          </a:xfrm>
+          <a:prstGeom prst="rect">
+            <a:avLst/>
+          </a:prstGeom>
+        </p:spPr>
+      </p:pic>
+      <p:sp>
+        <p:nvSpPr>
+          <p:cNvPr id="20" name="타원 19">
+            <a:extLst>
+              <a:ext uri="{FF2B5EF4-FFF2-40B4-BE49-F238E27FC236}">
+                <a16:creationId xmlns:a16="http://schemas.microsoft.com/office/drawing/2014/main" id="{DD1E2A7D-A343-48A0-8C4B-114EAE1E9808}"/>
+              </a:ext>
+            </a:extLst>
+          </p:cNvPr>
+          <p:cNvSpPr/>
+          <p:nvPr/>
+        </p:nvSpPr>
+        <p:spPr>
+          <a:xfrm>
+            <a:off x="9233482" y="1010790"/>
+            <a:ext cx="377505" cy="369198"/>
+          </a:xfrm>
+          <a:prstGeom prst="ellipse">
+            <a:avLst/>
+          </a:prstGeom>
+          <a:solidFill>
+            <a:schemeClr val="accent2"/>
+          </a:solidFill>
+          <a:ln>
+            <a:noFill/>
+          </a:ln>
+        </p:spPr>
+        <p:style>
+          <a:lnRef idx="2">
+            <a:schemeClr val="accent1">
+              <a:shade val="50000"/>
+            </a:schemeClr>
+          </a:lnRef>
+          <a:fillRef idx="1">
+            <a:schemeClr val="accent1"/>
+          </a:fillRef>
+          <a:effectRef idx="0">
+            <a:schemeClr val="accent1"/>
+          </a:effectRef>
+          <a:fontRef idx="minor">
+            <a:schemeClr val="lt1"/>
+          </a:fontRef>
+        </p:style>
+        <p:txBody>
+          <a:bodyPr rtlCol="0" anchor="ctr"/>
+          <a:lstStyle/>
+          <a:p>
+            <a:pPr algn="ctr"/>
+            <a:r>
+              <a:rPr lang="en-US" altLang="ko-KR" dirty="0"/>
+              <a:t>1</a:t>
+            </a:r>
+            <a:endParaRPr lang="ko-KR" altLang="en-US" dirty="0"/>
+          </a:p>
+        </p:txBody>
+      </p:sp>
+      <p:sp>
+        <p:nvSpPr>
+          <p:cNvPr id="22" name="TextBox 21">
+            <a:extLst>
+              <a:ext uri="{FF2B5EF4-FFF2-40B4-BE49-F238E27FC236}">
+                <a16:creationId xmlns:a16="http://schemas.microsoft.com/office/drawing/2014/main" id="{AFAFB93A-19ED-492A-923A-8D7F78CF8082}"/>
               </a:ext>
             </a:extLst>
           </p:cNvPr>
